--- a/SE2018春-G17-需求分析PPT.pptx
+++ b/SE2018春-G17-需求分析PPT.pptx
@@ -134,7 +134,7 @@
   </p:defaultTextStyle>
   <p:extLst>
     <p:ext uri="{EFAFB233-063F-42B5-8137-9DF3F51BA10A}">
-      <p15:sldGuideLst xmlns:p15="http://schemas.microsoft.com/office/powerpoint/2012/main">
+      <p15:sldGuideLst xmlns:p15="http://schemas.microsoft.com/office/powerpoint/2012/main" xmlns="">
         <p15:guide id="1" orient="horz" pos="2160">
           <p15:clr>
             <a:srgbClr val="A4A3A4"/>
@@ -163,7 +163,7 @@
       </p15:sldGuideLst>
     </p:ext>
     <p:ext uri="{2D200454-40CA-4A62-9FC3-DE9A4176ACB9}">
-      <p15:notesGuideLst xmlns:p15="http://schemas.microsoft.com/office/powerpoint/2012/main">
+      <p15:notesGuideLst xmlns:p15="http://schemas.microsoft.com/office/powerpoint/2012/main" xmlns="">
         <p15:guide id="1" orient="horz" pos="2879">
           <p15:clr>
             <a:srgbClr val="A4A3A4"/>
@@ -262,7 +262,7 @@
           <a:p>
             <a:fld id="{5D1C15E6-6BD2-4E4B-B1D4-218C26E1B228}" type="datetimeFigureOut">
               <a:rPr lang="zh-CN" altLang="en-US" smtClean="0"/>
-              <a:t>2018/4/22</a:t>
+              <a:t>2018/4/23</a:t>
             </a:fld>
             <a:endParaRPr lang="zh-CN" altLang="en-US"/>
           </a:p>
@@ -335,6 +335,11 @@
         </p:txBody>
       </p:sp>
     </p:spTree>
+    <p:extLst>
+      <p:ext uri="{BB962C8B-B14F-4D97-AF65-F5344CB8AC3E}">
+        <p14:creationId xmlns:p14="http://schemas.microsoft.com/office/powerpoint/2010/main" val="3295579989"/>
+      </p:ext>
+    </p:extLst>
   </p:cSld>
   <p:clrMap bg1="lt1" tx1="dk1" bg2="lt2" tx2="dk2" accent1="accent1" accent2="accent2" accent3="accent3" accent4="accent4" accent5="accent5" accent6="accent6" hlink="hlink" folHlink="folHlink"/>
 </p:handoutMaster>
@@ -422,7 +427,7 @@
           <a:p>
             <a:fld id="{0B17430C-5A66-4BD0-A971-34190B6C6019}" type="datetimeFigureOut">
               <a:rPr lang="zh-CN" altLang="en-US" smtClean="0"/>
-              <a:t>2018/4/22</a:t>
+              <a:t>2018/4/23</a:t>
             </a:fld>
             <a:endParaRPr lang="zh-CN" altLang="en-US"/>
           </a:p>
@@ -587,6 +592,11 @@
         </p:txBody>
       </p:sp>
     </p:spTree>
+    <p:extLst>
+      <p:ext uri="{BB962C8B-B14F-4D97-AF65-F5344CB8AC3E}">
+        <p14:creationId xmlns:p14="http://schemas.microsoft.com/office/powerpoint/2010/main" val="3195515080"/>
+      </p:ext>
+    </p:extLst>
   </p:cSld>
   <p:clrMap bg1="lt1" tx1="dk1" bg2="lt2" tx2="dk2" accent1="accent1" accent2="accent2" accent3="accent3" accent4="accent4" accent5="accent5" accent6="accent6" hlink="hlink" folHlink="folHlink"/>
   <p:notesStyle>
@@ -2177,7 +2187,7 @@
           <a:p>
             <a:fld id="{530820CF-B880-4189-942D-D702A7CBA730}" type="datetimeFigureOut">
               <a:rPr lang="zh-CN" altLang="en-US" smtClean="0"/>
-              <a:t>2018/4/22</a:t>
+              <a:t>2018/4/23</a:t>
             </a:fld>
             <a:endParaRPr lang="zh-CN" altLang="en-US"/>
           </a:p>
@@ -2294,7 +2304,7 @@
           <a:p>
             <a:fld id="{530820CF-B880-4189-942D-D702A7CBA730}" type="datetimeFigureOut">
               <a:rPr lang="zh-CN" altLang="en-US" smtClean="0"/>
-              <a:t>2018/4/22</a:t>
+              <a:t>2018/4/23</a:t>
             </a:fld>
             <a:endParaRPr lang="zh-CN" altLang="en-US"/>
           </a:p>
@@ -4575,7 +4585,7 @@
           <p:cNvPr id="6" name="图片 5">
             <a:extLst>
               <a:ext uri="{FF2B5EF4-FFF2-40B4-BE49-F238E27FC236}">
-                <a16:creationId xmlns:a16="http://schemas.microsoft.com/office/drawing/2014/main" id="{71F4831E-E618-FE4C-9E50-24CF114C4F96}"/>
+                <a16:creationId xmlns:a16="http://schemas.microsoft.com/office/drawing/2014/main" xmlns="" id="{71F4831E-E618-FE4C-9E50-24CF114C4F96}"/>
               </a:ext>
             </a:extLst>
           </p:cNvPr>
@@ -4611,7 +4621,7 @@
           <p:cNvPr id="8" name="文本框 7">
             <a:extLst>
               <a:ext uri="{FF2B5EF4-FFF2-40B4-BE49-F238E27FC236}">
-                <a16:creationId xmlns:a16="http://schemas.microsoft.com/office/drawing/2014/main" id="{D18386E0-7984-2B46-8F3C-0CA6C8105131}"/>
+                <a16:creationId xmlns:a16="http://schemas.microsoft.com/office/drawing/2014/main" xmlns="" id="{D18386E0-7984-2B46-8F3C-0CA6C8105131}"/>
               </a:ext>
             </a:extLst>
           </p:cNvPr>
@@ -4859,7 +4869,7 @@
           <p:cNvPr id="6" name="图片 5">
             <a:extLst>
               <a:ext uri="{FF2B5EF4-FFF2-40B4-BE49-F238E27FC236}">
-                <a16:creationId xmlns:a16="http://schemas.microsoft.com/office/drawing/2014/main" id="{77A83702-C63E-C64E-AFB4-E6EC646A1524}"/>
+                <a16:creationId xmlns:a16="http://schemas.microsoft.com/office/drawing/2014/main" xmlns="" id="{77A83702-C63E-C64E-AFB4-E6EC646A1524}"/>
               </a:ext>
             </a:extLst>
           </p:cNvPr>
@@ -4895,7 +4905,7 @@
           <p:cNvPr id="8" name="文本框 7">
             <a:extLst>
               <a:ext uri="{FF2B5EF4-FFF2-40B4-BE49-F238E27FC236}">
-                <a16:creationId xmlns:a16="http://schemas.microsoft.com/office/drawing/2014/main" id="{D18386E0-7984-2B46-8F3C-0CA6C8105131}"/>
+                <a16:creationId xmlns:a16="http://schemas.microsoft.com/office/drawing/2014/main" xmlns="" id="{D18386E0-7984-2B46-8F3C-0CA6C8105131}"/>
               </a:ext>
             </a:extLst>
           </p:cNvPr>
@@ -5143,7 +5153,7 @@
           <p:cNvPr id="8" name="文本框 7">
             <a:extLst>
               <a:ext uri="{FF2B5EF4-FFF2-40B4-BE49-F238E27FC236}">
-                <a16:creationId xmlns:a16="http://schemas.microsoft.com/office/drawing/2014/main" id="{D18386E0-7984-2B46-8F3C-0CA6C8105131}"/>
+                <a16:creationId xmlns:a16="http://schemas.microsoft.com/office/drawing/2014/main" xmlns="" id="{D18386E0-7984-2B46-8F3C-0CA6C8105131}"/>
               </a:ext>
             </a:extLst>
           </p:cNvPr>
@@ -5211,7 +5221,7 @@
           <p:cNvPr id="6" name="图片 5">
             <a:extLst>
               <a:ext uri="{FF2B5EF4-FFF2-40B4-BE49-F238E27FC236}">
-                <a16:creationId xmlns:a16="http://schemas.microsoft.com/office/drawing/2014/main" id="{210A6BB7-E286-A447-9247-E23E315A7E39}"/>
+                <a16:creationId xmlns:a16="http://schemas.microsoft.com/office/drawing/2014/main" xmlns="" id="{210A6BB7-E286-A447-9247-E23E315A7E39}"/>
               </a:ext>
             </a:extLst>
           </p:cNvPr>
@@ -5418,7 +5428,7 @@
           <p:cNvPr id="10" name="图片 9">
             <a:extLst>
               <a:ext uri="{FF2B5EF4-FFF2-40B4-BE49-F238E27FC236}">
-                <a16:creationId xmlns:a16="http://schemas.microsoft.com/office/drawing/2014/main" id="{554DAF2A-9E73-CF4E-9D20-CFFC9E1F06E2}"/>
+                <a16:creationId xmlns:a16="http://schemas.microsoft.com/office/drawing/2014/main" xmlns="" id="{554DAF2A-9E73-CF4E-9D20-CFFC9E1F06E2}"/>
               </a:ext>
             </a:extLst>
           </p:cNvPr>
@@ -5457,7 +5467,7 @@
           <p:cNvPr id="11" name="文本框 10">
             <a:extLst>
               <a:ext uri="{FF2B5EF4-FFF2-40B4-BE49-F238E27FC236}">
-                <a16:creationId xmlns:a16="http://schemas.microsoft.com/office/drawing/2014/main" id="{BF2A9BBF-A548-C74C-92D0-4D314D896C9E}"/>
+                <a16:creationId xmlns:a16="http://schemas.microsoft.com/office/drawing/2014/main" xmlns="" id="{BF2A9BBF-A548-C74C-92D0-4D314D896C9E}"/>
               </a:ext>
             </a:extLst>
           </p:cNvPr>
@@ -5691,7 +5701,7 @@
           <p:cNvPr id="11" name="文本框 10">
             <a:extLst>
               <a:ext uri="{FF2B5EF4-FFF2-40B4-BE49-F238E27FC236}">
-                <a16:creationId xmlns:a16="http://schemas.microsoft.com/office/drawing/2014/main" id="{BF2A9BBF-A548-C74C-92D0-4D314D896C9E}"/>
+                <a16:creationId xmlns:a16="http://schemas.microsoft.com/office/drawing/2014/main" xmlns="" id="{BF2A9BBF-A548-C74C-92D0-4D314D896C9E}"/>
               </a:ext>
             </a:extLst>
           </p:cNvPr>
@@ -5759,7 +5769,7 @@
           <p:cNvPr id="7" name="图片 6">
             <a:extLst>
               <a:ext uri="{FF2B5EF4-FFF2-40B4-BE49-F238E27FC236}">
-                <a16:creationId xmlns:a16="http://schemas.microsoft.com/office/drawing/2014/main" id="{7AB2B00A-7026-B04C-A6C3-50DD6EB0B0EF}"/>
+                <a16:creationId xmlns:a16="http://schemas.microsoft.com/office/drawing/2014/main" xmlns="" id="{7AB2B00A-7026-B04C-A6C3-50DD6EB0B0EF}"/>
               </a:ext>
             </a:extLst>
           </p:cNvPr>
@@ -5964,7 +5974,7 @@
           <p:cNvPr id="11" name="文本框 10">
             <a:extLst>
               <a:ext uri="{FF2B5EF4-FFF2-40B4-BE49-F238E27FC236}">
-                <a16:creationId xmlns:a16="http://schemas.microsoft.com/office/drawing/2014/main" id="{BF2A9BBF-A548-C74C-92D0-4D314D896C9E}"/>
+                <a16:creationId xmlns:a16="http://schemas.microsoft.com/office/drawing/2014/main" xmlns="" id="{BF2A9BBF-A548-C74C-92D0-4D314D896C9E}"/>
               </a:ext>
             </a:extLst>
           </p:cNvPr>
@@ -6032,7 +6042,7 @@
           <p:cNvPr id="7" name="图片 6">
             <a:extLst>
               <a:ext uri="{FF2B5EF4-FFF2-40B4-BE49-F238E27FC236}">
-                <a16:creationId xmlns:a16="http://schemas.microsoft.com/office/drawing/2014/main" id="{DF148F25-0C35-1946-A6E8-26572C6A298B}"/>
+                <a16:creationId xmlns:a16="http://schemas.microsoft.com/office/drawing/2014/main" xmlns="" id="{DF148F25-0C35-1946-A6E8-26572C6A298B}"/>
               </a:ext>
             </a:extLst>
           </p:cNvPr>
@@ -6242,7 +6252,7 @@
           <p:cNvPr id="7" name="文本框 6">
             <a:extLst>
               <a:ext uri="{FF2B5EF4-FFF2-40B4-BE49-F238E27FC236}">
-                <a16:creationId xmlns:a16="http://schemas.microsoft.com/office/drawing/2014/main" id="{25D89D42-062C-D74D-829D-73873851EC24}"/>
+                <a16:creationId xmlns:a16="http://schemas.microsoft.com/office/drawing/2014/main" xmlns="" id="{25D89D42-062C-D74D-829D-73873851EC24}"/>
               </a:ext>
             </a:extLst>
           </p:cNvPr>
@@ -6290,7 +6300,7 @@
           <p:cNvPr id="8" name="表格 7">
             <a:extLst>
               <a:ext uri="{FF2B5EF4-FFF2-40B4-BE49-F238E27FC236}">
-                <a16:creationId xmlns:a16="http://schemas.microsoft.com/office/drawing/2014/main" id="{CC6CCE95-A4F1-094C-883C-95B8C175B610}"/>
+                <a16:creationId xmlns:a16="http://schemas.microsoft.com/office/drawing/2014/main" xmlns="" id="{CC6CCE95-A4F1-094C-883C-95B8C175B610}"/>
               </a:ext>
             </a:extLst>
           </p:cNvPr>
@@ -6319,7 +6329,7 @@
                 <a:gridCol w="7560840">
                   <a:extLst>
                     <a:ext uri="{9D8B030D-6E8A-4147-A177-3AD203B41FA5}">
-                      <a16:colId xmlns:a16="http://schemas.microsoft.com/office/drawing/2014/main" val="3617504513"/>
+                      <a16:colId xmlns:a16="http://schemas.microsoft.com/office/drawing/2014/main" xmlns="" val="3617504513"/>
                     </a:ext>
                   </a:extLst>
                 </a:gridCol>
@@ -6465,7 +6475,7 @@
                 </a:tc>
                 <a:extLst>
                   <a:ext uri="{0D108BD9-81ED-4DB2-BD59-A6C34878D82A}">
-                    <a16:rowId xmlns:a16="http://schemas.microsoft.com/office/drawing/2014/main" val="3874320418"/>
+                    <a16:rowId xmlns:a16="http://schemas.microsoft.com/office/drawing/2014/main" xmlns="" val="3874320418"/>
                   </a:ext>
                 </a:extLst>
               </a:tr>
@@ -6478,7 +6488,7 @@
           <p:cNvPr id="10" name="文本框 9">
             <a:extLst>
               <a:ext uri="{FF2B5EF4-FFF2-40B4-BE49-F238E27FC236}">
-                <a16:creationId xmlns:a16="http://schemas.microsoft.com/office/drawing/2014/main" id="{C61F55E6-5803-644B-8E78-5E5AB483CA28}"/>
+                <a16:creationId xmlns:a16="http://schemas.microsoft.com/office/drawing/2014/main" xmlns="" id="{C61F55E6-5803-644B-8E78-5E5AB483CA28}"/>
               </a:ext>
             </a:extLst>
           </p:cNvPr>
@@ -6526,7 +6536,7 @@
           <p:cNvPr id="11" name="表格 10">
             <a:extLst>
               <a:ext uri="{FF2B5EF4-FFF2-40B4-BE49-F238E27FC236}">
-                <a16:creationId xmlns:a16="http://schemas.microsoft.com/office/drawing/2014/main" id="{B6E36008-DAA7-314D-B1D7-178B2782F721}"/>
+                <a16:creationId xmlns:a16="http://schemas.microsoft.com/office/drawing/2014/main" xmlns="" id="{B6E36008-DAA7-314D-B1D7-178B2782F721}"/>
               </a:ext>
             </a:extLst>
           </p:cNvPr>
@@ -6555,7 +6565,7 @@
                 <a:gridCol w="7536772">
                   <a:extLst>
                     <a:ext uri="{9D8B030D-6E8A-4147-A177-3AD203B41FA5}">
-                      <a16:colId xmlns:a16="http://schemas.microsoft.com/office/drawing/2014/main" val="714366849"/>
+                      <a16:colId xmlns:a16="http://schemas.microsoft.com/office/drawing/2014/main" xmlns="" val="714366849"/>
                     </a:ext>
                   </a:extLst>
                 </a:gridCol>
@@ -6677,7 +6687,7 @@
                 </a:tc>
                 <a:extLst>
                   <a:ext uri="{0D108BD9-81ED-4DB2-BD59-A6C34878D82A}">
-                    <a16:rowId xmlns:a16="http://schemas.microsoft.com/office/drawing/2014/main" val="1950726226"/>
+                    <a16:rowId xmlns:a16="http://schemas.microsoft.com/office/drawing/2014/main" xmlns="" val="1950726226"/>
                   </a:ext>
                 </a:extLst>
               </a:tr>
@@ -6856,7 +6866,7 @@
           <p:cNvPr id="7" name="文本框 6">
             <a:extLst>
               <a:ext uri="{FF2B5EF4-FFF2-40B4-BE49-F238E27FC236}">
-                <a16:creationId xmlns:a16="http://schemas.microsoft.com/office/drawing/2014/main" id="{25D89D42-062C-D74D-829D-73873851EC24}"/>
+                <a16:creationId xmlns:a16="http://schemas.microsoft.com/office/drawing/2014/main" xmlns="" id="{25D89D42-062C-D74D-829D-73873851EC24}"/>
               </a:ext>
             </a:extLst>
           </p:cNvPr>
@@ -6904,7 +6914,7 @@
           <p:cNvPr id="10" name="文本框 9">
             <a:extLst>
               <a:ext uri="{FF2B5EF4-FFF2-40B4-BE49-F238E27FC236}">
-                <a16:creationId xmlns:a16="http://schemas.microsoft.com/office/drawing/2014/main" id="{C61F55E6-5803-644B-8E78-5E5AB483CA28}"/>
+                <a16:creationId xmlns:a16="http://schemas.microsoft.com/office/drawing/2014/main" xmlns="" id="{C61F55E6-5803-644B-8E78-5E5AB483CA28}"/>
               </a:ext>
             </a:extLst>
           </p:cNvPr>
@@ -6952,7 +6962,7 @@
           <p:cNvPr id="5" name="表格 4">
             <a:extLst>
               <a:ext uri="{FF2B5EF4-FFF2-40B4-BE49-F238E27FC236}">
-                <a16:creationId xmlns:a16="http://schemas.microsoft.com/office/drawing/2014/main" id="{C9421ADC-CB4E-5C4F-B25F-8F4C02BD9E60}"/>
+                <a16:creationId xmlns:a16="http://schemas.microsoft.com/office/drawing/2014/main" xmlns="" id="{C9421ADC-CB4E-5C4F-B25F-8F4C02BD9E60}"/>
               </a:ext>
             </a:extLst>
           </p:cNvPr>
@@ -6981,7 +6991,7 @@
                 <a:gridCol w="7506643">
                   <a:extLst>
                     <a:ext uri="{9D8B030D-6E8A-4147-A177-3AD203B41FA5}">
-                      <a16:colId xmlns:a16="http://schemas.microsoft.com/office/drawing/2014/main" val="4208787521"/>
+                      <a16:colId xmlns:a16="http://schemas.microsoft.com/office/drawing/2014/main" xmlns="" val="4208787521"/>
                     </a:ext>
                   </a:extLst>
                 </a:gridCol>
@@ -7097,7 +7107,7 @@
                 </a:tc>
                 <a:extLst>
                   <a:ext uri="{0D108BD9-81ED-4DB2-BD59-A6C34878D82A}">
-                    <a16:rowId xmlns:a16="http://schemas.microsoft.com/office/drawing/2014/main" val="4101342829"/>
+                    <a16:rowId xmlns:a16="http://schemas.microsoft.com/office/drawing/2014/main" xmlns="" val="4101342829"/>
                   </a:ext>
                 </a:extLst>
               </a:tr>
@@ -7110,7 +7120,7 @@
           <p:cNvPr id="6" name="表格 5">
             <a:extLst>
               <a:ext uri="{FF2B5EF4-FFF2-40B4-BE49-F238E27FC236}">
-                <a16:creationId xmlns:a16="http://schemas.microsoft.com/office/drawing/2014/main" id="{14E46DB7-F354-6649-BE90-CFC68D9A201F}"/>
+                <a16:creationId xmlns:a16="http://schemas.microsoft.com/office/drawing/2014/main" xmlns="" id="{14E46DB7-F354-6649-BE90-CFC68D9A201F}"/>
               </a:ext>
             </a:extLst>
           </p:cNvPr>
@@ -7139,7 +7149,7 @@
                 <a:gridCol w="7506643">
                   <a:extLst>
                     <a:ext uri="{9D8B030D-6E8A-4147-A177-3AD203B41FA5}">
-                      <a16:colId xmlns:a16="http://schemas.microsoft.com/office/drawing/2014/main" val="4023612245"/>
+                      <a16:colId xmlns:a16="http://schemas.microsoft.com/office/drawing/2014/main" xmlns="" val="4023612245"/>
                     </a:ext>
                   </a:extLst>
                 </a:gridCol>
@@ -7237,7 +7247,7 @@
                 </a:tc>
                 <a:extLst>
                   <a:ext uri="{0D108BD9-81ED-4DB2-BD59-A6C34878D82A}">
-                    <a16:rowId xmlns:a16="http://schemas.microsoft.com/office/drawing/2014/main" val="923266115"/>
+                    <a16:rowId xmlns:a16="http://schemas.microsoft.com/office/drawing/2014/main" xmlns="" val="923266115"/>
                   </a:ext>
                 </a:extLst>
               </a:tr>
@@ -7250,7 +7260,7 @@
           <p:cNvPr id="12" name="文本框 11">
             <a:extLst>
               <a:ext uri="{FF2B5EF4-FFF2-40B4-BE49-F238E27FC236}">
-                <a16:creationId xmlns:a16="http://schemas.microsoft.com/office/drawing/2014/main" id="{EE69C27A-720C-A041-A320-5B1E64C2B83E}"/>
+                <a16:creationId xmlns:a16="http://schemas.microsoft.com/office/drawing/2014/main" xmlns="" id="{EE69C27A-720C-A041-A320-5B1E64C2B83E}"/>
               </a:ext>
             </a:extLst>
           </p:cNvPr>
@@ -7469,7 +7479,7 @@
           <p:cNvPr id="12" name="文本框 11">
             <a:extLst>
               <a:ext uri="{FF2B5EF4-FFF2-40B4-BE49-F238E27FC236}">
-                <a16:creationId xmlns:a16="http://schemas.microsoft.com/office/drawing/2014/main" id="{EE69C27A-720C-A041-A320-5B1E64C2B83E}"/>
+                <a16:creationId xmlns:a16="http://schemas.microsoft.com/office/drawing/2014/main" xmlns="" id="{EE69C27A-720C-A041-A320-5B1E64C2B83E}"/>
               </a:ext>
             </a:extLst>
           </p:cNvPr>
@@ -7537,7 +7547,7 @@
           <p:cNvPr id="8" name="表格 7">
             <a:extLst>
               <a:ext uri="{FF2B5EF4-FFF2-40B4-BE49-F238E27FC236}">
-                <a16:creationId xmlns:a16="http://schemas.microsoft.com/office/drawing/2014/main" id="{55C99A6F-79B3-EE42-87B1-1527B2A21473}"/>
+                <a16:creationId xmlns:a16="http://schemas.microsoft.com/office/drawing/2014/main" xmlns="" id="{55C99A6F-79B3-EE42-87B1-1527B2A21473}"/>
               </a:ext>
             </a:extLst>
           </p:cNvPr>
@@ -7566,14 +7576,14 @@
                 <a:gridCol w="2292030">
                   <a:extLst>
                     <a:ext uri="{9D8B030D-6E8A-4147-A177-3AD203B41FA5}">
-                      <a16:colId xmlns:a16="http://schemas.microsoft.com/office/drawing/2014/main" val="2024659223"/>
+                      <a16:colId xmlns:a16="http://schemas.microsoft.com/office/drawing/2014/main" xmlns="" val="2024659223"/>
                     </a:ext>
                   </a:extLst>
                 </a:gridCol>
                 <a:gridCol w="7141018">
                   <a:extLst>
                     <a:ext uri="{9D8B030D-6E8A-4147-A177-3AD203B41FA5}">
-                      <a16:colId xmlns:a16="http://schemas.microsoft.com/office/drawing/2014/main" val="1723103859"/>
+                      <a16:colId xmlns:a16="http://schemas.microsoft.com/office/drawing/2014/main" xmlns="" val="1723103859"/>
                     </a:ext>
                   </a:extLst>
                 </a:gridCol>
@@ -7590,12 +7600,12 @@
                         </a:spcAft>
                       </a:pPr>
                       <a:r>
-                        <a:rPr lang="zh-CN" sz="2800" kern="0">
+                        <a:rPr lang="zh-CN" sz="2800" kern="0" dirty="0">
                           <a:effectLst/>
                         </a:rPr>
                         <a:t>表名</a:t>
                       </a:r>
-                      <a:endParaRPr lang="zh-CN" sz="2800" kern="100">
+                      <a:endParaRPr lang="zh-CN" sz="2800" kern="100" dirty="0">
                         <a:effectLst/>
                         <a:latin typeface="Calibri" panose="020F0502020204030204" pitchFamily="34" charset="0"/>
                         <a:ea typeface="宋体" panose="02010600030101010101" pitchFamily="2" charset="-122"/>
@@ -7633,7 +7643,7 @@
                 </a:tc>
                 <a:extLst>
                   <a:ext uri="{0D108BD9-81ED-4DB2-BD59-A6C34878D82A}">
-                    <a16:rowId xmlns:a16="http://schemas.microsoft.com/office/drawing/2014/main" val="162674289"/>
+                    <a16:rowId xmlns:a16="http://schemas.microsoft.com/office/drawing/2014/main" xmlns="" val="162674289"/>
                   </a:ext>
                 </a:extLst>
               </a:tr>
@@ -7675,12 +7685,12 @@
                         </a:spcAft>
                       </a:pPr>
                       <a:r>
-                        <a:rPr lang="zh-CN" sz="2800" kern="0">
+                        <a:rPr lang="zh-CN" sz="2800" kern="0" dirty="0">
                           <a:effectLst/>
                         </a:rPr>
                         <a:t>记录一种酒的相关信息</a:t>
                       </a:r>
-                      <a:endParaRPr lang="zh-CN" sz="2800" kern="100">
+                      <a:endParaRPr lang="zh-CN" sz="2800" kern="100" dirty="0">
                         <a:effectLst/>
                         <a:latin typeface="Calibri" panose="020F0502020204030204" pitchFamily="34" charset="0"/>
                         <a:ea typeface="宋体" panose="02010600030101010101" pitchFamily="2" charset="-122"/>
@@ -7692,7 +7702,7 @@
                 </a:tc>
                 <a:extLst>
                   <a:ext uri="{0D108BD9-81ED-4DB2-BD59-A6C34878D82A}">
-                    <a16:rowId xmlns:a16="http://schemas.microsoft.com/office/drawing/2014/main" val="1955048590"/>
+                    <a16:rowId xmlns:a16="http://schemas.microsoft.com/office/drawing/2014/main" xmlns="" val="1955048590"/>
                   </a:ext>
                 </a:extLst>
               </a:tr>
@@ -7757,7 +7767,7 @@
                 </a:tc>
                 <a:extLst>
                   <a:ext uri="{0D108BD9-81ED-4DB2-BD59-A6C34878D82A}">
-                    <a16:rowId xmlns:a16="http://schemas.microsoft.com/office/drawing/2014/main" val="3697597686"/>
+                    <a16:rowId xmlns:a16="http://schemas.microsoft.com/office/drawing/2014/main" xmlns="" val="3697597686"/>
                   </a:ext>
                 </a:extLst>
               </a:tr>
@@ -7816,7 +7826,7 @@
                 </a:tc>
                 <a:extLst>
                   <a:ext uri="{0D108BD9-81ED-4DB2-BD59-A6C34878D82A}">
-                    <a16:rowId xmlns:a16="http://schemas.microsoft.com/office/drawing/2014/main" val="3594939807"/>
+                    <a16:rowId xmlns:a16="http://schemas.microsoft.com/office/drawing/2014/main" xmlns="" val="3594939807"/>
                   </a:ext>
                 </a:extLst>
               </a:tr>
@@ -7875,7 +7885,7 @@
                 </a:tc>
                 <a:extLst>
                   <a:ext uri="{0D108BD9-81ED-4DB2-BD59-A6C34878D82A}">
-                    <a16:rowId xmlns:a16="http://schemas.microsoft.com/office/drawing/2014/main" val="4153271153"/>
+                    <a16:rowId xmlns:a16="http://schemas.microsoft.com/office/drawing/2014/main" xmlns="" val="4153271153"/>
                   </a:ext>
                 </a:extLst>
               </a:tr>
@@ -7934,7 +7944,7 @@
                 </a:tc>
                 <a:extLst>
                   <a:ext uri="{0D108BD9-81ED-4DB2-BD59-A6C34878D82A}">
-                    <a16:rowId xmlns:a16="http://schemas.microsoft.com/office/drawing/2014/main" val="218195332"/>
+                    <a16:rowId xmlns:a16="http://schemas.microsoft.com/office/drawing/2014/main" xmlns="" val="218195332"/>
                   </a:ext>
                 </a:extLst>
               </a:tr>
@@ -7993,7 +8003,7 @@
                 </a:tc>
                 <a:extLst>
                   <a:ext uri="{0D108BD9-81ED-4DB2-BD59-A6C34878D82A}">
-                    <a16:rowId xmlns:a16="http://schemas.microsoft.com/office/drawing/2014/main" val="837999461"/>
+                    <a16:rowId xmlns:a16="http://schemas.microsoft.com/office/drawing/2014/main" xmlns="" val="837999461"/>
                   </a:ext>
                 </a:extLst>
               </a:tr>
@@ -8052,7 +8062,7 @@
                 </a:tc>
                 <a:extLst>
                   <a:ext uri="{0D108BD9-81ED-4DB2-BD59-A6C34878D82A}">
-                    <a16:rowId xmlns:a16="http://schemas.microsoft.com/office/drawing/2014/main" val="3169036686"/>
+                    <a16:rowId xmlns:a16="http://schemas.microsoft.com/office/drawing/2014/main" xmlns="" val="3169036686"/>
                   </a:ext>
                 </a:extLst>
               </a:tr>
@@ -8236,7 +8246,7 @@
           <p:cNvPr id="7" name="文本框 6">
             <a:extLst>
               <a:ext uri="{FF2B5EF4-FFF2-40B4-BE49-F238E27FC236}">
-                <a16:creationId xmlns:a16="http://schemas.microsoft.com/office/drawing/2014/main" id="{4CABFEFC-B5F7-E94F-A697-994D743599A2}"/>
+                <a16:creationId xmlns:a16="http://schemas.microsoft.com/office/drawing/2014/main" xmlns="" id="{4CABFEFC-B5F7-E94F-A697-994D743599A2}"/>
               </a:ext>
             </a:extLst>
           </p:cNvPr>
@@ -8284,7 +8294,7 @@
           <p:cNvPr id="5" name="文本框 4">
             <a:extLst>
               <a:ext uri="{FF2B5EF4-FFF2-40B4-BE49-F238E27FC236}">
-                <a16:creationId xmlns:a16="http://schemas.microsoft.com/office/drawing/2014/main" id="{96A4CB69-7A04-8147-8C0D-D85952D7A325}"/>
+                <a16:creationId xmlns:a16="http://schemas.microsoft.com/office/drawing/2014/main" xmlns="" id="{96A4CB69-7A04-8147-8C0D-D85952D7A325}"/>
               </a:ext>
             </a:extLst>
           </p:cNvPr>
@@ -8342,7 +8352,7 @@
           <p:cNvPr id="8" name="文本框 7">
             <a:extLst>
               <a:ext uri="{FF2B5EF4-FFF2-40B4-BE49-F238E27FC236}">
-                <a16:creationId xmlns:a16="http://schemas.microsoft.com/office/drawing/2014/main" id="{F77B3926-C1D6-A340-8B77-BF77B047F344}"/>
+                <a16:creationId xmlns:a16="http://schemas.microsoft.com/office/drawing/2014/main" xmlns="" id="{F77B3926-C1D6-A340-8B77-BF77B047F344}"/>
               </a:ext>
             </a:extLst>
           </p:cNvPr>
@@ -8390,7 +8400,7 @@
           <p:cNvPr id="9" name="表格 8">
             <a:extLst>
               <a:ext uri="{FF2B5EF4-FFF2-40B4-BE49-F238E27FC236}">
-                <a16:creationId xmlns:a16="http://schemas.microsoft.com/office/drawing/2014/main" id="{A26F6CEC-1D6C-0D4A-AE5F-A25ADC07A823}"/>
+                <a16:creationId xmlns:a16="http://schemas.microsoft.com/office/drawing/2014/main" xmlns="" id="{A26F6CEC-1D6C-0D4A-AE5F-A25ADC07A823}"/>
               </a:ext>
             </a:extLst>
           </p:cNvPr>
@@ -8419,14 +8429,14 @@
                 <a:gridCol w="3744416">
                   <a:extLst>
                     <a:ext uri="{9D8B030D-6E8A-4147-A177-3AD203B41FA5}">
-                      <a16:colId xmlns:a16="http://schemas.microsoft.com/office/drawing/2014/main" val="1302272281"/>
+                      <a16:colId xmlns:a16="http://schemas.microsoft.com/office/drawing/2014/main" xmlns="" val="1302272281"/>
                     </a:ext>
                   </a:extLst>
                 </a:gridCol>
                 <a:gridCol w="3744416">
                   <a:extLst>
                     <a:ext uri="{9D8B030D-6E8A-4147-A177-3AD203B41FA5}">
-                      <a16:colId xmlns:a16="http://schemas.microsoft.com/office/drawing/2014/main" val="3031031161"/>
+                      <a16:colId xmlns:a16="http://schemas.microsoft.com/office/drawing/2014/main" xmlns="" val="3031031161"/>
                     </a:ext>
                   </a:extLst>
                 </a:gridCol>
@@ -8492,7 +8502,7 @@
                 </a:tc>
                 <a:extLst>
                   <a:ext uri="{0D108BD9-81ED-4DB2-BD59-A6C34878D82A}">
-                    <a16:rowId xmlns:a16="http://schemas.microsoft.com/office/drawing/2014/main" val="1783198662"/>
+                    <a16:rowId xmlns:a16="http://schemas.microsoft.com/office/drawing/2014/main" xmlns="" val="1783198662"/>
                   </a:ext>
                 </a:extLst>
               </a:tr>
@@ -8551,7 +8561,7 @@
                 </a:tc>
                 <a:extLst>
                   <a:ext uri="{0D108BD9-81ED-4DB2-BD59-A6C34878D82A}">
-                    <a16:rowId xmlns:a16="http://schemas.microsoft.com/office/drawing/2014/main" val="4264534798"/>
+                    <a16:rowId xmlns:a16="http://schemas.microsoft.com/office/drawing/2014/main" xmlns="" val="4264534798"/>
                   </a:ext>
                 </a:extLst>
               </a:tr>
@@ -8610,7 +8620,7 @@
                 </a:tc>
                 <a:extLst>
                   <a:ext uri="{0D108BD9-81ED-4DB2-BD59-A6C34878D82A}">
-                    <a16:rowId xmlns:a16="http://schemas.microsoft.com/office/drawing/2014/main" val="352554794"/>
+                    <a16:rowId xmlns:a16="http://schemas.microsoft.com/office/drawing/2014/main" xmlns="" val="352554794"/>
                   </a:ext>
                 </a:extLst>
               </a:tr>
@@ -12264,7 +12274,7 @@
           <p:cNvPr id="30" name="Freeform 10_10">
             <a:extLst>
               <a:ext uri="{FF2B5EF4-FFF2-40B4-BE49-F238E27FC236}">
-                <a16:creationId xmlns:a16="http://schemas.microsoft.com/office/drawing/2014/main" id="{22D37FF8-6F7A-D341-AD42-9AB1D5F562D7}"/>
+                <a16:creationId xmlns:a16="http://schemas.microsoft.com/office/drawing/2014/main" xmlns="" id="{22D37FF8-6F7A-D341-AD42-9AB1D5F562D7}"/>
               </a:ext>
             </a:extLst>
           </p:cNvPr>
@@ -12405,7 +12415,7 @@
           <p:cNvPr id="31" name="TextBox 93">
             <a:extLst>
               <a:ext uri="{FF2B5EF4-FFF2-40B4-BE49-F238E27FC236}">
-                <a16:creationId xmlns:a16="http://schemas.microsoft.com/office/drawing/2014/main" id="{8517E34A-1D2E-0149-A97F-26D7E58AC4B8}"/>
+                <a16:creationId xmlns:a16="http://schemas.microsoft.com/office/drawing/2014/main" xmlns="" id="{8517E34A-1D2E-0149-A97F-26D7E58AC4B8}"/>
               </a:ext>
             </a:extLst>
           </p:cNvPr>
@@ -12587,7 +12597,7 @@
           <p:cNvPr id="33" name="组合 71">
             <a:extLst>
               <a:ext uri="{FF2B5EF4-FFF2-40B4-BE49-F238E27FC236}">
-                <a16:creationId xmlns:a16="http://schemas.microsoft.com/office/drawing/2014/main" id="{995277C0-FDD3-4B47-88AD-DC02EB729FD9}"/>
+                <a16:creationId xmlns:a16="http://schemas.microsoft.com/office/drawing/2014/main" xmlns="" id="{995277C0-FDD3-4B47-88AD-DC02EB729FD9}"/>
               </a:ext>
             </a:extLst>
           </p:cNvPr>
@@ -12610,7 +12620,7 @@
             <p:cNvPr id="34" name="Oval 16">
               <a:extLst>
                 <a:ext uri="{FF2B5EF4-FFF2-40B4-BE49-F238E27FC236}">
-                  <a16:creationId xmlns:a16="http://schemas.microsoft.com/office/drawing/2014/main" id="{7BFDA92B-C948-BB41-935D-BEE9CFB9146A}"/>
+                  <a16:creationId xmlns:a16="http://schemas.microsoft.com/office/drawing/2014/main" xmlns="" id="{7BFDA92B-C948-BB41-935D-BEE9CFB9146A}"/>
                 </a:ext>
               </a:extLst>
             </p:cNvPr>
@@ -12661,7 +12671,7 @@
             <p:cNvPr id="35" name="TextBox 78">
               <a:extLst>
                 <a:ext uri="{FF2B5EF4-FFF2-40B4-BE49-F238E27FC236}">
-                  <a16:creationId xmlns:a16="http://schemas.microsoft.com/office/drawing/2014/main" id="{51ED38E0-8DCF-A74F-A598-F505E4B87329}"/>
+                  <a16:creationId xmlns:a16="http://schemas.microsoft.com/office/drawing/2014/main" xmlns="" id="{51ED38E0-8DCF-A74F-A598-F505E4B87329}"/>
                 </a:ext>
               </a:extLst>
             </p:cNvPr>
@@ -12833,7 +12843,7 @@
           <p:cNvPr id="36" name="Freeform 10_10">
             <a:extLst>
               <a:ext uri="{FF2B5EF4-FFF2-40B4-BE49-F238E27FC236}">
-                <a16:creationId xmlns:a16="http://schemas.microsoft.com/office/drawing/2014/main" id="{FC64FA3F-733B-9348-A0A4-222EE60A8EE8}"/>
+                <a16:creationId xmlns:a16="http://schemas.microsoft.com/office/drawing/2014/main" xmlns="" id="{FC64FA3F-733B-9348-A0A4-222EE60A8EE8}"/>
               </a:ext>
             </a:extLst>
           </p:cNvPr>
@@ -13211,7 +13221,7 @@
           <p:cNvPr id="37" name="组合 71">
             <a:extLst>
               <a:ext uri="{FF2B5EF4-FFF2-40B4-BE49-F238E27FC236}">
-                <a16:creationId xmlns:a16="http://schemas.microsoft.com/office/drawing/2014/main" id="{3B8553EE-B873-704E-B8DD-6829B4403FBB}"/>
+                <a16:creationId xmlns:a16="http://schemas.microsoft.com/office/drawing/2014/main" xmlns="" id="{3B8553EE-B873-704E-B8DD-6829B4403FBB}"/>
               </a:ext>
             </a:extLst>
           </p:cNvPr>
@@ -13234,7 +13244,7 @@
             <p:cNvPr id="38" name="Oval 16">
               <a:extLst>
                 <a:ext uri="{FF2B5EF4-FFF2-40B4-BE49-F238E27FC236}">
-                  <a16:creationId xmlns:a16="http://schemas.microsoft.com/office/drawing/2014/main" id="{B955C321-12FD-5946-9109-28C80C96F121}"/>
+                  <a16:creationId xmlns:a16="http://schemas.microsoft.com/office/drawing/2014/main" xmlns="" id="{B955C321-12FD-5946-9109-28C80C96F121}"/>
                 </a:ext>
               </a:extLst>
             </p:cNvPr>
@@ -13285,7 +13295,7 @@
             <p:cNvPr id="39" name="TextBox 78">
               <a:extLst>
                 <a:ext uri="{FF2B5EF4-FFF2-40B4-BE49-F238E27FC236}">
-                  <a16:creationId xmlns:a16="http://schemas.microsoft.com/office/drawing/2014/main" id="{33F9CFE0-D6AF-B948-85B0-B98A560DD2B4}"/>
+                  <a16:creationId xmlns:a16="http://schemas.microsoft.com/office/drawing/2014/main" xmlns="" id="{33F9CFE0-D6AF-B948-85B0-B98A560DD2B4}"/>
                 </a:ext>
               </a:extLst>
             </p:cNvPr>
@@ -13466,7 +13476,7 @@
           <p:cNvPr id="40" name="TextBox 93">
             <a:extLst>
               <a:ext uri="{FF2B5EF4-FFF2-40B4-BE49-F238E27FC236}">
-                <a16:creationId xmlns:a16="http://schemas.microsoft.com/office/drawing/2014/main" id="{8AA8FF74-272B-B841-A7F8-DB6D4B012306}"/>
+                <a16:creationId xmlns:a16="http://schemas.microsoft.com/office/drawing/2014/main" xmlns="" id="{8AA8FF74-272B-B841-A7F8-DB6D4B012306}"/>
               </a:ext>
             </a:extLst>
           </p:cNvPr>
@@ -13648,7 +13658,7 @@
           <p:cNvPr id="41" name="Freeform 10_10">
             <a:extLst>
               <a:ext uri="{FF2B5EF4-FFF2-40B4-BE49-F238E27FC236}">
-                <a16:creationId xmlns:a16="http://schemas.microsoft.com/office/drawing/2014/main" id="{F093838E-054C-5844-8AB6-7D084B36846A}"/>
+                <a16:creationId xmlns:a16="http://schemas.microsoft.com/office/drawing/2014/main" xmlns="" id="{F093838E-054C-5844-8AB6-7D084B36846A}"/>
               </a:ext>
             </a:extLst>
           </p:cNvPr>
@@ -13789,7 +13799,7 @@
           <p:cNvPr id="42" name="TextBox 93">
             <a:extLst>
               <a:ext uri="{FF2B5EF4-FFF2-40B4-BE49-F238E27FC236}">
-                <a16:creationId xmlns:a16="http://schemas.microsoft.com/office/drawing/2014/main" id="{B7278D77-A5A3-DD4D-98EE-8AB93AC2B6A5}"/>
+                <a16:creationId xmlns:a16="http://schemas.microsoft.com/office/drawing/2014/main" xmlns="" id="{B7278D77-A5A3-DD4D-98EE-8AB93AC2B6A5}"/>
               </a:ext>
             </a:extLst>
           </p:cNvPr>
@@ -13971,7 +13981,7 @@
           <p:cNvPr id="43" name="组合 71">
             <a:extLst>
               <a:ext uri="{FF2B5EF4-FFF2-40B4-BE49-F238E27FC236}">
-                <a16:creationId xmlns:a16="http://schemas.microsoft.com/office/drawing/2014/main" id="{F63DFCD8-5F90-9749-9948-E386B434F191}"/>
+                <a16:creationId xmlns:a16="http://schemas.microsoft.com/office/drawing/2014/main" xmlns="" id="{F63DFCD8-5F90-9749-9948-E386B434F191}"/>
               </a:ext>
             </a:extLst>
           </p:cNvPr>
@@ -13994,7 +14004,7 @@
             <p:cNvPr id="44" name="Oval 16">
               <a:extLst>
                 <a:ext uri="{FF2B5EF4-FFF2-40B4-BE49-F238E27FC236}">
-                  <a16:creationId xmlns:a16="http://schemas.microsoft.com/office/drawing/2014/main" id="{01C402EA-1104-B847-A65F-660DB042B499}"/>
+                  <a16:creationId xmlns:a16="http://schemas.microsoft.com/office/drawing/2014/main" xmlns="" id="{01C402EA-1104-B847-A65F-660DB042B499}"/>
                 </a:ext>
               </a:extLst>
             </p:cNvPr>
@@ -14045,7 +14055,7 @@
             <p:cNvPr id="45" name="TextBox 78">
               <a:extLst>
                 <a:ext uri="{FF2B5EF4-FFF2-40B4-BE49-F238E27FC236}">
-                  <a16:creationId xmlns:a16="http://schemas.microsoft.com/office/drawing/2014/main" id="{296204D2-3243-534B-967B-6BB6ACD8BBEE}"/>
+                  <a16:creationId xmlns:a16="http://schemas.microsoft.com/office/drawing/2014/main" xmlns="" id="{296204D2-3243-534B-967B-6BB6ACD8BBEE}"/>
                 </a:ext>
               </a:extLst>
             </p:cNvPr>
@@ -15880,7 +15890,7 @@
           <p:cNvPr id="7" name="文本框 6">
             <a:extLst>
               <a:ext uri="{FF2B5EF4-FFF2-40B4-BE49-F238E27FC236}">
-                <a16:creationId xmlns:a16="http://schemas.microsoft.com/office/drawing/2014/main" id="{4CABFEFC-B5F7-E94F-A697-994D743599A2}"/>
+                <a16:creationId xmlns:a16="http://schemas.microsoft.com/office/drawing/2014/main" xmlns="" id="{4CABFEFC-B5F7-E94F-A697-994D743599A2}"/>
               </a:ext>
             </a:extLst>
           </p:cNvPr>
@@ -15920,6 +15930,104 @@
               <a:latin typeface="微软雅黑" panose="020B0503020204020204" pitchFamily="34" charset="-122"/>
               <a:ea typeface="微软雅黑" panose="020B0503020204020204" pitchFamily="34" charset="-122"/>
             </a:endParaRPr>
+          </a:p>
+        </p:txBody>
+      </p:sp>
+      <p:sp>
+        <p:nvSpPr>
+          <p:cNvPr id="4" name="TextBox 3"/>
+          <p:cNvSpPr txBox="1"/>
+          <p:nvPr/>
+        </p:nvSpPr>
+        <p:spPr>
+          <a:xfrm>
+            <a:off x="1414686" y="2205658"/>
+            <a:ext cx="8568952" cy="3000821"/>
+          </a:xfrm>
+          <a:prstGeom prst="rect">
+            <a:avLst/>
+          </a:prstGeom>
+          <a:noFill/>
+        </p:spPr>
+        <p:txBody>
+          <a:bodyPr wrap="square" rtlCol="0">
+            <a:spAutoFit/>
+          </a:bodyPr>
+          <a:lstStyle/>
+          <a:p>
+            <a:pPr marL="457200" indent="-457200">
+              <a:lnSpc>
+                <a:spcPct val="150000"/>
+              </a:lnSpc>
+              <a:buFont typeface="Arial" panose="020B0604020202020204" pitchFamily="34" charset="0"/>
+              <a:buChar char="•"/>
+            </a:pPr>
+            <a:r>
+              <a:rPr lang="en-US" altLang="zh-CN" sz="2800" b="1" dirty="0">
+                <a:latin typeface="+mn-ea"/>
+              </a:rPr>
+              <a:t>User </a:t>
+            </a:r>
+            <a:r>
+              <a:rPr lang="en-US" altLang="zh-CN" sz="2800" b="1" dirty="0" smtClean="0">
+                <a:latin typeface="+mn-ea"/>
+              </a:rPr>
+              <a:t>Manual</a:t>
+            </a:r>
+          </a:p>
+          <a:p>
+            <a:pPr marL="457200" indent="-457200">
+              <a:lnSpc>
+                <a:spcPct val="150000"/>
+              </a:lnSpc>
+              <a:buFont typeface="Arial" panose="020B0604020202020204" pitchFamily="34" charset="0"/>
+              <a:buChar char="•"/>
+            </a:pPr>
+            <a:r>
+              <a:rPr lang="zh-CN" altLang="en-US" sz="2800" b="1" dirty="0">
+                <a:latin typeface="+mn-ea"/>
+              </a:rPr>
+              <a:t>需求矩阵链接索引关系</a:t>
+            </a:r>
+          </a:p>
+          <a:p>
+            <a:pPr marL="457200" indent="-457200">
+              <a:lnSpc>
+                <a:spcPct val="150000"/>
+              </a:lnSpc>
+              <a:buFont typeface="Arial" panose="020B0604020202020204" pitchFamily="34" charset="0"/>
+              <a:buChar char="•"/>
+            </a:pPr>
+            <a:r>
+              <a:rPr lang="en-US" altLang="zh-CN" sz="2800" b="1" dirty="0">
+                <a:latin typeface="+mn-ea"/>
+              </a:rPr>
+              <a:t>SRS</a:t>
+            </a:r>
+            <a:r>
+              <a:rPr lang="zh-CN" altLang="en-US" sz="2800" b="1" dirty="0">
+                <a:latin typeface="+mn-ea"/>
+              </a:rPr>
+              <a:t>内部评审</a:t>
+            </a:r>
+          </a:p>
+          <a:p>
+            <a:pPr marL="457200" indent="-457200">
+              <a:lnSpc>
+                <a:spcPct val="150000"/>
+              </a:lnSpc>
+              <a:buFont typeface="Arial" panose="020B0604020202020204" pitchFamily="34" charset="0"/>
+              <a:buChar char="•"/>
+            </a:pPr>
+            <a:r>
+              <a:rPr lang="zh-CN" altLang="en-US" sz="2800" b="1" dirty="0">
+                <a:latin typeface="+mn-ea"/>
+              </a:rPr>
+              <a:t>修改意见以及改进的部分进行完善</a:t>
+            </a:r>
+          </a:p>
+          <a:p>
+            <a:endParaRPr lang="en-US" altLang="zh-CN" dirty="0"/>
           </a:p>
         </p:txBody>
       </p:sp>
@@ -16064,7 +16172,7 @@
           <p:cNvPr id="2" name="矩形 1">
             <a:extLst>
               <a:ext uri="{FF2B5EF4-FFF2-40B4-BE49-F238E27FC236}">
-                <a16:creationId xmlns:a16="http://schemas.microsoft.com/office/drawing/2014/main" id="{F6E67242-74A0-5B41-86AD-19334117F98F}"/>
+                <a16:creationId xmlns:a16="http://schemas.microsoft.com/office/drawing/2014/main" xmlns="" id="{F6E67242-74A0-5B41-86AD-19334117F98F}"/>
               </a:ext>
             </a:extLst>
           </p:cNvPr>
@@ -16823,14 +16931,14 @@
           <p:nvPr>
             <p:extLst>
               <p:ext uri="{D42A27DB-BD31-4B8C-83A1-F6EECF244321}">
-                <p14:modId xmlns:p14="http://schemas.microsoft.com/office/powerpoint/2010/main" val="1307216413"/>
+                <p14:modId xmlns:p14="http://schemas.microsoft.com/office/powerpoint/2010/main" val="250931813"/>
               </p:ext>
             </p:extLst>
           </p:nvPr>
         </p:nvGraphicFramePr>
         <p:xfrm>
-          <a:off x="3181985" y="1708150"/>
-          <a:ext cx="8532495" cy="3854450"/>
+          <a:off x="3181985" y="1197546"/>
+          <a:ext cx="8532495" cy="5187135"/>
         </p:xfrm>
         <a:graphic>
           <a:graphicData uri="http://schemas.openxmlformats.org/drawingml/2006/table">
@@ -16842,26 +16950,26 @@
                 <a:gridCol w="1442720">
                   <a:extLst>
                     <a:ext uri="{9D8B030D-6E8A-4147-A177-3AD203B41FA5}">
-                      <a16:colId xmlns:a16="http://schemas.microsoft.com/office/drawing/2014/main" val="20000"/>
+                      <a16:colId xmlns:a16="http://schemas.microsoft.com/office/drawing/2014/main" xmlns="" val="20000"/>
                     </a:ext>
                   </a:extLst>
                 </a:gridCol>
                 <a:gridCol w="4245610">
                   <a:extLst>
                     <a:ext uri="{9D8B030D-6E8A-4147-A177-3AD203B41FA5}">
-                      <a16:colId xmlns:a16="http://schemas.microsoft.com/office/drawing/2014/main" val="20001"/>
+                      <a16:colId xmlns:a16="http://schemas.microsoft.com/office/drawing/2014/main" xmlns="" val="20001"/>
                     </a:ext>
                   </a:extLst>
                 </a:gridCol>
                 <a:gridCol w="2844165">
                   <a:extLst>
                     <a:ext uri="{9D8B030D-6E8A-4147-A177-3AD203B41FA5}">
-                      <a16:colId xmlns:a16="http://schemas.microsoft.com/office/drawing/2014/main" val="20002"/>
+                      <a16:colId xmlns:a16="http://schemas.microsoft.com/office/drawing/2014/main" xmlns="" val="20002"/>
                     </a:ext>
                   </a:extLst>
                 </a:gridCol>
               </a:tblGrid>
-              <a:tr h="1313180">
+              <a:tr h="1656184">
                 <a:tc>
                   <a:txBody>
                     <a:bodyPr/>
@@ -16894,13 +17002,179 @@
                     <a:bodyPr/>
                     <a:lstStyle/>
                     <a:p>
-                      <a:pPr algn="ctr">
-                        <a:buNone/>
+                      <a:pPr marL="457200" indent="-457200" algn="l">
+                        <a:buFont typeface="+mj-lt"/>
+                        <a:buAutoNum type="arabicPeriod"/>
                       </a:pPr>
-                      <a:endParaRPr lang="zh-CN" altLang="en-US" b="0" dirty="0">
+                      <a:r>
+                        <a:rPr lang="en-US" altLang="zh-CN" sz="1400" b="0" dirty="0" smtClean="0">
+                          <a:solidFill>
+                            <a:schemeClr val="tx1"/>
+                          </a:solidFill>
+                          <a:latin typeface="+mn-ea"/>
+                          <a:ea typeface="+mn-ea"/>
+                        </a:rPr>
+                        <a:t>《SE2018</a:t>
+                      </a:r>
+                      <a:r>
+                        <a:rPr lang="zh-CN" altLang="en-US" sz="1400" b="0" dirty="0" smtClean="0">
+                          <a:solidFill>
+                            <a:schemeClr val="tx1"/>
+                          </a:solidFill>
+                          <a:latin typeface="+mn-ea"/>
+                          <a:ea typeface="+mn-ea"/>
+                        </a:rPr>
+                        <a:t>春</a:t>
+                      </a:r>
+                      <a:r>
+                        <a:rPr lang="en-US" altLang="zh-CN" sz="1400" b="0" dirty="0" smtClean="0">
+                          <a:solidFill>
+                            <a:schemeClr val="tx1"/>
+                          </a:solidFill>
+                          <a:latin typeface="+mn-ea"/>
+                          <a:ea typeface="+mn-ea"/>
+                        </a:rPr>
+                        <a:t>-G17-</a:t>
+                      </a:r>
+                      <a:r>
+                        <a:rPr lang="zh-CN" altLang="en-US" sz="1400" b="0" dirty="0" smtClean="0">
+                          <a:solidFill>
+                            <a:schemeClr val="tx1"/>
+                          </a:solidFill>
+                          <a:latin typeface="+mn-ea"/>
+                          <a:ea typeface="+mn-ea"/>
+                        </a:rPr>
+                        <a:t>需求规格说明书</a:t>
+                      </a:r>
+                      <a:r>
+                        <a:rPr lang="en-US" altLang="zh-CN" sz="1400" b="0" dirty="0" smtClean="0">
+                          <a:solidFill>
+                            <a:schemeClr val="tx1"/>
+                          </a:solidFill>
+                          <a:latin typeface="+mn-ea"/>
+                          <a:ea typeface="+mn-ea"/>
+                        </a:rPr>
+                        <a:t>》</a:t>
+                      </a:r>
+                      <a:r>
+                        <a:rPr lang="zh-CN" altLang="en-US" sz="1400" b="0" dirty="0" smtClean="0">
+                          <a:solidFill>
+                            <a:schemeClr val="tx1"/>
+                          </a:solidFill>
+                          <a:latin typeface="+mn-ea"/>
+                          <a:ea typeface="+mn-ea"/>
+                        </a:rPr>
+                        <a:t>“外部接口需求”，“用户界面”</a:t>
+                      </a:r>
+                      <a:r>
+                        <a:rPr lang="en-US" altLang="zh-CN" sz="1400" b="0" dirty="0" smtClean="0">
+                          <a:solidFill>
+                            <a:schemeClr val="tx1"/>
+                          </a:solidFill>
+                          <a:latin typeface="+mn-ea"/>
+                          <a:ea typeface="+mn-ea"/>
+                        </a:rPr>
+                        <a:t>,</a:t>
+                      </a:r>
+                      <a:r>
+                        <a:rPr lang="zh-CN" altLang="en-US" sz="1400" b="0" dirty="0" smtClean="0">
+                          <a:solidFill>
+                            <a:schemeClr val="tx1"/>
+                          </a:solidFill>
+                          <a:latin typeface="+mn-ea"/>
+                          <a:ea typeface="+mn-ea"/>
+                        </a:rPr>
+                        <a:t>“附录”部分编写</a:t>
+                      </a:r>
+                      <a:endParaRPr lang="en-US" altLang="zh-CN" sz="1400" b="0" dirty="0" smtClean="0">
                         <a:solidFill>
                           <a:schemeClr val="tx1"/>
                         </a:solidFill>
+                        <a:latin typeface="+mn-ea"/>
+                        <a:ea typeface="+mn-ea"/>
+                      </a:endParaRPr>
+                    </a:p>
+                    <a:p>
+                      <a:pPr marL="457200" indent="-457200" algn="l">
+                        <a:buFont typeface="+mj-lt"/>
+                        <a:buAutoNum type="arabicPeriod"/>
+                      </a:pPr>
+                      <a:r>
+                        <a:rPr lang="zh-CN" altLang="en-US" sz="1400" b="0" dirty="0" smtClean="0">
+                          <a:solidFill>
+                            <a:schemeClr val="tx1"/>
+                          </a:solidFill>
+                          <a:latin typeface="+mn-ea"/>
+                          <a:ea typeface="+mn-ea"/>
+                        </a:rPr>
+                        <a:t>对</a:t>
+                      </a:r>
+                      <a:r>
+                        <a:rPr lang="en-US" altLang="zh-CN" sz="1400" b="0" dirty="0" smtClean="0">
+                          <a:solidFill>
+                            <a:schemeClr val="tx1"/>
+                          </a:solidFill>
+                          <a:latin typeface="+mn-ea"/>
+                          <a:ea typeface="+mn-ea"/>
+                        </a:rPr>
+                        <a:t>《SE2018</a:t>
+                      </a:r>
+                      <a:r>
+                        <a:rPr lang="zh-CN" altLang="en-US" sz="1400" b="0" dirty="0" smtClean="0">
+                          <a:solidFill>
+                            <a:schemeClr val="tx1"/>
+                          </a:solidFill>
+                          <a:latin typeface="+mn-ea"/>
+                          <a:ea typeface="+mn-ea"/>
+                        </a:rPr>
+                        <a:t>春</a:t>
+                      </a:r>
+                      <a:r>
+                        <a:rPr lang="en-US" altLang="zh-CN" sz="1400" b="0" dirty="0" smtClean="0">
+                          <a:solidFill>
+                            <a:schemeClr val="tx1"/>
+                          </a:solidFill>
+                          <a:latin typeface="+mn-ea"/>
+                          <a:ea typeface="+mn-ea"/>
+                        </a:rPr>
+                        <a:t>-G17-</a:t>
+                      </a:r>
+                      <a:r>
+                        <a:rPr lang="zh-CN" altLang="en-US" sz="1400" b="0" dirty="0" smtClean="0">
+                          <a:solidFill>
+                            <a:schemeClr val="tx1"/>
+                          </a:solidFill>
+                          <a:latin typeface="+mn-ea"/>
+                          <a:ea typeface="+mn-ea"/>
+                        </a:rPr>
+                        <a:t>需求规格说明书</a:t>
+                      </a:r>
+                      <a:r>
+                        <a:rPr lang="en-US" altLang="zh-CN" sz="1400" b="0" dirty="0" smtClean="0">
+                          <a:solidFill>
+                            <a:schemeClr val="tx1"/>
+                          </a:solidFill>
+                          <a:latin typeface="+mn-ea"/>
+                          <a:ea typeface="+mn-ea"/>
+                        </a:rPr>
+                        <a:t>》</a:t>
+                      </a:r>
+                      <a:r>
+                        <a:rPr lang="zh-CN" altLang="en-US" sz="1400" b="0" dirty="0" smtClean="0">
+                          <a:solidFill>
+                            <a:schemeClr val="tx1"/>
+                          </a:solidFill>
+                          <a:latin typeface="+mn-ea"/>
+                          <a:ea typeface="+mn-ea"/>
+                        </a:rPr>
+                        <a:t>进行排版修改</a:t>
+                      </a:r>
+                      <a:endParaRPr lang="zh-CN" altLang="en-US" sz="1400" b="0" dirty="0">
+                        <a:solidFill>
+                          <a:schemeClr val="tx1"/>
+                        </a:solidFill>
+                        <a:latin typeface="+mn-ea"/>
+                        <a:ea typeface="+mn-ea"/>
                       </a:endParaRPr>
                     </a:p>
                   </a:txBody>
@@ -16942,11 +17216,11 @@
                 </a:tc>
                 <a:extLst>
                   <a:ext uri="{0D108BD9-81ED-4DB2-BD59-A6C34878D82A}">
-                    <a16:rowId xmlns:a16="http://schemas.microsoft.com/office/drawing/2014/main" val="10000"/>
+                    <a16:rowId xmlns:a16="http://schemas.microsoft.com/office/drawing/2014/main" xmlns="" val="10000"/>
                   </a:ext>
                 </a:extLst>
               </a:tr>
-              <a:tr h="1270000">
+              <a:tr h="1800200">
                 <a:tc>
                   <a:txBody>
                     <a:bodyPr/>
@@ -16972,10 +17246,231 @@
                     <a:bodyPr/>
                     <a:lstStyle/>
                     <a:p>
-                      <a:pPr algn="ctr">
-                        <a:buNone/>
+                      <a:pPr marL="457200" indent="-457200" algn="l">
+                        <a:buFont typeface="+mj-lt"/>
+                        <a:buAutoNum type="arabicPeriod"/>
                       </a:pPr>
-                      <a:endParaRPr lang="zh-CN" altLang="en-US" dirty="0">
+                      <a:r>
+                        <a:rPr lang="en-US" altLang="zh-CN" sz="1400" b="0" dirty="0" smtClean="0">
+                          <a:solidFill>
+                            <a:schemeClr val="tx1"/>
+                          </a:solidFill>
+                          <a:latin typeface="+mn-ea"/>
+                          <a:ea typeface="+mn-ea"/>
+                        </a:rPr>
+                        <a:t>《SE2018</a:t>
+                      </a:r>
+                      <a:r>
+                        <a:rPr lang="zh-CN" altLang="en-US" sz="1400" b="0" dirty="0" smtClean="0">
+                          <a:solidFill>
+                            <a:schemeClr val="tx1"/>
+                          </a:solidFill>
+                          <a:latin typeface="+mn-ea"/>
+                          <a:ea typeface="+mn-ea"/>
+                        </a:rPr>
+                        <a:t>春</a:t>
+                      </a:r>
+                      <a:r>
+                        <a:rPr lang="en-US" altLang="zh-CN" sz="1400" b="0" dirty="0" smtClean="0">
+                          <a:solidFill>
+                            <a:schemeClr val="tx1"/>
+                          </a:solidFill>
+                          <a:latin typeface="+mn-ea"/>
+                          <a:ea typeface="+mn-ea"/>
+                        </a:rPr>
+                        <a:t>-G17-</a:t>
+                      </a:r>
+                      <a:r>
+                        <a:rPr lang="zh-CN" altLang="en-US" sz="1400" b="0" dirty="0" smtClean="0">
+                          <a:solidFill>
+                            <a:schemeClr val="tx1"/>
+                          </a:solidFill>
+                          <a:latin typeface="+mn-ea"/>
+                          <a:ea typeface="+mn-ea"/>
+                        </a:rPr>
+                        <a:t>需求规格说明书</a:t>
+                      </a:r>
+                      <a:r>
+                        <a:rPr lang="en-US" altLang="zh-CN" sz="1400" b="0" dirty="0" smtClean="0">
+                          <a:solidFill>
+                            <a:schemeClr val="tx1"/>
+                          </a:solidFill>
+                          <a:latin typeface="+mn-ea"/>
+                          <a:ea typeface="+mn-ea"/>
+                        </a:rPr>
+                        <a:t>》</a:t>
+                      </a:r>
+                      <a:r>
+                        <a:rPr lang="zh-CN" altLang="en-US" sz="1400" b="0" dirty="0" smtClean="0">
+                          <a:solidFill>
+                            <a:schemeClr val="tx1"/>
+                          </a:solidFill>
+                          <a:latin typeface="+mn-ea"/>
+                          <a:ea typeface="+mn-ea"/>
+                        </a:rPr>
+                        <a:t>“引言”，“综合描述”，“系统特性”部分编写</a:t>
+                      </a:r>
+                      <a:endParaRPr lang="en-US" altLang="zh-CN" sz="1400" b="0" dirty="0" smtClean="0">
+                        <a:solidFill>
+                          <a:schemeClr val="tx1"/>
+                        </a:solidFill>
+                        <a:latin typeface="+mn-ea"/>
+                        <a:ea typeface="+mn-ea"/>
+                      </a:endParaRPr>
+                    </a:p>
+                    <a:p>
+                      <a:pPr marL="457200" marR="0" indent="-457200" algn="l" defTabSz="1088390" rtl="0" eaLnBrk="1" fontAlgn="auto" latinLnBrk="0" hangingPunct="1">
+                        <a:lnSpc>
+                          <a:spcPct val="100000"/>
+                        </a:lnSpc>
+                        <a:spcBef>
+                          <a:spcPts val="0"/>
+                        </a:spcBef>
+                        <a:spcAft>
+                          <a:spcPts val="0"/>
+                        </a:spcAft>
+                        <a:buClrTx/>
+                        <a:buSzTx/>
+                        <a:buFont typeface="+mj-lt"/>
+                        <a:buAutoNum type="arabicPeriod"/>
+                        <a:tabLst/>
+                        <a:defRPr/>
+                      </a:pPr>
+                      <a:r>
+                        <a:rPr lang="zh-CN" altLang="en-US" sz="1400" b="0" dirty="0" smtClean="0">
+                          <a:solidFill>
+                            <a:schemeClr val="tx1"/>
+                          </a:solidFill>
+                          <a:latin typeface="+mn-ea"/>
+                          <a:ea typeface="+mn-ea"/>
+                        </a:rPr>
+                        <a:t>对</a:t>
+                      </a:r>
+                      <a:r>
+                        <a:rPr lang="en-US" altLang="zh-CN" sz="1400" b="0" dirty="0" smtClean="0">
+                          <a:solidFill>
+                            <a:schemeClr val="tx1"/>
+                          </a:solidFill>
+                          <a:latin typeface="+mn-ea"/>
+                          <a:ea typeface="+mn-ea"/>
+                        </a:rPr>
+                        <a:t>《SE2018</a:t>
+                      </a:r>
+                      <a:r>
+                        <a:rPr lang="zh-CN" altLang="en-US" sz="1400" b="0" dirty="0" smtClean="0">
+                          <a:solidFill>
+                            <a:schemeClr val="tx1"/>
+                          </a:solidFill>
+                          <a:latin typeface="+mn-ea"/>
+                          <a:ea typeface="+mn-ea"/>
+                        </a:rPr>
+                        <a:t>春</a:t>
+                      </a:r>
+                      <a:r>
+                        <a:rPr lang="en-US" altLang="zh-CN" sz="1400" b="0" dirty="0" smtClean="0">
+                          <a:solidFill>
+                            <a:schemeClr val="tx1"/>
+                          </a:solidFill>
+                          <a:latin typeface="+mn-ea"/>
+                          <a:ea typeface="+mn-ea"/>
+                        </a:rPr>
+                        <a:t>-G17-</a:t>
+                      </a:r>
+                      <a:r>
+                        <a:rPr lang="zh-CN" altLang="en-US" sz="1400" b="0" dirty="0" smtClean="0">
+                          <a:solidFill>
+                            <a:schemeClr val="tx1"/>
+                          </a:solidFill>
+                          <a:latin typeface="+mn-ea"/>
+                          <a:ea typeface="+mn-ea"/>
+                        </a:rPr>
+                        <a:t>需求规格说明书</a:t>
+                      </a:r>
+                      <a:r>
+                        <a:rPr lang="en-US" altLang="zh-CN" sz="1400" b="0" dirty="0" smtClean="0">
+                          <a:solidFill>
+                            <a:schemeClr val="tx1"/>
+                          </a:solidFill>
+                          <a:latin typeface="+mn-ea"/>
+                          <a:ea typeface="+mn-ea"/>
+                        </a:rPr>
+                        <a:t>》</a:t>
+                      </a:r>
+                      <a:r>
+                        <a:rPr lang="zh-CN" altLang="en-US" sz="1400" b="0" dirty="0" smtClean="0">
+                          <a:solidFill>
+                            <a:schemeClr val="tx1"/>
+                          </a:solidFill>
+                          <a:latin typeface="+mn-ea"/>
+                          <a:ea typeface="+mn-ea"/>
+                        </a:rPr>
+                        <a:t>进行目录修改</a:t>
+                      </a:r>
+                    </a:p>
+                    <a:p>
+                      <a:pPr marL="457200" indent="-457200" algn="l">
+                        <a:buFont typeface="+mj-lt"/>
+                        <a:buAutoNum type="arabicPeriod"/>
+                      </a:pPr>
+                      <a:r>
+                        <a:rPr lang="zh-CN" altLang="en-US" sz="1400" dirty="0" smtClean="0">
+                          <a:solidFill>
+                            <a:schemeClr val="tx1"/>
+                          </a:solidFill>
+                        </a:rPr>
+                        <a:t>制作</a:t>
+                      </a:r>
+                      <a:r>
+                        <a:rPr lang="en-US" altLang="zh-CN" sz="1400" b="0" dirty="0" smtClean="0">
+                          <a:solidFill>
+                            <a:schemeClr val="tx1"/>
+                          </a:solidFill>
+                          <a:latin typeface="+mn-ea"/>
+                          <a:ea typeface="+mn-ea"/>
+                        </a:rPr>
+                        <a:t>《SE2018</a:t>
+                      </a:r>
+                      <a:r>
+                        <a:rPr lang="zh-CN" altLang="en-US" sz="1400" b="0" dirty="0" smtClean="0">
+                          <a:solidFill>
+                            <a:schemeClr val="tx1"/>
+                          </a:solidFill>
+                          <a:latin typeface="+mn-ea"/>
+                          <a:ea typeface="+mn-ea"/>
+                        </a:rPr>
+                        <a:t>春</a:t>
+                      </a:r>
+                      <a:r>
+                        <a:rPr lang="en-US" altLang="zh-CN" sz="1400" b="0" dirty="0" smtClean="0">
+                          <a:solidFill>
+                            <a:schemeClr val="tx1"/>
+                          </a:solidFill>
+                          <a:latin typeface="+mn-ea"/>
+                          <a:ea typeface="+mn-ea"/>
+                        </a:rPr>
+                        <a:t>-G17-</a:t>
+                      </a:r>
+                      <a:r>
+                        <a:rPr lang="zh-CN" altLang="en-US" sz="1400" b="0" dirty="0" smtClean="0">
+                          <a:solidFill>
+                            <a:schemeClr val="tx1"/>
+                          </a:solidFill>
+                          <a:latin typeface="+mn-ea"/>
+                          <a:ea typeface="+mn-ea"/>
+                        </a:rPr>
+                        <a:t>需求分析</a:t>
+                      </a:r>
+                      <a:r>
+                        <a:rPr lang="en-US" altLang="zh-CN" sz="1400" b="0" dirty="0" smtClean="0">
+                          <a:solidFill>
+                            <a:schemeClr val="tx1"/>
+                          </a:solidFill>
+                          <a:latin typeface="+mn-ea"/>
+                          <a:ea typeface="+mn-ea"/>
+                        </a:rPr>
+                        <a:t>PPT》</a:t>
+                      </a:r>
+                      <a:endParaRPr lang="zh-CN" altLang="en-US" sz="1400" dirty="0">
                         <a:solidFill>
                           <a:schemeClr val="tx1"/>
                         </a:solidFill>
@@ -17006,11 +17501,11 @@
                 </a:tc>
                 <a:extLst>
                   <a:ext uri="{0D108BD9-81ED-4DB2-BD59-A6C34878D82A}">
-                    <a16:rowId xmlns:a16="http://schemas.microsoft.com/office/drawing/2014/main" val="10001"/>
+                    <a16:rowId xmlns:a16="http://schemas.microsoft.com/office/drawing/2014/main" xmlns="" val="10001"/>
                   </a:ext>
                 </a:extLst>
               </a:tr>
-              <a:tr h="1271270">
+              <a:tr h="1730751">
                 <a:tc>
                   <a:txBody>
                     <a:bodyPr/>
@@ -17042,6 +17537,239 @@
                   <a:txBody>
                     <a:bodyPr/>
                     <a:lstStyle/>
+                    <a:p>
+                      <a:pPr marL="457200" indent="-457200" algn="l">
+                        <a:buFont typeface="+mj-lt"/>
+                        <a:buAutoNum type="arabicPeriod"/>
+                      </a:pPr>
+                      <a:r>
+                        <a:rPr lang="en-US" altLang="zh-CN" sz="1400" b="0" dirty="0" smtClean="0">
+                          <a:solidFill>
+                            <a:schemeClr val="tx1"/>
+                          </a:solidFill>
+                          <a:latin typeface="+mn-ea"/>
+                          <a:ea typeface="+mn-ea"/>
+                        </a:rPr>
+                        <a:t>《SE2018</a:t>
+                      </a:r>
+                      <a:r>
+                        <a:rPr lang="zh-CN" altLang="en-US" sz="1400" b="0" dirty="0" smtClean="0">
+                          <a:solidFill>
+                            <a:schemeClr val="tx1"/>
+                          </a:solidFill>
+                          <a:latin typeface="+mn-ea"/>
+                          <a:ea typeface="+mn-ea"/>
+                        </a:rPr>
+                        <a:t>春</a:t>
+                      </a:r>
+                      <a:r>
+                        <a:rPr lang="en-US" altLang="zh-CN" sz="1400" b="0" dirty="0" smtClean="0">
+                          <a:solidFill>
+                            <a:schemeClr val="tx1"/>
+                          </a:solidFill>
+                          <a:latin typeface="+mn-ea"/>
+                          <a:ea typeface="+mn-ea"/>
+                        </a:rPr>
+                        <a:t>-G17-</a:t>
+                      </a:r>
+                      <a:r>
+                        <a:rPr lang="zh-CN" altLang="en-US" sz="1400" b="0" dirty="0" smtClean="0">
+                          <a:solidFill>
+                            <a:schemeClr val="tx1"/>
+                          </a:solidFill>
+                          <a:latin typeface="+mn-ea"/>
+                          <a:ea typeface="+mn-ea"/>
+                        </a:rPr>
+                        <a:t>需求规格说明书</a:t>
+                      </a:r>
+                      <a:r>
+                        <a:rPr lang="en-US" altLang="zh-CN" sz="1400" b="0" dirty="0" smtClean="0">
+                          <a:solidFill>
+                            <a:schemeClr val="tx1"/>
+                          </a:solidFill>
+                          <a:latin typeface="+mn-ea"/>
+                          <a:ea typeface="+mn-ea"/>
+                        </a:rPr>
+                        <a:t>》</a:t>
+                      </a:r>
+                      <a:r>
+                        <a:rPr lang="zh-CN" altLang="en-US" sz="1400" b="0" dirty="0" smtClean="0">
+                          <a:solidFill>
+                            <a:schemeClr val="tx1"/>
+                          </a:solidFill>
+                          <a:latin typeface="+mn-ea"/>
+                          <a:ea typeface="+mn-ea"/>
+                        </a:rPr>
+                        <a:t>“功能需求”，“其他非功能性需求”部分编写</a:t>
+                      </a:r>
+                      <a:endParaRPr lang="en-US" altLang="zh-CN" sz="1400" b="0" dirty="0" smtClean="0">
+                        <a:solidFill>
+                          <a:schemeClr val="tx1"/>
+                        </a:solidFill>
+                        <a:latin typeface="+mn-ea"/>
+                        <a:ea typeface="+mn-ea"/>
+                      </a:endParaRPr>
+                    </a:p>
+                    <a:p>
+                      <a:pPr marL="457200" marR="0" indent="-457200" algn="l" defTabSz="1088390" rtl="0" eaLnBrk="1" fontAlgn="auto" latinLnBrk="0" hangingPunct="1">
+                        <a:lnSpc>
+                          <a:spcPct val="100000"/>
+                        </a:lnSpc>
+                        <a:spcBef>
+                          <a:spcPts val="0"/>
+                        </a:spcBef>
+                        <a:spcAft>
+                          <a:spcPts val="0"/>
+                        </a:spcAft>
+                        <a:buClrTx/>
+                        <a:buSzTx/>
+                        <a:buFont typeface="+mj-lt"/>
+                        <a:buAutoNum type="arabicPeriod"/>
+                        <a:tabLst/>
+                        <a:defRPr/>
+                      </a:pPr>
+                      <a:r>
+                        <a:rPr lang="zh-CN" altLang="en-US" sz="1400" b="0" dirty="0" smtClean="0">
+                          <a:solidFill>
+                            <a:schemeClr val="tx1"/>
+                          </a:solidFill>
+                          <a:latin typeface="+mn-ea"/>
+                          <a:ea typeface="+mn-ea"/>
+                        </a:rPr>
+                        <a:t>对</a:t>
+                      </a:r>
+                      <a:r>
+                        <a:rPr lang="en-US" altLang="zh-CN" sz="1400" b="0" dirty="0" smtClean="0">
+                          <a:solidFill>
+                            <a:schemeClr val="tx1"/>
+                          </a:solidFill>
+                          <a:latin typeface="+mn-ea"/>
+                          <a:ea typeface="+mn-ea"/>
+                        </a:rPr>
+                        <a:t>《SE2018</a:t>
+                      </a:r>
+                      <a:r>
+                        <a:rPr lang="zh-CN" altLang="en-US" sz="1400" b="0" dirty="0" smtClean="0">
+                          <a:solidFill>
+                            <a:schemeClr val="tx1"/>
+                          </a:solidFill>
+                          <a:latin typeface="+mn-ea"/>
+                          <a:ea typeface="+mn-ea"/>
+                        </a:rPr>
+                        <a:t>春</a:t>
+                      </a:r>
+                      <a:r>
+                        <a:rPr lang="en-US" altLang="zh-CN" sz="1400" b="0" dirty="0" smtClean="0">
+                          <a:solidFill>
+                            <a:schemeClr val="tx1"/>
+                          </a:solidFill>
+                          <a:latin typeface="+mn-ea"/>
+                          <a:ea typeface="+mn-ea"/>
+                        </a:rPr>
+                        <a:t>-G17-</a:t>
+                      </a:r>
+                      <a:r>
+                        <a:rPr lang="zh-CN" altLang="en-US" sz="1400" b="0" dirty="0" smtClean="0">
+                          <a:solidFill>
+                            <a:schemeClr val="tx1"/>
+                          </a:solidFill>
+                          <a:latin typeface="+mn-ea"/>
+                          <a:ea typeface="+mn-ea"/>
+                        </a:rPr>
+                        <a:t>需求规格说明书</a:t>
+                      </a:r>
+                      <a:r>
+                        <a:rPr lang="en-US" altLang="zh-CN" sz="1400" b="0" dirty="0" smtClean="0">
+                          <a:solidFill>
+                            <a:schemeClr val="tx1"/>
+                          </a:solidFill>
+                          <a:latin typeface="+mn-ea"/>
+                          <a:ea typeface="+mn-ea"/>
+                        </a:rPr>
+                        <a:t>》</a:t>
+                      </a:r>
+                      <a:r>
+                        <a:rPr lang="zh-CN" altLang="en-US" sz="1400" b="0" dirty="0" smtClean="0">
+                          <a:solidFill>
+                            <a:schemeClr val="tx1"/>
+                          </a:solidFill>
+                          <a:latin typeface="+mn-ea"/>
+                          <a:ea typeface="+mn-ea"/>
+                        </a:rPr>
+                        <a:t>进行整合</a:t>
+                      </a:r>
+                    </a:p>
+                    <a:p>
+                      <a:pPr marL="457200" indent="-457200" algn="l">
+                        <a:buFont typeface="+mj-lt"/>
+                        <a:buAutoNum type="arabicPeriod"/>
+                      </a:pPr>
+                      <a:r>
+                        <a:rPr lang="zh-CN" altLang="en-US" sz="1400" b="0" dirty="0" smtClean="0">
+                          <a:solidFill>
+                            <a:schemeClr val="tx1"/>
+                          </a:solidFill>
+                          <a:latin typeface="+mn-lt"/>
+                          <a:ea typeface="+mn-ea"/>
+                        </a:rPr>
+                        <a:t>补全</a:t>
+                      </a:r>
+                      <a:r>
+                        <a:rPr lang="en-US" altLang="zh-CN" sz="1400" b="0" dirty="0" smtClean="0">
+                          <a:solidFill>
+                            <a:schemeClr val="tx1"/>
+                          </a:solidFill>
+                          <a:latin typeface="+mn-ea"/>
+                          <a:ea typeface="+mn-ea"/>
+                        </a:rPr>
+                        <a:t>《SE2018</a:t>
+                      </a:r>
+                      <a:r>
+                        <a:rPr lang="zh-CN" altLang="en-US" sz="1400" b="0" dirty="0" smtClean="0">
+                          <a:solidFill>
+                            <a:schemeClr val="tx1"/>
+                          </a:solidFill>
+                          <a:latin typeface="+mn-ea"/>
+                          <a:ea typeface="+mn-ea"/>
+                        </a:rPr>
+                        <a:t>春</a:t>
+                      </a:r>
+                      <a:r>
+                        <a:rPr lang="en-US" altLang="zh-CN" sz="1400" b="0" dirty="0" smtClean="0">
+                          <a:solidFill>
+                            <a:schemeClr val="tx1"/>
+                          </a:solidFill>
+                          <a:latin typeface="+mn-ea"/>
+                          <a:ea typeface="+mn-ea"/>
+                        </a:rPr>
+                        <a:t>-G17-</a:t>
+                      </a:r>
+                      <a:r>
+                        <a:rPr lang="zh-CN" altLang="en-US" sz="1400" b="0" dirty="0" smtClean="0">
+                          <a:solidFill>
+                            <a:schemeClr val="tx1"/>
+                          </a:solidFill>
+                          <a:latin typeface="+mn-ea"/>
+                          <a:ea typeface="+mn-ea"/>
+                        </a:rPr>
+                        <a:t>需求分析</a:t>
+                      </a:r>
+                      <a:r>
+                        <a:rPr lang="en-US" altLang="zh-CN" sz="1400" b="0" dirty="0" smtClean="0">
+                          <a:solidFill>
+                            <a:schemeClr val="tx1"/>
+                          </a:solidFill>
+                          <a:latin typeface="+mn-ea"/>
+                          <a:ea typeface="+mn-ea"/>
+                        </a:rPr>
+                        <a:t>PPT》</a:t>
+                      </a:r>
+                      <a:endParaRPr lang="zh-CN" altLang="en-US" sz="1400" dirty="0" smtClean="0">
+                        <a:solidFill>
+                          <a:schemeClr val="tx1"/>
+                        </a:solidFill>
+                      </a:endParaRPr>
+                    </a:p>
                     <a:p>
                       <a:pPr algn="ctr">
                         <a:buNone/>
@@ -17091,7 +17819,7 @@
                 </a:tc>
                 <a:extLst>
                   <a:ext uri="{0D108BD9-81ED-4DB2-BD59-A6C34878D82A}">
-                    <a16:rowId xmlns:a16="http://schemas.microsoft.com/office/drawing/2014/main" val="10002"/>
+                    <a16:rowId xmlns:a16="http://schemas.microsoft.com/office/drawing/2014/main" xmlns="" val="10002"/>
                   </a:ext>
                 </a:extLst>
               </a:tr>
@@ -19303,7 +20031,7 @@
           <p:cNvPr id="9" name="表格 8">
             <a:extLst>
               <a:ext uri="{FF2B5EF4-FFF2-40B4-BE49-F238E27FC236}">
-                <a16:creationId xmlns:a16="http://schemas.microsoft.com/office/drawing/2014/main" id="{118AEBE8-6FE3-C54C-8737-E9A4B962C4EF}"/>
+                <a16:creationId xmlns:a16="http://schemas.microsoft.com/office/drawing/2014/main" xmlns="" id="{118AEBE8-6FE3-C54C-8737-E9A4B962C4EF}"/>
               </a:ext>
             </a:extLst>
           </p:cNvPr>
@@ -19332,21 +20060,21 @@
                 <a:gridCol w="1736706">
                   <a:extLst>
                     <a:ext uri="{9D8B030D-6E8A-4147-A177-3AD203B41FA5}">
-                      <a16:colId xmlns:a16="http://schemas.microsoft.com/office/drawing/2014/main" val="4203658442"/>
+                      <a16:colId xmlns:a16="http://schemas.microsoft.com/office/drawing/2014/main" xmlns="" val="4203658442"/>
                     </a:ext>
                   </a:extLst>
                 </a:gridCol>
                 <a:gridCol w="4064839">
                   <a:extLst>
                     <a:ext uri="{9D8B030D-6E8A-4147-A177-3AD203B41FA5}">
-                      <a16:colId xmlns:a16="http://schemas.microsoft.com/office/drawing/2014/main" val="849966709"/>
+                      <a16:colId xmlns:a16="http://schemas.microsoft.com/office/drawing/2014/main" xmlns="" val="849966709"/>
                     </a:ext>
                   </a:extLst>
                 </a:gridCol>
                 <a:gridCol w="4064839">
                   <a:extLst>
                     <a:ext uri="{9D8B030D-6E8A-4147-A177-3AD203B41FA5}">
-                      <a16:colId xmlns:a16="http://schemas.microsoft.com/office/drawing/2014/main" val="3480316147"/>
+                      <a16:colId xmlns:a16="http://schemas.microsoft.com/office/drawing/2014/main" xmlns="" val="3480316147"/>
                     </a:ext>
                   </a:extLst>
                 </a:gridCol>
@@ -19432,7 +20160,7 @@
                 </a:tc>
                 <a:extLst>
                   <a:ext uri="{0D108BD9-81ED-4DB2-BD59-A6C34878D82A}">
-                    <a16:rowId xmlns:a16="http://schemas.microsoft.com/office/drawing/2014/main" val="2917170645"/>
+                    <a16:rowId xmlns:a16="http://schemas.microsoft.com/office/drawing/2014/main" xmlns="" val="2917170645"/>
                   </a:ext>
                 </a:extLst>
               </a:tr>
@@ -19517,7 +20245,7 @@
                 </a:tc>
                 <a:extLst>
                   <a:ext uri="{0D108BD9-81ED-4DB2-BD59-A6C34878D82A}">
-                    <a16:rowId xmlns:a16="http://schemas.microsoft.com/office/drawing/2014/main" val="132198126"/>
+                    <a16:rowId xmlns:a16="http://schemas.microsoft.com/office/drawing/2014/main" xmlns="" val="132198126"/>
                   </a:ext>
                 </a:extLst>
               </a:tr>
@@ -19586,7 +20314,7 @@
                 </a:tc>
                 <a:extLst>
                   <a:ext uri="{0D108BD9-81ED-4DB2-BD59-A6C34878D82A}">
-                    <a16:rowId xmlns:a16="http://schemas.microsoft.com/office/drawing/2014/main" val="403745963"/>
+                    <a16:rowId xmlns:a16="http://schemas.microsoft.com/office/drawing/2014/main" xmlns="" val="403745963"/>
                   </a:ext>
                 </a:extLst>
               </a:tr>
@@ -19667,7 +20395,7 @@
                 </a:tc>
                 <a:extLst>
                   <a:ext uri="{0D108BD9-81ED-4DB2-BD59-A6C34878D82A}">
-                    <a16:rowId xmlns:a16="http://schemas.microsoft.com/office/drawing/2014/main" val="2831142297"/>
+                    <a16:rowId xmlns:a16="http://schemas.microsoft.com/office/drawing/2014/main" xmlns="" val="2831142297"/>
                   </a:ext>
                 </a:extLst>
               </a:tr>
@@ -19752,7 +20480,7 @@
                 </a:tc>
                 <a:extLst>
                   <a:ext uri="{0D108BD9-81ED-4DB2-BD59-A6C34878D82A}">
-                    <a16:rowId xmlns:a16="http://schemas.microsoft.com/office/drawing/2014/main" val="2811472187"/>
+                    <a16:rowId xmlns:a16="http://schemas.microsoft.com/office/drawing/2014/main" xmlns="" val="2811472187"/>
                   </a:ext>
                 </a:extLst>
               </a:tr>
@@ -20167,7 +20895,7 @@
           <p:cNvPr id="7" name="图片 6">
             <a:extLst>
               <a:ext uri="{FF2B5EF4-FFF2-40B4-BE49-F238E27FC236}">
-                <a16:creationId xmlns:a16="http://schemas.microsoft.com/office/drawing/2014/main" id="{4A8FCB20-AD7B-4149-8461-C99FA34A504A}"/>
+                <a16:creationId xmlns:a16="http://schemas.microsoft.com/office/drawing/2014/main" xmlns="" id="{4A8FCB20-AD7B-4149-8461-C99FA34A504A}"/>
               </a:ext>
             </a:extLst>
           </p:cNvPr>
@@ -20203,7 +20931,7 @@
           <p:cNvPr id="8" name="文本框 7">
             <a:extLst>
               <a:ext uri="{FF2B5EF4-FFF2-40B4-BE49-F238E27FC236}">
-                <a16:creationId xmlns:a16="http://schemas.microsoft.com/office/drawing/2014/main" id="{D18386E0-7984-2B46-8F3C-0CA6C8105131}"/>
+                <a16:creationId xmlns:a16="http://schemas.microsoft.com/office/drawing/2014/main" xmlns="" id="{D18386E0-7984-2B46-8F3C-0CA6C8105131}"/>
               </a:ext>
             </a:extLst>
           </p:cNvPr>
@@ -20436,7 +21164,7 @@
           <p:cNvPr id="8" name="文本框 7">
             <a:extLst>
               <a:ext uri="{FF2B5EF4-FFF2-40B4-BE49-F238E27FC236}">
-                <a16:creationId xmlns:a16="http://schemas.microsoft.com/office/drawing/2014/main" id="{D18386E0-7984-2B46-8F3C-0CA6C8105131}"/>
+                <a16:creationId xmlns:a16="http://schemas.microsoft.com/office/drawing/2014/main" xmlns="" id="{D18386E0-7984-2B46-8F3C-0CA6C8105131}"/>
               </a:ext>
             </a:extLst>
           </p:cNvPr>
@@ -20504,7 +21232,7 @@
           <p:cNvPr id="6" name="图片 5">
             <a:extLst>
               <a:ext uri="{FF2B5EF4-FFF2-40B4-BE49-F238E27FC236}">
-                <a16:creationId xmlns:a16="http://schemas.microsoft.com/office/drawing/2014/main" id="{528A95DE-514D-C748-9A19-977F1C914831}"/>
+                <a16:creationId xmlns:a16="http://schemas.microsoft.com/office/drawing/2014/main" xmlns="" id="{528A95DE-514D-C748-9A19-977F1C914831}"/>
               </a:ext>
             </a:extLst>
           </p:cNvPr>
@@ -20710,7 +21438,7 @@
           <p:cNvPr id="8" name="文本框 7">
             <a:extLst>
               <a:ext uri="{FF2B5EF4-FFF2-40B4-BE49-F238E27FC236}">
-                <a16:creationId xmlns:a16="http://schemas.microsoft.com/office/drawing/2014/main" id="{D18386E0-7984-2B46-8F3C-0CA6C8105131}"/>
+                <a16:creationId xmlns:a16="http://schemas.microsoft.com/office/drawing/2014/main" xmlns="" id="{D18386E0-7984-2B46-8F3C-0CA6C8105131}"/>
               </a:ext>
             </a:extLst>
           </p:cNvPr>
@@ -20778,7 +21506,7 @@
           <p:cNvPr id="6" name="图片 5">
             <a:extLst>
               <a:ext uri="{FF2B5EF4-FFF2-40B4-BE49-F238E27FC236}">
-                <a16:creationId xmlns:a16="http://schemas.microsoft.com/office/drawing/2014/main" id="{AD6C0311-D6E7-954D-80B8-E2714FDA78CF}"/>
+                <a16:creationId xmlns:a16="http://schemas.microsoft.com/office/drawing/2014/main" xmlns="" id="{AD6C0311-D6E7-954D-80B8-E2714FDA78CF}"/>
               </a:ext>
             </a:extLst>
           </p:cNvPr>
@@ -20984,7 +21712,7 @@
           <p:cNvPr id="8" name="文本框 7">
             <a:extLst>
               <a:ext uri="{FF2B5EF4-FFF2-40B4-BE49-F238E27FC236}">
-                <a16:creationId xmlns:a16="http://schemas.microsoft.com/office/drawing/2014/main" id="{D18386E0-7984-2B46-8F3C-0CA6C8105131}"/>
+                <a16:creationId xmlns:a16="http://schemas.microsoft.com/office/drawing/2014/main" xmlns="" id="{D18386E0-7984-2B46-8F3C-0CA6C8105131}"/>
               </a:ext>
             </a:extLst>
           </p:cNvPr>
@@ -21052,7 +21780,7 @@
           <p:cNvPr id="6" name="图片 5">
             <a:extLst>
               <a:ext uri="{FF2B5EF4-FFF2-40B4-BE49-F238E27FC236}">
-                <a16:creationId xmlns:a16="http://schemas.microsoft.com/office/drawing/2014/main" id="{8783B284-0095-6F4F-AC75-5E8B16B670EE}"/>
+                <a16:creationId xmlns:a16="http://schemas.microsoft.com/office/drawing/2014/main" xmlns="" id="{8783B284-0095-6F4F-AC75-5E8B16B670EE}"/>
               </a:ext>
             </a:extLst>
           </p:cNvPr>
@@ -21258,7 +21986,7 @@
           <p:cNvPr id="8" name="文本框 7">
             <a:extLst>
               <a:ext uri="{FF2B5EF4-FFF2-40B4-BE49-F238E27FC236}">
-                <a16:creationId xmlns:a16="http://schemas.microsoft.com/office/drawing/2014/main" id="{D18386E0-7984-2B46-8F3C-0CA6C8105131}"/>
+                <a16:creationId xmlns:a16="http://schemas.microsoft.com/office/drawing/2014/main" xmlns="" id="{D18386E0-7984-2B46-8F3C-0CA6C8105131}"/>
               </a:ext>
             </a:extLst>
           </p:cNvPr>
@@ -21326,7 +22054,7 @@
           <p:cNvPr id="6" name="图片 5">
             <a:extLst>
               <a:ext uri="{FF2B5EF4-FFF2-40B4-BE49-F238E27FC236}">
-                <a16:creationId xmlns:a16="http://schemas.microsoft.com/office/drawing/2014/main" id="{1E3C3822-3903-2B47-B31A-CEDC3E6401B7}"/>
+                <a16:creationId xmlns:a16="http://schemas.microsoft.com/office/drawing/2014/main" xmlns="" id="{1E3C3822-3903-2B47-B31A-CEDC3E6401B7}"/>
               </a:ext>
             </a:extLst>
           </p:cNvPr>
@@ -21336,7 +22064,7 @@
           <p:nvPr/>
         </p:nvPicPr>
         <p:blipFill>
-          <a:blip r:embed="rId2">
+          <a:blip r:embed="rId2" cstate="print">
             <a:extLst>
               <a:ext uri="{28A0092B-C50C-407E-A947-70E740481C1C}">
                 <a14:useLocalDpi xmlns:a14="http://schemas.microsoft.com/office/drawing/2010/main" val="0"/>
@@ -21655,7 +22383,7 @@
   <a:extraClrSchemeLst/>
   <a:extLst>
     <a:ext uri="{05A4C25C-085E-4340-85A3-A5531E510DB2}">
-      <thm15:themeFamily xmlns:thm15="http://schemas.microsoft.com/office/thememl/2012/main" name="Office Theme" id="{62F939B6-93AF-4DB8-9C6B-D6C7DFDC589F}" vid="{4A3C46E8-61CC-4603-A589-7422A47A8E4A}"/>
+      <thm15:themeFamily xmlns:thm15="http://schemas.microsoft.com/office/thememl/2012/main" xmlns="" name="Office Theme" id="{62F939B6-93AF-4DB8-9C6B-D6C7DFDC589F}" vid="{4A3C46E8-61CC-4603-A589-7422A47A8E4A}"/>
     </a:ext>
   </a:extLst>
 </a:theme>
@@ -21945,7 +22673,7 @@
   <a:extraClrSchemeLst/>
   <a:extLst>
     <a:ext uri="{05A4C25C-085E-4340-85A3-A5531E510DB2}">
-      <thm15:themeFamily xmlns:thm15="http://schemas.microsoft.com/office/thememl/2012/main" name="Office Theme" id="{62F939B6-93AF-4DB8-9C6B-D6C7DFDC589F}" vid="{4A3C46E8-61CC-4603-A589-7422A47A8E4A}"/>
+      <thm15:themeFamily xmlns:thm15="http://schemas.microsoft.com/office/thememl/2012/main" xmlns="" name="Office Theme" id="{62F939B6-93AF-4DB8-9C6B-D6C7DFDC589F}" vid="{4A3C46E8-61CC-4603-A589-7422A47A8E4A}"/>
     </a:ext>
   </a:extLst>
 </a:theme>
@@ -22235,7 +22963,7 @@
   <a:extraClrSchemeLst/>
   <a:extLst>
     <a:ext uri="{05A4C25C-085E-4340-85A3-A5531E510DB2}">
-      <thm15:themeFamily xmlns:thm15="http://schemas.microsoft.com/office/thememl/2012/main" name="Office Theme" id="{62F939B6-93AF-4DB8-9C6B-D6C7DFDC589F}" vid="{4A3C46E8-61CC-4603-A589-7422A47A8E4A}"/>
+      <thm15:themeFamily xmlns:thm15="http://schemas.microsoft.com/office/thememl/2012/main" xmlns="" name="Office Theme" id="{62F939B6-93AF-4DB8-9C6B-D6C7DFDC589F}" vid="{4A3C46E8-61CC-4603-A589-7422A47A8E4A}"/>
     </a:ext>
   </a:extLst>
 </a:theme>

--- a/SE2018春-G17-需求分析PPT.pptx
+++ b/SE2018春-G17-需求分析PPT.pptx
@@ -5,37 +5,37 @@
     <p:sldMasterId id="2147483648" r:id="rId1"/>
   </p:sldMasterIdLst>
   <p:notesMasterIdLst>
-    <p:notesMasterId r:id="rId25"/>
+    <p:notesMasterId r:id="rId4"/>
   </p:notesMasterIdLst>
   <p:handoutMasterIdLst>
-    <p:handoutMasterId r:id="rId26"/>
+    <p:handoutMasterId r:id="rId27"/>
   </p:handoutMasterIdLst>
   <p:sldIdLst>
-    <p:sldId id="370" r:id="rId2"/>
-    <p:sldId id="405" r:id="rId3"/>
-    <p:sldId id="439" r:id="rId4"/>
-    <p:sldId id="450" r:id="rId5"/>
-    <p:sldId id="437" r:id="rId6"/>
-    <p:sldId id="463" r:id="rId7"/>
-    <p:sldId id="456" r:id="rId8"/>
-    <p:sldId id="457" r:id="rId9"/>
-    <p:sldId id="458" r:id="rId10"/>
-    <p:sldId id="459" r:id="rId11"/>
-    <p:sldId id="460" r:id="rId12"/>
-    <p:sldId id="461" r:id="rId13"/>
-    <p:sldId id="412" r:id="rId14"/>
-    <p:sldId id="464" r:id="rId15"/>
-    <p:sldId id="465" r:id="rId16"/>
-    <p:sldId id="408" r:id="rId17"/>
-    <p:sldId id="466" r:id="rId18"/>
-    <p:sldId id="467" r:id="rId19"/>
-    <p:sldId id="407" r:id="rId20"/>
-    <p:sldId id="468" r:id="rId21"/>
-    <p:sldId id="455" r:id="rId22"/>
-    <p:sldId id="451" r:id="rId23"/>
-    <p:sldId id="436" r:id="rId24"/>
+    <p:sldId id="370" r:id="rId3"/>
+    <p:sldId id="405" r:id="rId5"/>
+    <p:sldId id="439" r:id="rId6"/>
+    <p:sldId id="450" r:id="rId7"/>
+    <p:sldId id="437" r:id="rId8"/>
+    <p:sldId id="463" r:id="rId9"/>
+    <p:sldId id="456" r:id="rId10"/>
+    <p:sldId id="457" r:id="rId11"/>
+    <p:sldId id="458" r:id="rId12"/>
+    <p:sldId id="459" r:id="rId13"/>
+    <p:sldId id="460" r:id="rId14"/>
+    <p:sldId id="461" r:id="rId15"/>
+    <p:sldId id="412" r:id="rId16"/>
+    <p:sldId id="464" r:id="rId17"/>
+    <p:sldId id="465" r:id="rId18"/>
+    <p:sldId id="408" r:id="rId19"/>
+    <p:sldId id="466" r:id="rId20"/>
+    <p:sldId id="467" r:id="rId21"/>
+    <p:sldId id="407" r:id="rId22"/>
+    <p:sldId id="481" r:id="rId23"/>
+    <p:sldId id="455" r:id="rId24"/>
+    <p:sldId id="451" r:id="rId25"/>
+    <p:sldId id="436" r:id="rId26"/>
   </p:sldIdLst>
-  <p:sldSz cx="12190413" cy="6859588"/>
+  <p:sldSz cx="12190095" cy="6859270"/>
   <p:notesSz cx="6858000" cy="9144000"/>
   <p:defaultTextStyle>
     <a:defPPr>
@@ -132,51 +132,6 @@
       </a:defRPr>
     </a:lvl9pPr>
   </p:defaultTextStyle>
-  <p:extLst>
-    <p:ext uri="{EFAFB233-063F-42B5-8137-9DF3F51BA10A}">
-      <p15:sldGuideLst xmlns:p15="http://schemas.microsoft.com/office/powerpoint/2012/main" xmlns="">
-        <p15:guide id="1" orient="horz" pos="2160">
-          <p15:clr>
-            <a:srgbClr val="A4A3A4"/>
-          </p15:clr>
-        </p15:guide>
-        <p15:guide id="2" orient="horz" pos="3839">
-          <p15:clr>
-            <a:srgbClr val="A4A3A4"/>
-          </p15:clr>
-        </p15:guide>
-        <p15:guide id="3" pos="3839">
-          <p15:clr>
-            <a:srgbClr val="A4A3A4"/>
-          </p15:clr>
-        </p15:guide>
-        <p15:guide id="4" pos="7196">
-          <p15:clr>
-            <a:srgbClr val="A4A3A4"/>
-          </p15:clr>
-        </p15:guide>
-        <p15:guide id="5" pos="573">
-          <p15:clr>
-            <a:srgbClr val="A4A3A4"/>
-          </p15:clr>
-        </p15:guide>
-      </p15:sldGuideLst>
-    </p:ext>
-    <p:ext uri="{2D200454-40CA-4A62-9FC3-DE9A4176ACB9}">
-      <p15:notesGuideLst xmlns:p15="http://schemas.microsoft.com/office/powerpoint/2012/main" xmlns="">
-        <p15:guide id="1" orient="horz" pos="2879">
-          <p15:clr>
-            <a:srgbClr val="A4A3A4"/>
-          </p15:clr>
-        </p15:guide>
-        <p15:guide id="2" pos="2160">
-          <p15:clr>
-            <a:srgbClr val="A4A3A4"/>
-          </p15:clr>
-        </p15:guide>
-      </p15:notesGuideLst>
-    </p:ext>
-  </p:extLst>
 </p:presentation>
 </file>
 
@@ -262,7 +217,6 @@
           <a:p>
             <a:fld id="{5D1C15E6-6BD2-4E4B-B1D4-218C26E1B228}" type="datetimeFigureOut">
               <a:rPr lang="zh-CN" altLang="en-US" smtClean="0"/>
-              <a:t>2018/4/23</a:t>
             </a:fld>
             <a:endParaRPr lang="zh-CN" altLang="en-US"/>
           </a:p>
@@ -328,18 +282,12 @@
           <a:p>
             <a:fld id="{E655EDCA-2189-4435-B38B-6F3C2C044356}" type="slidenum">
               <a:rPr lang="zh-CN" altLang="en-US" smtClean="0"/>
-              <a:t>‹#›</a:t>
             </a:fld>
             <a:endParaRPr lang="zh-CN" altLang="en-US"/>
           </a:p>
         </p:txBody>
       </p:sp>
     </p:spTree>
-    <p:extLst>
-      <p:ext uri="{BB962C8B-B14F-4D97-AF65-F5344CB8AC3E}">
-        <p14:creationId xmlns:p14="http://schemas.microsoft.com/office/powerpoint/2010/main" val="3295579989"/>
-      </p:ext>
-    </p:extLst>
   </p:cSld>
   <p:clrMap bg1="lt1" tx1="dk1" bg2="lt2" tx2="dk2" accent1="accent1" accent2="accent2" accent3="accent3" accent4="accent4" accent5="accent5" accent6="accent6" hlink="hlink" folHlink="folHlink"/>
 </p:handoutMaster>
@@ -427,7 +375,6 @@
           <a:p>
             <a:fld id="{0B17430C-5A66-4BD0-A971-34190B6C6019}" type="datetimeFigureOut">
               <a:rPr lang="zh-CN" altLang="en-US" smtClean="0"/>
-              <a:t>2018/4/23</a:t>
             </a:fld>
             <a:endParaRPr lang="zh-CN" altLang="en-US"/>
           </a:p>
@@ -494,6 +441,7 @@
               <a:rPr lang="zh-CN" altLang="en-US"/>
               <a:t>单击此处编辑母版文本样式</a:t>
             </a:r>
+            <a:endParaRPr lang="zh-CN" altLang="en-US"/>
           </a:p>
           <a:p>
             <a:pPr lvl="1"/>
@@ -501,6 +449,7 @@
               <a:rPr lang="zh-CN" altLang="en-US"/>
               <a:t>第二级</a:t>
             </a:r>
+            <a:endParaRPr lang="zh-CN" altLang="en-US"/>
           </a:p>
           <a:p>
             <a:pPr lvl="2"/>
@@ -508,6 +457,7 @@
               <a:rPr lang="zh-CN" altLang="en-US"/>
               <a:t>第三级</a:t>
             </a:r>
+            <a:endParaRPr lang="zh-CN" altLang="en-US"/>
           </a:p>
           <a:p>
             <a:pPr lvl="3"/>
@@ -515,6 +465,7 @@
               <a:rPr lang="zh-CN" altLang="en-US"/>
               <a:t>第四级</a:t>
             </a:r>
+            <a:endParaRPr lang="zh-CN" altLang="en-US"/>
           </a:p>
           <a:p>
             <a:pPr lvl="4"/>
@@ -522,6 +473,7 @@
               <a:rPr lang="zh-CN" altLang="en-US"/>
               <a:t>第五级</a:t>
             </a:r>
+            <a:endParaRPr lang="zh-CN" altLang="en-US"/>
           </a:p>
         </p:txBody>
       </p:sp>
@@ -585,18 +537,12 @@
           <a:p>
             <a:fld id="{74AC173A-3DA8-4893-B28A-1E15F55C330A}" type="slidenum">
               <a:rPr lang="zh-CN" altLang="en-US" smtClean="0"/>
-              <a:t>‹#›</a:t>
             </a:fld>
             <a:endParaRPr lang="zh-CN" altLang="en-US"/>
           </a:p>
         </p:txBody>
       </p:sp>
     </p:spTree>
-    <p:extLst>
-      <p:ext uri="{BB962C8B-B14F-4D97-AF65-F5344CB8AC3E}">
-        <p14:creationId xmlns:p14="http://schemas.microsoft.com/office/powerpoint/2010/main" val="3195515080"/>
-      </p:ext>
-    </p:extLst>
   </p:cSld>
   <p:clrMap bg1="lt1" tx1="dk1" bg2="lt2" tx2="dk2" accent1="accent1" accent2="accent2" accent3="accent3" accent4="accent4" accent5="accent5" accent6="accent6" hlink="hlink" folHlink="folHlink"/>
   <p:notesStyle>
@@ -759,7 +705,6 @@
           <a:p>
             <a:fld id="{74AC173A-3DA8-4893-B28A-1E15F55C330A}" type="slidenum">
               <a:rPr lang="zh-CN" altLang="en-US" smtClean="0"/>
-              <a:t>1</a:t>
             </a:fld>
             <a:endParaRPr lang="zh-CN" altLang="en-US"/>
           </a:p>
@@ -838,7 +783,6 @@
           <a:p>
             <a:fld id="{6E611DA1-5E4C-4157-8D98-35F52756B2FB}" type="slidenum">
               <a:rPr lang="zh-CN" altLang="en-US" smtClean="0"/>
-              <a:t>2</a:t>
             </a:fld>
             <a:endParaRPr lang="zh-CN" altLang="en-US"/>
           </a:p>
@@ -917,7 +861,6 @@
           <a:p>
             <a:fld id="{74AC173A-3DA8-4893-B28A-1E15F55C330A}" type="slidenum">
               <a:rPr lang="zh-CN" altLang="en-US" smtClean="0"/>
-              <a:t>21</a:t>
             </a:fld>
             <a:endParaRPr lang="zh-CN" altLang="en-US"/>
           </a:p>
@@ -996,7 +939,6 @@
           <a:p>
             <a:fld id="{74AC173A-3DA8-4893-B28A-1E15F55C330A}" type="slidenum">
               <a:rPr lang="zh-CN" altLang="en-US" smtClean="0"/>
-              <a:t>22</a:t>
             </a:fld>
             <a:endParaRPr lang="zh-CN" altLang="en-US"/>
           </a:p>
@@ -1075,7 +1017,6 @@
           <a:p>
             <a:fld id="{74AC173A-3DA8-4893-B28A-1E15F55C330A}" type="slidenum">
               <a:rPr lang="zh-CN" altLang="en-US" smtClean="0"/>
-              <a:t>23</a:t>
             </a:fld>
             <a:endParaRPr lang="zh-CN" altLang="en-US"/>
           </a:p>
@@ -1266,7 +1207,6 @@
                 <a:latin typeface="微软雅黑" panose="020B0503020204020204" pitchFamily="34" charset="-122"/>
                 <a:ea typeface="微软雅黑" panose="020B0503020204020204" pitchFamily="34" charset="-122"/>
               </a:rPr>
-              <a:t>‹#›</a:t>
             </a:fld>
             <a:r>
               <a:rPr lang="zh-CN" altLang="en-US" sz="1800" dirty="0">
@@ -2038,6 +1978,7 @@
               <a:rPr lang="zh-CN" altLang="en-US"/>
               <a:t>单击此处编辑母版标题样式</a:t>
             </a:r>
+            <a:endParaRPr lang="zh-CN" altLang="en-US"/>
           </a:p>
         </p:txBody>
       </p:sp>
@@ -2159,6 +2100,7 @@
               <a:rPr lang="zh-CN" altLang="en-US"/>
               <a:t>单击此处编辑母版副标题样式</a:t>
             </a:r>
+            <a:endParaRPr lang="zh-CN" altLang="en-US"/>
           </a:p>
         </p:txBody>
       </p:sp>
@@ -2187,7 +2129,6 @@
           <a:p>
             <a:fld id="{530820CF-B880-4189-942D-D702A7CBA730}" type="datetimeFigureOut">
               <a:rPr lang="zh-CN" altLang="en-US" smtClean="0"/>
-              <a:t>2018/4/23</a:t>
             </a:fld>
             <a:endParaRPr lang="zh-CN" altLang="en-US"/>
           </a:p>
@@ -2245,7 +2186,6 @@
           <a:p>
             <a:fld id="{0C913308-F349-4B6D-A68A-DD1791B4A57B}" type="slidenum">
               <a:rPr lang="zh-CN" altLang="en-US" smtClean="0"/>
-              <a:t>‹#›</a:t>
             </a:fld>
             <a:endParaRPr lang="zh-CN" altLang="en-US"/>
           </a:p>
@@ -2304,7 +2244,6 @@
           <a:p>
             <a:fld id="{530820CF-B880-4189-942D-D702A7CBA730}" type="datetimeFigureOut">
               <a:rPr lang="zh-CN" altLang="en-US" smtClean="0"/>
-              <a:t>2018/4/23</a:t>
             </a:fld>
             <a:endParaRPr lang="zh-CN" altLang="en-US"/>
           </a:p>
@@ -2362,7 +2301,6 @@
           <a:p>
             <a:fld id="{0C913308-F349-4B6D-A68A-DD1791B4A57B}" type="slidenum">
               <a:rPr lang="zh-CN" altLang="en-US" smtClean="0"/>
-              <a:t>‹#›</a:t>
             </a:fld>
             <a:endParaRPr lang="zh-CN" altLang="en-US"/>
           </a:p>
@@ -3156,6 +3094,13 @@
               </a:rPr>
               <a:t>问酒</a:t>
             </a:r>
+            <a:endParaRPr lang="zh-CN" altLang="en-US" sz="12800" dirty="0">
+              <a:solidFill>
+                <a:srgbClr val="38B1BF"/>
+              </a:solidFill>
+              <a:latin typeface="微软雅黑" panose="020B0503020204020204" pitchFamily="34" charset="-122"/>
+              <a:ea typeface="微软雅黑" panose="020B0503020204020204" pitchFamily="34" charset="-122"/>
+            </a:endParaRPr>
           </a:p>
         </p:txBody>
       </p:sp>
@@ -3247,6 +3192,16 @@
               </a:rPr>
               <a:t>小组</a:t>
             </a:r>
+            <a:endParaRPr lang="zh-CN" altLang="en-US" sz="1900" dirty="0">
+              <a:solidFill>
+                <a:schemeClr val="tx1">
+                  <a:lumMod val="85000"/>
+                  <a:lumOff val="15000"/>
+                </a:schemeClr>
+              </a:solidFill>
+              <a:latin typeface="微软雅黑" panose="020B0503020204020204" pitchFamily="34" charset="-122"/>
+              <a:ea typeface="微软雅黑" panose="020B0503020204020204" pitchFamily="34" charset="-122"/>
+            </a:endParaRPr>
           </a:p>
         </p:txBody>
       </p:sp>
@@ -3285,7 +3240,7 @@
           <a:p>
             <a:pPr algn="ctr"/>
             <a:r>
-              <a:rPr lang="zh-Hans" altLang="en-US" sz="3600" b="1" dirty="0">
+              <a:rPr lang="en-US" altLang="en-US" sz="3600" b="1" dirty="0">
                 <a:solidFill>
                   <a:schemeClr val="tx1">
                     <a:lumMod val="75000"/>
@@ -3295,20 +3250,7 @@
                 <a:latin typeface="微软雅黑" panose="020B0503020204020204" pitchFamily="34" charset="-122"/>
                 <a:ea typeface="微软雅黑" panose="020B0503020204020204" pitchFamily="34" charset="-122"/>
               </a:rPr>
-              <a:t>软件需求规格说明书</a:t>
-            </a:r>
-            <a:r>
-              <a:rPr lang="en-US" altLang="zh-Hans" sz="3600" b="1" dirty="0">
-                <a:solidFill>
-                  <a:schemeClr val="tx1">
-                    <a:lumMod val="75000"/>
-                    <a:lumOff val="25000"/>
-                  </a:schemeClr>
-                </a:solidFill>
-                <a:latin typeface="微软雅黑" panose="020B0503020204020204" pitchFamily="34" charset="-122"/>
-                <a:ea typeface="微软雅黑" panose="020B0503020204020204" pitchFamily="34" charset="-122"/>
-              </a:rPr>
-              <a:t>SRS</a:t>
+              <a:t>软件需求规格说明书SRS</a:t>
             </a:r>
             <a:endParaRPr lang="en-US" altLang="zh-CN" sz="3600" b="1" dirty="0">
               <a:solidFill>
@@ -3373,7 +3315,7 @@
               <a:t>年</a:t>
             </a:r>
             <a:r>
-              <a:rPr lang="en-US" altLang="zh-Hans" sz="1900" dirty="0">
+              <a:rPr lang="en-US" altLang="en-US" sz="1900" dirty="0">
                 <a:solidFill>
                   <a:schemeClr val="tx1">
                     <a:lumMod val="85000"/>
@@ -3424,6 +3366,16 @@
               </a:rPr>
               <a:t>日</a:t>
             </a:r>
+            <a:endParaRPr lang="zh-CN" altLang="en-US" sz="1900" dirty="0">
+              <a:solidFill>
+                <a:schemeClr val="tx1">
+                  <a:lumMod val="85000"/>
+                  <a:lumOff val="15000"/>
+                </a:schemeClr>
+              </a:solidFill>
+              <a:latin typeface="微软雅黑" panose="020B0503020204020204" pitchFamily="34" charset="-122"/>
+              <a:ea typeface="微软雅黑" panose="020B0503020204020204" pitchFamily="34" charset="-122"/>
+            </a:endParaRPr>
           </a:p>
         </p:txBody>
       </p:sp>
@@ -3471,16 +3423,16 @@
             <a:picLocks noChangeAspect="1"/>
           </p:cNvPicPr>
           <p:nvPr>
-            <a:audioFile r:link="rId2"/>
+            <a:audioFile r:link="rId1"/>
             <p:extLst>
               <p:ext uri="{DAA4B4D4-6D71-4841-9C94-3DE7FCFB9230}">
-                <p14:media xmlns:p14="http://schemas.microsoft.com/office/powerpoint/2010/main" r:embed="rId1"/>
+                <p14:media xmlns:p14="http://schemas.microsoft.com/office/powerpoint/2010/main" r:embed="rId2"/>
               </p:ext>
             </p:extLst>
           </p:nvPr>
         </p:nvPicPr>
         <p:blipFill>
-          <a:blip r:embed="rId5"/>
+          <a:blip r:embed="rId3"/>
           <a:stretch>
             <a:fillRect/>
           </a:stretch>
@@ -3528,6 +3480,14 @@
               </a:rPr>
               <a:t>浙江大学城市学院</a:t>
             </a:r>
+            <a:endParaRPr lang="zh-CN" altLang="en-US" kern="300" spc="2000">
+              <a:solidFill>
+                <a:schemeClr val="tx1"/>
+              </a:solidFill>
+              <a:uFillTx/>
+              <a:latin typeface="+中文标题" charset="0"/>
+              <a:ea typeface="+mj-ea"/>
+            </a:endParaRPr>
           </a:p>
         </p:txBody>
       </p:sp>
@@ -3536,13 +3496,13 @@
   <p:clrMapOvr>
     <a:masterClrMapping/>
   </p:clrMapOvr>
-  <mc:AlternateContent xmlns:mc="http://schemas.openxmlformats.org/markup-compatibility/2006" xmlns:p14="http://schemas.microsoft.com/office/powerpoint/2010/main">
-    <mc:Choice Requires="p14">
+  <mc:AlternateContent xmlns:mc="http://schemas.openxmlformats.org/markup-compatibility/2006">
+    <mc:Choice xmlns:p14="http://schemas.microsoft.com/office/powerpoint/2010/main" Requires="p14">
       <p:transition spd="slow" p14:dur="1600" advClick="0" advTm="0">
         <p:blinds dir="vert"/>
       </p:transition>
     </mc:Choice>
-    <mc:Fallback xmlns="">
+    <mc:Fallback>
       <p:transition spd="slow" advClick="0" advTm="0">
         <p:blinds dir="vert"/>
       </p:transition>
@@ -4535,6 +4495,7 @@
               <a:rPr lang="en-US" sz="2400" dirty="0"/>
               <a:t>3</a:t>
             </a:r>
+            <a:endParaRPr lang="en-US" sz="2400" dirty="0"/>
           </a:p>
         </p:txBody>
       </p:sp>
@@ -4561,7 +4522,7 @@
           <a:lstStyle/>
           <a:p>
             <a:r>
-              <a:rPr lang="zh-Hans" altLang="en-US" sz="2665" dirty="0">
+              <a:rPr lang="en-US" altLang="en-US" sz="2665" dirty="0">
                 <a:solidFill>
                   <a:srgbClr val="183A5D"/>
                 </a:solidFill>
@@ -4582,20 +4543,14 @@
       </p:sp>
       <p:pic>
         <p:nvPicPr>
-          <p:cNvPr id="6" name="图片 5">
-            <a:extLst>
-              <a:ext uri="{FF2B5EF4-FFF2-40B4-BE49-F238E27FC236}">
-                <a16:creationId xmlns:a16="http://schemas.microsoft.com/office/drawing/2014/main" xmlns="" id="{71F4831E-E618-FE4C-9E50-24CF114C4F96}"/>
-              </a:ext>
-            </a:extLst>
-          </p:cNvPr>
+          <p:cNvPr id="6" name="图片 5"/>
           <p:cNvPicPr>
             <a:picLocks noChangeAspect="1"/>
           </p:cNvPicPr>
           <p:nvPr/>
         </p:nvPicPr>
         <p:blipFill>
-          <a:blip r:embed="rId2">
+          <a:blip r:embed="rId1">
             <a:extLst>
               <a:ext uri="{28A0092B-C50C-407E-A947-70E740481C1C}">
                 <a14:useLocalDpi xmlns:a14="http://schemas.microsoft.com/office/drawing/2010/main" val="0"/>
@@ -4618,13 +4573,7 @@
       </p:pic>
       <p:sp>
         <p:nvSpPr>
-          <p:cNvPr id="8" name="文本框 7">
-            <a:extLst>
-              <a:ext uri="{FF2B5EF4-FFF2-40B4-BE49-F238E27FC236}">
-                <a16:creationId xmlns:a16="http://schemas.microsoft.com/office/drawing/2014/main" xmlns="" id="{D18386E0-7984-2B46-8F3C-0CA6C8105131}"/>
-              </a:ext>
-            </a:extLst>
-          </p:cNvPr>
+          <p:cNvPr id="8" name="文本框 7"/>
           <p:cNvSpPr txBox="1"/>
           <p:nvPr/>
         </p:nvSpPr>
@@ -4645,44 +4594,14 @@
           <a:lstStyle/>
           <a:p>
             <a:r>
-              <a:rPr lang="zh-Hans" altLang="en-US" sz="2665" dirty="0">
+              <a:rPr lang="en-US" altLang="en-US" sz="2665" dirty="0">
                 <a:solidFill>
                   <a:srgbClr val="183A5D"/>
                 </a:solidFill>
                 <a:latin typeface="微软雅黑" panose="020B0503020204020204" pitchFamily="34" charset="-122"/>
                 <a:ea typeface="微软雅黑" panose="020B0503020204020204" pitchFamily="34" charset="-122"/>
               </a:rPr>
-              <a:t>详见界面原型</a:t>
-            </a:r>
-            <a:r>
-              <a:rPr lang="en-US" altLang="zh-Hans" sz="2665" dirty="0">
-                <a:solidFill>
-                  <a:srgbClr val="183A5D"/>
-                </a:solidFill>
-                <a:latin typeface="微软雅黑" panose="020B0503020204020204" pitchFamily="34" charset="-122"/>
-                <a:ea typeface="微软雅黑" panose="020B0503020204020204" pitchFamily="34" charset="-122"/>
-              </a:rPr>
-              <a:t>—</a:t>
-            </a:r>
-            <a:r>
-              <a:rPr lang="zh-Hans" altLang="en-US" sz="2665" dirty="0">
-                <a:solidFill>
-                  <a:srgbClr val="183A5D"/>
-                </a:solidFill>
-                <a:latin typeface="微软雅黑" panose="020B0503020204020204" pitchFamily="34" charset="-122"/>
-                <a:ea typeface="微软雅黑" panose="020B0503020204020204" pitchFamily="34" charset="-122"/>
-              </a:rPr>
-              <a:t>酒页面</a:t>
-            </a:r>
-            <a:r>
-              <a:rPr lang="en-US" altLang="zh-Hans" sz="2665" dirty="0">
-                <a:solidFill>
-                  <a:srgbClr val="183A5D"/>
-                </a:solidFill>
-                <a:latin typeface="微软雅黑" panose="020B0503020204020204" pitchFamily="34" charset="-122"/>
-                <a:ea typeface="微软雅黑" panose="020B0503020204020204" pitchFamily="34" charset="-122"/>
-              </a:rPr>
-              <a:t>1</a:t>
+              <a:t>详见界面原型—酒页面1</a:t>
             </a:r>
             <a:endParaRPr lang="zh-CN" sz="2665" dirty="0">
               <a:solidFill>
@@ -4695,11 +4614,6 @@
         </p:txBody>
       </p:sp>
     </p:spTree>
-    <p:extLst>
-      <p:ext uri="{BB962C8B-B14F-4D97-AF65-F5344CB8AC3E}">
-        <p14:creationId xmlns:p14="http://schemas.microsoft.com/office/powerpoint/2010/main" val="1359829642"/>
-      </p:ext>
-    </p:extLst>
   </p:cSld>
   <p:clrMapOvr>
     <a:masterClrMapping/>
@@ -4819,6 +4733,7 @@
               <a:rPr lang="en-US" sz="2400" dirty="0"/>
               <a:t>3</a:t>
             </a:r>
+            <a:endParaRPr lang="en-US" sz="2400" dirty="0"/>
           </a:p>
         </p:txBody>
       </p:sp>
@@ -4845,7 +4760,7 @@
           <a:lstStyle/>
           <a:p>
             <a:r>
-              <a:rPr lang="zh-Hans" altLang="en-US" sz="2665" dirty="0">
+              <a:rPr lang="en-US" altLang="en-US" sz="2665" dirty="0">
                 <a:solidFill>
                   <a:srgbClr val="183A5D"/>
                 </a:solidFill>
@@ -4866,20 +4781,14 @@
       </p:sp>
       <p:pic>
         <p:nvPicPr>
-          <p:cNvPr id="6" name="图片 5">
-            <a:extLst>
-              <a:ext uri="{FF2B5EF4-FFF2-40B4-BE49-F238E27FC236}">
-                <a16:creationId xmlns:a16="http://schemas.microsoft.com/office/drawing/2014/main" xmlns="" id="{77A83702-C63E-C64E-AFB4-E6EC646A1524}"/>
-              </a:ext>
-            </a:extLst>
-          </p:cNvPr>
+          <p:cNvPr id="6" name="图片 5"/>
           <p:cNvPicPr>
             <a:picLocks noChangeAspect="1"/>
           </p:cNvPicPr>
           <p:nvPr/>
         </p:nvPicPr>
         <p:blipFill>
-          <a:blip r:embed="rId2">
+          <a:blip r:embed="rId1">
             <a:extLst>
               <a:ext uri="{28A0092B-C50C-407E-A947-70E740481C1C}">
                 <a14:useLocalDpi xmlns:a14="http://schemas.microsoft.com/office/drawing/2010/main" val="0"/>
@@ -4902,13 +4811,7 @@
       </p:pic>
       <p:sp>
         <p:nvSpPr>
-          <p:cNvPr id="8" name="文本框 7">
-            <a:extLst>
-              <a:ext uri="{FF2B5EF4-FFF2-40B4-BE49-F238E27FC236}">
-                <a16:creationId xmlns:a16="http://schemas.microsoft.com/office/drawing/2014/main" xmlns="" id="{D18386E0-7984-2B46-8F3C-0CA6C8105131}"/>
-              </a:ext>
-            </a:extLst>
-          </p:cNvPr>
+          <p:cNvPr id="8" name="文本框 7"/>
           <p:cNvSpPr txBox="1"/>
           <p:nvPr/>
         </p:nvSpPr>
@@ -4929,44 +4832,14 @@
           <a:lstStyle/>
           <a:p>
             <a:r>
-              <a:rPr lang="zh-Hans" altLang="en-US" sz="2665" dirty="0">
+              <a:rPr lang="en-US" altLang="en-US" sz="2665" dirty="0">
                 <a:solidFill>
                   <a:srgbClr val="183A5D"/>
                 </a:solidFill>
                 <a:latin typeface="微软雅黑" panose="020B0503020204020204" pitchFamily="34" charset="-122"/>
                 <a:ea typeface="微软雅黑" panose="020B0503020204020204" pitchFamily="34" charset="-122"/>
               </a:rPr>
-              <a:t>详见界面原型</a:t>
-            </a:r>
-            <a:r>
-              <a:rPr lang="en-US" altLang="zh-Hans" sz="2665" dirty="0">
-                <a:solidFill>
-                  <a:srgbClr val="183A5D"/>
-                </a:solidFill>
-                <a:latin typeface="微软雅黑" panose="020B0503020204020204" pitchFamily="34" charset="-122"/>
-                <a:ea typeface="微软雅黑" panose="020B0503020204020204" pitchFamily="34" charset="-122"/>
-              </a:rPr>
-              <a:t>—</a:t>
-            </a:r>
-            <a:r>
-              <a:rPr lang="zh-Hans" altLang="en-US" sz="2665" dirty="0">
-                <a:solidFill>
-                  <a:srgbClr val="183A5D"/>
-                </a:solidFill>
-                <a:latin typeface="微软雅黑" panose="020B0503020204020204" pitchFamily="34" charset="-122"/>
-                <a:ea typeface="微软雅黑" panose="020B0503020204020204" pitchFamily="34" charset="-122"/>
-              </a:rPr>
-              <a:t>酒页面</a:t>
-            </a:r>
-            <a:r>
-              <a:rPr lang="en-US" altLang="zh-Hans" sz="2665" dirty="0">
-                <a:solidFill>
-                  <a:srgbClr val="183A5D"/>
-                </a:solidFill>
-                <a:latin typeface="微软雅黑" panose="020B0503020204020204" pitchFamily="34" charset="-122"/>
-                <a:ea typeface="微软雅黑" panose="020B0503020204020204" pitchFamily="34" charset="-122"/>
-              </a:rPr>
-              <a:t>2</a:t>
+              <a:t>详见界面原型—酒页面2</a:t>
             </a:r>
             <a:endParaRPr lang="zh-CN" sz="2665" dirty="0">
               <a:solidFill>
@@ -4979,11 +4852,6 @@
         </p:txBody>
       </p:sp>
     </p:spTree>
-    <p:extLst>
-      <p:ext uri="{BB962C8B-B14F-4D97-AF65-F5344CB8AC3E}">
-        <p14:creationId xmlns:p14="http://schemas.microsoft.com/office/powerpoint/2010/main" val="851200917"/>
-      </p:ext>
-    </p:extLst>
   </p:cSld>
   <p:clrMapOvr>
     <a:masterClrMapping/>
@@ -5103,6 +4971,7 @@
               <a:rPr lang="en-US" sz="2400" dirty="0"/>
               <a:t>3</a:t>
             </a:r>
+            <a:endParaRPr lang="en-US" sz="2400" dirty="0"/>
           </a:p>
         </p:txBody>
       </p:sp>
@@ -5129,7 +4998,7 @@
           <a:lstStyle/>
           <a:p>
             <a:r>
-              <a:rPr lang="zh-Hans" altLang="en-US" sz="2665" dirty="0">
+              <a:rPr lang="en-US" altLang="en-US" sz="2665" dirty="0">
                 <a:solidFill>
                   <a:srgbClr val="183A5D"/>
                 </a:solidFill>
@@ -5150,13 +5019,7 @@
       </p:sp>
       <p:sp>
         <p:nvSpPr>
-          <p:cNvPr id="8" name="文本框 7">
-            <a:extLst>
-              <a:ext uri="{FF2B5EF4-FFF2-40B4-BE49-F238E27FC236}">
-                <a16:creationId xmlns:a16="http://schemas.microsoft.com/office/drawing/2014/main" xmlns="" id="{D18386E0-7984-2B46-8F3C-0CA6C8105131}"/>
-              </a:ext>
-            </a:extLst>
-          </p:cNvPr>
+          <p:cNvPr id="8" name="文本框 7"/>
           <p:cNvSpPr txBox="1"/>
           <p:nvPr/>
         </p:nvSpPr>
@@ -5177,34 +5040,14 @@
           <a:lstStyle/>
           <a:p>
             <a:r>
-              <a:rPr lang="zh-Hans" altLang="en-US" sz="2665" dirty="0">
+              <a:rPr lang="en-US" altLang="en-US" sz="2665" dirty="0">
                 <a:solidFill>
                   <a:srgbClr val="183A5D"/>
                 </a:solidFill>
                 <a:latin typeface="微软雅黑" panose="020B0503020204020204" pitchFamily="34" charset="-122"/>
                 <a:ea typeface="微软雅黑" panose="020B0503020204020204" pitchFamily="34" charset="-122"/>
               </a:rPr>
-              <a:t>详见界面原型</a:t>
-            </a:r>
-            <a:r>
-              <a:rPr lang="en-US" altLang="zh-Hans" sz="2665" dirty="0">
-                <a:solidFill>
-                  <a:srgbClr val="183A5D"/>
-                </a:solidFill>
-                <a:latin typeface="微软雅黑" panose="020B0503020204020204" pitchFamily="34" charset="-122"/>
-                <a:ea typeface="微软雅黑" panose="020B0503020204020204" pitchFamily="34" charset="-122"/>
-              </a:rPr>
-              <a:t>—</a:t>
-            </a:r>
-            <a:r>
-              <a:rPr lang="zh-Hans" altLang="en-US" sz="2665" dirty="0">
-                <a:solidFill>
-                  <a:srgbClr val="183A5D"/>
-                </a:solidFill>
-                <a:latin typeface="微软雅黑" panose="020B0503020204020204" pitchFamily="34" charset="-122"/>
-                <a:ea typeface="微软雅黑" panose="020B0503020204020204" pitchFamily="34" charset="-122"/>
-              </a:rPr>
-              <a:t>酒页面尾部</a:t>
+              <a:t>详见界面原型—酒页面尾部</a:t>
             </a:r>
             <a:endParaRPr lang="zh-CN" sz="2665" dirty="0">
               <a:solidFill>
@@ -5218,20 +5061,14 @@
       </p:sp>
       <p:pic>
         <p:nvPicPr>
-          <p:cNvPr id="6" name="图片 5">
-            <a:extLst>
-              <a:ext uri="{FF2B5EF4-FFF2-40B4-BE49-F238E27FC236}">
-                <a16:creationId xmlns:a16="http://schemas.microsoft.com/office/drawing/2014/main" xmlns="" id="{210A6BB7-E286-A447-9247-E23E315A7E39}"/>
-              </a:ext>
-            </a:extLst>
-          </p:cNvPr>
+          <p:cNvPr id="6" name="图片 5"/>
           <p:cNvPicPr>
             <a:picLocks noChangeAspect="1"/>
           </p:cNvPicPr>
           <p:nvPr/>
         </p:nvPicPr>
         <p:blipFill>
-          <a:blip r:embed="rId2">
+          <a:blip r:embed="rId1">
             <a:extLst>
               <a:ext uri="{28A0092B-C50C-407E-A947-70E740481C1C}">
                 <a14:useLocalDpi xmlns:a14="http://schemas.microsoft.com/office/drawing/2010/main" val="0"/>
@@ -5253,11 +5090,6 @@
         </p:spPr>
       </p:pic>
     </p:spTree>
-    <p:extLst>
-      <p:ext uri="{BB962C8B-B14F-4D97-AF65-F5344CB8AC3E}">
-        <p14:creationId xmlns:p14="http://schemas.microsoft.com/office/powerpoint/2010/main" val="2227610968"/>
-      </p:ext>
-    </p:extLst>
   </p:cSld>
   <p:clrMapOvr>
     <a:masterClrMapping/>
@@ -5374,7 +5206,7 @@
           <a:p>
             <a:pPr algn="ctr"/>
             <a:r>
-              <a:rPr lang="en-US" altLang="zh-Hans" sz="2400" dirty="0"/>
+              <a:rPr lang="en-US" altLang="en-US" sz="2400" dirty="0"/>
               <a:t>4</a:t>
             </a:r>
             <a:endParaRPr lang="en-US" sz="2400" dirty="0"/>
@@ -5404,7 +5236,7 @@
           <a:lstStyle/>
           <a:p>
             <a:r>
-              <a:rPr lang="zh-Hans" altLang="en-US" sz="2665" dirty="0">
+              <a:rPr lang="en-US" altLang="en-US" sz="2665" dirty="0">
                 <a:solidFill>
                   <a:srgbClr val="183A5D"/>
                 </a:solidFill>
@@ -5425,18 +5257,12 @@
       </p:sp>
       <p:pic>
         <p:nvPicPr>
-          <p:cNvPr id="10" name="图片 9">
-            <a:extLst>
-              <a:ext uri="{FF2B5EF4-FFF2-40B4-BE49-F238E27FC236}">
-                <a16:creationId xmlns:a16="http://schemas.microsoft.com/office/drawing/2014/main" xmlns="" id="{554DAF2A-9E73-CF4E-9D20-CFFC9E1F06E2}"/>
-              </a:ext>
-            </a:extLst>
-          </p:cNvPr>
+          <p:cNvPr id="10" name="图片 9"/>
           <p:cNvPicPr/>
           <p:nvPr/>
         </p:nvPicPr>
         <p:blipFill>
-          <a:blip r:embed="rId2">
+          <a:blip r:embed="rId1">
             <a:extLst>
               <a:ext uri="{28A0092B-C50C-407E-A947-70E740481C1C}">
                 <a14:useLocalDpi xmlns:a14="http://schemas.microsoft.com/office/drawing/2010/main" val="0"/>
@@ -5464,13 +5290,7 @@
       </p:pic>
       <p:sp>
         <p:nvSpPr>
-          <p:cNvPr id="11" name="文本框 10">
-            <a:extLst>
-              <a:ext uri="{FF2B5EF4-FFF2-40B4-BE49-F238E27FC236}">
-                <a16:creationId xmlns:a16="http://schemas.microsoft.com/office/drawing/2014/main" xmlns="" id="{BF2A9BBF-A548-C74C-92D0-4D314D896C9E}"/>
-              </a:ext>
-            </a:extLst>
-          </p:cNvPr>
+          <p:cNvPr id="11" name="文本框 10"/>
           <p:cNvSpPr txBox="1"/>
           <p:nvPr/>
         </p:nvSpPr>
@@ -5491,34 +5311,14 @@
           <a:lstStyle/>
           <a:p>
             <a:r>
-              <a:rPr lang="zh-Hans" altLang="en-US" sz="2665" dirty="0">
+              <a:rPr lang="en-US" altLang="en-US" sz="2665" dirty="0">
                 <a:solidFill>
                   <a:srgbClr val="183A5D"/>
                 </a:solidFill>
                 <a:latin typeface="微软雅黑" panose="020B0503020204020204" pitchFamily="34" charset="-122"/>
                 <a:ea typeface="微软雅黑" panose="020B0503020204020204" pitchFamily="34" charset="-122"/>
               </a:rPr>
-              <a:t>详情请见用例图</a:t>
-            </a:r>
-            <a:r>
-              <a:rPr lang="en-US" altLang="zh-Hans" sz="2665" dirty="0">
-                <a:solidFill>
-                  <a:srgbClr val="183A5D"/>
-                </a:solidFill>
-                <a:latin typeface="微软雅黑" panose="020B0503020204020204" pitchFamily="34" charset="-122"/>
-                <a:ea typeface="微软雅黑" panose="020B0503020204020204" pitchFamily="34" charset="-122"/>
-              </a:rPr>
-              <a:t>—</a:t>
-            </a:r>
-            <a:r>
-              <a:rPr lang="zh-Hans" altLang="en-US" sz="2665" dirty="0">
-                <a:solidFill>
-                  <a:srgbClr val="183A5D"/>
-                </a:solidFill>
-                <a:latin typeface="微软雅黑" panose="020B0503020204020204" pitchFamily="34" charset="-122"/>
-                <a:ea typeface="微软雅黑" panose="020B0503020204020204" pitchFamily="34" charset="-122"/>
-              </a:rPr>
-              <a:t>管理员</a:t>
+              <a:t>详情请见用例图—管理员</a:t>
             </a:r>
             <a:endParaRPr lang="zh-CN" sz="2665" dirty="0">
               <a:solidFill>
@@ -5647,7 +5447,7 @@
           <a:p>
             <a:pPr algn="ctr"/>
             <a:r>
-              <a:rPr lang="en-US" altLang="zh-Hans" sz="2400" dirty="0"/>
+              <a:rPr lang="en-US" altLang="en-US" sz="2400" dirty="0"/>
               <a:t>4</a:t>
             </a:r>
             <a:endParaRPr lang="en-US" sz="2400" dirty="0"/>
@@ -5677,7 +5477,7 @@
           <a:lstStyle/>
           <a:p>
             <a:r>
-              <a:rPr lang="zh-Hans" altLang="en-US" sz="2665" dirty="0">
+              <a:rPr lang="en-US" altLang="en-US" sz="2665" dirty="0">
                 <a:solidFill>
                   <a:srgbClr val="183A5D"/>
                 </a:solidFill>
@@ -5698,13 +5498,7 @@
       </p:sp>
       <p:sp>
         <p:nvSpPr>
-          <p:cNvPr id="11" name="文本框 10">
-            <a:extLst>
-              <a:ext uri="{FF2B5EF4-FFF2-40B4-BE49-F238E27FC236}">
-                <a16:creationId xmlns:a16="http://schemas.microsoft.com/office/drawing/2014/main" xmlns="" id="{BF2A9BBF-A548-C74C-92D0-4D314D896C9E}"/>
-              </a:ext>
-            </a:extLst>
-          </p:cNvPr>
+          <p:cNvPr id="11" name="文本框 10"/>
           <p:cNvSpPr txBox="1"/>
           <p:nvPr/>
         </p:nvSpPr>
@@ -5725,34 +5519,14 @@
           <a:lstStyle/>
           <a:p>
             <a:r>
-              <a:rPr lang="zh-Hans" altLang="en-US" sz="2665" dirty="0">
+              <a:rPr lang="en-US" altLang="en-US" sz="2665" dirty="0">
                 <a:solidFill>
                   <a:srgbClr val="183A5D"/>
                 </a:solidFill>
                 <a:latin typeface="微软雅黑" panose="020B0503020204020204" pitchFamily="34" charset="-122"/>
                 <a:ea typeface="微软雅黑" panose="020B0503020204020204" pitchFamily="34" charset="-122"/>
               </a:rPr>
-              <a:t>详情请见用例图</a:t>
-            </a:r>
-            <a:r>
-              <a:rPr lang="en-US" altLang="zh-Hans" sz="2665" dirty="0">
-                <a:solidFill>
-                  <a:srgbClr val="183A5D"/>
-                </a:solidFill>
-                <a:latin typeface="微软雅黑" panose="020B0503020204020204" pitchFamily="34" charset="-122"/>
-                <a:ea typeface="微软雅黑" panose="020B0503020204020204" pitchFamily="34" charset="-122"/>
-              </a:rPr>
-              <a:t>—</a:t>
-            </a:r>
-            <a:r>
-              <a:rPr lang="zh-Hans" altLang="en-US" sz="2665" dirty="0">
-                <a:solidFill>
-                  <a:srgbClr val="183A5D"/>
-                </a:solidFill>
-                <a:latin typeface="微软雅黑" panose="020B0503020204020204" pitchFamily="34" charset="-122"/>
-                <a:ea typeface="微软雅黑" panose="020B0503020204020204" pitchFamily="34" charset="-122"/>
-              </a:rPr>
-              <a:t>备份管理</a:t>
+              <a:t>详情请见用例图—备份管理</a:t>
             </a:r>
             <a:endParaRPr lang="zh-CN" sz="2665" dirty="0">
               <a:solidFill>
@@ -5766,18 +5540,12 @@
       </p:sp>
       <p:pic>
         <p:nvPicPr>
-          <p:cNvPr id="7" name="图片 6">
-            <a:extLst>
-              <a:ext uri="{FF2B5EF4-FFF2-40B4-BE49-F238E27FC236}">
-                <a16:creationId xmlns:a16="http://schemas.microsoft.com/office/drawing/2014/main" xmlns="" id="{7AB2B00A-7026-B04C-A6C3-50DD6EB0B0EF}"/>
-              </a:ext>
-            </a:extLst>
-          </p:cNvPr>
+          <p:cNvPr id="7" name="图片 6"/>
           <p:cNvPicPr/>
           <p:nvPr/>
         </p:nvPicPr>
         <p:blipFill>
-          <a:blip r:embed="rId2">
+          <a:blip r:embed="rId1">
             <a:extLst>
               <a:ext uri="{28A0092B-C50C-407E-A947-70E740481C1C}">
                 <a14:useLocalDpi xmlns:a14="http://schemas.microsoft.com/office/drawing/2010/main" val="0"/>
@@ -5799,11 +5567,6 @@
         </p:spPr>
       </p:pic>
     </p:spTree>
-    <p:extLst>
-      <p:ext uri="{BB962C8B-B14F-4D97-AF65-F5344CB8AC3E}">
-        <p14:creationId xmlns:p14="http://schemas.microsoft.com/office/powerpoint/2010/main" val="2683854295"/>
-      </p:ext>
-    </p:extLst>
   </p:cSld>
   <p:clrMapOvr>
     <a:masterClrMapping/>
@@ -5920,7 +5683,7 @@
           <a:p>
             <a:pPr algn="ctr"/>
             <a:r>
-              <a:rPr lang="en-US" altLang="zh-Hans" sz="2400" dirty="0"/>
+              <a:rPr lang="en-US" altLang="en-US" sz="2400" dirty="0"/>
               <a:t>4</a:t>
             </a:r>
             <a:endParaRPr lang="en-US" sz="2400" dirty="0"/>
@@ -5950,7 +5713,7 @@
           <a:lstStyle/>
           <a:p>
             <a:r>
-              <a:rPr lang="zh-Hans" altLang="en-US" sz="2665" dirty="0">
+              <a:rPr lang="en-US" altLang="en-US" sz="2665" dirty="0">
                 <a:solidFill>
                   <a:srgbClr val="183A5D"/>
                 </a:solidFill>
@@ -5971,13 +5734,7 @@
       </p:sp>
       <p:sp>
         <p:nvSpPr>
-          <p:cNvPr id="11" name="文本框 10">
-            <a:extLst>
-              <a:ext uri="{FF2B5EF4-FFF2-40B4-BE49-F238E27FC236}">
-                <a16:creationId xmlns:a16="http://schemas.microsoft.com/office/drawing/2014/main" xmlns="" id="{BF2A9BBF-A548-C74C-92D0-4D314D896C9E}"/>
-              </a:ext>
-            </a:extLst>
-          </p:cNvPr>
+          <p:cNvPr id="11" name="文本框 10"/>
           <p:cNvSpPr txBox="1"/>
           <p:nvPr/>
         </p:nvSpPr>
@@ -5998,34 +5755,14 @@
           <a:lstStyle/>
           <a:p>
             <a:r>
-              <a:rPr lang="zh-Hans" altLang="en-US" sz="2665" dirty="0">
+              <a:rPr lang="en-US" altLang="en-US" sz="2665" dirty="0">
                 <a:solidFill>
                   <a:srgbClr val="183A5D"/>
                 </a:solidFill>
                 <a:latin typeface="微软雅黑" panose="020B0503020204020204" pitchFamily="34" charset="-122"/>
                 <a:ea typeface="微软雅黑" panose="020B0503020204020204" pitchFamily="34" charset="-122"/>
               </a:rPr>
-              <a:t>详情请见用例图</a:t>
-            </a:r>
-            <a:r>
-              <a:rPr lang="en-US" altLang="zh-Hans" sz="2665" dirty="0">
-                <a:solidFill>
-                  <a:srgbClr val="183A5D"/>
-                </a:solidFill>
-                <a:latin typeface="微软雅黑" panose="020B0503020204020204" pitchFamily="34" charset="-122"/>
-                <a:ea typeface="微软雅黑" panose="020B0503020204020204" pitchFamily="34" charset="-122"/>
-              </a:rPr>
-              <a:t>—</a:t>
-            </a:r>
-            <a:r>
-              <a:rPr lang="zh-Hans" altLang="en-US" sz="2665" dirty="0">
-                <a:solidFill>
-                  <a:srgbClr val="183A5D"/>
-                </a:solidFill>
-                <a:latin typeface="微软雅黑" panose="020B0503020204020204" pitchFamily="34" charset="-122"/>
-                <a:ea typeface="微软雅黑" panose="020B0503020204020204" pitchFamily="34" charset="-122"/>
-              </a:rPr>
-              <a:t>用户</a:t>
+              <a:t>详情请见用例图—用户</a:t>
             </a:r>
             <a:endParaRPr lang="zh-CN" sz="2665" dirty="0">
               <a:solidFill>
@@ -6039,18 +5776,12 @@
       </p:sp>
       <p:pic>
         <p:nvPicPr>
-          <p:cNvPr id="7" name="图片 6">
-            <a:extLst>
-              <a:ext uri="{FF2B5EF4-FFF2-40B4-BE49-F238E27FC236}">
-                <a16:creationId xmlns:a16="http://schemas.microsoft.com/office/drawing/2014/main" xmlns="" id="{DF148F25-0C35-1946-A6E8-26572C6A298B}"/>
-              </a:ext>
-            </a:extLst>
-          </p:cNvPr>
+          <p:cNvPr id="7" name="图片 6"/>
           <p:cNvPicPr/>
           <p:nvPr/>
         </p:nvPicPr>
         <p:blipFill>
-          <a:blip r:embed="rId2">
+          <a:blip r:embed="rId1">
             <a:extLst>
               <a:ext uri="{28A0092B-C50C-407E-A947-70E740481C1C}">
                 <a14:useLocalDpi xmlns:a14="http://schemas.microsoft.com/office/drawing/2010/main" val="0"/>
@@ -6077,11 +5808,6 @@
         </p:spPr>
       </p:pic>
     </p:spTree>
-    <p:extLst>
-      <p:ext uri="{BB962C8B-B14F-4D97-AF65-F5344CB8AC3E}">
-        <p14:creationId xmlns:p14="http://schemas.microsoft.com/office/powerpoint/2010/main" val="566005599"/>
-      </p:ext>
-    </p:extLst>
   </p:cSld>
   <p:clrMapOvr>
     <a:masterClrMapping/>
@@ -6198,7 +5924,7 @@
           <a:p>
             <a:pPr algn="ctr"/>
             <a:r>
-              <a:rPr lang="en-US" altLang="zh-Hans" sz="2400" dirty="0"/>
+              <a:rPr lang="en-US" altLang="en-US" sz="2400" dirty="0"/>
               <a:t>5</a:t>
             </a:r>
             <a:endParaRPr lang="en-US" sz="2400" dirty="0"/>
@@ -6228,7 +5954,7 @@
           <a:lstStyle/>
           <a:p>
             <a:r>
-              <a:rPr lang="zh-Hans" altLang="en-US" sz="2665" dirty="0">
+              <a:rPr lang="en-US" altLang="en-US" sz="2665" dirty="0">
                 <a:solidFill>
                   <a:srgbClr val="183A5D"/>
                 </a:solidFill>
@@ -6249,13 +5975,7 @@
       </p:sp>
       <p:sp>
         <p:nvSpPr>
-          <p:cNvPr id="7" name="文本框 6">
-            <a:extLst>
-              <a:ext uri="{FF2B5EF4-FFF2-40B4-BE49-F238E27FC236}">
-                <a16:creationId xmlns:a16="http://schemas.microsoft.com/office/drawing/2014/main" xmlns="" id="{25D89D42-062C-D74D-829D-73873851EC24}"/>
-              </a:ext>
-            </a:extLst>
-          </p:cNvPr>
+          <p:cNvPr id="7" name="文本框 6"/>
           <p:cNvSpPr txBox="1"/>
           <p:nvPr/>
         </p:nvSpPr>
@@ -6276,7 +5996,7 @@
           <a:lstStyle/>
           <a:p>
             <a:r>
-              <a:rPr lang="zh-Hans" altLang="en-US" sz="2665" dirty="0">
+              <a:rPr lang="en-US" altLang="en-US" sz="2665" dirty="0">
                 <a:solidFill>
                   <a:srgbClr val="183A5D"/>
                 </a:solidFill>
@@ -6297,23 +6017,11 @@
       </p:sp>
       <p:graphicFrame>
         <p:nvGraphicFramePr>
-          <p:cNvPr id="8" name="表格 7">
-            <a:extLst>
-              <a:ext uri="{FF2B5EF4-FFF2-40B4-BE49-F238E27FC236}">
-                <a16:creationId xmlns:a16="http://schemas.microsoft.com/office/drawing/2014/main" xmlns="" id="{CC6CCE95-A4F1-094C-883C-95B8C175B610}"/>
-              </a:ext>
-            </a:extLst>
-          </p:cNvPr>
+          <p:cNvPr id="8" name="表格 7"/>
           <p:cNvGraphicFramePr>
             <a:graphicFrameLocks noGrp="1"/>
           </p:cNvGraphicFramePr>
-          <p:nvPr>
-            <p:extLst>
-              <p:ext uri="{D42A27DB-BD31-4B8C-83A1-F6EECF244321}">
-                <p14:modId xmlns:p14="http://schemas.microsoft.com/office/powerpoint/2010/main" val="2889348844"/>
-              </p:ext>
-            </p:extLst>
-          </p:nvPr>
+          <p:nvPr/>
         </p:nvGraphicFramePr>
         <p:xfrm>
           <a:off x="2422798" y="1583657"/>
@@ -6326,13 +6034,7 @@
                 <a:tableStyleId>{5C22544A-7EE6-4342-B048-85BDC9FD1C3A}</a:tableStyleId>
               </a:tblPr>
               <a:tblGrid>
-                <a:gridCol w="7560840">
-                  <a:extLst>
-                    <a:ext uri="{9D8B030D-6E8A-4147-A177-3AD203B41FA5}">
-                      <a16:colId xmlns:a16="http://schemas.microsoft.com/office/drawing/2014/main" xmlns="" val="3617504513"/>
-                    </a:ext>
-                  </a:extLst>
-                </a:gridCol>
+                <a:gridCol w="7560840"/>
               </a:tblGrid>
               <a:tr h="1630113">
                 <a:tc>
@@ -6473,11 +6175,6 @@
                   </a:txBody>
                   <a:tcPr marL="68580" marR="68580" marT="0" marB="0"/>
                 </a:tc>
-                <a:extLst>
-                  <a:ext uri="{0D108BD9-81ED-4DB2-BD59-A6C34878D82A}">
-                    <a16:rowId xmlns:a16="http://schemas.microsoft.com/office/drawing/2014/main" xmlns="" val="3874320418"/>
-                  </a:ext>
-                </a:extLst>
               </a:tr>
             </a:tbl>
           </a:graphicData>
@@ -6485,13 +6182,7 @@
       </p:graphicFrame>
       <p:sp>
         <p:nvSpPr>
-          <p:cNvPr id="10" name="文本框 9">
-            <a:extLst>
-              <a:ext uri="{FF2B5EF4-FFF2-40B4-BE49-F238E27FC236}">
-                <a16:creationId xmlns:a16="http://schemas.microsoft.com/office/drawing/2014/main" xmlns="" id="{C61F55E6-5803-644B-8E78-5E5AB483CA28}"/>
-              </a:ext>
-            </a:extLst>
-          </p:cNvPr>
+          <p:cNvPr id="10" name="文本框 9"/>
           <p:cNvSpPr txBox="1"/>
           <p:nvPr/>
         </p:nvSpPr>
@@ -6512,7 +6203,7 @@
           <a:lstStyle/>
           <a:p>
             <a:r>
-              <a:rPr lang="zh-Hans" altLang="en-US" sz="2665" dirty="0">
+              <a:rPr lang="en-US" altLang="en-US" sz="2665" dirty="0">
                 <a:solidFill>
                   <a:srgbClr val="183A5D"/>
                 </a:solidFill>
@@ -6533,23 +6224,11 @@
       </p:sp>
       <p:graphicFrame>
         <p:nvGraphicFramePr>
-          <p:cNvPr id="11" name="表格 10">
-            <a:extLst>
-              <a:ext uri="{FF2B5EF4-FFF2-40B4-BE49-F238E27FC236}">
-                <a16:creationId xmlns:a16="http://schemas.microsoft.com/office/drawing/2014/main" xmlns="" id="{B6E36008-DAA7-314D-B1D7-178B2782F721}"/>
-              </a:ext>
-            </a:extLst>
-          </p:cNvPr>
+          <p:cNvPr id="11" name="表格 10"/>
           <p:cNvGraphicFramePr>
             <a:graphicFrameLocks noGrp="1"/>
           </p:cNvGraphicFramePr>
-          <p:nvPr>
-            <p:extLst>
-              <p:ext uri="{D42A27DB-BD31-4B8C-83A1-F6EECF244321}">
-                <p14:modId xmlns:p14="http://schemas.microsoft.com/office/powerpoint/2010/main" val="1530193867"/>
-              </p:ext>
-            </p:extLst>
-          </p:nvPr>
+          <p:nvPr/>
         </p:nvGraphicFramePr>
         <p:xfrm>
           <a:off x="2422798" y="4607663"/>
@@ -6562,13 +6241,7 @@
                 <a:tableStyleId>{5C22544A-7EE6-4342-B048-85BDC9FD1C3A}</a:tableStyleId>
               </a:tblPr>
               <a:tblGrid>
-                <a:gridCol w="7536772">
-                  <a:extLst>
-                    <a:ext uri="{9D8B030D-6E8A-4147-A177-3AD203B41FA5}">
-                      <a16:colId xmlns:a16="http://schemas.microsoft.com/office/drawing/2014/main" xmlns="" val="714366849"/>
-                    </a:ext>
-                  </a:extLst>
-                </a:gridCol>
+                <a:gridCol w="7536772"/>
               </a:tblGrid>
               <a:tr h="1975940">
                 <a:tc>
@@ -6685,11 +6358,6 @@
                   </a:txBody>
                   <a:tcPr marL="68580" marR="68580" marT="0" marB="0"/>
                 </a:tc>
-                <a:extLst>
-                  <a:ext uri="{0D108BD9-81ED-4DB2-BD59-A6C34878D82A}">
-                    <a16:rowId xmlns:a16="http://schemas.microsoft.com/office/drawing/2014/main" xmlns="" val="1950726226"/>
-                  </a:ext>
-                </a:extLst>
               </a:tr>
             </a:tbl>
           </a:graphicData>
@@ -6812,7 +6480,7 @@
           <a:p>
             <a:pPr algn="ctr"/>
             <a:r>
-              <a:rPr lang="en-US" altLang="zh-Hans" sz="2400" dirty="0"/>
+              <a:rPr lang="en-US" altLang="en-US" sz="2400" dirty="0"/>
               <a:t>5</a:t>
             </a:r>
             <a:endParaRPr lang="en-US" sz="2400" dirty="0"/>
@@ -6842,7 +6510,7 @@
           <a:lstStyle/>
           <a:p>
             <a:r>
-              <a:rPr lang="zh-Hans" altLang="en-US" sz="2665" dirty="0">
+              <a:rPr lang="en-US" altLang="en-US" sz="2665" dirty="0">
                 <a:solidFill>
                   <a:srgbClr val="183A5D"/>
                 </a:solidFill>
@@ -6863,13 +6531,7 @@
       </p:sp>
       <p:sp>
         <p:nvSpPr>
-          <p:cNvPr id="7" name="文本框 6">
-            <a:extLst>
-              <a:ext uri="{FF2B5EF4-FFF2-40B4-BE49-F238E27FC236}">
-                <a16:creationId xmlns:a16="http://schemas.microsoft.com/office/drawing/2014/main" xmlns="" id="{25D89D42-062C-D74D-829D-73873851EC24}"/>
-              </a:ext>
-            </a:extLst>
-          </p:cNvPr>
+          <p:cNvPr id="7" name="文本框 6"/>
           <p:cNvSpPr txBox="1"/>
           <p:nvPr/>
         </p:nvSpPr>
@@ -6890,7 +6552,7 @@
           <a:lstStyle/>
           <a:p>
             <a:r>
-              <a:rPr lang="zh-Hans" altLang="en-US" sz="2665" dirty="0">
+              <a:rPr lang="en-US" altLang="en-US" sz="2665" dirty="0">
                 <a:solidFill>
                   <a:srgbClr val="183A5D"/>
                 </a:solidFill>
@@ -6911,13 +6573,7 @@
       </p:sp>
       <p:sp>
         <p:nvSpPr>
-          <p:cNvPr id="10" name="文本框 9">
-            <a:extLst>
-              <a:ext uri="{FF2B5EF4-FFF2-40B4-BE49-F238E27FC236}">
-                <a16:creationId xmlns:a16="http://schemas.microsoft.com/office/drawing/2014/main" xmlns="" id="{C61F55E6-5803-644B-8E78-5E5AB483CA28}"/>
-              </a:ext>
-            </a:extLst>
-          </p:cNvPr>
+          <p:cNvPr id="10" name="文本框 9"/>
           <p:cNvSpPr txBox="1"/>
           <p:nvPr/>
         </p:nvSpPr>
@@ -6938,7 +6594,7 @@
           <a:lstStyle/>
           <a:p>
             <a:r>
-              <a:rPr lang="zh-Hans" altLang="en-US" sz="2665" dirty="0">
+              <a:rPr lang="en-US" altLang="en-US" sz="2665" dirty="0">
                 <a:solidFill>
                   <a:srgbClr val="183A5D"/>
                 </a:solidFill>
@@ -6959,23 +6615,11 @@
       </p:sp>
       <p:graphicFrame>
         <p:nvGraphicFramePr>
-          <p:cNvPr id="5" name="表格 4">
-            <a:extLst>
-              <a:ext uri="{FF2B5EF4-FFF2-40B4-BE49-F238E27FC236}">
-                <a16:creationId xmlns:a16="http://schemas.microsoft.com/office/drawing/2014/main" xmlns="" id="{C9421ADC-CB4E-5C4F-B25F-8F4C02BD9E60}"/>
-              </a:ext>
-            </a:extLst>
-          </p:cNvPr>
+          <p:cNvPr id="5" name="表格 4"/>
           <p:cNvGraphicFramePr>
             <a:graphicFrameLocks noGrp="1"/>
           </p:cNvGraphicFramePr>
-          <p:nvPr>
-            <p:extLst>
-              <p:ext uri="{D42A27DB-BD31-4B8C-83A1-F6EECF244321}">
-                <p14:modId xmlns:p14="http://schemas.microsoft.com/office/powerpoint/2010/main" val="3824138592"/>
-              </p:ext>
-            </p:extLst>
-          </p:nvPr>
+          <p:nvPr/>
         </p:nvGraphicFramePr>
         <p:xfrm>
           <a:off x="2452927" y="1507457"/>
@@ -6988,13 +6632,7 @@
                 <a:tableStyleId>{5C22544A-7EE6-4342-B048-85BDC9FD1C3A}</a:tableStyleId>
               </a:tblPr>
               <a:tblGrid>
-                <a:gridCol w="7506643">
-                  <a:extLst>
-                    <a:ext uri="{9D8B030D-6E8A-4147-A177-3AD203B41FA5}">
-                      <a16:colId xmlns:a16="http://schemas.microsoft.com/office/drawing/2014/main" xmlns="" val="4208787521"/>
-                    </a:ext>
-                  </a:extLst>
-                </a:gridCol>
+                <a:gridCol w="7506643"/>
               </a:tblGrid>
               <a:tr h="2404178">
                 <a:tc>
@@ -7105,11 +6743,6 @@
                   </a:txBody>
                   <a:tcPr marL="68580" marR="68580" marT="0" marB="0"/>
                 </a:tc>
-                <a:extLst>
-                  <a:ext uri="{0D108BD9-81ED-4DB2-BD59-A6C34878D82A}">
-                    <a16:rowId xmlns:a16="http://schemas.microsoft.com/office/drawing/2014/main" xmlns="" val="4101342829"/>
-                  </a:ext>
-                </a:extLst>
               </a:tr>
             </a:tbl>
           </a:graphicData>
@@ -7117,23 +6750,11 @@
       </p:graphicFrame>
       <p:graphicFrame>
         <p:nvGraphicFramePr>
-          <p:cNvPr id="6" name="表格 5">
-            <a:extLst>
-              <a:ext uri="{FF2B5EF4-FFF2-40B4-BE49-F238E27FC236}">
-                <a16:creationId xmlns:a16="http://schemas.microsoft.com/office/drawing/2014/main" xmlns="" id="{14E46DB7-F354-6649-BE90-CFC68D9A201F}"/>
-              </a:ext>
-            </a:extLst>
-          </p:cNvPr>
+          <p:cNvPr id="6" name="表格 5"/>
           <p:cNvGraphicFramePr>
             <a:graphicFrameLocks noGrp="1"/>
           </p:cNvGraphicFramePr>
-          <p:nvPr>
-            <p:extLst>
-              <p:ext uri="{D42A27DB-BD31-4B8C-83A1-F6EECF244321}">
-                <p14:modId xmlns:p14="http://schemas.microsoft.com/office/powerpoint/2010/main" val="2890916734"/>
-              </p:ext>
-            </p:extLst>
-          </p:nvPr>
+          <p:nvPr/>
         </p:nvGraphicFramePr>
         <p:xfrm>
           <a:off x="2452927" y="4496616"/>
@@ -7146,13 +6767,7 @@
                 <a:tableStyleId>{5C22544A-7EE6-4342-B048-85BDC9FD1C3A}</a:tableStyleId>
               </a:tblPr>
               <a:tblGrid>
-                <a:gridCol w="7506643">
-                  <a:extLst>
-                    <a:ext uri="{9D8B030D-6E8A-4147-A177-3AD203B41FA5}">
-                      <a16:colId xmlns:a16="http://schemas.microsoft.com/office/drawing/2014/main" xmlns="" val="4023612245"/>
-                    </a:ext>
-                  </a:extLst>
-                </a:gridCol>
+                <a:gridCol w="7506643"/>
               </a:tblGrid>
               <a:tr h="2245545">
                 <a:tc>
@@ -7245,11 +6860,6 @@
                   </a:txBody>
                   <a:tcPr marL="68580" marR="68580" marT="0" marB="0"/>
                 </a:tc>
-                <a:extLst>
-                  <a:ext uri="{0D108BD9-81ED-4DB2-BD59-A6C34878D82A}">
-                    <a16:rowId xmlns:a16="http://schemas.microsoft.com/office/drawing/2014/main" xmlns="" val="923266115"/>
-                  </a:ext>
-                </a:extLst>
               </a:tr>
             </a:tbl>
           </a:graphicData>
@@ -7257,13 +6867,7 @@
       </p:graphicFrame>
       <p:sp>
         <p:nvSpPr>
-          <p:cNvPr id="12" name="文本框 11">
-            <a:extLst>
-              <a:ext uri="{FF2B5EF4-FFF2-40B4-BE49-F238E27FC236}">
-                <a16:creationId xmlns:a16="http://schemas.microsoft.com/office/drawing/2014/main" xmlns="" id="{EE69C27A-720C-A041-A320-5B1E64C2B83E}"/>
-              </a:ext>
-            </a:extLst>
-          </p:cNvPr>
+          <p:cNvPr id="12" name="文本框 11"/>
           <p:cNvSpPr txBox="1"/>
           <p:nvPr/>
         </p:nvSpPr>
@@ -7284,7 +6888,7 @@
           <a:lstStyle/>
           <a:p>
             <a:r>
-              <a:rPr lang="zh-Hans" altLang="en-US" sz="2665" dirty="0">
+              <a:rPr lang="en-US" altLang="en-US" sz="2665" dirty="0">
                 <a:solidFill>
                   <a:srgbClr val="183A5D"/>
                 </a:solidFill>
@@ -7304,11 +6908,6 @@
         </p:txBody>
       </p:sp>
     </p:spTree>
-    <p:extLst>
-      <p:ext uri="{BB962C8B-B14F-4D97-AF65-F5344CB8AC3E}">
-        <p14:creationId xmlns:p14="http://schemas.microsoft.com/office/powerpoint/2010/main" val="800121671"/>
-      </p:ext>
-    </p:extLst>
   </p:cSld>
   <p:clrMapOvr>
     <a:masterClrMapping/>
@@ -7425,7 +7024,7 @@
           <a:p>
             <a:pPr algn="ctr"/>
             <a:r>
-              <a:rPr lang="en-US" altLang="zh-Hans" sz="2400" dirty="0"/>
+              <a:rPr lang="en-US" altLang="en-US" sz="2400" dirty="0"/>
               <a:t>5</a:t>
             </a:r>
             <a:endParaRPr lang="en-US" sz="2400" dirty="0"/>
@@ -7455,7 +7054,7 @@
           <a:lstStyle/>
           <a:p>
             <a:r>
-              <a:rPr lang="zh-Hans" altLang="en-US" sz="2665" dirty="0">
+              <a:rPr lang="en-US" altLang="en-US" sz="2665" dirty="0">
                 <a:solidFill>
                   <a:srgbClr val="183A5D"/>
                 </a:solidFill>
@@ -7476,13 +7075,7 @@
       </p:sp>
       <p:sp>
         <p:nvSpPr>
-          <p:cNvPr id="12" name="文本框 11">
-            <a:extLst>
-              <a:ext uri="{FF2B5EF4-FFF2-40B4-BE49-F238E27FC236}">
-                <a16:creationId xmlns:a16="http://schemas.microsoft.com/office/drawing/2014/main" xmlns="" id="{EE69C27A-720C-A041-A320-5B1E64C2B83E}"/>
-              </a:ext>
-            </a:extLst>
-          </p:cNvPr>
+          <p:cNvPr id="12" name="文本框 11"/>
           <p:cNvSpPr txBox="1"/>
           <p:nvPr/>
         </p:nvSpPr>
@@ -7503,34 +7096,14 @@
           <a:lstStyle/>
           <a:p>
             <a:r>
-              <a:rPr lang="zh-Hans" altLang="en-US" sz="2665" dirty="0">
+              <a:rPr lang="en-US" altLang="en-US" sz="2665" dirty="0">
                 <a:solidFill>
                   <a:srgbClr val="183A5D"/>
                 </a:solidFill>
                 <a:latin typeface="微软雅黑" panose="020B0503020204020204" pitchFamily="34" charset="-122"/>
                 <a:ea typeface="微软雅黑" panose="020B0503020204020204" pitchFamily="34" charset="-122"/>
               </a:rPr>
-              <a:t>详见</a:t>
-            </a:r>
-            <a:r>
-              <a:rPr lang="en-US" altLang="zh-Hans" sz="2665" dirty="0">
-                <a:solidFill>
-                  <a:srgbClr val="183A5D"/>
-                </a:solidFill>
-                <a:latin typeface="微软雅黑" panose="020B0503020204020204" pitchFamily="34" charset="-122"/>
-                <a:ea typeface="微软雅黑" panose="020B0503020204020204" pitchFamily="34" charset="-122"/>
-              </a:rPr>
-              <a:t>E-R</a:t>
-            </a:r>
-            <a:r>
-              <a:rPr lang="zh-Hans" altLang="en-US" sz="2665" dirty="0">
-                <a:solidFill>
-                  <a:srgbClr val="183A5D"/>
-                </a:solidFill>
-                <a:latin typeface="微软雅黑" panose="020B0503020204020204" pitchFamily="34" charset="-122"/>
-                <a:ea typeface="微软雅黑" panose="020B0503020204020204" pitchFamily="34" charset="-122"/>
-              </a:rPr>
-              <a:t>图</a:t>
+              <a:t>详见E-R图</a:t>
             </a:r>
             <a:endParaRPr lang="zh-CN" sz="2665" dirty="0">
               <a:solidFill>
@@ -7544,23 +7117,11 @@
       </p:sp>
       <p:graphicFrame>
         <p:nvGraphicFramePr>
-          <p:cNvPr id="8" name="表格 7">
-            <a:extLst>
-              <a:ext uri="{FF2B5EF4-FFF2-40B4-BE49-F238E27FC236}">
-                <a16:creationId xmlns:a16="http://schemas.microsoft.com/office/drawing/2014/main" xmlns="" id="{55C99A6F-79B3-EE42-87B1-1527B2A21473}"/>
-              </a:ext>
-            </a:extLst>
-          </p:cNvPr>
+          <p:cNvPr id="8" name="表格 7"/>
           <p:cNvGraphicFramePr>
             <a:graphicFrameLocks noGrp="1"/>
           </p:cNvGraphicFramePr>
-          <p:nvPr>
-            <p:extLst>
-              <p:ext uri="{D42A27DB-BD31-4B8C-83A1-F6EECF244321}">
-                <p14:modId xmlns:p14="http://schemas.microsoft.com/office/powerpoint/2010/main" val="3960847945"/>
-              </p:ext>
-            </p:extLst>
-          </p:nvPr>
+          <p:nvPr/>
         </p:nvGraphicFramePr>
         <p:xfrm>
           <a:off x="1342678" y="811764"/>
@@ -7573,20 +7134,8 @@
                 <a:tableStyleId>{5C22544A-7EE6-4342-B048-85BDC9FD1C3A}</a:tableStyleId>
               </a:tblPr>
               <a:tblGrid>
-                <a:gridCol w="2292030">
-                  <a:extLst>
-                    <a:ext uri="{9D8B030D-6E8A-4147-A177-3AD203B41FA5}">
-                      <a16:colId xmlns:a16="http://schemas.microsoft.com/office/drawing/2014/main" xmlns="" val="2024659223"/>
-                    </a:ext>
-                  </a:extLst>
-                </a:gridCol>
-                <a:gridCol w="7141018">
-                  <a:extLst>
-                    <a:ext uri="{9D8B030D-6E8A-4147-A177-3AD203B41FA5}">
-                      <a16:colId xmlns:a16="http://schemas.microsoft.com/office/drawing/2014/main" xmlns="" val="1723103859"/>
-                    </a:ext>
-                  </a:extLst>
-                </a:gridCol>
+                <a:gridCol w="2292030"/>
+                <a:gridCol w="7141018"/>
               </a:tblGrid>
               <a:tr h="660291">
                 <a:tc>
@@ -7641,11 +7190,6 @@
                   </a:txBody>
                   <a:tcPr marL="68580" marR="68580" marT="0" marB="0"/>
                 </a:tc>
-                <a:extLst>
-                  <a:ext uri="{0D108BD9-81ED-4DB2-BD59-A6C34878D82A}">
-                    <a16:rowId xmlns:a16="http://schemas.microsoft.com/office/drawing/2014/main" xmlns="" val="162674289"/>
-                  </a:ext>
-                </a:extLst>
               </a:tr>
               <a:tr h="660291">
                 <a:tc>
@@ -7700,11 +7244,6 @@
                   </a:txBody>
                   <a:tcPr marL="68580" marR="68580" marT="0" marB="0"/>
                 </a:tc>
-                <a:extLst>
-                  <a:ext uri="{0D108BD9-81ED-4DB2-BD59-A6C34878D82A}">
-                    <a16:rowId xmlns:a16="http://schemas.microsoft.com/office/drawing/2014/main" xmlns="" val="1955048590"/>
-                  </a:ext>
-                </a:extLst>
               </a:tr>
               <a:tr h="660291">
                 <a:tc>
@@ -7765,11 +7304,6 @@
                   </a:txBody>
                   <a:tcPr marL="68580" marR="68580" marT="0" marB="0"/>
                 </a:tc>
-                <a:extLst>
-                  <a:ext uri="{0D108BD9-81ED-4DB2-BD59-A6C34878D82A}">
-                    <a16:rowId xmlns:a16="http://schemas.microsoft.com/office/drawing/2014/main" xmlns="" val="3697597686"/>
-                  </a:ext>
-                </a:extLst>
               </a:tr>
               <a:tr h="660291">
                 <a:tc>
@@ -7824,11 +7358,6 @@
                   </a:txBody>
                   <a:tcPr marL="68580" marR="68580" marT="0" marB="0"/>
                 </a:tc>
-                <a:extLst>
-                  <a:ext uri="{0D108BD9-81ED-4DB2-BD59-A6C34878D82A}">
-                    <a16:rowId xmlns:a16="http://schemas.microsoft.com/office/drawing/2014/main" xmlns="" val="3594939807"/>
-                  </a:ext>
-                </a:extLst>
               </a:tr>
               <a:tr h="660291">
                 <a:tc>
@@ -7883,11 +7412,6 @@
                   </a:txBody>
                   <a:tcPr marL="68580" marR="68580" marT="0" marB="0"/>
                 </a:tc>
-                <a:extLst>
-                  <a:ext uri="{0D108BD9-81ED-4DB2-BD59-A6C34878D82A}">
-                    <a16:rowId xmlns:a16="http://schemas.microsoft.com/office/drawing/2014/main" xmlns="" val="4153271153"/>
-                  </a:ext>
-                </a:extLst>
               </a:tr>
               <a:tr h="660291">
                 <a:tc>
@@ -7942,11 +7466,6 @@
                   </a:txBody>
                   <a:tcPr marL="68580" marR="68580" marT="0" marB="0"/>
                 </a:tc>
-                <a:extLst>
-                  <a:ext uri="{0D108BD9-81ED-4DB2-BD59-A6C34878D82A}">
-                    <a16:rowId xmlns:a16="http://schemas.microsoft.com/office/drawing/2014/main" xmlns="" val="218195332"/>
-                  </a:ext>
-                </a:extLst>
               </a:tr>
               <a:tr h="660291">
                 <a:tc>
@@ -8001,11 +7520,6 @@
                   </a:txBody>
                   <a:tcPr marL="68580" marR="68580" marT="0" marB="0"/>
                 </a:tc>
-                <a:extLst>
-                  <a:ext uri="{0D108BD9-81ED-4DB2-BD59-A6C34878D82A}">
-                    <a16:rowId xmlns:a16="http://schemas.microsoft.com/office/drawing/2014/main" xmlns="" val="837999461"/>
-                  </a:ext>
-                </a:extLst>
               </a:tr>
               <a:tr h="660291">
                 <a:tc>
@@ -8060,22 +7574,12 @@
                   </a:txBody>
                   <a:tcPr marL="68580" marR="68580" marT="0" marB="0"/>
                 </a:tc>
-                <a:extLst>
-                  <a:ext uri="{0D108BD9-81ED-4DB2-BD59-A6C34878D82A}">
-                    <a16:rowId xmlns:a16="http://schemas.microsoft.com/office/drawing/2014/main" xmlns="" val="3169036686"/>
-                  </a:ext>
-                </a:extLst>
               </a:tr>
             </a:tbl>
           </a:graphicData>
         </a:graphic>
       </p:graphicFrame>
     </p:spTree>
-    <p:extLst>
-      <p:ext uri="{BB962C8B-B14F-4D97-AF65-F5344CB8AC3E}">
-        <p14:creationId xmlns:p14="http://schemas.microsoft.com/office/powerpoint/2010/main" val="3881560318"/>
-      </p:ext>
-    </p:extLst>
   </p:cSld>
   <p:clrMapOvr>
     <a:masterClrMapping/>
@@ -8192,7 +7696,7 @@
           <a:p>
             <a:pPr algn="ctr"/>
             <a:r>
-              <a:rPr lang="en-US" altLang="zh-Hans" sz="2400" dirty="0"/>
+              <a:rPr lang="en-US" altLang="en-US" sz="2400" dirty="0"/>
               <a:t>6</a:t>
             </a:r>
             <a:endParaRPr lang="zh-CN" altLang="en-US" sz="2400" dirty="0"/>
@@ -8222,7 +7726,7 @@
           <a:lstStyle/>
           <a:p>
             <a:r>
-              <a:rPr lang="zh-Hans" altLang="en-US" sz="2665" dirty="0">
+              <a:rPr lang="en-US" altLang="en-US" sz="2665" dirty="0">
                 <a:solidFill>
                   <a:srgbClr val="183A5D"/>
                 </a:solidFill>
@@ -8243,13 +7747,7 @@
       </p:sp>
       <p:sp>
         <p:nvSpPr>
-          <p:cNvPr id="7" name="文本框 6">
-            <a:extLst>
-              <a:ext uri="{FF2B5EF4-FFF2-40B4-BE49-F238E27FC236}">
-                <a16:creationId xmlns:a16="http://schemas.microsoft.com/office/drawing/2014/main" xmlns="" id="{4CABFEFC-B5F7-E94F-A697-994D743599A2}"/>
-              </a:ext>
-            </a:extLst>
-          </p:cNvPr>
+          <p:cNvPr id="7" name="文本框 6"/>
           <p:cNvSpPr txBox="1"/>
           <p:nvPr/>
         </p:nvSpPr>
@@ -8270,7 +7768,7 @@
           <a:lstStyle/>
           <a:p>
             <a:r>
-              <a:rPr lang="zh-Hans" altLang="en-US" sz="2665" dirty="0">
+              <a:rPr lang="en-US" altLang="en-US" sz="2665" dirty="0">
                 <a:solidFill>
                   <a:srgbClr val="183A5D"/>
                 </a:solidFill>
@@ -8291,20 +7789,14 @@
       </p:sp>
       <p:sp>
         <p:nvSpPr>
-          <p:cNvPr id="5" name="文本框 4">
-            <a:extLst>
-              <a:ext uri="{FF2B5EF4-FFF2-40B4-BE49-F238E27FC236}">
-                <a16:creationId xmlns:a16="http://schemas.microsoft.com/office/drawing/2014/main" xmlns="" id="{96A4CB69-7A04-8147-8C0D-D85952D7A325}"/>
-              </a:ext>
-            </a:extLst>
-          </p:cNvPr>
+          <p:cNvPr id="5" name="文本框 4"/>
           <p:cNvSpPr txBox="1"/>
           <p:nvPr/>
         </p:nvSpPr>
         <p:spPr>
           <a:xfrm>
-            <a:off x="3025970" y="2309493"/>
-            <a:ext cx="2379177" cy="738664"/>
+            <a:off x="3035495" y="1988818"/>
+            <a:ext cx="5895975" cy="737235"/>
           </a:xfrm>
           <a:prstGeom prst="rect">
             <a:avLst/>
@@ -8341,6 +7833,23 @@
               <a:rPr lang="zh-CN" altLang="zh-CN" dirty="0"/>
               <a:t>台</a:t>
             </a:r>
+            <a:r>
+              <a:rPr lang="en-US" altLang="zh-CN" dirty="0"/>
+              <a:t>,</a:t>
+            </a:r>
+            <a:r>
+              <a:rPr lang="zh-CN" altLang="en-US" dirty="0"/>
+              <a:t>保证开机时间为</a:t>
+            </a:r>
+            <a:r>
+              <a:rPr lang="en-US" altLang="zh-CN" dirty="0"/>
+              <a:t>7*20</a:t>
+            </a:r>
+            <a:r>
+              <a:rPr lang="zh-CN" altLang="en-US" dirty="0"/>
+              <a:t>小时每周</a:t>
+            </a:r>
+            <a:endParaRPr lang="zh-CN" altLang="zh-CN" dirty="0"/>
           </a:p>
           <a:p>
             <a:endParaRPr kumimoji="1" lang="zh-CN" altLang="en-US" dirty="0"/>
@@ -8349,19 +7858,13 @@
       </p:sp>
       <p:sp>
         <p:nvSpPr>
-          <p:cNvPr id="8" name="文本框 7">
-            <a:extLst>
-              <a:ext uri="{FF2B5EF4-FFF2-40B4-BE49-F238E27FC236}">
-                <a16:creationId xmlns:a16="http://schemas.microsoft.com/office/drawing/2014/main" xmlns="" id="{F77B3926-C1D6-A340-8B77-BF77B047F344}"/>
-              </a:ext>
-            </a:extLst>
-          </p:cNvPr>
+          <p:cNvPr id="8" name="文本框 7"/>
           <p:cNvSpPr txBox="1"/>
           <p:nvPr/>
         </p:nvSpPr>
         <p:spPr>
           <a:xfrm>
-            <a:off x="1558702" y="3514438"/>
+            <a:off x="1558702" y="2521298"/>
             <a:ext cx="6052718" cy="501650"/>
           </a:xfrm>
           <a:prstGeom prst="rect">
@@ -8376,7 +7879,7 @@
           <a:lstStyle/>
           <a:p>
             <a:r>
-              <a:rPr lang="zh-Hans" altLang="en-US" sz="2665" dirty="0">
+              <a:rPr lang="en-US" altLang="en-US" sz="2665" dirty="0">
                 <a:solidFill>
                   <a:srgbClr val="183A5D"/>
                 </a:solidFill>
@@ -8397,27 +7900,15 @@
       </p:sp>
       <p:graphicFrame>
         <p:nvGraphicFramePr>
-          <p:cNvPr id="9" name="表格 8">
-            <a:extLst>
-              <a:ext uri="{FF2B5EF4-FFF2-40B4-BE49-F238E27FC236}">
-                <a16:creationId xmlns:a16="http://schemas.microsoft.com/office/drawing/2014/main" xmlns="" id="{A26F6CEC-1D6C-0D4A-AE5F-A25ADC07A823}"/>
-              </a:ext>
-            </a:extLst>
-          </p:cNvPr>
+          <p:cNvPr id="9" name="表格 8"/>
           <p:cNvGraphicFramePr>
             <a:graphicFrameLocks noGrp="1"/>
           </p:cNvGraphicFramePr>
-          <p:nvPr>
-            <p:extLst>
-              <p:ext uri="{D42A27DB-BD31-4B8C-83A1-F6EECF244321}">
-                <p14:modId xmlns:p14="http://schemas.microsoft.com/office/powerpoint/2010/main" val="733432079"/>
-              </p:ext>
-            </p:extLst>
-          </p:nvPr>
+          <p:nvPr/>
         </p:nvGraphicFramePr>
         <p:xfrm>
-          <a:off x="2710830" y="4016089"/>
-          <a:ext cx="7488832" cy="2366034"/>
+          <a:off x="1558925" y="3122295"/>
+          <a:ext cx="10106660" cy="2361565"/>
         </p:xfrm>
         <a:graphic>
           <a:graphicData uri="http://schemas.openxmlformats.org/drawingml/2006/table">
@@ -8426,22 +7917,10 @@
                 <a:tableStyleId>{5C22544A-7EE6-4342-B048-85BDC9FD1C3A}</a:tableStyleId>
               </a:tblPr>
               <a:tblGrid>
-                <a:gridCol w="3744416">
-                  <a:extLst>
-                    <a:ext uri="{9D8B030D-6E8A-4147-A177-3AD203B41FA5}">
-                      <a16:colId xmlns:a16="http://schemas.microsoft.com/office/drawing/2014/main" xmlns="" val="1302272281"/>
-                    </a:ext>
-                  </a:extLst>
-                </a:gridCol>
-                <a:gridCol w="3744416">
-                  <a:extLst>
-                    <a:ext uri="{9D8B030D-6E8A-4147-A177-3AD203B41FA5}">
-                      <a16:colId xmlns:a16="http://schemas.microsoft.com/office/drawing/2014/main" xmlns="" val="3031031161"/>
-                    </a:ext>
-                  </a:extLst>
-                </a:gridCol>
+                <a:gridCol w="5053330"/>
+                <a:gridCol w="5053330"/>
               </a:tblGrid>
-              <a:tr h="788678">
+              <a:tr h="636905">
                 <a:tc>
                   <a:txBody>
                     <a:bodyPr/>
@@ -8500,13 +7979,8 @@
                   </a:txBody>
                   <a:tcPr marL="68580" marR="68580" marT="0" marB="0"/>
                 </a:tc>
-                <a:extLst>
-                  <a:ext uri="{0D108BD9-81ED-4DB2-BD59-A6C34878D82A}">
-                    <a16:rowId xmlns:a16="http://schemas.microsoft.com/office/drawing/2014/main" xmlns="" val="1783198662"/>
-                  </a:ext>
-                </a:extLst>
               </a:tr>
-              <a:tr h="788678">
+              <a:tr h="431165">
                 <a:tc>
                   <a:txBody>
                     <a:bodyPr/>
@@ -8559,13 +8033,8 @@
                   </a:txBody>
                   <a:tcPr marL="68580" marR="68580" marT="0" marB="0"/>
                 </a:tc>
-                <a:extLst>
-                  <a:ext uri="{0D108BD9-81ED-4DB2-BD59-A6C34878D82A}">
-                    <a16:rowId xmlns:a16="http://schemas.microsoft.com/office/drawing/2014/main" xmlns="" val="4264534798"/>
-                  </a:ext>
-                </a:extLst>
               </a:tr>
-              <a:tr h="788678">
+              <a:tr h="431165">
                 <a:tc>
                   <a:txBody>
                     <a:bodyPr/>
@@ -8618,16 +8087,470 @@
                   </a:txBody>
                   <a:tcPr marL="68580" marR="68580" marT="0" marB="0"/>
                 </a:tc>
-                <a:extLst>
-                  <a:ext uri="{0D108BD9-81ED-4DB2-BD59-A6C34878D82A}">
-                    <a16:rowId xmlns:a16="http://schemas.microsoft.com/office/drawing/2014/main" xmlns="" val="352554794"/>
-                  </a:ext>
-                </a:extLst>
+              </a:tr>
+              <a:tr h="431165">
+                <a:tc>
+                  <a:txBody>
+                    <a:bodyPr/>
+                    <a:p>
+                      <a:pPr algn="l">
+                        <a:spcAft>
+                          <a:spcPts val="0"/>
+                        </a:spcAft>
+                        <a:buNone/>
+                      </a:pPr>
+                      <a:r>
+                        <a:rPr lang="zh-CN" altLang="en-US" sz="2800" kern="100">
+                          <a:effectLst/>
+                          <a:latin typeface="Calibri" panose="020F0502020204030204" pitchFamily="34" charset="0"/>
+                          <a:ea typeface="宋体" panose="02010600030101010101" pitchFamily="2" charset="-122"/>
+                          <a:cs typeface="Times New Roman" panose="02020603050405020304" pitchFamily="18" charset="0"/>
+                        </a:rPr>
+                        <a:t>网络环境</a:t>
+                      </a:r>
+                      <a:endParaRPr lang="zh-CN" altLang="en-US" sz="2800" kern="100">
+                        <a:effectLst/>
+                        <a:latin typeface="Calibri" panose="020F0502020204030204" pitchFamily="34" charset="0"/>
+                        <a:ea typeface="宋体" panose="02010600030101010101" pitchFamily="2" charset="-122"/>
+                        <a:cs typeface="Times New Roman" panose="02020603050405020304" pitchFamily="18" charset="0"/>
+                      </a:endParaRPr>
+                    </a:p>
+                  </a:txBody>
+                  <a:tcPr marL="68580" marR="68580" marT="0" marB="0"/>
+                </a:tc>
+                <a:tc>
+                  <a:txBody>
+                    <a:bodyPr/>
+                    <a:p>
+                      <a:pPr algn="l">
+                        <a:spcAft>
+                          <a:spcPts val="0"/>
+                        </a:spcAft>
+                        <a:buNone/>
+                      </a:pPr>
+                      <a:r>
+                        <a:rPr lang="zh-CN" sz="2800">
+                          <a:effectLst/>
+                          <a:sym typeface="+mn-ea"/>
+                        </a:rPr>
+                        <a:t>浙江大学城市学院校园网</a:t>
+                      </a:r>
+                      <a:endParaRPr lang="zh-CN" altLang="en-US" sz="2800" kern="100" dirty="0">
+                        <a:effectLst/>
+                        <a:latin typeface="Calibri" panose="020F0502020204030204" pitchFamily="34" charset="0"/>
+                        <a:ea typeface="宋体" panose="02010600030101010101" pitchFamily="2" charset="-122"/>
+                        <a:cs typeface="Times New Roman" panose="02020603050405020304" pitchFamily="18" charset="0"/>
+                      </a:endParaRPr>
+                    </a:p>
+                  </a:txBody>
+                  <a:tcPr marL="68580" marR="68580" marT="0" marB="0"/>
+                </a:tc>
+              </a:tr>
+              <a:tr h="431165">
+                <a:tc>
+                  <a:txBody>
+                    <a:bodyPr/>
+                    <a:p>
+                      <a:pPr algn="l">
+                        <a:spcAft>
+                          <a:spcPts val="0"/>
+                        </a:spcAft>
+                        <a:buNone/>
+                      </a:pPr>
+                      <a:r>
+                        <a:rPr lang="zh-CN" altLang="en-US" sz="2800" kern="100">
+                          <a:effectLst/>
+                          <a:latin typeface="Calibri" panose="020F0502020204030204" pitchFamily="34" charset="0"/>
+                          <a:ea typeface="宋体" panose="02010600030101010101" pitchFamily="2" charset="-122"/>
+                          <a:cs typeface="Times New Roman" panose="02020603050405020304" pitchFamily="18" charset="0"/>
+                        </a:rPr>
+                        <a:t>数据备份</a:t>
+                      </a:r>
+                      <a:endParaRPr lang="zh-CN" altLang="en-US" sz="2800" kern="100">
+                        <a:effectLst/>
+                        <a:latin typeface="Calibri" panose="020F0502020204030204" pitchFamily="34" charset="0"/>
+                        <a:ea typeface="宋体" panose="02010600030101010101" pitchFamily="2" charset="-122"/>
+                        <a:cs typeface="Times New Roman" panose="02020603050405020304" pitchFamily="18" charset="0"/>
+                      </a:endParaRPr>
+                    </a:p>
+                  </a:txBody>
+                  <a:tcPr marL="68580" marR="68580" marT="0" marB="0"/>
+                </a:tc>
+                <a:tc>
+                  <a:txBody>
+                    <a:bodyPr/>
+                    <a:p>
+                      <a:pPr algn="l">
+                        <a:spcAft>
+                          <a:spcPts val="0"/>
+                        </a:spcAft>
+                        <a:buNone/>
+                      </a:pPr>
+                      <a:r>
+                        <a:rPr lang="en-US" altLang="zh-CN" sz="2800" kern="100" dirty="0">
+                          <a:effectLst/>
+                          <a:latin typeface="Calibri" panose="020F0502020204030204" pitchFamily="34" charset="0"/>
+                          <a:ea typeface="宋体" panose="02010600030101010101" pitchFamily="2" charset="-122"/>
+                          <a:cs typeface="Times New Roman" panose="02020603050405020304" pitchFamily="18" charset="0"/>
+                        </a:rPr>
+                        <a:t>500G</a:t>
+                      </a:r>
+                      <a:r>
+                        <a:rPr lang="zh-CN" altLang="en-US" sz="2800" kern="100" dirty="0">
+                          <a:effectLst/>
+                          <a:latin typeface="Calibri" panose="020F0502020204030204" pitchFamily="34" charset="0"/>
+                          <a:ea typeface="宋体" panose="02010600030101010101" pitchFamily="2" charset="-122"/>
+                          <a:cs typeface="Times New Roman" panose="02020603050405020304" pitchFamily="18" charset="0"/>
+                        </a:rPr>
+                        <a:t>移动硬盘（组员个人资源）</a:t>
+                      </a:r>
+                      <a:endParaRPr lang="zh-CN" altLang="en-US" sz="2800" kern="100" dirty="0">
+                        <a:effectLst/>
+                        <a:latin typeface="Calibri" panose="020F0502020204030204" pitchFamily="34" charset="0"/>
+                        <a:ea typeface="宋体" panose="02010600030101010101" pitchFamily="2" charset="-122"/>
+                        <a:cs typeface="Times New Roman" panose="02020603050405020304" pitchFamily="18" charset="0"/>
+                      </a:endParaRPr>
+                    </a:p>
+                  </a:txBody>
+                  <a:tcPr marL="68580" marR="68580" marT="0" marB="0"/>
+                </a:tc>
               </a:tr>
             </a:tbl>
           </a:graphicData>
         </a:graphic>
       </p:graphicFrame>
+      <p:sp>
+        <p:nvSpPr>
+          <p:cNvPr id="6" name="矩形 5"/>
+          <p:cNvSpPr/>
+          <p:nvPr/>
+        </p:nvSpPr>
+        <p:spPr>
+          <a:xfrm>
+            <a:off x="597429" y="2209584"/>
+            <a:ext cx="8546571" cy="4770537"/>
+          </a:xfrm>
+          <a:prstGeom prst="rect">
+            <a:avLst/>
+          </a:prstGeom>
+        </p:spPr>
+        <p:txBody>
+          <a:bodyPr wrap="square">
+            <a:spAutoFit/>
+          </a:bodyPr>
+          <a:p>
+            <a:pPr lvl="2">
+              <a:spcAft>
+                <a:spcPts val="0"/>
+              </a:spcAft>
+            </a:pPr>
+            <a:r>
+              <a:rPr lang="zh-CN" altLang="zh-CN" sz="2800" kern="100" dirty="0">
+                <a:solidFill>
+                  <a:srgbClr val="000000"/>
+                </a:solidFill>
+                <a:latin typeface="宋体" panose="02010600030101010101" pitchFamily="2" charset="-122"/>
+                <a:ea typeface="宋体" panose="02010600030101010101" pitchFamily="2" charset="-122"/>
+                <a:cs typeface="Times New Roman" panose="02020603050405020304" pitchFamily="18" charset="0"/>
+              </a:rPr>
+              <a:t>性能需求</a:t>
+            </a:r>
+            <a:endParaRPr lang="zh-CN" altLang="zh-CN" sz="2800" kern="100" dirty="0">
+              <a:solidFill>
+                <a:srgbClr val="000000"/>
+              </a:solidFill>
+              <a:latin typeface="宋体" panose="02010600030101010101" pitchFamily="2" charset="-122"/>
+              <a:ea typeface="宋体" panose="02010600030101010101" pitchFamily="2" charset="-122"/>
+              <a:cs typeface="Times New Roman" panose="02020603050405020304" pitchFamily="18" charset="0"/>
+            </a:endParaRPr>
+          </a:p>
+          <a:p>
+            <a:pPr>
+              <a:spcAft>
+                <a:spcPts val="0"/>
+              </a:spcAft>
+            </a:pPr>
+            <a:r>
+              <a:rPr lang="zh-CN" altLang="zh-CN" sz="2400" dirty="0">
+                <a:latin typeface="宋体" panose="02010600030101010101" pitchFamily="2" charset="-122"/>
+                <a:ea typeface="宋体" panose="02010600030101010101" pitchFamily="2" charset="-122"/>
+                <a:cs typeface="宋体" panose="02010600030101010101" pitchFamily="2" charset="-122"/>
+              </a:rPr>
+              <a:t>支持</a:t>
+            </a:r>
+            <a:r>
+              <a:rPr lang="en-US" altLang="zh-CN" sz="2400" dirty="0">
+                <a:latin typeface="宋体" panose="02010600030101010101" pitchFamily="2" charset="-122"/>
+                <a:ea typeface="宋体" panose="02010600030101010101" pitchFamily="2" charset="-122"/>
+                <a:cs typeface="宋体" panose="02010600030101010101" pitchFamily="2" charset="-122"/>
+              </a:rPr>
+              <a:t>200</a:t>
+            </a:r>
+            <a:r>
+              <a:rPr lang="zh-CN" altLang="zh-CN" sz="2400" dirty="0">
+                <a:latin typeface="宋体" panose="02010600030101010101" pitchFamily="2" charset="-122"/>
+                <a:ea typeface="宋体" panose="02010600030101010101" pitchFamily="2" charset="-122"/>
+                <a:cs typeface="宋体" panose="02010600030101010101" pitchFamily="2" charset="-122"/>
+              </a:rPr>
+              <a:t>人同时在线，每个页面的平均反应时间不超过</a:t>
+            </a:r>
+            <a:r>
+              <a:rPr lang="en-US" altLang="zh-CN" sz="2400" dirty="0">
+                <a:latin typeface="宋体" panose="02010600030101010101" pitchFamily="2" charset="-122"/>
+                <a:ea typeface="宋体" panose="02010600030101010101" pitchFamily="2" charset="-122"/>
+                <a:cs typeface="宋体" panose="02010600030101010101" pitchFamily="2" charset="-122"/>
+              </a:rPr>
+              <a:t>1</a:t>
+            </a:r>
+            <a:r>
+              <a:rPr lang="zh-CN" altLang="zh-CN" sz="2400" dirty="0">
+                <a:latin typeface="宋体" panose="02010600030101010101" pitchFamily="2" charset="-122"/>
+                <a:ea typeface="宋体" panose="02010600030101010101" pitchFamily="2" charset="-122"/>
+                <a:cs typeface="宋体" panose="02010600030101010101" pitchFamily="2" charset="-122"/>
+              </a:rPr>
+              <a:t>秒</a:t>
+            </a:r>
+            <a:endParaRPr lang="zh-CN" altLang="zh-CN" sz="2400" dirty="0">
+              <a:latin typeface="宋体" panose="02010600030101010101" pitchFamily="2" charset="-122"/>
+              <a:ea typeface="宋体" panose="02010600030101010101" pitchFamily="2" charset="-122"/>
+              <a:cs typeface="宋体" panose="02010600030101010101" pitchFamily="2" charset="-122"/>
+            </a:endParaRPr>
+          </a:p>
+          <a:p>
+            <a:pPr>
+              <a:spcAft>
+                <a:spcPts val="0"/>
+              </a:spcAft>
+            </a:pPr>
+            <a:r>
+              <a:rPr lang="zh-CN" altLang="zh-CN" sz="2400" dirty="0">
+                <a:latin typeface="宋体" panose="02010600030101010101" pitchFamily="2" charset="-122"/>
+                <a:ea typeface="宋体" panose="02010600030101010101" pitchFamily="2" charset="-122"/>
+                <a:cs typeface="宋体" panose="02010600030101010101" pitchFamily="2" charset="-122"/>
+              </a:rPr>
+              <a:t>支持</a:t>
+            </a:r>
+            <a:r>
+              <a:rPr lang="en-US" altLang="zh-CN" sz="2400" dirty="0">
+                <a:latin typeface="宋体" panose="02010600030101010101" pitchFamily="2" charset="-122"/>
+                <a:ea typeface="宋体" panose="02010600030101010101" pitchFamily="2" charset="-122"/>
+                <a:cs typeface="宋体" panose="02010600030101010101" pitchFamily="2" charset="-122"/>
+              </a:rPr>
+              <a:t>200</a:t>
+            </a:r>
+            <a:r>
+              <a:rPr lang="zh-CN" altLang="zh-CN" sz="2400" dirty="0">
+                <a:latin typeface="宋体" panose="02010600030101010101" pitchFamily="2" charset="-122"/>
+                <a:ea typeface="宋体" panose="02010600030101010101" pitchFamily="2" charset="-122"/>
+                <a:cs typeface="宋体" panose="02010600030101010101" pitchFamily="2" charset="-122"/>
+              </a:rPr>
+              <a:t>人同时上传或下载资源，对于资源的传输要对客户端进行限流</a:t>
+            </a:r>
+            <a:endParaRPr lang="zh-CN" altLang="zh-CN" sz="2400" dirty="0">
+              <a:latin typeface="宋体" panose="02010600030101010101" pitchFamily="2" charset="-122"/>
+              <a:ea typeface="宋体" panose="02010600030101010101" pitchFamily="2" charset="-122"/>
+              <a:cs typeface="宋体" panose="02010600030101010101" pitchFamily="2" charset="-122"/>
+            </a:endParaRPr>
+          </a:p>
+          <a:p>
+            <a:pPr lvl="2">
+              <a:spcAft>
+                <a:spcPts val="0"/>
+              </a:spcAft>
+            </a:pPr>
+            <a:r>
+              <a:rPr lang="zh-CN" altLang="zh-CN" sz="2800" kern="100" dirty="0">
+                <a:solidFill>
+                  <a:srgbClr val="000000"/>
+                </a:solidFill>
+                <a:latin typeface="宋体" panose="02010600030101010101" pitchFamily="2" charset="-122"/>
+                <a:ea typeface="宋体" panose="02010600030101010101" pitchFamily="2" charset="-122"/>
+                <a:cs typeface="Times New Roman" panose="02020603050405020304" pitchFamily="18" charset="0"/>
+              </a:rPr>
+              <a:t>系统可用性</a:t>
+            </a:r>
+            <a:endParaRPr lang="zh-CN" altLang="zh-CN" sz="2800" kern="100" dirty="0">
+              <a:solidFill>
+                <a:srgbClr val="000000"/>
+              </a:solidFill>
+              <a:latin typeface="宋体" panose="02010600030101010101" pitchFamily="2" charset="-122"/>
+              <a:ea typeface="宋体" panose="02010600030101010101" pitchFamily="2" charset="-122"/>
+              <a:cs typeface="Times New Roman" panose="02020603050405020304" pitchFamily="18" charset="0"/>
+            </a:endParaRPr>
+          </a:p>
+          <a:p>
+            <a:pPr>
+              <a:spcAft>
+                <a:spcPts val="0"/>
+              </a:spcAft>
+            </a:pPr>
+            <a:r>
+              <a:rPr lang="zh-CN" altLang="zh-CN" sz="2400" dirty="0">
+                <a:latin typeface="宋体" panose="02010600030101010101" pitchFamily="2" charset="-122"/>
+                <a:ea typeface="宋体" panose="02010600030101010101" pitchFamily="2" charset="-122"/>
+                <a:cs typeface="宋体" panose="02010600030101010101" pitchFamily="2" charset="-122"/>
+              </a:rPr>
+              <a:t>网站每天平均工作时间在至少</a:t>
+            </a:r>
+            <a:r>
+              <a:rPr lang="en-US" altLang="zh-CN" sz="2400" dirty="0">
+                <a:latin typeface="宋体" panose="02010600030101010101" pitchFamily="2" charset="-122"/>
+                <a:ea typeface="宋体" panose="02010600030101010101" pitchFamily="2" charset="-122"/>
+                <a:cs typeface="宋体" panose="02010600030101010101" pitchFamily="2" charset="-122"/>
+              </a:rPr>
+              <a:t>18</a:t>
+            </a:r>
+            <a:r>
+              <a:rPr lang="zh-CN" altLang="zh-CN" sz="2400" dirty="0">
+                <a:latin typeface="宋体" panose="02010600030101010101" pitchFamily="2" charset="-122"/>
+                <a:ea typeface="宋体" panose="02010600030101010101" pitchFamily="2" charset="-122"/>
+                <a:cs typeface="宋体" panose="02010600030101010101" pitchFamily="2" charset="-122"/>
+              </a:rPr>
+              <a:t>小时（</a:t>
+            </a:r>
+            <a:r>
+              <a:rPr lang="en-US" altLang="zh-CN" sz="2400" dirty="0">
+                <a:latin typeface="宋体" panose="02010600030101010101" pitchFamily="2" charset="-122"/>
+                <a:ea typeface="宋体" panose="02010600030101010101" pitchFamily="2" charset="-122"/>
+                <a:cs typeface="宋体" panose="02010600030101010101" pitchFamily="2" charset="-122"/>
+              </a:rPr>
+              <a:t>6</a:t>
+            </a:r>
+            <a:r>
+              <a:rPr lang="zh-CN" altLang="zh-CN" sz="2400" dirty="0">
+                <a:latin typeface="宋体" panose="02010600030101010101" pitchFamily="2" charset="-122"/>
+                <a:ea typeface="宋体" panose="02010600030101010101" pitchFamily="2" charset="-122"/>
+                <a:cs typeface="宋体" panose="02010600030101010101" pitchFamily="2" charset="-122"/>
+              </a:rPr>
+              <a:t>点到</a:t>
+            </a:r>
+            <a:r>
+              <a:rPr lang="en-US" altLang="zh-CN" sz="2400" dirty="0">
+                <a:latin typeface="宋体" panose="02010600030101010101" pitchFamily="2" charset="-122"/>
+                <a:ea typeface="宋体" panose="02010600030101010101" pitchFamily="2" charset="-122"/>
+                <a:cs typeface="宋体" panose="02010600030101010101" pitchFamily="2" charset="-122"/>
+              </a:rPr>
+              <a:t>24</a:t>
+            </a:r>
+            <a:r>
+              <a:rPr lang="zh-CN" altLang="zh-CN" sz="2400" dirty="0">
+                <a:latin typeface="宋体" panose="02010600030101010101" pitchFamily="2" charset="-122"/>
+                <a:ea typeface="宋体" panose="02010600030101010101" pitchFamily="2" charset="-122"/>
+                <a:cs typeface="宋体" panose="02010600030101010101" pitchFamily="2" charset="-122"/>
+              </a:rPr>
+              <a:t>点）工作状态下，必须确保网站的正常稳定运行。</a:t>
+            </a:r>
+            <a:endParaRPr lang="zh-CN" altLang="zh-CN" sz="2400" dirty="0">
+              <a:latin typeface="宋体" panose="02010600030101010101" pitchFamily="2" charset="-122"/>
+              <a:ea typeface="宋体" panose="02010600030101010101" pitchFamily="2" charset="-122"/>
+              <a:cs typeface="宋体" panose="02010600030101010101" pitchFamily="2" charset="-122"/>
+            </a:endParaRPr>
+          </a:p>
+          <a:p>
+            <a:pPr lvl="2"/>
+            <a:r>
+              <a:rPr lang="zh-CN" altLang="zh-CN" sz="2800" kern="100" dirty="0" smtClean="0">
+                <a:solidFill>
+                  <a:srgbClr val="000000"/>
+                </a:solidFill>
+                <a:latin typeface="宋体" panose="02010600030101010101" pitchFamily="2" charset="-122"/>
+                <a:ea typeface="宋体" panose="02010600030101010101" pitchFamily="2" charset="-122"/>
+                <a:cs typeface="Times New Roman" panose="02020603050405020304" pitchFamily="18" charset="0"/>
+              </a:rPr>
+              <a:t>安全性需求</a:t>
+            </a:r>
+            <a:endParaRPr lang="zh-CN" altLang="zh-CN" sz="2800" kern="100" dirty="0" smtClean="0">
+              <a:solidFill>
+                <a:srgbClr val="000000"/>
+              </a:solidFill>
+              <a:latin typeface="宋体" panose="02010600030101010101" pitchFamily="2" charset="-122"/>
+              <a:ea typeface="宋体" panose="02010600030101010101" pitchFamily="2" charset="-122"/>
+              <a:cs typeface="Times New Roman" panose="02020603050405020304" pitchFamily="18" charset="0"/>
+            </a:endParaRPr>
+          </a:p>
+          <a:p>
+            <a:pPr>
+              <a:spcAft>
+                <a:spcPts val="0"/>
+              </a:spcAft>
+            </a:pPr>
+            <a:r>
+              <a:rPr lang="zh-CN" altLang="zh-CN" sz="2400" dirty="0" smtClean="0">
+                <a:latin typeface="宋体" panose="02010600030101010101" pitchFamily="2" charset="-122"/>
+                <a:ea typeface="宋体" panose="02010600030101010101" pitchFamily="2" charset="-122"/>
+                <a:cs typeface="宋体" panose="02010600030101010101" pitchFamily="2" charset="-122"/>
+              </a:rPr>
+              <a:t>为了确保安全性，要求用户必须通过上传手持身份证照的方式进行实名认证</a:t>
+            </a:r>
+            <a:endParaRPr lang="zh-CN" altLang="zh-CN" sz="2800" kern="100" dirty="0" smtClean="0">
+              <a:solidFill>
+                <a:srgbClr val="000000"/>
+              </a:solidFill>
+              <a:latin typeface="宋体" panose="02010600030101010101" pitchFamily="2" charset="-122"/>
+              <a:ea typeface="宋体" panose="02010600030101010101" pitchFamily="2" charset="-122"/>
+              <a:cs typeface="Times New Roman" panose="02020603050405020304" pitchFamily="18" charset="0"/>
+            </a:endParaRPr>
+          </a:p>
+          <a:p>
+            <a:pPr lvl="2">
+              <a:spcAft>
+                <a:spcPts val="0"/>
+              </a:spcAft>
+            </a:pPr>
+            <a:r>
+              <a:rPr lang="zh-CN" altLang="zh-CN" sz="2800" kern="100" dirty="0" smtClean="0">
+                <a:solidFill>
+                  <a:srgbClr val="000000"/>
+                </a:solidFill>
+                <a:latin typeface="宋体" panose="02010600030101010101" pitchFamily="2" charset="-122"/>
+                <a:ea typeface="宋体" panose="02010600030101010101" pitchFamily="2" charset="-122"/>
+                <a:cs typeface="Times New Roman" panose="02020603050405020304" pitchFamily="18" charset="0"/>
+              </a:rPr>
+              <a:t>应急</a:t>
+            </a:r>
+            <a:r>
+              <a:rPr lang="zh-CN" altLang="zh-CN" sz="2800" kern="100" dirty="0">
+                <a:solidFill>
+                  <a:srgbClr val="000000"/>
+                </a:solidFill>
+                <a:latin typeface="宋体" panose="02010600030101010101" pitchFamily="2" charset="-122"/>
+                <a:ea typeface="宋体" panose="02010600030101010101" pitchFamily="2" charset="-122"/>
+                <a:cs typeface="Times New Roman" panose="02020603050405020304" pitchFamily="18" charset="0"/>
+              </a:rPr>
+              <a:t>需求</a:t>
+            </a:r>
+            <a:endParaRPr lang="zh-CN" altLang="zh-CN" sz="2800" kern="100" dirty="0">
+              <a:solidFill>
+                <a:srgbClr val="000000"/>
+              </a:solidFill>
+              <a:latin typeface="宋体" panose="02010600030101010101" pitchFamily="2" charset="-122"/>
+              <a:ea typeface="宋体" panose="02010600030101010101" pitchFamily="2" charset="-122"/>
+              <a:cs typeface="Times New Roman" panose="02020603050405020304" pitchFamily="18" charset="0"/>
+            </a:endParaRPr>
+          </a:p>
+          <a:p>
+            <a:pPr>
+              <a:spcAft>
+                <a:spcPts val="0"/>
+              </a:spcAft>
+            </a:pPr>
+            <a:r>
+              <a:rPr lang="zh-CN" altLang="zh-CN" sz="2400" dirty="0">
+                <a:latin typeface="宋体" panose="02010600030101010101" pitchFamily="2" charset="-122"/>
+                <a:ea typeface="宋体" panose="02010600030101010101" pitchFamily="2" charset="-122"/>
+                <a:cs typeface="宋体" panose="02010600030101010101" pitchFamily="2" charset="-122"/>
+              </a:rPr>
+              <a:t>定期自动或者手动备份全站数据，并能恢复</a:t>
+            </a:r>
+            <a:endParaRPr lang="zh-CN" altLang="zh-CN" sz="2400" dirty="0">
+              <a:effectLst/>
+              <a:latin typeface="宋体" panose="02010600030101010101" pitchFamily="2" charset="-122"/>
+              <a:ea typeface="宋体" panose="02010600030101010101" pitchFamily="2" charset="-122"/>
+              <a:cs typeface="宋体" panose="02010600030101010101" pitchFamily="2" charset="-122"/>
+            </a:endParaRPr>
+          </a:p>
+        </p:txBody>
+      </p:sp>
     </p:spTree>
   </p:cSld>
   <p:clrMapOvr>
@@ -11571,7 +11494,7 @@
           <a:p>
             <a:pPr eaLnBrk="1" hangingPunct="1"/>
             <a:r>
-              <a:rPr lang="zh-Hans" altLang="en-US" sz="3065" kern="0" dirty="0">
+              <a:rPr lang="en-US" altLang="en-US" sz="3065" kern="0" dirty="0">
                 <a:solidFill>
                   <a:srgbClr val="FFFFFF"/>
                 </a:solidFill>
@@ -11759,7 +11682,7 @@
               <a:t>需求</a:t>
             </a:r>
             <a:r>
-              <a:rPr lang="zh-Hans" altLang="en-US" sz="3065" kern="0" dirty="0">
+              <a:rPr lang="en-US" altLang="en-US" sz="3065" kern="0" dirty="0">
                 <a:solidFill>
                   <a:srgbClr val="FFFFFF"/>
                 </a:solidFill>
@@ -11935,7 +11858,7 @@
           <a:p>
             <a:pPr eaLnBrk="1" hangingPunct="1"/>
             <a:r>
-              <a:rPr lang="zh-Hans" altLang="en-US" sz="3065" kern="0" dirty="0">
+              <a:rPr lang="en-US" altLang="en-US" sz="3065" kern="0" dirty="0">
                 <a:solidFill>
                   <a:srgbClr val="FFFFFF"/>
                 </a:solidFill>
@@ -12246,7 +12169,7 @@
           <a:p>
             <a:pPr eaLnBrk="1" hangingPunct="1"/>
             <a:r>
-              <a:rPr lang="zh-Hans" altLang="en-US" sz="3065" kern="0" dirty="0">
+              <a:rPr lang="en-US" altLang="en-US" sz="3065" kern="0" dirty="0">
                 <a:solidFill>
                   <a:srgbClr val="FFFFFF"/>
                 </a:solidFill>
@@ -12271,13 +12194,7 @@
       </p:sp>
       <p:sp>
         <p:nvSpPr>
-          <p:cNvPr id="30" name="Freeform 10_10">
-            <a:extLst>
-              <a:ext uri="{FF2B5EF4-FFF2-40B4-BE49-F238E27FC236}">
-                <a16:creationId xmlns:a16="http://schemas.microsoft.com/office/drawing/2014/main" xmlns="" id="{22D37FF8-6F7A-D341-AD42-9AB1D5F562D7}"/>
-              </a:ext>
-            </a:extLst>
-          </p:cNvPr>
+          <p:cNvPr id="30" name="Freeform 10_10"/>
           <p:cNvSpPr/>
           <p:nvPr/>
         </p:nvSpPr>
@@ -12412,13 +12329,7 @@
       </p:sp>
       <p:sp>
         <p:nvSpPr>
-          <p:cNvPr id="31" name="TextBox 93">
-            <a:extLst>
-              <a:ext uri="{FF2B5EF4-FFF2-40B4-BE49-F238E27FC236}">
-                <a16:creationId xmlns:a16="http://schemas.microsoft.com/office/drawing/2014/main" xmlns="" id="{8517E34A-1D2E-0149-A97F-26D7E58AC4B8}"/>
-              </a:ext>
-            </a:extLst>
-          </p:cNvPr>
+          <p:cNvPr id="31" name="TextBox 93"/>
           <p:cNvSpPr txBox="1">
             <a:spLocks noChangeArrowheads="1"/>
           </p:cNvSpPr>
@@ -12569,7 +12480,7 @@
           <a:p>
             <a:pPr eaLnBrk="1" hangingPunct="1"/>
             <a:r>
-              <a:rPr lang="zh-Hans" altLang="en-US" sz="3065" kern="0" dirty="0">
+              <a:rPr lang="en-US" altLang="en-US" sz="3065" kern="0" dirty="0">
                 <a:solidFill>
                   <a:srgbClr val="FFFFFF"/>
                 </a:solidFill>
@@ -12594,13 +12505,7 @@
       </p:sp>
       <p:grpSp>
         <p:nvGrpSpPr>
-          <p:cNvPr id="33" name="组合 71">
-            <a:extLst>
-              <a:ext uri="{FF2B5EF4-FFF2-40B4-BE49-F238E27FC236}">
-                <a16:creationId xmlns:a16="http://schemas.microsoft.com/office/drawing/2014/main" xmlns="" id="{995277C0-FDD3-4B47-88AD-DC02EB729FD9}"/>
-              </a:ext>
-            </a:extLst>
-          </p:cNvPr>
+          <p:cNvPr id="33" name="组合 71"/>
           <p:cNvGrpSpPr/>
           <p:nvPr/>
         </p:nvGrpSpPr>
@@ -12617,13 +12522,7 @@
         </p:grpSpPr>
         <p:sp>
           <p:nvSpPr>
-            <p:cNvPr id="34" name="Oval 16">
-              <a:extLst>
-                <a:ext uri="{FF2B5EF4-FFF2-40B4-BE49-F238E27FC236}">
-                  <a16:creationId xmlns:a16="http://schemas.microsoft.com/office/drawing/2014/main" xmlns="" id="{7BFDA92B-C948-BB41-935D-BEE9CFB9146A}"/>
-                </a:ext>
-              </a:extLst>
-            </p:cNvPr>
+            <p:cNvPr id="34" name="Oval 16"/>
             <p:cNvSpPr>
               <a:spLocks noChangeArrowheads="1"/>
             </p:cNvSpPr>
@@ -12668,13 +12567,7 @@
         </p:sp>
         <p:sp>
           <p:nvSpPr>
-            <p:cNvPr id="35" name="TextBox 78">
-              <a:extLst>
-                <a:ext uri="{FF2B5EF4-FFF2-40B4-BE49-F238E27FC236}">
-                  <a16:creationId xmlns:a16="http://schemas.microsoft.com/office/drawing/2014/main" xmlns="" id="{51ED38E0-8DCF-A74F-A598-F505E4B87329}"/>
-                </a:ext>
-              </a:extLst>
-            </p:cNvPr>
+            <p:cNvPr id="35" name="TextBox 78"/>
             <p:cNvSpPr txBox="1">
               <a:spLocks noChangeArrowheads="1"/>
             </p:cNvSpPr>
@@ -12834,19 +12727,22 @@
                 </a:rPr>
                 <a:t>4</a:t>
               </a:r>
+              <a:endParaRPr lang="en-US" altLang="zh-CN" sz="2800" b="1" kern="0" dirty="0">
+                <a:solidFill>
+                  <a:schemeClr val="tx2"/>
+                </a:solidFill>
+                <a:latin typeface="+mn-lt"/>
+                <a:ea typeface="+mn-ea"/>
+                <a:cs typeface="+mn-ea"/>
+                <a:sym typeface="+mn-lt"/>
+              </a:endParaRPr>
             </a:p>
           </p:txBody>
         </p:sp>
       </p:grpSp>
       <p:sp>
         <p:nvSpPr>
-          <p:cNvPr id="36" name="Freeform 10_10">
-            <a:extLst>
-              <a:ext uri="{FF2B5EF4-FFF2-40B4-BE49-F238E27FC236}">
-                <a16:creationId xmlns:a16="http://schemas.microsoft.com/office/drawing/2014/main" xmlns="" id="{FC64FA3F-733B-9348-A0A4-222EE60A8EE8}"/>
-              </a:ext>
-            </a:extLst>
-          </p:cNvPr>
+          <p:cNvPr id="36" name="Freeform 10_10"/>
           <p:cNvSpPr/>
           <p:nvPr/>
         </p:nvSpPr>
@@ -13192,7 +13088,7 @@
             <a:p>
               <a:pPr eaLnBrk="1" hangingPunct="1"/>
               <a:r>
-                <a:rPr lang="en-US" altLang="zh-Hans" sz="2800" b="1" kern="0" dirty="0">
+                <a:rPr lang="en-US" altLang="en-US" sz="2800" b="1" kern="0" dirty="0">
                   <a:solidFill>
                     <a:schemeClr val="tx2"/>
                   </a:solidFill>
@@ -13218,13 +13114,7 @@
       </p:grpSp>
       <p:grpSp>
         <p:nvGrpSpPr>
-          <p:cNvPr id="37" name="组合 71">
-            <a:extLst>
-              <a:ext uri="{FF2B5EF4-FFF2-40B4-BE49-F238E27FC236}">
-                <a16:creationId xmlns:a16="http://schemas.microsoft.com/office/drawing/2014/main" xmlns="" id="{3B8553EE-B873-704E-B8DD-6829B4403FBB}"/>
-              </a:ext>
-            </a:extLst>
-          </p:cNvPr>
+          <p:cNvPr id="37" name="组合 71"/>
           <p:cNvGrpSpPr/>
           <p:nvPr/>
         </p:nvGrpSpPr>
@@ -13241,13 +13131,7 @@
         </p:grpSpPr>
         <p:sp>
           <p:nvSpPr>
-            <p:cNvPr id="38" name="Oval 16">
-              <a:extLst>
-                <a:ext uri="{FF2B5EF4-FFF2-40B4-BE49-F238E27FC236}">
-                  <a16:creationId xmlns:a16="http://schemas.microsoft.com/office/drawing/2014/main" xmlns="" id="{B955C321-12FD-5946-9109-28C80C96F121}"/>
-                </a:ext>
-              </a:extLst>
-            </p:cNvPr>
+            <p:cNvPr id="38" name="Oval 16"/>
             <p:cNvSpPr>
               <a:spLocks noChangeArrowheads="1"/>
             </p:cNvSpPr>
@@ -13292,13 +13176,7 @@
         </p:sp>
         <p:sp>
           <p:nvSpPr>
-            <p:cNvPr id="39" name="TextBox 78">
-              <a:extLst>
-                <a:ext uri="{FF2B5EF4-FFF2-40B4-BE49-F238E27FC236}">
-                  <a16:creationId xmlns:a16="http://schemas.microsoft.com/office/drawing/2014/main" xmlns="" id="{33F9CFE0-D6AF-B948-85B0-B98A560DD2B4}"/>
-                </a:ext>
-              </a:extLst>
-            </p:cNvPr>
+            <p:cNvPr id="39" name="TextBox 78"/>
             <p:cNvSpPr txBox="1">
               <a:spLocks noChangeArrowheads="1"/>
             </p:cNvSpPr>
@@ -13447,7 +13325,7 @@
             <a:p>
               <a:pPr eaLnBrk="1" hangingPunct="1"/>
               <a:r>
-                <a:rPr lang="en-US" altLang="zh-Hans" sz="2800" b="1" kern="0" dirty="0">
+                <a:rPr lang="en-US" altLang="en-US" sz="2800" b="1" kern="0" dirty="0">
                   <a:solidFill>
                     <a:schemeClr val="tx2"/>
                   </a:solidFill>
@@ -13473,13 +13351,7 @@
       </p:grpSp>
       <p:sp>
         <p:nvSpPr>
-          <p:cNvPr id="40" name="TextBox 93">
-            <a:extLst>
-              <a:ext uri="{FF2B5EF4-FFF2-40B4-BE49-F238E27FC236}">
-                <a16:creationId xmlns:a16="http://schemas.microsoft.com/office/drawing/2014/main" xmlns="" id="{8AA8FF74-272B-B841-A7F8-DB6D4B012306}"/>
-              </a:ext>
-            </a:extLst>
-          </p:cNvPr>
+          <p:cNvPr id="40" name="TextBox 93"/>
           <p:cNvSpPr txBox="1">
             <a:spLocks noChangeArrowheads="1"/>
           </p:cNvSpPr>
@@ -13630,7 +13502,7 @@
           <a:p>
             <a:pPr eaLnBrk="1" hangingPunct="1"/>
             <a:r>
-              <a:rPr lang="zh-Hans" altLang="en-US" sz="3065" kern="0" dirty="0">
+              <a:rPr lang="en-US" altLang="en-US" sz="3065" kern="0" dirty="0">
                 <a:solidFill>
                   <a:srgbClr val="FFFFFF"/>
                 </a:solidFill>
@@ -13653,584 +13525,6 @@
           </a:p>
         </p:txBody>
       </p:sp>
-      <p:sp>
-        <p:nvSpPr>
-          <p:cNvPr id="41" name="Freeform 10_10">
-            <a:extLst>
-              <a:ext uri="{FF2B5EF4-FFF2-40B4-BE49-F238E27FC236}">
-                <a16:creationId xmlns:a16="http://schemas.microsoft.com/office/drawing/2014/main" xmlns="" id="{F093838E-054C-5844-8AB6-7D084B36846A}"/>
-              </a:ext>
-            </a:extLst>
-          </p:cNvPr>
-          <p:cNvSpPr/>
-          <p:nvPr/>
-        </p:nvSpPr>
-        <p:spPr bwMode="auto">
-          <a:xfrm>
-            <a:off x="7198466" y="3537302"/>
-            <a:ext cx="3482001" cy="681435"/>
-          </a:xfrm>
-          <a:custGeom>
-            <a:avLst/>
-            <a:gdLst>
-              <a:gd name="T0" fmla="*/ 64938 w 6425"/>
-              <a:gd name="T1" fmla="*/ 0 h 911"/>
-              <a:gd name="T2" fmla="*/ 4420639 w 6425"/>
-              <a:gd name="T3" fmla="*/ 0 h 911"/>
-              <a:gd name="T4" fmla="*/ 4486275 w 6425"/>
-              <a:gd name="T5" fmla="*/ 65148 h 911"/>
-              <a:gd name="T6" fmla="*/ 4486275 w 6425"/>
-              <a:gd name="T7" fmla="*/ 573027 h 911"/>
-              <a:gd name="T8" fmla="*/ 4420639 w 6425"/>
-              <a:gd name="T9" fmla="*/ 638175 h 911"/>
-              <a:gd name="T10" fmla="*/ 64938 w 6425"/>
-              <a:gd name="T11" fmla="*/ 638175 h 911"/>
-              <a:gd name="T12" fmla="*/ 0 w 6425"/>
-              <a:gd name="T13" fmla="*/ 573027 h 911"/>
-              <a:gd name="T14" fmla="*/ 0 w 6425"/>
-              <a:gd name="T15" fmla="*/ 65148 h 911"/>
-              <a:gd name="T16" fmla="*/ 64938 w 6425"/>
-              <a:gd name="T17" fmla="*/ 0 h 911"/>
-              <a:gd name="T18" fmla="*/ 0 60000 65536"/>
-              <a:gd name="T19" fmla="*/ 0 60000 65536"/>
-              <a:gd name="T20" fmla="*/ 0 60000 65536"/>
-              <a:gd name="T21" fmla="*/ 0 60000 65536"/>
-              <a:gd name="T22" fmla="*/ 0 60000 65536"/>
-              <a:gd name="T23" fmla="*/ 0 60000 65536"/>
-              <a:gd name="T24" fmla="*/ 0 60000 65536"/>
-              <a:gd name="T25" fmla="*/ 0 60000 65536"/>
-              <a:gd name="T26" fmla="*/ 0 60000 65536"/>
-            </a:gdLst>
-            <a:ahLst/>
-            <a:cxnLst>
-              <a:cxn ang="T18">
-                <a:pos x="T0" y="T1"/>
-              </a:cxn>
-              <a:cxn ang="T19">
-                <a:pos x="T2" y="T3"/>
-              </a:cxn>
-              <a:cxn ang="T20">
-                <a:pos x="T4" y="T5"/>
-              </a:cxn>
-              <a:cxn ang="T21">
-                <a:pos x="T6" y="T7"/>
-              </a:cxn>
-              <a:cxn ang="T22">
-                <a:pos x="T8" y="T9"/>
-              </a:cxn>
-              <a:cxn ang="T23">
-                <a:pos x="T10" y="T11"/>
-              </a:cxn>
-              <a:cxn ang="T24">
-                <a:pos x="T12" y="T13"/>
-              </a:cxn>
-              <a:cxn ang="T25">
-                <a:pos x="T14" y="T15"/>
-              </a:cxn>
-              <a:cxn ang="T26">
-                <a:pos x="T16" y="T17"/>
-              </a:cxn>
-            </a:cxnLst>
-            <a:rect l="0" t="0" r="r" b="b"/>
-            <a:pathLst>
-              <a:path w="6425" h="911">
-                <a:moveTo>
-                  <a:pt x="93" y="0"/>
-                </a:moveTo>
-                <a:lnTo>
-                  <a:pt x="6331" y="0"/>
-                </a:lnTo>
-                <a:cubicBezTo>
-                  <a:pt x="6383" y="0"/>
-                  <a:pt x="6425" y="42"/>
-                  <a:pt x="6425" y="93"/>
-                </a:cubicBezTo>
-                <a:lnTo>
-                  <a:pt x="6425" y="818"/>
-                </a:lnTo>
-                <a:cubicBezTo>
-                  <a:pt x="6425" y="869"/>
-                  <a:pt x="6383" y="911"/>
-                  <a:pt x="6331" y="911"/>
-                </a:cubicBezTo>
-                <a:lnTo>
-                  <a:pt x="93" y="911"/>
-                </a:lnTo>
-                <a:cubicBezTo>
-                  <a:pt x="42" y="911"/>
-                  <a:pt x="0" y="869"/>
-                  <a:pt x="0" y="818"/>
-                </a:cubicBezTo>
-                <a:lnTo>
-                  <a:pt x="0" y="93"/>
-                </a:lnTo>
-                <a:cubicBezTo>
-                  <a:pt x="0" y="42"/>
-                  <a:pt x="42" y="0"/>
-                  <a:pt x="93" y="0"/>
-                </a:cubicBezTo>
-                <a:close/>
-              </a:path>
-            </a:pathLst>
-          </a:custGeom>
-          <a:solidFill>
-            <a:srgbClr val="38B1BF"/>
-          </a:solidFill>
-          <a:ln>
-            <a:noFill/>
-          </a:ln>
-        </p:spPr>
-        <p:txBody>
-          <a:bodyPr lIns="91413" tIns="45706" rIns="91413" bIns="45706"/>
-          <a:lstStyle/>
-          <a:p>
-            <a:endParaRPr lang="zh-CN" altLang="en-US" sz="2800" kern="0" dirty="0">
-              <a:solidFill>
-                <a:sysClr val="windowText" lastClr="000000"/>
-              </a:solidFill>
-              <a:cs typeface="+mn-ea"/>
-              <a:sym typeface="+mn-lt"/>
-            </a:endParaRPr>
-          </a:p>
-        </p:txBody>
-      </p:sp>
-      <p:sp>
-        <p:nvSpPr>
-          <p:cNvPr id="42" name="TextBox 93">
-            <a:extLst>
-              <a:ext uri="{FF2B5EF4-FFF2-40B4-BE49-F238E27FC236}">
-                <a16:creationId xmlns:a16="http://schemas.microsoft.com/office/drawing/2014/main" xmlns="" id="{B7278D77-A5A3-DD4D-98EE-8AB93AC2B6A5}"/>
-              </a:ext>
-            </a:extLst>
-          </p:cNvPr>
-          <p:cNvSpPr txBox="1">
-            <a:spLocks noChangeArrowheads="1"/>
-          </p:cNvSpPr>
-          <p:nvPr/>
-        </p:nvSpPr>
-        <p:spPr bwMode="auto">
-          <a:xfrm>
-            <a:off x="7825862" y="3574386"/>
-            <a:ext cx="2576710" cy="561975"/>
-          </a:xfrm>
-          <a:prstGeom prst="rect">
-            <a:avLst/>
-          </a:prstGeom>
-          <a:solidFill>
-            <a:srgbClr val="38B1BF"/>
-          </a:solidFill>
-          <a:ln>
-            <a:noFill/>
-          </a:ln>
-          <a:extLst>
-            <a:ext uri="{91240B29-F687-4F45-9708-019B960494DF}">
-              <a14:hiddenLine xmlns:a14="http://schemas.microsoft.com/office/drawing/2010/main" w="9525">
-                <a:solidFill>
-                  <a:srgbClr val="000000"/>
-                </a:solidFill>
-                <a:miter lim="800000"/>
-                <a:headEnd/>
-                <a:tailEnd/>
-              </a14:hiddenLine>
-            </a:ext>
-          </a:extLst>
-        </p:spPr>
-        <p:txBody>
-          <a:bodyPr wrap="square" lIns="91413" tIns="45706" rIns="91413" bIns="45706">
-            <a:spAutoFit/>
-          </a:bodyPr>
-          <a:lstStyle>
-            <a:lvl1pPr eaLnBrk="0" hangingPunct="0">
-              <a:defRPr>
-                <a:solidFill>
-                  <a:schemeClr val="tx1"/>
-                </a:solidFill>
-                <a:latin typeface="Arial" panose="020B0604020202020204" pitchFamily="34" charset="0"/>
-                <a:ea typeface="宋体" panose="02010600030101010101" pitchFamily="2" charset="-122"/>
-              </a:defRPr>
-            </a:lvl1pPr>
-            <a:lvl2pPr marL="742950" indent="-285750" eaLnBrk="0" hangingPunct="0">
-              <a:defRPr>
-                <a:solidFill>
-                  <a:schemeClr val="tx1"/>
-                </a:solidFill>
-                <a:latin typeface="Arial" panose="020B0604020202020204" pitchFamily="34" charset="0"/>
-                <a:ea typeface="宋体" panose="02010600030101010101" pitchFamily="2" charset="-122"/>
-              </a:defRPr>
-            </a:lvl2pPr>
-            <a:lvl3pPr marL="1143000" indent="-228600" eaLnBrk="0" hangingPunct="0">
-              <a:defRPr>
-                <a:solidFill>
-                  <a:schemeClr val="tx1"/>
-                </a:solidFill>
-                <a:latin typeface="Arial" panose="020B0604020202020204" pitchFamily="34" charset="0"/>
-                <a:ea typeface="宋体" panose="02010600030101010101" pitchFamily="2" charset="-122"/>
-              </a:defRPr>
-            </a:lvl3pPr>
-            <a:lvl4pPr marL="1600200" indent="-228600" eaLnBrk="0" hangingPunct="0">
-              <a:defRPr>
-                <a:solidFill>
-                  <a:schemeClr val="tx1"/>
-                </a:solidFill>
-                <a:latin typeface="Arial" panose="020B0604020202020204" pitchFamily="34" charset="0"/>
-                <a:ea typeface="宋体" panose="02010600030101010101" pitchFamily="2" charset="-122"/>
-              </a:defRPr>
-            </a:lvl4pPr>
-            <a:lvl5pPr marL="2057400" indent="-228600" eaLnBrk="0" hangingPunct="0">
-              <a:defRPr>
-                <a:solidFill>
-                  <a:schemeClr val="tx1"/>
-                </a:solidFill>
-                <a:latin typeface="Arial" panose="020B0604020202020204" pitchFamily="34" charset="0"/>
-                <a:ea typeface="宋体" panose="02010600030101010101" pitchFamily="2" charset="-122"/>
-              </a:defRPr>
-            </a:lvl5pPr>
-            <a:lvl6pPr marL="2514600" indent="-228600" eaLnBrk="0" fontAlgn="base" hangingPunct="0">
-              <a:spcBef>
-                <a:spcPct val="0"/>
-              </a:spcBef>
-              <a:spcAft>
-                <a:spcPct val="0"/>
-              </a:spcAft>
-              <a:buFont typeface="Arial" panose="020B0604020202020204" pitchFamily="34" charset="0"/>
-              <a:defRPr>
-                <a:solidFill>
-                  <a:schemeClr val="tx1"/>
-                </a:solidFill>
-                <a:latin typeface="Arial" panose="020B0604020202020204" pitchFamily="34" charset="0"/>
-                <a:ea typeface="宋体" panose="02010600030101010101" pitchFamily="2" charset="-122"/>
-              </a:defRPr>
-            </a:lvl6pPr>
-            <a:lvl7pPr marL="2971800" indent="-228600" eaLnBrk="0" fontAlgn="base" hangingPunct="0">
-              <a:spcBef>
-                <a:spcPct val="0"/>
-              </a:spcBef>
-              <a:spcAft>
-                <a:spcPct val="0"/>
-              </a:spcAft>
-              <a:buFont typeface="Arial" panose="020B0604020202020204" pitchFamily="34" charset="0"/>
-              <a:defRPr>
-                <a:solidFill>
-                  <a:schemeClr val="tx1"/>
-                </a:solidFill>
-                <a:latin typeface="Arial" panose="020B0604020202020204" pitchFamily="34" charset="0"/>
-                <a:ea typeface="宋体" panose="02010600030101010101" pitchFamily="2" charset="-122"/>
-              </a:defRPr>
-            </a:lvl7pPr>
-            <a:lvl8pPr marL="3429000" indent="-228600" eaLnBrk="0" fontAlgn="base" hangingPunct="0">
-              <a:spcBef>
-                <a:spcPct val="0"/>
-              </a:spcBef>
-              <a:spcAft>
-                <a:spcPct val="0"/>
-              </a:spcAft>
-              <a:buFont typeface="Arial" panose="020B0604020202020204" pitchFamily="34" charset="0"/>
-              <a:defRPr>
-                <a:solidFill>
-                  <a:schemeClr val="tx1"/>
-                </a:solidFill>
-                <a:latin typeface="Arial" panose="020B0604020202020204" pitchFamily="34" charset="0"/>
-                <a:ea typeface="宋体" panose="02010600030101010101" pitchFamily="2" charset="-122"/>
-              </a:defRPr>
-            </a:lvl8pPr>
-            <a:lvl9pPr marL="3886200" indent="-228600" eaLnBrk="0" fontAlgn="base" hangingPunct="0">
-              <a:spcBef>
-                <a:spcPct val="0"/>
-              </a:spcBef>
-              <a:spcAft>
-                <a:spcPct val="0"/>
-              </a:spcAft>
-              <a:buFont typeface="Arial" panose="020B0604020202020204" pitchFamily="34" charset="0"/>
-              <a:defRPr>
-                <a:solidFill>
-                  <a:schemeClr val="tx1"/>
-                </a:solidFill>
-                <a:latin typeface="Arial" panose="020B0604020202020204" pitchFamily="34" charset="0"/>
-                <a:ea typeface="宋体" panose="02010600030101010101" pitchFamily="2" charset="-122"/>
-              </a:defRPr>
-            </a:lvl9pPr>
-          </a:lstStyle>
-          <a:p>
-            <a:pPr eaLnBrk="1" hangingPunct="1"/>
-            <a:r>
-              <a:rPr lang="zh-Hans" altLang="en-US" sz="3065" kern="0" dirty="0">
-                <a:solidFill>
-                  <a:srgbClr val="FFFFFF"/>
-                </a:solidFill>
-                <a:latin typeface="+mn-lt"/>
-                <a:ea typeface="+mn-ea"/>
-                <a:cs typeface="+mn-ea"/>
-                <a:sym typeface="+mn-lt"/>
-              </a:rPr>
-              <a:t>其他内容</a:t>
-            </a:r>
-            <a:endParaRPr lang="zh-CN" altLang="en-US" sz="3065" kern="0" dirty="0">
-              <a:solidFill>
-                <a:srgbClr val="FFFFFF"/>
-              </a:solidFill>
-              <a:latin typeface="+mn-lt"/>
-              <a:ea typeface="+mn-ea"/>
-              <a:cs typeface="+mn-ea"/>
-              <a:sym typeface="+mn-lt"/>
-            </a:endParaRPr>
-          </a:p>
-        </p:txBody>
-      </p:sp>
-      <p:grpSp>
-        <p:nvGrpSpPr>
-          <p:cNvPr id="43" name="组合 71">
-            <a:extLst>
-              <a:ext uri="{FF2B5EF4-FFF2-40B4-BE49-F238E27FC236}">
-                <a16:creationId xmlns:a16="http://schemas.microsoft.com/office/drawing/2014/main" xmlns="" id="{F63DFCD8-5F90-9749-9948-E386B434F191}"/>
-              </a:ext>
-            </a:extLst>
-          </p:cNvPr>
-          <p:cNvGrpSpPr/>
-          <p:nvPr/>
-        </p:nvGrpSpPr>
-        <p:grpSpPr bwMode="auto">
-          <a:xfrm>
-            <a:off x="7297174" y="3574386"/>
-            <a:ext cx="503225" cy="524941"/>
-            <a:chOff x="0" y="2236"/>
-            <a:chExt cx="588963" cy="616204"/>
-          </a:xfrm>
-          <a:solidFill>
-            <a:srgbClr val="38B1BF"/>
-          </a:solidFill>
-        </p:grpSpPr>
-        <p:sp>
-          <p:nvSpPr>
-            <p:cNvPr id="44" name="Oval 16">
-              <a:extLst>
-                <a:ext uri="{FF2B5EF4-FFF2-40B4-BE49-F238E27FC236}">
-                  <a16:creationId xmlns:a16="http://schemas.microsoft.com/office/drawing/2014/main" xmlns="" id="{01C402EA-1104-B847-A65F-660DB042B499}"/>
-                </a:ext>
-              </a:extLst>
-            </p:cNvPr>
-            <p:cNvSpPr>
-              <a:spLocks noChangeArrowheads="1"/>
-            </p:cNvSpPr>
-            <p:nvPr/>
-          </p:nvSpPr>
-          <p:spPr bwMode="auto">
-            <a:xfrm>
-              <a:off x="0" y="27890"/>
-              <a:ext cx="588963" cy="590550"/>
-            </a:xfrm>
-            <a:prstGeom prst="ellipse">
-              <a:avLst/>
-            </a:prstGeom>
-            <a:grpFill/>
-            <a:ln>
-              <a:noFill/>
-            </a:ln>
-            <a:extLst>
-              <a:ext uri="{91240B29-F687-4F45-9708-019B960494DF}">
-                <a14:hiddenLine xmlns:a14="http://schemas.microsoft.com/office/drawing/2010/main" w="9525">
-                  <a:solidFill>
-                    <a:srgbClr val="000000"/>
-                  </a:solidFill>
-                  <a:round/>
-                </a14:hiddenLine>
-              </a:ext>
-            </a:extLst>
-          </p:spPr>
-          <p:txBody>
-            <a:bodyPr/>
-            <a:lstStyle/>
-            <a:p>
-              <a:endParaRPr lang="zh-CN" altLang="en-US" sz="2800" kern="0">
-                <a:solidFill>
-                  <a:schemeClr val="tx2"/>
-                </a:solidFill>
-                <a:cs typeface="+mn-ea"/>
-                <a:sym typeface="+mn-lt"/>
-              </a:endParaRPr>
-            </a:p>
-          </p:txBody>
-        </p:sp>
-        <p:sp>
-          <p:nvSpPr>
-            <p:cNvPr id="45" name="TextBox 78">
-              <a:extLst>
-                <a:ext uri="{FF2B5EF4-FFF2-40B4-BE49-F238E27FC236}">
-                  <a16:creationId xmlns:a16="http://schemas.microsoft.com/office/drawing/2014/main" xmlns="" id="{296204D2-3243-534B-967B-6BB6ACD8BBEE}"/>
-                </a:ext>
-              </a:extLst>
-            </p:cNvPr>
-            <p:cNvSpPr txBox="1">
-              <a:spLocks noChangeArrowheads="1"/>
-            </p:cNvSpPr>
-            <p:nvPr/>
-          </p:nvSpPr>
-          <p:spPr bwMode="auto">
-            <a:xfrm>
-              <a:off x="81778" y="2236"/>
-              <a:ext cx="430006" cy="614184"/>
-            </a:xfrm>
-            <a:prstGeom prst="rect">
-              <a:avLst/>
-            </a:prstGeom>
-            <a:grpFill/>
-            <a:ln>
-              <a:noFill/>
-            </a:ln>
-            <a:extLst>
-              <a:ext uri="{91240B29-F687-4F45-9708-019B960494DF}">
-                <a14:hiddenLine xmlns:a14="http://schemas.microsoft.com/office/drawing/2010/main" w="9525">
-                  <a:solidFill>
-                    <a:srgbClr val="000000"/>
-                  </a:solidFill>
-                  <a:miter lim="800000"/>
-                  <a:headEnd/>
-                  <a:tailEnd/>
-                </a14:hiddenLine>
-              </a:ext>
-            </a:extLst>
-          </p:spPr>
-          <p:txBody>
-            <a:bodyPr wrap="none">
-              <a:spAutoFit/>
-            </a:bodyPr>
-            <a:lstStyle>
-              <a:lvl1pPr eaLnBrk="0" hangingPunct="0">
-                <a:defRPr>
-                  <a:solidFill>
-                    <a:schemeClr val="tx1"/>
-                  </a:solidFill>
-                  <a:latin typeface="Arial" panose="020B0604020202020204" pitchFamily="34" charset="0"/>
-                  <a:ea typeface="宋体" panose="02010600030101010101" pitchFamily="2" charset="-122"/>
-                </a:defRPr>
-              </a:lvl1pPr>
-              <a:lvl2pPr marL="742950" indent="-285750" eaLnBrk="0" hangingPunct="0">
-                <a:defRPr>
-                  <a:solidFill>
-                    <a:schemeClr val="tx1"/>
-                  </a:solidFill>
-                  <a:latin typeface="Arial" panose="020B0604020202020204" pitchFamily="34" charset="0"/>
-                  <a:ea typeface="宋体" panose="02010600030101010101" pitchFamily="2" charset="-122"/>
-                </a:defRPr>
-              </a:lvl2pPr>
-              <a:lvl3pPr marL="1143000" indent="-228600" eaLnBrk="0" hangingPunct="0">
-                <a:defRPr>
-                  <a:solidFill>
-                    <a:schemeClr val="tx1"/>
-                  </a:solidFill>
-                  <a:latin typeface="Arial" panose="020B0604020202020204" pitchFamily="34" charset="0"/>
-                  <a:ea typeface="宋体" panose="02010600030101010101" pitchFamily="2" charset="-122"/>
-                </a:defRPr>
-              </a:lvl3pPr>
-              <a:lvl4pPr marL="1600200" indent="-228600" eaLnBrk="0" hangingPunct="0">
-                <a:defRPr>
-                  <a:solidFill>
-                    <a:schemeClr val="tx1"/>
-                  </a:solidFill>
-                  <a:latin typeface="Arial" panose="020B0604020202020204" pitchFamily="34" charset="0"/>
-                  <a:ea typeface="宋体" panose="02010600030101010101" pitchFamily="2" charset="-122"/>
-                </a:defRPr>
-              </a:lvl4pPr>
-              <a:lvl5pPr marL="2057400" indent="-228600" eaLnBrk="0" hangingPunct="0">
-                <a:defRPr>
-                  <a:solidFill>
-                    <a:schemeClr val="tx1"/>
-                  </a:solidFill>
-                  <a:latin typeface="Arial" panose="020B0604020202020204" pitchFamily="34" charset="0"/>
-                  <a:ea typeface="宋体" panose="02010600030101010101" pitchFamily="2" charset="-122"/>
-                </a:defRPr>
-              </a:lvl5pPr>
-              <a:lvl6pPr marL="2514600" indent="-228600" eaLnBrk="0" fontAlgn="base" hangingPunct="0">
-                <a:spcBef>
-                  <a:spcPct val="0"/>
-                </a:spcBef>
-                <a:spcAft>
-                  <a:spcPct val="0"/>
-                </a:spcAft>
-                <a:buFont typeface="Arial" panose="020B0604020202020204" pitchFamily="34" charset="0"/>
-                <a:defRPr>
-                  <a:solidFill>
-                    <a:schemeClr val="tx1"/>
-                  </a:solidFill>
-                  <a:latin typeface="Arial" panose="020B0604020202020204" pitchFamily="34" charset="0"/>
-                  <a:ea typeface="宋体" panose="02010600030101010101" pitchFamily="2" charset="-122"/>
-                </a:defRPr>
-              </a:lvl6pPr>
-              <a:lvl7pPr marL="2971800" indent="-228600" eaLnBrk="0" fontAlgn="base" hangingPunct="0">
-                <a:spcBef>
-                  <a:spcPct val="0"/>
-                </a:spcBef>
-                <a:spcAft>
-                  <a:spcPct val="0"/>
-                </a:spcAft>
-                <a:buFont typeface="Arial" panose="020B0604020202020204" pitchFamily="34" charset="0"/>
-                <a:defRPr>
-                  <a:solidFill>
-                    <a:schemeClr val="tx1"/>
-                  </a:solidFill>
-                  <a:latin typeface="Arial" panose="020B0604020202020204" pitchFamily="34" charset="0"/>
-                  <a:ea typeface="宋体" panose="02010600030101010101" pitchFamily="2" charset="-122"/>
-                </a:defRPr>
-              </a:lvl7pPr>
-              <a:lvl8pPr marL="3429000" indent="-228600" eaLnBrk="0" fontAlgn="base" hangingPunct="0">
-                <a:spcBef>
-                  <a:spcPct val="0"/>
-                </a:spcBef>
-                <a:spcAft>
-                  <a:spcPct val="0"/>
-                </a:spcAft>
-                <a:buFont typeface="Arial" panose="020B0604020202020204" pitchFamily="34" charset="0"/>
-                <a:defRPr>
-                  <a:solidFill>
-                    <a:schemeClr val="tx1"/>
-                  </a:solidFill>
-                  <a:latin typeface="Arial" panose="020B0604020202020204" pitchFamily="34" charset="0"/>
-                  <a:ea typeface="宋体" panose="02010600030101010101" pitchFamily="2" charset="-122"/>
-                </a:defRPr>
-              </a:lvl8pPr>
-              <a:lvl9pPr marL="3886200" indent="-228600" eaLnBrk="0" fontAlgn="base" hangingPunct="0">
-                <a:spcBef>
-                  <a:spcPct val="0"/>
-                </a:spcBef>
-                <a:spcAft>
-                  <a:spcPct val="0"/>
-                </a:spcAft>
-                <a:buFont typeface="Arial" panose="020B0604020202020204" pitchFamily="34" charset="0"/>
-                <a:defRPr>
-                  <a:solidFill>
-                    <a:schemeClr val="tx1"/>
-                  </a:solidFill>
-                  <a:latin typeface="Arial" panose="020B0604020202020204" pitchFamily="34" charset="0"/>
-                  <a:ea typeface="宋体" panose="02010600030101010101" pitchFamily="2" charset="-122"/>
-                </a:defRPr>
-              </a:lvl9pPr>
-            </a:lstStyle>
-            <a:p>
-              <a:pPr eaLnBrk="1" hangingPunct="1"/>
-              <a:r>
-                <a:rPr lang="en-US" altLang="zh-Hans" sz="2800" b="1" kern="0" dirty="0">
-                  <a:solidFill>
-                    <a:schemeClr val="tx2"/>
-                  </a:solidFill>
-                  <a:latin typeface="+mn-lt"/>
-                  <a:ea typeface="+mn-ea"/>
-                  <a:cs typeface="+mn-ea"/>
-                  <a:sym typeface="+mn-lt"/>
-                </a:rPr>
-                <a:t>7</a:t>
-              </a:r>
-              <a:endParaRPr lang="en-US" altLang="zh-CN" sz="2800" b="1" kern="0" dirty="0">
-                <a:solidFill>
-                  <a:schemeClr val="tx2"/>
-                </a:solidFill>
-                <a:latin typeface="+mn-lt"/>
-                <a:ea typeface="+mn-ea"/>
-                <a:cs typeface="+mn-ea"/>
-                <a:sym typeface="+mn-lt"/>
-              </a:endParaRPr>
-            </a:p>
-          </p:txBody>
-        </p:sp>
-      </p:grpSp>
     </p:spTree>
   </p:cSld>
   <p:clrMapOvr>
@@ -14699,7 +13993,7 @@
                         <p:par>
                           <p:cTn id="38" fill="hold">
                             <p:stCondLst>
-                              <p:cond delay="2700"/>
+                              <p:cond delay="2500"/>
                             </p:stCondLst>
                             <p:childTnLst>
                               <p:par>
@@ -14906,7 +14200,7 @@
                         <p:par>
                           <p:cTn id="54" fill="hold">
                             <p:stCondLst>
-                              <p:cond delay="3900"/>
+                              <p:cond delay="3500"/>
                             </p:stCondLst>
                             <p:childTnLst>
                               <p:par>
@@ -15580,142 +14874,6 @@
                                   </p:childTnLst>
                                 </p:cTn>
                               </p:par>
-                              <p:par>
-                                <p:cTn id="111" presetID="22" presetClass="entr" presetSubtype="8" fill="hold" grpId="0" nodeType="withEffect">
-                                  <p:stCondLst>
-                                    <p:cond delay="200"/>
-                                  </p:stCondLst>
-                                  <p:childTnLst>
-                                    <p:set>
-                                      <p:cBhvr>
-                                        <p:cTn id="112" dur="1" fill="hold">
-                                          <p:stCondLst>
-                                            <p:cond delay="0"/>
-                                          </p:stCondLst>
-                                        </p:cTn>
-                                        <p:tgtEl>
-                                          <p:spTgt spid="41"/>
-                                        </p:tgtEl>
-                                        <p:attrNameLst>
-                                          <p:attrName>style.visibility</p:attrName>
-                                        </p:attrNameLst>
-                                      </p:cBhvr>
-                                      <p:to>
-                                        <p:strVal val="visible"/>
-                                      </p:to>
-                                    </p:set>
-                                    <p:animEffect transition="in" filter="wipe(left)">
-                                      <p:cBhvr>
-                                        <p:cTn id="113" dur="500"/>
-                                        <p:tgtEl>
-                                          <p:spTgt spid="41"/>
-                                        </p:tgtEl>
-                                      </p:cBhvr>
-                                    </p:animEffect>
-                                  </p:childTnLst>
-                                </p:cTn>
-                              </p:par>
-                              <p:par>
-                                <p:cTn id="114" presetID="22" presetClass="entr" presetSubtype="8" fill="hold" grpId="0" nodeType="withEffect">
-                                  <p:stCondLst>
-                                    <p:cond delay="200"/>
-                                  </p:stCondLst>
-                                  <p:childTnLst>
-                                    <p:set>
-                                      <p:cBhvr>
-                                        <p:cTn id="115" dur="1" fill="hold">
-                                          <p:stCondLst>
-                                            <p:cond delay="0"/>
-                                          </p:stCondLst>
-                                        </p:cTn>
-                                        <p:tgtEl>
-                                          <p:spTgt spid="42"/>
-                                        </p:tgtEl>
-                                        <p:attrNameLst>
-                                          <p:attrName>style.visibility</p:attrName>
-                                        </p:attrNameLst>
-                                      </p:cBhvr>
-                                      <p:to>
-                                        <p:strVal val="visible"/>
-                                      </p:to>
-                                    </p:set>
-                                    <p:animEffect transition="in" filter="wipe(left)">
-                                      <p:cBhvr>
-                                        <p:cTn id="116" dur="500"/>
-                                        <p:tgtEl>
-                                          <p:spTgt spid="42"/>
-                                        </p:tgtEl>
-                                      </p:cBhvr>
-                                    </p:animEffect>
-                                  </p:childTnLst>
-                                </p:cTn>
-                              </p:par>
-                              <p:par>
-                                <p:cTn id="117" presetID="52" presetClass="entr" presetSubtype="0" fill="hold" nodeType="withEffect">
-                                  <p:stCondLst>
-                                    <p:cond delay="200"/>
-                                  </p:stCondLst>
-                                  <p:childTnLst>
-                                    <p:set>
-                                      <p:cBhvr>
-                                        <p:cTn id="118" dur="1" fill="hold">
-                                          <p:stCondLst>
-                                            <p:cond delay="0"/>
-                                          </p:stCondLst>
-                                        </p:cTn>
-                                        <p:tgtEl>
-                                          <p:spTgt spid="43"/>
-                                        </p:tgtEl>
-                                        <p:attrNameLst>
-                                          <p:attrName>style.visibility</p:attrName>
-                                        </p:attrNameLst>
-                                      </p:cBhvr>
-                                      <p:to>
-                                        <p:strVal val="visible"/>
-                                      </p:to>
-                                    </p:set>
-                                    <p:animScale>
-                                      <p:cBhvr>
-                                        <p:cTn id="119" dur="1000" decel="50000" fill="hold">
-                                          <p:stCondLst>
-                                            <p:cond delay="0"/>
-                                          </p:stCondLst>
-                                        </p:cTn>
-                                        <p:tgtEl>
-                                          <p:spTgt spid="43"/>
-                                        </p:tgtEl>
-                                      </p:cBhvr>
-                                      <p:from x="250000" y="250000"/>
-                                      <p:to x="100000" y="100000"/>
-                                    </p:animScale>
-                                    <p:animMotion origin="layout" path="M -0.46736 0.92887  C -0.37517 0.88508  -0.02552 0.75279  0.0908 0.66613  C  0.20747 0.57948  0.21649 0.50394  0.23177 0.40825  C 0.24705 0.31256  0.22118 0.15964   0.18264 0.09152  C 0.1441 0.02341  0.03802 0.0  0.0 0.0  " pathEditMode="relative" rAng="0" ptsTypes="">
-                                      <p:cBhvr>
-                                        <p:cTn id="120" dur="1000" decel="50000" fill="hold">
-                                          <p:stCondLst>
-                                            <p:cond delay="0"/>
-                                          </p:stCondLst>
-                                        </p:cTn>
-                                        <p:tgtEl>
-                                          <p:spTgt spid="43"/>
-                                        </p:tgtEl>
-                                        <p:attrNameLst>
-                                          <p:attrName>ppt_x</p:attrName>
-                                          <p:attrName>ppt_y</p:attrName>
-                                        </p:attrNameLst>
-                                      </p:cBhvr>
-                                      <p:rCtr x="0" y="0"/>
-                                    </p:animMotion>
-                                    <p:animEffect transition="in" filter="fade">
-                                      <p:cBhvr>
-                                        <p:cTn id="121" dur="1000"/>
-                                        <p:tgtEl>
-                                          <p:spTgt spid="43"/>
-                                        </p:tgtEl>
-                                      </p:cBhvr>
-                                    </p:animEffect>
-                                  </p:childTnLst>
-                                </p:cTn>
-                              </p:par>
                             </p:childTnLst>
                           </p:cTn>
                         </p:par>
@@ -15765,8 +14923,6 @@
       <p:bldP spid="31" grpId="0" bldLvl="0" animBg="1" autoUpdateAnimBg="0"/>
       <p:bldP spid="36" grpId="0" bldLvl="0" animBg="1"/>
       <p:bldP spid="40" grpId="0" bldLvl="0" animBg="1" autoUpdateAnimBg="0"/>
-      <p:bldP spid="41" grpId="0" bldLvl="0" animBg="1"/>
-      <p:bldP spid="42" grpId="0" bldLvl="0" animBg="1" autoUpdateAnimBg="0"/>
     </p:bldLst>
   </p:timing>
 </p:sld>
@@ -15878,8 +15034,8 @@
           <a:p>
             <a:pPr algn="ctr"/>
             <a:r>
-              <a:rPr lang="en-US" altLang="zh-Hans" sz="2400" dirty="0"/>
-              <a:t>7</a:t>
+              <a:rPr lang="en-US" altLang="en-US" sz="2400" dirty="0"/>
+              <a:t>6</a:t>
             </a:r>
             <a:endParaRPr lang="zh-CN" altLang="en-US" sz="2400" dirty="0"/>
           </a:p>
@@ -15887,19 +15043,13 @@
       </p:sp>
       <p:sp>
         <p:nvSpPr>
-          <p:cNvPr id="7" name="文本框 6">
-            <a:extLst>
-              <a:ext uri="{FF2B5EF4-FFF2-40B4-BE49-F238E27FC236}">
-                <a16:creationId xmlns:a16="http://schemas.microsoft.com/office/drawing/2014/main" xmlns="" id="{4CABFEFC-B5F7-E94F-A697-994D743599A2}"/>
-              </a:ext>
-            </a:extLst>
-          </p:cNvPr>
+          <p:cNvPr id="7" name="文本框 6"/>
           <p:cNvSpPr txBox="1"/>
           <p:nvPr/>
         </p:nvSpPr>
         <p:spPr>
           <a:xfrm>
-            <a:off x="2378788" y="237440"/>
+            <a:off x="2378788" y="344001"/>
             <a:ext cx="6052718" cy="501650"/>
           </a:xfrm>
           <a:prstGeom prst="rect">
@@ -15914,14 +15064,14 @@
           <a:lstStyle/>
           <a:p>
             <a:r>
-              <a:rPr lang="zh-Hans" altLang="en-US" sz="2665" dirty="0">
+              <a:rPr lang="en-US" altLang="en-US" sz="2665" dirty="0">
                 <a:solidFill>
                   <a:srgbClr val="183A5D"/>
                 </a:solidFill>
                 <a:latin typeface="微软雅黑" panose="020B0503020204020204" pitchFamily="34" charset="-122"/>
                 <a:ea typeface="微软雅黑" panose="020B0503020204020204" pitchFamily="34" charset="-122"/>
               </a:rPr>
-              <a:t>其他内容</a:t>
+              <a:t>非功能需求</a:t>
             </a:r>
             <a:endParaRPr lang="zh-CN" sz="2665" dirty="0">
               <a:solidFill>
@@ -15935,108 +15085,277 @@
       </p:sp>
       <p:sp>
         <p:nvSpPr>
-          <p:cNvPr id="4" name="TextBox 3"/>
-          <p:cNvSpPr txBox="1"/>
+          <p:cNvPr id="6" name="矩形 5"/>
+          <p:cNvSpPr/>
           <p:nvPr/>
         </p:nvSpPr>
         <p:spPr>
           <a:xfrm>
-            <a:off x="1414686" y="2205658"/>
-            <a:ext cx="8568952" cy="3000821"/>
+            <a:off x="1386099" y="1460284"/>
+            <a:ext cx="8546571" cy="4246245"/>
           </a:xfrm>
           <a:prstGeom prst="rect">
             <a:avLst/>
           </a:prstGeom>
-          <a:noFill/>
         </p:spPr>
         <p:txBody>
-          <a:bodyPr wrap="square" rtlCol="0">
+          <a:bodyPr wrap="square">
             <a:spAutoFit/>
           </a:bodyPr>
-          <a:lstStyle/>
           <a:p>
-            <a:pPr marL="457200" indent="-457200">
+            <a:pPr lvl="2" fontAlgn="auto">
               <a:lnSpc>
                 <a:spcPct val="150000"/>
               </a:lnSpc>
-              <a:buFont typeface="Arial" panose="020B0604020202020204" pitchFamily="34" charset="0"/>
-              <a:buChar char="•"/>
+              <a:spcAft>
+                <a:spcPts val="0"/>
+              </a:spcAft>
             </a:pPr>
             <a:r>
-              <a:rPr lang="en-US" altLang="zh-CN" sz="2800" b="1" dirty="0">
-                <a:latin typeface="+mn-ea"/>
+              <a:rPr lang="zh-CN" altLang="zh-CN" sz="2800" kern="100" dirty="0">
+                <a:solidFill>
+                  <a:srgbClr val="000000"/>
+                </a:solidFill>
+                <a:latin typeface="宋体" panose="02010600030101010101" pitchFamily="2" charset="-122"/>
+                <a:ea typeface="宋体" panose="02010600030101010101" pitchFamily="2" charset="-122"/>
+                <a:cs typeface="Times New Roman" panose="02020603050405020304" pitchFamily="18" charset="0"/>
               </a:rPr>
-              <a:t>User </a:t>
+              <a:t>性能需求</a:t>
             </a:r>
-            <a:r>
-              <a:rPr lang="en-US" altLang="zh-CN" sz="2800" b="1" dirty="0" smtClean="0">
-                <a:latin typeface="+mn-ea"/>
-              </a:rPr>
-              <a:t>Manual</a:t>
-            </a:r>
+            <a:endParaRPr lang="zh-CN" altLang="zh-CN" sz="2800" kern="100" dirty="0">
+              <a:solidFill>
+                <a:srgbClr val="000000"/>
+              </a:solidFill>
+              <a:latin typeface="宋体" panose="02010600030101010101" pitchFamily="2" charset="-122"/>
+              <a:ea typeface="宋体" panose="02010600030101010101" pitchFamily="2" charset="-122"/>
+              <a:cs typeface="Times New Roman" panose="02020603050405020304" pitchFamily="18" charset="0"/>
+            </a:endParaRPr>
           </a:p>
           <a:p>
-            <a:pPr marL="457200" indent="-457200">
+            <a:pPr fontAlgn="auto">
               <a:lnSpc>
                 <a:spcPct val="150000"/>
               </a:lnSpc>
-              <a:buFont typeface="Arial" panose="020B0604020202020204" pitchFamily="34" charset="0"/>
-              <a:buChar char="•"/>
+              <a:spcAft>
+                <a:spcPts val="0"/>
+              </a:spcAft>
             </a:pPr>
             <a:r>
-              <a:rPr lang="zh-CN" altLang="en-US" sz="2800" b="1" dirty="0">
-                <a:latin typeface="+mn-ea"/>
+              <a:rPr lang="en-US" altLang="zh-CN" sz="2400" dirty="0">
+                <a:latin typeface="宋体" panose="02010600030101010101" pitchFamily="2" charset="-122"/>
+                <a:ea typeface="宋体" panose="02010600030101010101" pitchFamily="2" charset="-122"/>
+                <a:cs typeface="宋体" panose="02010600030101010101" pitchFamily="2" charset="-122"/>
               </a:rPr>
-              <a:t>需求矩阵链接索引关系</a:t>
+              <a:t>	</a:t>
             </a:r>
+            <a:r>
+              <a:rPr lang="zh-CN" altLang="zh-CN" sz="2400" dirty="0">
+                <a:latin typeface="宋体" panose="02010600030101010101" pitchFamily="2" charset="-122"/>
+                <a:ea typeface="宋体" panose="02010600030101010101" pitchFamily="2" charset="-122"/>
+                <a:cs typeface="宋体" panose="02010600030101010101" pitchFamily="2" charset="-122"/>
+              </a:rPr>
+              <a:t>要求能显示出想对应的匹配度</a:t>
+            </a:r>
+            <a:endParaRPr lang="zh-CN" altLang="zh-CN" sz="2400" dirty="0">
+              <a:latin typeface="宋体" panose="02010600030101010101" pitchFamily="2" charset="-122"/>
+              <a:ea typeface="宋体" panose="02010600030101010101" pitchFamily="2" charset="-122"/>
+              <a:cs typeface="宋体" panose="02010600030101010101" pitchFamily="2" charset="-122"/>
+            </a:endParaRPr>
           </a:p>
           <a:p>
-            <a:pPr marL="457200" indent="-457200">
+            <a:pPr lvl="2" fontAlgn="auto">
               <a:lnSpc>
                 <a:spcPct val="150000"/>
               </a:lnSpc>
-              <a:buFont typeface="Arial" panose="020B0604020202020204" pitchFamily="34" charset="0"/>
-              <a:buChar char="•"/>
+              <a:spcAft>
+                <a:spcPts val="0"/>
+              </a:spcAft>
             </a:pPr>
             <a:r>
-              <a:rPr lang="en-US" altLang="zh-CN" sz="2800" b="1" dirty="0">
-                <a:latin typeface="+mn-ea"/>
+              <a:rPr lang="zh-CN" altLang="zh-CN" sz="2800" kern="100" dirty="0">
+                <a:solidFill>
+                  <a:srgbClr val="000000"/>
+                </a:solidFill>
+                <a:latin typeface="宋体" panose="02010600030101010101" pitchFamily="2" charset="-122"/>
+                <a:ea typeface="宋体" panose="02010600030101010101" pitchFamily="2" charset="-122"/>
+                <a:cs typeface="Times New Roman" panose="02020603050405020304" pitchFamily="18" charset="0"/>
               </a:rPr>
-              <a:t>SRS</a:t>
+              <a:t>系统可用性</a:t>
             </a:r>
-            <a:r>
-              <a:rPr lang="zh-CN" altLang="en-US" sz="2800" b="1" dirty="0">
-                <a:latin typeface="+mn-ea"/>
-              </a:rPr>
-              <a:t>内部评审</a:t>
-            </a:r>
+            <a:endParaRPr lang="zh-CN" altLang="zh-CN" sz="2800" kern="100" dirty="0">
+              <a:solidFill>
+                <a:srgbClr val="000000"/>
+              </a:solidFill>
+              <a:latin typeface="宋体" panose="02010600030101010101" pitchFamily="2" charset="-122"/>
+              <a:ea typeface="宋体" panose="02010600030101010101" pitchFamily="2" charset="-122"/>
+              <a:cs typeface="Times New Roman" panose="02020603050405020304" pitchFamily="18" charset="0"/>
+            </a:endParaRPr>
           </a:p>
           <a:p>
-            <a:pPr marL="457200" indent="-457200">
+            <a:pPr fontAlgn="auto">
               <a:lnSpc>
                 <a:spcPct val="150000"/>
               </a:lnSpc>
-              <a:buFont typeface="Arial" panose="020B0604020202020204" pitchFamily="34" charset="0"/>
-              <a:buChar char="•"/>
+              <a:spcAft>
+                <a:spcPts val="0"/>
+              </a:spcAft>
             </a:pPr>
             <a:r>
-              <a:rPr lang="zh-CN" altLang="en-US" sz="2800" b="1" dirty="0">
-                <a:latin typeface="+mn-ea"/>
+              <a:rPr lang="en-US" altLang="zh-CN" sz="2400" dirty="0">
+                <a:latin typeface="宋体" panose="02010600030101010101" pitchFamily="2" charset="-122"/>
+                <a:ea typeface="宋体" panose="02010600030101010101" pitchFamily="2" charset="-122"/>
+                <a:cs typeface="宋体" panose="02010600030101010101" pitchFamily="2" charset="-122"/>
               </a:rPr>
-              <a:t>修改意见以及改进的部分进行完善</a:t>
+              <a:t>	</a:t>
             </a:r>
+            <a:r>
+              <a:rPr lang="zh-CN" altLang="zh-CN" sz="2400" dirty="0">
+                <a:latin typeface="宋体" panose="02010600030101010101" pitchFamily="2" charset="-122"/>
+                <a:ea typeface="宋体" panose="02010600030101010101" pitchFamily="2" charset="-122"/>
+                <a:cs typeface="宋体" panose="02010600030101010101" pitchFamily="2" charset="-122"/>
+              </a:rPr>
+              <a:t>系统</a:t>
+            </a:r>
+            <a:r>
+              <a:rPr lang="zh-CN" altLang="zh-CN" sz="2400" dirty="0">
+                <a:latin typeface="宋体" panose="02010600030101010101" pitchFamily="2" charset="-122"/>
+                <a:ea typeface="宋体" panose="02010600030101010101" pitchFamily="2" charset="-122"/>
+                <a:cs typeface="宋体" panose="02010600030101010101" pitchFamily="2" charset="-122"/>
+              </a:rPr>
+              <a:t>每天平均工作时间在至少</a:t>
+            </a:r>
+            <a:r>
+              <a:rPr lang="en-US" altLang="zh-CN" sz="2400" dirty="0">
+                <a:latin typeface="宋体" panose="02010600030101010101" pitchFamily="2" charset="-122"/>
+                <a:ea typeface="宋体" panose="02010600030101010101" pitchFamily="2" charset="-122"/>
+                <a:cs typeface="宋体" panose="02010600030101010101" pitchFamily="2" charset="-122"/>
+              </a:rPr>
+              <a:t>18</a:t>
+            </a:r>
+            <a:r>
+              <a:rPr lang="zh-CN" altLang="zh-CN" sz="2400" dirty="0">
+                <a:latin typeface="宋体" panose="02010600030101010101" pitchFamily="2" charset="-122"/>
+                <a:ea typeface="宋体" panose="02010600030101010101" pitchFamily="2" charset="-122"/>
+                <a:cs typeface="宋体" panose="02010600030101010101" pitchFamily="2" charset="-122"/>
+              </a:rPr>
+              <a:t>小时（</a:t>
+            </a:r>
+            <a:r>
+              <a:rPr lang="en-US" altLang="zh-CN" sz="2400" dirty="0">
+                <a:latin typeface="宋体" panose="02010600030101010101" pitchFamily="2" charset="-122"/>
+                <a:ea typeface="宋体" panose="02010600030101010101" pitchFamily="2" charset="-122"/>
+                <a:cs typeface="宋体" panose="02010600030101010101" pitchFamily="2" charset="-122"/>
+              </a:rPr>
+              <a:t>6</a:t>
+            </a:r>
+            <a:r>
+              <a:rPr lang="zh-CN" altLang="zh-CN" sz="2400" dirty="0">
+                <a:latin typeface="宋体" panose="02010600030101010101" pitchFamily="2" charset="-122"/>
+                <a:ea typeface="宋体" panose="02010600030101010101" pitchFamily="2" charset="-122"/>
+                <a:cs typeface="宋体" panose="02010600030101010101" pitchFamily="2" charset="-122"/>
+              </a:rPr>
+              <a:t>点到</a:t>
+            </a:r>
+            <a:r>
+              <a:rPr lang="en-US" altLang="zh-CN" sz="2400" dirty="0">
+                <a:latin typeface="宋体" panose="02010600030101010101" pitchFamily="2" charset="-122"/>
+                <a:ea typeface="宋体" panose="02010600030101010101" pitchFamily="2" charset="-122"/>
+                <a:cs typeface="宋体" panose="02010600030101010101" pitchFamily="2" charset="-122"/>
+              </a:rPr>
+              <a:t>24</a:t>
+            </a:r>
+            <a:r>
+              <a:rPr lang="zh-CN" altLang="zh-CN" sz="2400" dirty="0">
+                <a:latin typeface="宋体" panose="02010600030101010101" pitchFamily="2" charset="-122"/>
+                <a:ea typeface="宋体" panose="02010600030101010101" pitchFamily="2" charset="-122"/>
+                <a:cs typeface="宋体" panose="02010600030101010101" pitchFamily="2" charset="-122"/>
+              </a:rPr>
+              <a:t>点）工作状态下，必须确保云端数据库服务器的正常稳定运行。</a:t>
+            </a:r>
+            <a:endParaRPr lang="zh-CN" altLang="zh-CN" sz="2800" kern="100" dirty="0" smtClean="0">
+              <a:solidFill>
+                <a:srgbClr val="000000"/>
+              </a:solidFill>
+              <a:latin typeface="宋体" panose="02010600030101010101" pitchFamily="2" charset="-122"/>
+              <a:ea typeface="宋体" panose="02010600030101010101" pitchFamily="2" charset="-122"/>
+              <a:cs typeface="Times New Roman" panose="02020603050405020304" pitchFamily="18" charset="0"/>
+            </a:endParaRPr>
           </a:p>
           <a:p>
-            <a:endParaRPr lang="en-US" altLang="zh-CN" dirty="0"/>
+            <a:pPr lvl="2" fontAlgn="auto">
+              <a:lnSpc>
+                <a:spcPct val="150000"/>
+              </a:lnSpc>
+              <a:spcAft>
+                <a:spcPts val="0"/>
+              </a:spcAft>
+            </a:pPr>
+            <a:r>
+              <a:rPr lang="zh-CN" altLang="zh-CN" sz="2800" kern="100" dirty="0" smtClean="0">
+                <a:solidFill>
+                  <a:srgbClr val="000000"/>
+                </a:solidFill>
+                <a:latin typeface="宋体" panose="02010600030101010101" pitchFamily="2" charset="-122"/>
+                <a:ea typeface="宋体" panose="02010600030101010101" pitchFamily="2" charset="-122"/>
+                <a:cs typeface="Times New Roman" panose="02020603050405020304" pitchFamily="18" charset="0"/>
+              </a:rPr>
+              <a:t>应急</a:t>
+            </a:r>
+            <a:r>
+              <a:rPr lang="zh-CN" altLang="zh-CN" sz="2800" kern="100" dirty="0">
+                <a:solidFill>
+                  <a:srgbClr val="000000"/>
+                </a:solidFill>
+                <a:latin typeface="宋体" panose="02010600030101010101" pitchFamily="2" charset="-122"/>
+                <a:ea typeface="宋体" panose="02010600030101010101" pitchFamily="2" charset="-122"/>
+                <a:cs typeface="Times New Roman" panose="02020603050405020304" pitchFamily="18" charset="0"/>
+              </a:rPr>
+              <a:t>需求</a:t>
+            </a:r>
+            <a:endParaRPr lang="zh-CN" altLang="zh-CN" sz="2800" kern="100" dirty="0">
+              <a:solidFill>
+                <a:srgbClr val="000000"/>
+              </a:solidFill>
+              <a:latin typeface="宋体" panose="02010600030101010101" pitchFamily="2" charset="-122"/>
+              <a:ea typeface="宋体" panose="02010600030101010101" pitchFamily="2" charset="-122"/>
+              <a:cs typeface="Times New Roman" panose="02020603050405020304" pitchFamily="18" charset="0"/>
+            </a:endParaRPr>
+          </a:p>
+          <a:p>
+            <a:pPr fontAlgn="auto">
+              <a:lnSpc>
+                <a:spcPct val="150000"/>
+              </a:lnSpc>
+              <a:spcAft>
+                <a:spcPts val="0"/>
+              </a:spcAft>
+            </a:pPr>
+            <a:r>
+              <a:rPr lang="en-US" altLang="zh-CN" sz="2400" dirty="0">
+                <a:latin typeface="宋体" panose="02010600030101010101" pitchFamily="2" charset="-122"/>
+                <a:ea typeface="宋体" panose="02010600030101010101" pitchFamily="2" charset="-122"/>
+                <a:cs typeface="宋体" panose="02010600030101010101" pitchFamily="2" charset="-122"/>
+              </a:rPr>
+              <a:t>	</a:t>
+            </a:r>
+            <a:r>
+              <a:rPr lang="zh-CN" altLang="zh-CN" sz="2400" dirty="0">
+                <a:latin typeface="宋体" panose="02010600030101010101" pitchFamily="2" charset="-122"/>
+                <a:ea typeface="宋体" panose="02010600030101010101" pitchFamily="2" charset="-122"/>
+                <a:cs typeface="宋体" panose="02010600030101010101" pitchFamily="2" charset="-122"/>
+              </a:rPr>
+              <a:t>定期自动或者手动备份云端数据库数据，并能恢复</a:t>
+            </a:r>
+            <a:endParaRPr lang="zh-CN" altLang="zh-CN" sz="2400" dirty="0">
+              <a:effectLst/>
+              <a:latin typeface="宋体" panose="02010600030101010101" pitchFamily="2" charset="-122"/>
+              <a:ea typeface="宋体" panose="02010600030101010101" pitchFamily="2" charset="-122"/>
+              <a:cs typeface="宋体" panose="02010600030101010101" pitchFamily="2" charset="-122"/>
+            </a:endParaRPr>
           </a:p>
         </p:txBody>
       </p:sp>
     </p:spTree>
-    <p:extLst>
-      <p:ext uri="{BB962C8B-B14F-4D97-AF65-F5344CB8AC3E}">
-        <p14:creationId xmlns:p14="http://schemas.microsoft.com/office/powerpoint/2010/main" val="3129059692"/>
-      </p:ext>
-    </p:extLst>
   </p:cSld>
   <p:clrMapOvr>
     <a:masterClrMapping/>
@@ -16169,13 +15488,7 @@
       </p:sp>
       <p:sp>
         <p:nvSpPr>
-          <p:cNvPr id="2" name="矩形 1">
-            <a:extLst>
-              <a:ext uri="{FF2B5EF4-FFF2-40B4-BE49-F238E27FC236}">
-                <a16:creationId xmlns:a16="http://schemas.microsoft.com/office/drawing/2014/main" xmlns="" id="{F6E67242-74A0-5B41-86AD-19334117F98F}"/>
-              </a:ext>
-            </a:extLst>
-          </p:cNvPr>
+          <p:cNvPr id="2" name="矩形 1"/>
           <p:cNvSpPr/>
           <p:nvPr/>
         </p:nvSpPr>
@@ -16237,6 +15550,10 @@
               </a:rPr>
               <a:t>项目管理协会</a:t>
             </a:r>
+            <a:endParaRPr lang="zh-CN" altLang="zh-CN" sz="2800" kern="100" dirty="0">
+              <a:latin typeface="Calibri" panose="020F0502020204030204" pitchFamily="34" charset="0"/>
+              <a:cs typeface="Times New Roman" panose="02020603050405020304" pitchFamily="18" charset="0"/>
+            </a:endParaRPr>
           </a:p>
           <a:p>
             <a:pPr indent="266700"/>
@@ -16338,6 +15655,10 @@
               </a:rPr>
               <a:t>软件工程导论（第六版） </a:t>
             </a:r>
+            <a:endParaRPr lang="zh-CN" altLang="zh-CN" sz="2800" kern="100" dirty="0">
+              <a:latin typeface="Calibri" panose="020F0502020204030204" pitchFamily="34" charset="0"/>
+              <a:cs typeface="Times New Roman" panose="02020603050405020304" pitchFamily="18" charset="0"/>
+            </a:endParaRPr>
           </a:p>
           <a:p>
             <a:pPr indent="266700"/>
@@ -16383,6 +15704,10 @@
               </a:rPr>
               <a:t>计算机软件产品开发文件编制指南》</a:t>
             </a:r>
+            <a:endParaRPr lang="zh-CN" altLang="zh-CN" sz="2800" kern="100" dirty="0">
+              <a:latin typeface="Calibri" panose="020F0502020204030204" pitchFamily="34" charset="0"/>
+              <a:cs typeface="Times New Roman" panose="02020603050405020304" pitchFamily="18" charset="0"/>
+            </a:endParaRPr>
           </a:p>
           <a:p>
             <a:pPr indent="266700"/>
@@ -16414,6 +15739,10 @@
               </a:rPr>
               <a:t>年</a:t>
             </a:r>
+            <a:endParaRPr lang="zh-CN" altLang="zh-CN" sz="2800" kern="100" dirty="0">
+              <a:latin typeface="Calibri" panose="020F0502020204030204" pitchFamily="34" charset="0"/>
+              <a:cs typeface="Times New Roman" panose="02020603050405020304" pitchFamily="18" charset="0"/>
+            </a:endParaRPr>
           </a:p>
           <a:p>
             <a:pPr indent="266700"/>
@@ -16529,6 +15858,10 @@
               </a:rPr>
               <a:t>年</a:t>
             </a:r>
+            <a:endParaRPr lang="zh-CN" altLang="zh-CN" sz="2800" kern="100" dirty="0">
+              <a:latin typeface="Calibri" panose="020F0502020204030204" pitchFamily="34" charset="0"/>
+              <a:cs typeface="Times New Roman" panose="02020603050405020304" pitchFamily="18" charset="0"/>
+            </a:endParaRPr>
           </a:p>
         </p:txBody>
       </p:sp>
@@ -16537,13 +15870,13 @@
   <p:clrMapOvr>
     <a:masterClrMapping/>
   </p:clrMapOvr>
-  <mc:AlternateContent xmlns:mc="http://schemas.openxmlformats.org/markup-compatibility/2006" xmlns:p14="http://schemas.microsoft.com/office/powerpoint/2010/main">
-    <mc:Choice Requires="p14">
+  <mc:AlternateContent xmlns:mc="http://schemas.openxmlformats.org/markup-compatibility/2006">
+    <mc:Choice xmlns:p14="http://schemas.microsoft.com/office/powerpoint/2010/main" Requires="p14">
       <p:transition spd="slow" p14:dur="1200" advClick="0" advTm="0">
         <p14:prism/>
       </p:transition>
     </mc:Choice>
-    <mc:Fallback xmlns="">
+    <mc:Fallback>
       <p:transition spd="slow" advClick="0" advTm="0">
         <p:fade/>
       </p:transition>
@@ -16921,6 +16254,13 @@
               </a:rPr>
               <a:t>分工及考评</a:t>
             </a:r>
+            <a:endParaRPr lang="zh-CN" sz="3200" b="1" dirty="0">
+              <a:solidFill>
+                <a:schemeClr val="bg1"/>
+              </a:solidFill>
+              <a:latin typeface="微软雅黑" panose="020B0503020204020204" pitchFamily="34" charset="-122"/>
+              <a:ea typeface="微软雅黑" panose="020B0503020204020204" pitchFamily="34" charset="-122"/>
+            </a:endParaRPr>
           </a:p>
         </p:txBody>
       </p:sp>
@@ -16928,13 +16268,7 @@
         <p:nvGraphicFramePr>
           <p:cNvPr id="3" name="表格 2"/>
           <p:cNvGraphicFramePr/>
-          <p:nvPr>
-            <p:extLst>
-              <p:ext uri="{D42A27DB-BD31-4B8C-83A1-F6EECF244321}">
-                <p14:modId xmlns:p14="http://schemas.microsoft.com/office/powerpoint/2010/main" val="250931813"/>
-              </p:ext>
-            </p:extLst>
-          </p:nvPr>
+          <p:nvPr/>
         </p:nvGraphicFramePr>
         <p:xfrm>
           <a:off x="3181985" y="1197546"/>
@@ -16947,27 +16281,9 @@
                 <a:tableStyleId>{5C22544A-7EE6-4342-B048-85BDC9FD1C3A}</a:tableStyleId>
               </a:tblPr>
               <a:tblGrid>
-                <a:gridCol w="1442720">
-                  <a:extLst>
-                    <a:ext uri="{9D8B030D-6E8A-4147-A177-3AD203B41FA5}">
-                      <a16:colId xmlns:a16="http://schemas.microsoft.com/office/drawing/2014/main" xmlns="" val="20000"/>
-                    </a:ext>
-                  </a:extLst>
-                </a:gridCol>
-                <a:gridCol w="4245610">
-                  <a:extLst>
-                    <a:ext uri="{9D8B030D-6E8A-4147-A177-3AD203B41FA5}">
-                      <a16:colId xmlns:a16="http://schemas.microsoft.com/office/drawing/2014/main" xmlns="" val="20001"/>
-                    </a:ext>
-                  </a:extLst>
-                </a:gridCol>
-                <a:gridCol w="2844165">
-                  <a:extLst>
-                    <a:ext uri="{9D8B030D-6E8A-4147-A177-3AD203B41FA5}">
-                      <a16:colId xmlns:a16="http://schemas.microsoft.com/office/drawing/2014/main" xmlns="" val="20002"/>
-                    </a:ext>
-                  </a:extLst>
-                </a:gridCol>
+                <a:gridCol w="1442720"/>
+                <a:gridCol w="4245610"/>
+                <a:gridCol w="2844165"/>
               </a:tblGrid>
               <a:tr h="1656184">
                 <a:tc>
@@ -16986,6 +16302,11 @@
                         </a:rPr>
                         <a:t>黄为波</a:t>
                       </a:r>
+                      <a:endParaRPr lang="zh-CN" altLang="en-US" b="0" dirty="0">
+                        <a:solidFill>
+                          <a:schemeClr val="tx1"/>
+                        </a:solidFill>
+                      </a:endParaRPr>
                     </a:p>
                   </a:txBody>
                   <a:tcPr>
@@ -17203,6 +16524,11 @@
                         </a:rPr>
                         <a:t>9.6</a:t>
                       </a:r>
+                      <a:endParaRPr lang="en-US" altLang="zh-CN" b="0">
+                        <a:solidFill>
+                          <a:schemeClr val="tx1"/>
+                        </a:solidFill>
+                      </a:endParaRPr>
                     </a:p>
                   </a:txBody>
                   <a:tcPr>
@@ -17214,11 +16540,6 @@
                     </a:solidFill>
                   </a:tcPr>
                 </a:tc>
-                <a:extLst>
-                  <a:ext uri="{0D108BD9-81ED-4DB2-BD59-A6C34878D82A}">
-                    <a16:rowId xmlns:a16="http://schemas.microsoft.com/office/drawing/2014/main" xmlns="" val="10000"/>
-                  </a:ext>
-                </a:extLst>
               </a:tr>
               <a:tr h="1800200">
                 <a:tc>
@@ -17237,6 +16558,11 @@
                         </a:rPr>
                         <a:t>陈子卿</a:t>
                       </a:r>
+                      <a:endParaRPr lang="zh-CN" altLang="en-US">
+                        <a:solidFill>
+                          <a:schemeClr val="tx1"/>
+                        </a:solidFill>
+                      </a:endParaRPr>
                     </a:p>
                   </a:txBody>
                   <a:tcPr/>
@@ -17333,7 +16659,6 @@
                         <a:buSzTx/>
                         <a:buFont typeface="+mj-lt"/>
                         <a:buAutoNum type="arabicPeriod"/>
-                        <a:tabLst/>
                         <a:defRPr/>
                       </a:pPr>
                       <a:r>
@@ -17406,6 +16731,13 @@
                         </a:rPr>
                         <a:t>进行目录修改</a:t>
                       </a:r>
+                      <a:endParaRPr lang="zh-CN" altLang="en-US" sz="1400" b="0" dirty="0" smtClean="0">
+                        <a:solidFill>
+                          <a:schemeClr val="tx1"/>
+                        </a:solidFill>
+                        <a:latin typeface="+mn-ea"/>
+                        <a:ea typeface="+mn-ea"/>
+                      </a:endParaRPr>
                     </a:p>
                     <a:p>
                       <a:pPr marL="457200" indent="-457200" algn="l">
@@ -17495,15 +16827,15 @@
                         </a:rPr>
                         <a:t>9.5</a:t>
                       </a:r>
+                      <a:endParaRPr lang="en-US" altLang="zh-CN">
+                        <a:solidFill>
+                          <a:schemeClr val="tx1"/>
+                        </a:solidFill>
+                      </a:endParaRPr>
                     </a:p>
                   </a:txBody>
                   <a:tcPr/>
                 </a:tc>
-                <a:extLst>
-                  <a:ext uri="{0D108BD9-81ED-4DB2-BD59-A6C34878D82A}">
-                    <a16:rowId xmlns:a16="http://schemas.microsoft.com/office/drawing/2014/main" xmlns="" val="10001"/>
-                  </a:ext>
-                </a:extLst>
               </a:tr>
               <a:tr h="1730751">
                 <a:tc>
@@ -17522,6 +16854,11 @@
                         </a:rPr>
                         <a:t>蔡峰</a:t>
                       </a:r>
+                      <a:endParaRPr lang="zh-CN" altLang="en-US">
+                        <a:solidFill>
+                          <a:schemeClr val="tx1"/>
+                        </a:solidFill>
+                      </a:endParaRPr>
                     </a:p>
                   </a:txBody>
                   <a:tcPr>
@@ -17625,7 +16962,6 @@
                         <a:buSzTx/>
                         <a:buFont typeface="+mj-lt"/>
                         <a:buAutoNum type="arabicPeriod"/>
-                        <a:tabLst/>
                         <a:defRPr/>
                       </a:pPr>
                       <a:r>
@@ -17698,6 +17034,13 @@
                         </a:rPr>
                         <a:t>进行整合</a:t>
                       </a:r>
+                      <a:endParaRPr lang="zh-CN" altLang="en-US" sz="1400" b="0" dirty="0" smtClean="0">
+                        <a:solidFill>
+                          <a:schemeClr val="tx1"/>
+                        </a:solidFill>
+                        <a:latin typeface="+mn-ea"/>
+                        <a:ea typeface="+mn-ea"/>
+                      </a:endParaRPr>
                     </a:p>
                     <a:p>
                       <a:pPr marL="457200" indent="-457200" algn="l">
@@ -17806,6 +17149,11 @@
                         </a:rPr>
                         <a:t>9.4</a:t>
                       </a:r>
+                      <a:endParaRPr lang="en-US" altLang="zh-CN" dirty="0">
+                        <a:solidFill>
+                          <a:schemeClr val="tx1"/>
+                        </a:solidFill>
+                      </a:endParaRPr>
                     </a:p>
                   </a:txBody>
                   <a:tcPr>
@@ -17817,11 +17165,6 @@
                     </a:solidFill>
                   </a:tcPr>
                 </a:tc>
-                <a:extLst>
-                  <a:ext uri="{0D108BD9-81ED-4DB2-BD59-A6C34878D82A}">
-                    <a16:rowId xmlns:a16="http://schemas.microsoft.com/office/drawing/2014/main" xmlns="" val="10002"/>
-                  </a:ext>
-                </a:extLst>
               </a:tr>
             </a:tbl>
           </a:graphicData>
@@ -17832,13 +17175,13 @@
   <p:clrMapOvr>
     <a:masterClrMapping/>
   </p:clrMapOvr>
-  <mc:AlternateContent xmlns:mc="http://schemas.openxmlformats.org/markup-compatibility/2006" xmlns:p14="http://schemas.microsoft.com/office/powerpoint/2010/main">
-    <mc:Choice Requires="p14">
+  <mc:AlternateContent xmlns:mc="http://schemas.openxmlformats.org/markup-compatibility/2006">
+    <mc:Choice xmlns:p14="http://schemas.microsoft.com/office/powerpoint/2010/main" Requires="p14">
       <p:transition spd="slow" p14:dur="1200" advClick="0" advTm="0">
         <p14:prism/>
       </p:transition>
     </mc:Choice>
-    <mc:Fallback xmlns="">
+    <mc:Fallback>
       <p:transition spd="slow" advClick="0" advTm="0">
         <p:fade/>
       </p:transition>
@@ -18593,6 +17936,13 @@
               </a:rPr>
               <a:t>问酒</a:t>
             </a:r>
+            <a:endParaRPr lang="zh-CN" altLang="en-US" sz="12800" dirty="0">
+              <a:solidFill>
+                <a:srgbClr val="38B1BF"/>
+              </a:solidFill>
+              <a:latin typeface="微软雅黑" panose="020B0503020204020204" pitchFamily="34" charset="-122"/>
+              <a:ea typeface="微软雅黑" panose="020B0503020204020204" pitchFamily="34" charset="-122"/>
+            </a:endParaRPr>
           </a:p>
         </p:txBody>
       </p:sp>
@@ -18684,6 +18034,16 @@
               </a:rPr>
               <a:t>小组</a:t>
             </a:r>
+            <a:endParaRPr lang="zh-CN" altLang="en-US" sz="1900" dirty="0">
+              <a:solidFill>
+                <a:schemeClr val="tx1">
+                  <a:lumMod val="85000"/>
+                  <a:lumOff val="15000"/>
+                </a:schemeClr>
+              </a:solidFill>
+              <a:latin typeface="微软雅黑" panose="020B0503020204020204" pitchFamily="34" charset="-122"/>
+              <a:ea typeface="微软雅黑" panose="020B0503020204020204" pitchFamily="34" charset="-122"/>
+            </a:endParaRPr>
           </a:p>
         </p:txBody>
       </p:sp>
@@ -18734,6 +18094,16 @@
               </a:rPr>
               <a:t>汇报结束 感谢观看</a:t>
             </a:r>
+            <a:endParaRPr lang="zh-CN" altLang="en-US" sz="3600" b="1" dirty="0">
+              <a:solidFill>
+                <a:schemeClr val="tx1">
+                  <a:lumMod val="75000"/>
+                  <a:lumOff val="25000"/>
+                </a:schemeClr>
+              </a:solidFill>
+              <a:latin typeface="微软雅黑" panose="020B0503020204020204" pitchFamily="34" charset="-122"/>
+              <a:ea typeface="微软雅黑" panose="020B0503020204020204" pitchFamily="34" charset="-122"/>
+            </a:endParaRPr>
           </a:p>
         </p:txBody>
       </p:sp>
@@ -18838,6 +18208,16 @@
               </a:rPr>
               <a:t>日</a:t>
             </a:r>
+            <a:endParaRPr lang="zh-CN" altLang="en-US" sz="1900" dirty="0">
+              <a:solidFill>
+                <a:schemeClr val="tx1">
+                  <a:lumMod val="85000"/>
+                  <a:lumOff val="15000"/>
+                </a:schemeClr>
+              </a:solidFill>
+              <a:latin typeface="微软雅黑" panose="020B0503020204020204" pitchFamily="34" charset="-122"/>
+              <a:ea typeface="微软雅黑" panose="020B0503020204020204" pitchFamily="34" charset="-122"/>
+            </a:endParaRPr>
           </a:p>
         </p:txBody>
       </p:sp>
@@ -18885,16 +18265,16 @@
             <a:picLocks noChangeAspect="1"/>
           </p:cNvPicPr>
           <p:nvPr>
-            <a:audioFile r:link="rId2"/>
+            <a:audioFile r:link="rId1"/>
             <p:extLst>
               <p:ext uri="{DAA4B4D4-6D71-4841-9C94-3DE7FCFB9230}">
-                <p14:media xmlns:p14="http://schemas.microsoft.com/office/powerpoint/2010/main" r:embed="rId1"/>
+                <p14:media xmlns:p14="http://schemas.microsoft.com/office/powerpoint/2010/main" r:embed="rId2"/>
               </p:ext>
             </p:extLst>
           </p:nvPr>
         </p:nvPicPr>
         <p:blipFill>
-          <a:blip r:embed="rId5"/>
+          <a:blip r:embed="rId3"/>
           <a:stretch>
             <a:fillRect/>
           </a:stretch>
@@ -18942,6 +18322,14 @@
               </a:rPr>
               <a:t>浙江大学城市学院</a:t>
             </a:r>
+            <a:endParaRPr lang="zh-CN" altLang="en-US" kern="300" spc="2000">
+              <a:solidFill>
+                <a:schemeClr val="tx1"/>
+              </a:solidFill>
+              <a:uFillTx/>
+              <a:latin typeface="+中文标题" charset="0"/>
+              <a:ea typeface="+mj-ea"/>
+            </a:endParaRPr>
           </a:p>
         </p:txBody>
       </p:sp>
@@ -18950,13 +18338,13 @@
   <p:clrMapOvr>
     <a:masterClrMapping/>
   </p:clrMapOvr>
-  <mc:AlternateContent xmlns:mc="http://schemas.openxmlformats.org/markup-compatibility/2006" xmlns:p14="http://schemas.microsoft.com/office/powerpoint/2010/main">
-    <mc:Choice Requires="p14">
+  <mc:AlternateContent xmlns:mc="http://schemas.openxmlformats.org/markup-compatibility/2006">
+    <mc:Choice xmlns:p14="http://schemas.microsoft.com/office/powerpoint/2010/main" Requires="p14">
       <p:transition spd="slow" p14:dur="1600" advClick="0" advTm="0">
         <p:blinds dir="vert"/>
       </p:transition>
     </mc:Choice>
-    <mc:Fallback xmlns="">
+    <mc:Fallback>
       <p:transition spd="slow" advClick="0" advTm="0">
         <p:blinds dir="vert"/>
       </p:transition>
@@ -19949,6 +19337,7 @@
               <a:rPr lang="en-US" sz="2400" dirty="0"/>
               <a:t>1</a:t>
             </a:r>
+            <a:endParaRPr lang="en-US" sz="2400" dirty="0"/>
           </a:p>
         </p:txBody>
       </p:sp>
@@ -20007,7 +19396,7 @@
           <a:lstStyle/>
           <a:p>
             <a:r>
-              <a:rPr lang="zh-Hans" altLang="en-US" sz="2665" dirty="0">
+              <a:rPr lang="en-US" altLang="en-US" sz="2665" dirty="0">
                 <a:solidFill>
                   <a:srgbClr val="183A5D"/>
                 </a:solidFill>
@@ -20028,23 +19417,11 @@
       </p:sp>
       <p:graphicFrame>
         <p:nvGraphicFramePr>
-          <p:cNvPr id="9" name="表格 8">
-            <a:extLst>
-              <a:ext uri="{FF2B5EF4-FFF2-40B4-BE49-F238E27FC236}">
-                <a16:creationId xmlns:a16="http://schemas.microsoft.com/office/drawing/2014/main" xmlns="" id="{118AEBE8-6FE3-C54C-8737-E9A4B962C4EF}"/>
-              </a:ext>
-            </a:extLst>
-          </p:cNvPr>
+          <p:cNvPr id="9" name="表格 8"/>
           <p:cNvGraphicFramePr>
             <a:graphicFrameLocks noGrp="1"/>
           </p:cNvGraphicFramePr>
-          <p:nvPr>
-            <p:extLst>
-              <p:ext uri="{D42A27DB-BD31-4B8C-83A1-F6EECF244321}">
-                <p14:modId xmlns:p14="http://schemas.microsoft.com/office/powerpoint/2010/main" val="3568555401"/>
-              </p:ext>
-            </p:extLst>
-          </p:nvPr>
+          <p:nvPr/>
         </p:nvGraphicFramePr>
         <p:xfrm>
           <a:off x="1845445" y="765498"/>
@@ -20057,27 +19434,9 @@
                 <a:tableStyleId>{5C22544A-7EE6-4342-B048-85BDC9FD1C3A}</a:tableStyleId>
               </a:tblPr>
               <a:tblGrid>
-                <a:gridCol w="1736706">
-                  <a:extLst>
-                    <a:ext uri="{9D8B030D-6E8A-4147-A177-3AD203B41FA5}">
-                      <a16:colId xmlns:a16="http://schemas.microsoft.com/office/drawing/2014/main" xmlns="" val="4203658442"/>
-                    </a:ext>
-                  </a:extLst>
-                </a:gridCol>
-                <a:gridCol w="4064839">
-                  <a:extLst>
-                    <a:ext uri="{9D8B030D-6E8A-4147-A177-3AD203B41FA5}">
-                      <a16:colId xmlns:a16="http://schemas.microsoft.com/office/drawing/2014/main" xmlns="" val="849966709"/>
-                    </a:ext>
-                  </a:extLst>
-                </a:gridCol>
-                <a:gridCol w="4064839">
-                  <a:extLst>
-                    <a:ext uri="{9D8B030D-6E8A-4147-A177-3AD203B41FA5}">
-                      <a16:colId xmlns:a16="http://schemas.microsoft.com/office/drawing/2014/main" xmlns="" val="3480316147"/>
-                    </a:ext>
-                  </a:extLst>
-                </a:gridCol>
+                <a:gridCol w="1736706"/>
+                <a:gridCol w="4064839"/>
+                <a:gridCol w="4064839"/>
               </a:tblGrid>
               <a:tr h="892453">
                 <a:tc>
@@ -20158,11 +19517,6 @@
                   </a:txBody>
                   <a:tcPr marL="68580" marR="68580" marT="0" marB="0"/>
                 </a:tc>
-                <a:extLst>
-                  <a:ext uri="{0D108BD9-81ED-4DB2-BD59-A6C34878D82A}">
-                    <a16:rowId xmlns:a16="http://schemas.microsoft.com/office/drawing/2014/main" xmlns="" val="2917170645"/>
-                  </a:ext>
-                </a:extLst>
               </a:tr>
               <a:tr h="962816">
                 <a:tc rowSpan="3">
@@ -20243,21 +19597,9 @@
                   </a:txBody>
                   <a:tcPr marL="68580" marR="68580" marT="0" marB="0"/>
                 </a:tc>
-                <a:extLst>
-                  <a:ext uri="{0D108BD9-81ED-4DB2-BD59-A6C34878D82A}">
-                    <a16:rowId xmlns:a16="http://schemas.microsoft.com/office/drawing/2014/main" xmlns="" val="132198126"/>
-                  </a:ext>
-                </a:extLst>
               </a:tr>
               <a:tr h="763613">
                 <a:tc vMerge="1">
-                  <a:txBody>
-                    <a:bodyPr/>
-                    <a:lstStyle/>
-                    <a:p>
-                      <a:endParaRPr lang="zh-CN" altLang="en-US"/>
-                    </a:p>
-                  </a:txBody>
                   <a:tcPr/>
                 </a:tc>
                 <a:tc>
@@ -20312,21 +19654,9 @@
                   </a:txBody>
                   <a:tcPr marL="68580" marR="68580" marT="0" marB="0"/>
                 </a:tc>
-                <a:extLst>
-                  <a:ext uri="{0D108BD9-81ED-4DB2-BD59-A6C34878D82A}">
-                    <a16:rowId xmlns:a16="http://schemas.microsoft.com/office/drawing/2014/main" xmlns="" val="403745963"/>
-                  </a:ext>
-                </a:extLst>
               </a:tr>
               <a:tr h="1415328">
                 <a:tc vMerge="1">
-                  <a:txBody>
-                    <a:bodyPr/>
-                    <a:lstStyle/>
-                    <a:p>
-                      <a:endParaRPr lang="zh-CN" altLang="en-US"/>
-                    </a:p>
-                  </a:txBody>
                   <a:tcPr/>
                 </a:tc>
                 <a:tc>
@@ -20393,11 +19723,6 @@
                   </a:txBody>
                   <a:tcPr marL="68580" marR="68580" marT="0" marB="0"/>
                 </a:tc>
-                <a:extLst>
-                  <a:ext uri="{0D108BD9-81ED-4DB2-BD59-A6C34878D82A}">
-                    <a16:rowId xmlns:a16="http://schemas.microsoft.com/office/drawing/2014/main" xmlns="" val="2831142297"/>
-                  </a:ext>
-                </a:extLst>
               </a:tr>
               <a:tr h="848459">
                 <a:tc>
@@ -20478,11 +19803,6 @@
                   </a:txBody>
                   <a:tcPr marL="68580" marR="68580" marT="0" marB="0"/>
                 </a:tc>
-                <a:extLst>
-                  <a:ext uri="{0D108BD9-81ED-4DB2-BD59-A6C34878D82A}">
-                    <a16:rowId xmlns:a16="http://schemas.microsoft.com/office/drawing/2014/main" xmlns="" val="2811472187"/>
-                  </a:ext>
-                </a:extLst>
               </a:tr>
             </a:tbl>
           </a:graphicData>
@@ -20608,6 +19928,7 @@
               <a:rPr lang="en-US" sz="2400" dirty="0"/>
               <a:t>2</a:t>
             </a:r>
+            <a:endParaRPr lang="en-US" sz="2400" dirty="0"/>
           </a:p>
         </p:txBody>
       </p:sp>
@@ -20634,7 +19955,7 @@
           <a:lstStyle/>
           <a:p>
             <a:r>
-              <a:rPr lang="zh-Hans" altLang="en-US" sz="2665" dirty="0">
+              <a:rPr lang="en-US" altLang="en-US" sz="2665" dirty="0">
                 <a:solidFill>
                   <a:srgbClr val="183A5D"/>
                 </a:solidFill>
@@ -20722,6 +20043,10 @@
               </a:rPr>
               <a:t>效益 比的情况下，该项目从经济方面来说可行。</a:t>
             </a:r>
+            <a:endParaRPr lang="zh-CN" altLang="en-US" sz="2400">
+              <a:latin typeface="微软雅黑" panose="020B0503020204020204" pitchFamily="34" charset="-122"/>
+              <a:ea typeface="微软雅黑" panose="020B0503020204020204" pitchFamily="34" charset="-122"/>
+            </a:endParaRPr>
           </a:p>
         </p:txBody>
       </p:sp>
@@ -20845,6 +20170,7 @@
               <a:rPr lang="en-US" sz="2400" dirty="0"/>
               <a:t>3</a:t>
             </a:r>
+            <a:endParaRPr lang="en-US" sz="2400" dirty="0"/>
           </a:p>
         </p:txBody>
       </p:sp>
@@ -20871,7 +20197,7 @@
           <a:lstStyle/>
           <a:p>
             <a:r>
-              <a:rPr lang="zh-Hans" altLang="en-US" sz="2665" dirty="0">
+              <a:rPr lang="en-US" altLang="en-US" sz="2665" dirty="0">
                 <a:solidFill>
                   <a:srgbClr val="183A5D"/>
                 </a:solidFill>
@@ -20892,20 +20218,14 @@
       </p:sp>
       <p:pic>
         <p:nvPicPr>
-          <p:cNvPr id="7" name="图片 6">
-            <a:extLst>
-              <a:ext uri="{FF2B5EF4-FFF2-40B4-BE49-F238E27FC236}">
-                <a16:creationId xmlns:a16="http://schemas.microsoft.com/office/drawing/2014/main" xmlns="" id="{4A8FCB20-AD7B-4149-8461-C99FA34A504A}"/>
-              </a:ext>
-            </a:extLst>
-          </p:cNvPr>
+          <p:cNvPr id="7" name="图片 6"/>
           <p:cNvPicPr>
             <a:picLocks noChangeAspect="1"/>
           </p:cNvPicPr>
           <p:nvPr/>
         </p:nvPicPr>
         <p:blipFill>
-          <a:blip r:embed="rId2">
+          <a:blip r:embed="rId1">
             <a:extLst>
               <a:ext uri="{28A0092B-C50C-407E-A947-70E740481C1C}">
                 <a14:useLocalDpi xmlns:a14="http://schemas.microsoft.com/office/drawing/2010/main" val="0"/>
@@ -20928,13 +20248,7 @@
       </p:pic>
       <p:sp>
         <p:nvSpPr>
-          <p:cNvPr id="8" name="文本框 7">
-            <a:extLst>
-              <a:ext uri="{FF2B5EF4-FFF2-40B4-BE49-F238E27FC236}">
-                <a16:creationId xmlns:a16="http://schemas.microsoft.com/office/drawing/2014/main" xmlns="" id="{D18386E0-7984-2B46-8F3C-0CA6C8105131}"/>
-              </a:ext>
-            </a:extLst>
-          </p:cNvPr>
+          <p:cNvPr id="8" name="文本框 7"/>
           <p:cNvSpPr txBox="1"/>
           <p:nvPr/>
         </p:nvSpPr>
@@ -20955,34 +20269,14 @@
           <a:lstStyle/>
           <a:p>
             <a:r>
-              <a:rPr lang="zh-Hans" altLang="en-US" sz="2665" dirty="0">
+              <a:rPr lang="en-US" altLang="en-US" sz="2665" dirty="0">
                 <a:solidFill>
                   <a:srgbClr val="183A5D"/>
                 </a:solidFill>
                 <a:latin typeface="微软雅黑" panose="020B0503020204020204" pitchFamily="34" charset="-122"/>
                 <a:ea typeface="微软雅黑" panose="020B0503020204020204" pitchFamily="34" charset="-122"/>
               </a:rPr>
-              <a:t>详见界面原型</a:t>
-            </a:r>
-            <a:r>
-              <a:rPr lang="en-US" altLang="zh-Hans" sz="2665" dirty="0">
-                <a:solidFill>
-                  <a:srgbClr val="183A5D"/>
-                </a:solidFill>
-                <a:latin typeface="微软雅黑" panose="020B0503020204020204" pitchFamily="34" charset="-122"/>
-                <a:ea typeface="微软雅黑" panose="020B0503020204020204" pitchFamily="34" charset="-122"/>
-              </a:rPr>
-              <a:t>—</a:t>
-            </a:r>
-            <a:r>
-              <a:rPr lang="zh-Hans" altLang="en-US" sz="2665" dirty="0">
-                <a:solidFill>
-                  <a:srgbClr val="183A5D"/>
-                </a:solidFill>
-                <a:latin typeface="微软雅黑" panose="020B0503020204020204" pitchFamily="34" charset="-122"/>
-                <a:ea typeface="微软雅黑" panose="020B0503020204020204" pitchFamily="34" charset="-122"/>
-              </a:rPr>
-              <a:t>首页面</a:t>
+              <a:t>详见界面原型—首页面</a:t>
             </a:r>
             <a:endParaRPr lang="zh-CN" sz="2665" dirty="0">
               <a:solidFill>
@@ -21114,6 +20408,7 @@
               <a:rPr lang="en-US" sz="2400" dirty="0"/>
               <a:t>3</a:t>
             </a:r>
+            <a:endParaRPr lang="en-US" sz="2400" dirty="0"/>
           </a:p>
         </p:txBody>
       </p:sp>
@@ -21140,7 +20435,7 @@
           <a:lstStyle/>
           <a:p>
             <a:r>
-              <a:rPr lang="zh-Hans" altLang="en-US" sz="2665" dirty="0">
+              <a:rPr lang="en-US" altLang="en-US" sz="2665" dirty="0">
                 <a:solidFill>
                   <a:srgbClr val="183A5D"/>
                 </a:solidFill>
@@ -21161,13 +20456,7 @@
       </p:sp>
       <p:sp>
         <p:nvSpPr>
-          <p:cNvPr id="8" name="文本框 7">
-            <a:extLst>
-              <a:ext uri="{FF2B5EF4-FFF2-40B4-BE49-F238E27FC236}">
-                <a16:creationId xmlns:a16="http://schemas.microsoft.com/office/drawing/2014/main" xmlns="" id="{D18386E0-7984-2B46-8F3C-0CA6C8105131}"/>
-              </a:ext>
-            </a:extLst>
-          </p:cNvPr>
+          <p:cNvPr id="8" name="文本框 7"/>
           <p:cNvSpPr txBox="1"/>
           <p:nvPr/>
         </p:nvSpPr>
@@ -21188,34 +20477,14 @@
           <a:lstStyle/>
           <a:p>
             <a:r>
-              <a:rPr lang="zh-Hans" altLang="en-US" sz="2665" dirty="0">
+              <a:rPr lang="en-US" altLang="en-US" sz="2665" dirty="0">
                 <a:solidFill>
                   <a:srgbClr val="183A5D"/>
                 </a:solidFill>
                 <a:latin typeface="微软雅黑" panose="020B0503020204020204" pitchFamily="34" charset="-122"/>
                 <a:ea typeface="微软雅黑" panose="020B0503020204020204" pitchFamily="34" charset="-122"/>
               </a:rPr>
-              <a:t>详见界面原型</a:t>
-            </a:r>
-            <a:r>
-              <a:rPr lang="en-US" altLang="zh-Hans" sz="2665" dirty="0">
-                <a:solidFill>
-                  <a:srgbClr val="183A5D"/>
-                </a:solidFill>
-                <a:latin typeface="微软雅黑" panose="020B0503020204020204" pitchFamily="34" charset="-122"/>
-                <a:ea typeface="微软雅黑" panose="020B0503020204020204" pitchFamily="34" charset="-122"/>
-              </a:rPr>
-              <a:t>—</a:t>
-            </a:r>
-            <a:r>
-              <a:rPr lang="zh-Hans" altLang="en-US" sz="2665" dirty="0">
-                <a:solidFill>
-                  <a:srgbClr val="183A5D"/>
-                </a:solidFill>
-                <a:latin typeface="微软雅黑" panose="020B0503020204020204" pitchFamily="34" charset="-122"/>
-                <a:ea typeface="微软雅黑" panose="020B0503020204020204" pitchFamily="34" charset="-122"/>
-              </a:rPr>
-              <a:t>选择图片</a:t>
+              <a:t>详见界面原型—选择图片</a:t>
             </a:r>
             <a:endParaRPr lang="zh-CN" sz="2665" dirty="0">
               <a:solidFill>
@@ -21229,20 +20498,14 @@
       </p:sp>
       <p:pic>
         <p:nvPicPr>
-          <p:cNvPr id="6" name="图片 5">
-            <a:extLst>
-              <a:ext uri="{FF2B5EF4-FFF2-40B4-BE49-F238E27FC236}">
-                <a16:creationId xmlns:a16="http://schemas.microsoft.com/office/drawing/2014/main" xmlns="" id="{528A95DE-514D-C748-9A19-977F1C914831}"/>
-              </a:ext>
-            </a:extLst>
-          </p:cNvPr>
+          <p:cNvPr id="6" name="图片 5"/>
           <p:cNvPicPr>
             <a:picLocks noChangeAspect="1"/>
           </p:cNvPicPr>
           <p:nvPr/>
         </p:nvPicPr>
         <p:blipFill>
-          <a:blip r:embed="rId2">
+          <a:blip r:embed="rId1">
             <a:extLst>
               <a:ext uri="{28A0092B-C50C-407E-A947-70E740481C1C}">
                 <a14:useLocalDpi xmlns:a14="http://schemas.microsoft.com/office/drawing/2010/main" val="0"/>
@@ -21264,11 +20527,6 @@
         </p:spPr>
       </p:pic>
     </p:spTree>
-    <p:extLst>
-      <p:ext uri="{BB962C8B-B14F-4D97-AF65-F5344CB8AC3E}">
-        <p14:creationId xmlns:p14="http://schemas.microsoft.com/office/powerpoint/2010/main" val="1923962618"/>
-      </p:ext>
-    </p:extLst>
   </p:cSld>
   <p:clrMapOvr>
     <a:masterClrMapping/>
@@ -21388,6 +20646,7 @@
               <a:rPr lang="en-US" sz="2400" dirty="0"/>
               <a:t>3</a:t>
             </a:r>
+            <a:endParaRPr lang="en-US" sz="2400" dirty="0"/>
           </a:p>
         </p:txBody>
       </p:sp>
@@ -21414,7 +20673,7 @@
           <a:lstStyle/>
           <a:p>
             <a:r>
-              <a:rPr lang="zh-Hans" altLang="en-US" sz="2665" dirty="0">
+              <a:rPr lang="en-US" altLang="en-US" sz="2665" dirty="0">
                 <a:solidFill>
                   <a:srgbClr val="183A5D"/>
                 </a:solidFill>
@@ -21435,13 +20694,7 @@
       </p:sp>
       <p:sp>
         <p:nvSpPr>
-          <p:cNvPr id="8" name="文本框 7">
-            <a:extLst>
-              <a:ext uri="{FF2B5EF4-FFF2-40B4-BE49-F238E27FC236}">
-                <a16:creationId xmlns:a16="http://schemas.microsoft.com/office/drawing/2014/main" xmlns="" id="{D18386E0-7984-2B46-8F3C-0CA6C8105131}"/>
-              </a:ext>
-            </a:extLst>
-          </p:cNvPr>
+          <p:cNvPr id="8" name="文本框 7"/>
           <p:cNvSpPr txBox="1"/>
           <p:nvPr/>
         </p:nvSpPr>
@@ -21462,34 +20715,14 @@
           <a:lstStyle/>
           <a:p>
             <a:r>
-              <a:rPr lang="zh-Hans" altLang="en-US" sz="2665" dirty="0">
+              <a:rPr lang="en-US" altLang="en-US" sz="2665" dirty="0">
                 <a:solidFill>
                   <a:srgbClr val="183A5D"/>
                 </a:solidFill>
                 <a:latin typeface="微软雅黑" panose="020B0503020204020204" pitchFamily="34" charset="-122"/>
                 <a:ea typeface="微软雅黑" panose="020B0503020204020204" pitchFamily="34" charset="-122"/>
               </a:rPr>
-              <a:t>详见界面原型</a:t>
-            </a:r>
-            <a:r>
-              <a:rPr lang="en-US" altLang="zh-Hans" sz="2665" dirty="0">
-                <a:solidFill>
-                  <a:srgbClr val="183A5D"/>
-                </a:solidFill>
-                <a:latin typeface="微软雅黑" panose="020B0503020204020204" pitchFamily="34" charset="-122"/>
-                <a:ea typeface="微软雅黑" panose="020B0503020204020204" pitchFamily="34" charset="-122"/>
-              </a:rPr>
-              <a:t>—</a:t>
-            </a:r>
-            <a:r>
-              <a:rPr lang="zh-Hans" altLang="en-US" sz="2665" dirty="0">
-                <a:solidFill>
-                  <a:srgbClr val="183A5D"/>
-                </a:solidFill>
-                <a:latin typeface="微软雅黑" panose="020B0503020204020204" pitchFamily="34" charset="-122"/>
-                <a:ea typeface="微软雅黑" panose="020B0503020204020204" pitchFamily="34" charset="-122"/>
-              </a:rPr>
-              <a:t>识别中</a:t>
+              <a:t>详见界面原型—识别中</a:t>
             </a:r>
             <a:endParaRPr lang="zh-CN" sz="2665" dirty="0">
               <a:solidFill>
@@ -21503,20 +20736,14 @@
       </p:sp>
       <p:pic>
         <p:nvPicPr>
-          <p:cNvPr id="6" name="图片 5">
-            <a:extLst>
-              <a:ext uri="{FF2B5EF4-FFF2-40B4-BE49-F238E27FC236}">
-                <a16:creationId xmlns:a16="http://schemas.microsoft.com/office/drawing/2014/main" xmlns="" id="{AD6C0311-D6E7-954D-80B8-E2714FDA78CF}"/>
-              </a:ext>
-            </a:extLst>
-          </p:cNvPr>
+          <p:cNvPr id="6" name="图片 5"/>
           <p:cNvPicPr>
             <a:picLocks noChangeAspect="1"/>
           </p:cNvPicPr>
           <p:nvPr/>
         </p:nvPicPr>
         <p:blipFill>
-          <a:blip r:embed="rId2">
+          <a:blip r:embed="rId1">
             <a:extLst>
               <a:ext uri="{28A0092B-C50C-407E-A947-70E740481C1C}">
                 <a14:useLocalDpi xmlns:a14="http://schemas.microsoft.com/office/drawing/2010/main" val="0"/>
@@ -21538,11 +20765,6 @@
         </p:spPr>
       </p:pic>
     </p:spTree>
-    <p:extLst>
-      <p:ext uri="{BB962C8B-B14F-4D97-AF65-F5344CB8AC3E}">
-        <p14:creationId xmlns:p14="http://schemas.microsoft.com/office/powerpoint/2010/main" val="3672182501"/>
-      </p:ext>
-    </p:extLst>
   </p:cSld>
   <p:clrMapOvr>
     <a:masterClrMapping/>
@@ -21662,6 +20884,7 @@
               <a:rPr lang="en-US" sz="2400" dirty="0"/>
               <a:t>3</a:t>
             </a:r>
+            <a:endParaRPr lang="en-US" sz="2400" dirty="0"/>
           </a:p>
         </p:txBody>
       </p:sp>
@@ -21688,7 +20911,7 @@
           <a:lstStyle/>
           <a:p>
             <a:r>
-              <a:rPr lang="zh-Hans" altLang="en-US" sz="2665" dirty="0">
+              <a:rPr lang="en-US" altLang="en-US" sz="2665" dirty="0">
                 <a:solidFill>
                   <a:srgbClr val="183A5D"/>
                 </a:solidFill>
@@ -21709,13 +20932,7 @@
       </p:sp>
       <p:sp>
         <p:nvSpPr>
-          <p:cNvPr id="8" name="文本框 7">
-            <a:extLst>
-              <a:ext uri="{FF2B5EF4-FFF2-40B4-BE49-F238E27FC236}">
-                <a16:creationId xmlns:a16="http://schemas.microsoft.com/office/drawing/2014/main" xmlns="" id="{D18386E0-7984-2B46-8F3C-0CA6C8105131}"/>
-              </a:ext>
-            </a:extLst>
-          </p:cNvPr>
+          <p:cNvPr id="8" name="文本框 7"/>
           <p:cNvSpPr txBox="1"/>
           <p:nvPr/>
         </p:nvSpPr>
@@ -21736,34 +20953,14 @@
           <a:lstStyle/>
           <a:p>
             <a:r>
-              <a:rPr lang="zh-Hans" altLang="en-US" sz="2665" dirty="0">
+              <a:rPr lang="en-US" altLang="en-US" sz="2665" dirty="0">
                 <a:solidFill>
                   <a:srgbClr val="183A5D"/>
                 </a:solidFill>
                 <a:latin typeface="微软雅黑" panose="020B0503020204020204" pitchFamily="34" charset="-122"/>
                 <a:ea typeface="微软雅黑" panose="020B0503020204020204" pitchFamily="34" charset="-122"/>
               </a:rPr>
-              <a:t>详见界面原型</a:t>
-            </a:r>
-            <a:r>
-              <a:rPr lang="en-US" altLang="zh-Hans" sz="2665" dirty="0">
-                <a:solidFill>
-                  <a:srgbClr val="183A5D"/>
-                </a:solidFill>
-                <a:latin typeface="微软雅黑" panose="020B0503020204020204" pitchFamily="34" charset="-122"/>
-                <a:ea typeface="微软雅黑" panose="020B0503020204020204" pitchFamily="34" charset="-122"/>
-              </a:rPr>
-              <a:t>—</a:t>
-            </a:r>
-            <a:r>
-              <a:rPr lang="zh-Hans" altLang="en-US" sz="2665" dirty="0">
-                <a:solidFill>
-                  <a:srgbClr val="183A5D"/>
-                </a:solidFill>
-                <a:latin typeface="微软雅黑" panose="020B0503020204020204" pitchFamily="34" charset="-122"/>
-                <a:ea typeface="微软雅黑" panose="020B0503020204020204" pitchFamily="34" charset="-122"/>
-              </a:rPr>
-              <a:t>识别结果</a:t>
+              <a:t>详见界面原型—识别结果</a:t>
             </a:r>
             <a:endParaRPr lang="zh-CN" sz="2665" dirty="0">
               <a:solidFill>
@@ -21777,20 +20974,14 @@
       </p:sp>
       <p:pic>
         <p:nvPicPr>
-          <p:cNvPr id="6" name="图片 5">
-            <a:extLst>
-              <a:ext uri="{FF2B5EF4-FFF2-40B4-BE49-F238E27FC236}">
-                <a16:creationId xmlns:a16="http://schemas.microsoft.com/office/drawing/2014/main" xmlns="" id="{8783B284-0095-6F4F-AC75-5E8B16B670EE}"/>
-              </a:ext>
-            </a:extLst>
-          </p:cNvPr>
+          <p:cNvPr id="6" name="图片 5"/>
           <p:cNvPicPr>
             <a:picLocks noChangeAspect="1"/>
           </p:cNvPicPr>
           <p:nvPr/>
         </p:nvPicPr>
         <p:blipFill>
-          <a:blip r:embed="rId2">
+          <a:blip r:embed="rId1">
             <a:extLst>
               <a:ext uri="{28A0092B-C50C-407E-A947-70E740481C1C}">
                 <a14:useLocalDpi xmlns:a14="http://schemas.microsoft.com/office/drawing/2010/main" val="0"/>
@@ -21812,11 +21003,6 @@
         </p:spPr>
       </p:pic>
     </p:spTree>
-    <p:extLst>
-      <p:ext uri="{BB962C8B-B14F-4D97-AF65-F5344CB8AC3E}">
-        <p14:creationId xmlns:p14="http://schemas.microsoft.com/office/powerpoint/2010/main" val="3475690148"/>
-      </p:ext>
-    </p:extLst>
   </p:cSld>
   <p:clrMapOvr>
     <a:masterClrMapping/>
@@ -21936,6 +21122,7 @@
               <a:rPr lang="en-US" sz="2400" dirty="0"/>
               <a:t>3</a:t>
             </a:r>
+            <a:endParaRPr lang="en-US" sz="2400" dirty="0"/>
           </a:p>
         </p:txBody>
       </p:sp>
@@ -21962,7 +21149,7 @@
           <a:lstStyle/>
           <a:p>
             <a:r>
-              <a:rPr lang="zh-Hans" altLang="en-US" sz="2665" dirty="0">
+              <a:rPr lang="en-US" altLang="en-US" sz="2665" dirty="0">
                 <a:solidFill>
                   <a:srgbClr val="183A5D"/>
                 </a:solidFill>
@@ -21983,13 +21170,7 @@
       </p:sp>
       <p:sp>
         <p:nvSpPr>
-          <p:cNvPr id="8" name="文本框 7">
-            <a:extLst>
-              <a:ext uri="{FF2B5EF4-FFF2-40B4-BE49-F238E27FC236}">
-                <a16:creationId xmlns:a16="http://schemas.microsoft.com/office/drawing/2014/main" xmlns="" id="{D18386E0-7984-2B46-8F3C-0CA6C8105131}"/>
-              </a:ext>
-            </a:extLst>
-          </p:cNvPr>
+          <p:cNvPr id="8" name="文本框 7"/>
           <p:cNvSpPr txBox="1"/>
           <p:nvPr/>
         </p:nvSpPr>
@@ -22010,34 +21191,14 @@
           <a:lstStyle/>
           <a:p>
             <a:r>
-              <a:rPr lang="zh-Hans" altLang="en-US" sz="2665" dirty="0">
+              <a:rPr lang="en-US" altLang="en-US" sz="2665" dirty="0">
                 <a:solidFill>
                   <a:srgbClr val="183A5D"/>
                 </a:solidFill>
                 <a:latin typeface="微软雅黑" panose="020B0503020204020204" pitchFamily="34" charset="-122"/>
                 <a:ea typeface="微软雅黑" panose="020B0503020204020204" pitchFamily="34" charset="-122"/>
               </a:rPr>
-              <a:t>详见界面原型</a:t>
-            </a:r>
-            <a:r>
-              <a:rPr lang="en-US" altLang="zh-Hans" sz="2665" dirty="0">
-                <a:solidFill>
-                  <a:srgbClr val="183A5D"/>
-                </a:solidFill>
-                <a:latin typeface="微软雅黑" panose="020B0503020204020204" pitchFamily="34" charset="-122"/>
-                <a:ea typeface="微软雅黑" panose="020B0503020204020204" pitchFamily="34" charset="-122"/>
-              </a:rPr>
-              <a:t>—</a:t>
-            </a:r>
-            <a:r>
-              <a:rPr lang="zh-Hans" altLang="en-US" sz="2665" dirty="0">
-                <a:solidFill>
-                  <a:srgbClr val="183A5D"/>
-                </a:solidFill>
-                <a:latin typeface="微软雅黑" panose="020B0503020204020204" pitchFamily="34" charset="-122"/>
-                <a:ea typeface="微软雅黑" panose="020B0503020204020204" pitchFamily="34" charset="-122"/>
-              </a:rPr>
-              <a:t>识别失败</a:t>
+              <a:t>详见界面原型—识别失败</a:t>
             </a:r>
             <a:endParaRPr lang="zh-CN" sz="2665" dirty="0">
               <a:solidFill>
@@ -22051,20 +21212,14 @@
       </p:sp>
       <p:pic>
         <p:nvPicPr>
-          <p:cNvPr id="6" name="图片 5">
-            <a:extLst>
-              <a:ext uri="{FF2B5EF4-FFF2-40B4-BE49-F238E27FC236}">
-                <a16:creationId xmlns:a16="http://schemas.microsoft.com/office/drawing/2014/main" xmlns="" id="{1E3C3822-3903-2B47-B31A-CEDC3E6401B7}"/>
-              </a:ext>
-            </a:extLst>
-          </p:cNvPr>
+          <p:cNvPr id="6" name="图片 5"/>
           <p:cNvPicPr>
             <a:picLocks noChangeAspect="1"/>
           </p:cNvPicPr>
           <p:nvPr/>
         </p:nvPicPr>
         <p:blipFill>
-          <a:blip r:embed="rId2" cstate="print">
+          <a:blip r:embed="rId1" cstate="print">
             <a:extLst>
               <a:ext uri="{28A0092B-C50C-407E-A947-70E740481C1C}">
                 <a14:useLocalDpi xmlns:a14="http://schemas.microsoft.com/office/drawing/2010/main" val="0"/>
@@ -22086,11 +21241,6 @@
         </p:spPr>
       </p:pic>
     </p:spTree>
-    <p:extLst>
-      <p:ext uri="{BB962C8B-B14F-4D97-AF65-F5344CB8AC3E}">
-        <p14:creationId xmlns:p14="http://schemas.microsoft.com/office/powerpoint/2010/main" val="362725517"/>
-      </p:ext>
-    </p:extLst>
   </p:cSld>
   <p:clrMapOvr>
     <a:masterClrMapping/>
@@ -22379,11 +21529,9 @@
       </a:bgFillStyleLst>
     </a:fmtScheme>
   </a:themeElements>
-  <a:objectDefaults/>
-  <a:extraClrSchemeLst/>
   <a:extLst>
     <a:ext uri="{05A4C25C-085E-4340-85A3-A5531E510DB2}">
-      <thm15:themeFamily xmlns:thm15="http://schemas.microsoft.com/office/thememl/2012/main" xmlns="" name="Office Theme" id="{62F939B6-93AF-4DB8-9C6B-D6C7DFDC589F}" vid="{4A3C46E8-61CC-4603-A589-7422A47A8E4A}"/>
+      <thm15:themeFamily xmlns:thm15="http://schemas.microsoft.com/office/thememl/2012/main" name="Office Theme" id="{62F939B6-93AF-4DB8-9C6B-D6C7DFDC589F}" vid="{4A3C46E8-61CC-4603-A589-7422A47A8E4A}"/>
     </a:ext>
   </a:extLst>
 </a:theme>
@@ -22669,11 +21817,9 @@
       </a:bgFillStyleLst>
     </a:fmtScheme>
   </a:themeElements>
-  <a:objectDefaults/>
-  <a:extraClrSchemeLst/>
   <a:extLst>
     <a:ext uri="{05A4C25C-085E-4340-85A3-A5531E510DB2}">
-      <thm15:themeFamily xmlns:thm15="http://schemas.microsoft.com/office/thememl/2012/main" xmlns="" name="Office Theme" id="{62F939B6-93AF-4DB8-9C6B-D6C7DFDC589F}" vid="{4A3C46E8-61CC-4603-A589-7422A47A8E4A}"/>
+      <thm15:themeFamily xmlns:thm15="http://schemas.microsoft.com/office/thememl/2012/main" name="Office Theme" id="{62F939B6-93AF-4DB8-9C6B-D6C7DFDC589F}" vid="{4A3C46E8-61CC-4603-A589-7422A47A8E4A}"/>
     </a:ext>
   </a:extLst>
 </a:theme>
@@ -22959,11 +22105,9 @@
       </a:bgFillStyleLst>
     </a:fmtScheme>
   </a:themeElements>
-  <a:objectDefaults/>
-  <a:extraClrSchemeLst/>
   <a:extLst>
     <a:ext uri="{05A4C25C-085E-4340-85A3-A5531E510DB2}">
-      <thm15:themeFamily xmlns:thm15="http://schemas.microsoft.com/office/thememl/2012/main" xmlns="" name="Office Theme" id="{62F939B6-93AF-4DB8-9C6B-D6C7DFDC589F}" vid="{4A3C46E8-61CC-4603-A589-7422A47A8E4A}"/>
+      <thm15:themeFamily xmlns:thm15="http://schemas.microsoft.com/office/thememl/2012/main" name="Office Theme" id="{62F939B6-93AF-4DB8-9C6B-D6C7DFDC589F}" vid="{4A3C46E8-61CC-4603-A589-7422A47A8E4A}"/>
     </a:ext>
   </a:extLst>
 </a:theme>

--- a/SE2018春-G17-需求分析PPT.pptx
+++ b/SE2018春-G17-需求分析PPT.pptx
@@ -15214,15 +15214,7 @@
                 <a:ea typeface="宋体" panose="02010600030101010101" pitchFamily="2" charset="-122"/>
                 <a:cs typeface="宋体" panose="02010600030101010101" pitchFamily="2" charset="-122"/>
               </a:rPr>
-              <a:t>系统</a:t>
-            </a:r>
-            <a:r>
-              <a:rPr lang="zh-CN" altLang="zh-CN" sz="2400" dirty="0">
-                <a:latin typeface="宋体" panose="02010600030101010101" pitchFamily="2" charset="-122"/>
-                <a:ea typeface="宋体" panose="02010600030101010101" pitchFamily="2" charset="-122"/>
-                <a:cs typeface="宋体" panose="02010600030101010101" pitchFamily="2" charset="-122"/>
-              </a:rPr>
-              <a:t>每天平均工作时间在至少</a:t>
+              <a:t>系统每天平均工作时间在至少</a:t>
             </a:r>
             <a:r>
               <a:rPr lang="en-US" altLang="zh-CN" sz="2400" dirty="0">
@@ -19974,82 +19966,2776 @@
           </a:p>
         </p:txBody>
       </p:sp>
-      <p:sp>
-        <p:nvSpPr>
-          <p:cNvPr id="6" name="文本框 5"/>
-          <p:cNvSpPr txBox="1"/>
+      <p:graphicFrame>
+        <p:nvGraphicFramePr>
+          <p:cNvPr id="5" name="表格 4"/>
+          <p:cNvGraphicFramePr/>
           <p:nvPr/>
-        </p:nvSpPr>
-        <p:spPr>
-          <a:xfrm>
-            <a:off x="2736850" y="1849755"/>
-            <a:ext cx="6716395" cy="3415030"/>
-          </a:xfrm>
-          <a:prstGeom prst="rect">
-            <a:avLst/>
-          </a:prstGeom>
-          <a:noFill/>
-        </p:spPr>
-        <p:txBody>
-          <a:bodyPr wrap="square" rtlCol="0">
-            <a:spAutoFit/>
-          </a:bodyPr>
-          <a:lstStyle/>
-          <a:p>
-            <a:pPr fontAlgn="auto">
-              <a:lnSpc>
-                <a:spcPct val="150000"/>
-              </a:lnSpc>
-            </a:pPr>
-            <a:r>
-              <a:rPr lang="en-US" altLang="zh-CN" sz="2400">
-                <a:latin typeface="微软雅黑" panose="020B0503020204020204" pitchFamily="34" charset="-122"/>
-                <a:ea typeface="微软雅黑" panose="020B0503020204020204" pitchFamily="34" charset="-122"/>
-              </a:rPr>
-              <a:t>      </a:t>
-            </a:r>
-            <a:r>
-              <a:rPr lang="zh-CN" altLang="en-US" sz="2400">
-                <a:latin typeface="微软雅黑" panose="020B0503020204020204" pitchFamily="34" charset="-122"/>
-                <a:ea typeface="微软雅黑" panose="020B0503020204020204" pitchFamily="34" charset="-122"/>
-              </a:rPr>
-              <a:t>由于本软件项目是课程项目，主要目的是为了让组内成员学习软件工程知识，以及对课程作业的完成。  另外，用于开发软件所需要支出的非用由小组成员</a:t>
-            </a:r>
-            <a:r>
-              <a:rPr lang="en-US" altLang="zh-CN" sz="2400">
-                <a:latin typeface="微软雅黑" panose="020B0503020204020204" pitchFamily="34" charset="-122"/>
-                <a:ea typeface="微软雅黑" panose="020B0503020204020204" pitchFamily="34" charset="-122"/>
-              </a:rPr>
-              <a:t>AA</a:t>
-            </a:r>
-            <a:r>
-              <a:rPr lang="zh-CN" altLang="en-US" sz="2400">
-                <a:latin typeface="微软雅黑" panose="020B0503020204020204" pitchFamily="34" charset="-122"/>
-                <a:ea typeface="微软雅黑" panose="020B0503020204020204" pitchFamily="34" charset="-122"/>
-              </a:rPr>
-              <a:t>，完全承担得起。  在不考虑成本</a:t>
-            </a:r>
-            <a:r>
-              <a:rPr lang="en-US" altLang="zh-CN" sz="2400">
-                <a:latin typeface="微软雅黑" panose="020B0503020204020204" pitchFamily="34" charset="-122"/>
-                <a:ea typeface="微软雅黑" panose="020B0503020204020204" pitchFamily="34" charset="-122"/>
-              </a:rPr>
-              <a:t>/</a:t>
-            </a:r>
-            <a:r>
-              <a:rPr lang="zh-CN" altLang="en-US" sz="2400">
-                <a:latin typeface="微软雅黑" panose="020B0503020204020204" pitchFamily="34" charset="-122"/>
-                <a:ea typeface="微软雅黑" panose="020B0503020204020204" pitchFamily="34" charset="-122"/>
-              </a:rPr>
-              <a:t>效益 比的情况下，该项目从经济方面来说可行。</a:t>
-            </a:r>
-            <a:endParaRPr lang="zh-CN" altLang="en-US" sz="2400">
-              <a:latin typeface="微软雅黑" panose="020B0503020204020204" pitchFamily="34" charset="-122"/>
-              <a:ea typeface="微软雅黑" panose="020B0503020204020204" pitchFamily="34" charset="-122"/>
-            </a:endParaRPr>
-          </a:p>
-        </p:txBody>
-      </p:sp>
+        </p:nvGraphicFramePr>
+        <p:xfrm>
+          <a:off x="810895" y="979170"/>
+          <a:ext cx="10567670" cy="5591175"/>
+        </p:xfrm>
+        <a:graphic>
+          <a:graphicData uri="http://schemas.openxmlformats.org/drawingml/2006/table">
+            <a:tbl>
+              <a:tblPr firstRow="1" bandRow="1">
+                <a:tableStyleId>{5940675A-B579-460E-94D1-54222C63F5DA}</a:tableStyleId>
+              </a:tblPr>
+              <a:tblGrid>
+                <a:gridCol w="1205865"/>
+                <a:gridCol w="2203450"/>
+                <a:gridCol w="1976755"/>
+                <a:gridCol w="2085340"/>
+                <a:gridCol w="2371725"/>
+                <a:gridCol w="724535"/>
+              </a:tblGrid>
+              <a:tr h="232410">
+                <a:tc>
+                  <a:txBody>
+                    <a:bodyPr/>
+                    <a:p>
+                      <a:pPr indent="0" algn="ctr">
+                        <a:buNone/>
+                      </a:pPr>
+                      <a:r>
+                        <a:rPr lang="en-US" sz="1600" b="1">
+                          <a:latin typeface="宋体" panose="02010600030101010101" pitchFamily="2" charset="-122"/>
+                          <a:ea typeface="宋体" panose="02010600030101010101" pitchFamily="2" charset="-122"/>
+                          <a:cs typeface="宋体" panose="02010600030101010101" pitchFamily="2" charset="-122"/>
+                        </a:rPr>
+                        <a:t>姓名</a:t>
+                      </a:r>
+                      <a:endParaRPr lang="en-US" altLang="en-US" sz="1600" b="1">
+                        <a:latin typeface="宋体" panose="02010600030101010101" pitchFamily="2" charset="-122"/>
+                        <a:ea typeface="宋体" panose="02010600030101010101" pitchFamily="2" charset="-122"/>
+                        <a:cs typeface="宋体" panose="02010600030101010101" pitchFamily="2" charset="-122"/>
+                      </a:endParaRPr>
+                    </a:p>
+                  </a:txBody>
+                  <a:tcPr marL="68580" marR="68580" marT="0" marB="0" vert="horz" anchor="ctr">
+                    <a:lnL w="12700" cap="flat" cmpd="sng">
+                      <a:solidFill>
+                        <a:srgbClr val="080000"/>
+                      </a:solidFill>
+                      <a:prstDash val="solid"/>
+                      <a:headEnd type="none" w="med" len="med"/>
+                      <a:tailEnd type="none" w="med" len="med"/>
+                    </a:lnL>
+                    <a:lnR w="12700" cap="flat" cmpd="sng">
+                      <a:solidFill>
+                        <a:srgbClr val="080000"/>
+                      </a:solidFill>
+                      <a:prstDash val="solid"/>
+                      <a:headEnd type="none" w="med" len="med"/>
+                      <a:tailEnd type="none" w="med" len="med"/>
+                    </a:lnR>
+                    <a:lnT w="12700" cap="flat" cmpd="sng">
+                      <a:solidFill>
+                        <a:srgbClr val="080000"/>
+                      </a:solidFill>
+                      <a:prstDash val="solid"/>
+                      <a:headEnd type="none" w="med" len="med"/>
+                      <a:tailEnd type="none" w="med" len="med"/>
+                    </a:lnT>
+                    <a:lnB w="12700" cap="flat" cmpd="sng">
+                      <a:solidFill>
+                        <a:srgbClr val="080000"/>
+                      </a:solidFill>
+                      <a:prstDash val="solid"/>
+                      <a:headEnd type="none" w="med" len="med"/>
+                      <a:tailEnd type="none" w="med" len="med"/>
+                    </a:lnB>
+                    <a:lnTlToBr>
+                      <a:noFill/>
+                    </a:lnTlToBr>
+                    <a:lnBlToTr>
+                      <a:noFill/>
+                    </a:lnBlToTr>
+                    <a:solidFill>
+                      <a:srgbClr val="BDD6EE"/>
+                    </a:solidFill>
+                  </a:tcPr>
+                </a:tc>
+                <a:tc>
+                  <a:txBody>
+                    <a:bodyPr/>
+                    <a:p>
+                      <a:pPr indent="0" algn="ctr">
+                        <a:buNone/>
+                      </a:pPr>
+                      <a:r>
+                        <a:rPr lang="en-US" sz="1600" b="1">
+                          <a:latin typeface="宋体" panose="02010600030101010101" pitchFamily="2" charset="-122"/>
+                          <a:ea typeface="宋体" panose="02010600030101010101" pitchFamily="2" charset="-122"/>
+                          <a:cs typeface="宋体" panose="02010600030101010101" pitchFamily="2" charset="-122"/>
+                        </a:rPr>
+                        <a:t>用户简介</a:t>
+                      </a:r>
+                      <a:endParaRPr lang="en-US" altLang="en-US" sz="1600" b="1">
+                        <a:latin typeface="宋体" panose="02010600030101010101" pitchFamily="2" charset="-122"/>
+                        <a:ea typeface="宋体" panose="02010600030101010101" pitchFamily="2" charset="-122"/>
+                        <a:cs typeface="宋体" panose="02010600030101010101" pitchFamily="2" charset="-122"/>
+                      </a:endParaRPr>
+                    </a:p>
+                  </a:txBody>
+                  <a:tcPr marL="68580" marR="68580" marT="0" marB="0" vert="horz" anchor="ctr">
+                    <a:lnL w="12700" cap="flat" cmpd="sng">
+                      <a:solidFill>
+                        <a:srgbClr val="080000"/>
+                      </a:solidFill>
+                      <a:prstDash val="solid"/>
+                      <a:headEnd type="none" w="med" len="med"/>
+                      <a:tailEnd type="none" w="med" len="med"/>
+                    </a:lnL>
+                    <a:lnR w="12700" cap="flat" cmpd="sng">
+                      <a:solidFill>
+                        <a:srgbClr val="080000"/>
+                      </a:solidFill>
+                      <a:prstDash val="solid"/>
+                      <a:headEnd type="none" w="med" len="med"/>
+                      <a:tailEnd type="none" w="med" len="med"/>
+                    </a:lnR>
+                    <a:lnT w="12700" cap="flat" cmpd="sng">
+                      <a:solidFill>
+                        <a:srgbClr val="080000"/>
+                      </a:solidFill>
+                      <a:prstDash val="solid"/>
+                      <a:headEnd type="none" w="med" len="med"/>
+                      <a:tailEnd type="none" w="med" len="med"/>
+                    </a:lnT>
+                    <a:lnB w="12700" cap="flat" cmpd="sng">
+                      <a:solidFill>
+                        <a:srgbClr val="080000"/>
+                      </a:solidFill>
+                      <a:prstDash val="solid"/>
+                      <a:headEnd type="none" w="med" len="med"/>
+                      <a:tailEnd type="none" w="med" len="med"/>
+                    </a:lnB>
+                    <a:lnTlToBr>
+                      <a:noFill/>
+                    </a:lnTlToBr>
+                    <a:lnBlToTr>
+                      <a:noFill/>
+                    </a:lnBlToTr>
+                    <a:solidFill>
+                      <a:srgbClr val="BDD6EE"/>
+                    </a:solidFill>
+                  </a:tcPr>
+                </a:tc>
+                <a:tc>
+                  <a:txBody>
+                    <a:bodyPr/>
+                    <a:p>
+                      <a:pPr indent="0" algn="ctr">
+                        <a:buNone/>
+                      </a:pPr>
+                      <a:r>
+                        <a:rPr lang="en-US" sz="1600" b="1">
+                          <a:latin typeface="宋体" panose="02010600030101010101" pitchFamily="2" charset="-122"/>
+                          <a:ea typeface="宋体" panose="02010600030101010101" pitchFamily="2" charset="-122"/>
+                          <a:cs typeface="宋体" panose="02010600030101010101" pitchFamily="2" charset="-122"/>
+                        </a:rPr>
+                        <a:t>联系方式</a:t>
+                      </a:r>
+                      <a:endParaRPr lang="en-US" altLang="en-US" sz="1600" b="1">
+                        <a:latin typeface="宋体" panose="02010600030101010101" pitchFamily="2" charset="-122"/>
+                        <a:ea typeface="宋体" panose="02010600030101010101" pitchFamily="2" charset="-122"/>
+                        <a:cs typeface="宋体" panose="02010600030101010101" pitchFamily="2" charset="-122"/>
+                      </a:endParaRPr>
+                    </a:p>
+                  </a:txBody>
+                  <a:tcPr marL="68580" marR="68580" marT="0" marB="0" vert="horz" anchor="ctr">
+                    <a:lnL w="12700" cap="flat" cmpd="sng">
+                      <a:solidFill>
+                        <a:srgbClr val="080000"/>
+                      </a:solidFill>
+                      <a:prstDash val="solid"/>
+                      <a:headEnd type="none" w="med" len="med"/>
+                      <a:tailEnd type="none" w="med" len="med"/>
+                    </a:lnL>
+                    <a:lnR w="12700" cap="flat" cmpd="sng">
+                      <a:solidFill>
+                        <a:srgbClr val="080000"/>
+                      </a:solidFill>
+                      <a:prstDash val="solid"/>
+                      <a:headEnd type="none" w="med" len="med"/>
+                      <a:tailEnd type="none" w="med" len="med"/>
+                    </a:lnR>
+                    <a:lnT w="12700" cap="flat" cmpd="sng">
+                      <a:solidFill>
+                        <a:srgbClr val="080000"/>
+                      </a:solidFill>
+                      <a:prstDash val="solid"/>
+                      <a:headEnd type="none" w="med" len="med"/>
+                      <a:tailEnd type="none" w="med" len="med"/>
+                    </a:lnT>
+                    <a:lnB w="12700" cap="flat" cmpd="sng">
+                      <a:solidFill>
+                        <a:srgbClr val="080000"/>
+                      </a:solidFill>
+                      <a:prstDash val="solid"/>
+                      <a:headEnd type="none" w="med" len="med"/>
+                      <a:tailEnd type="none" w="med" len="med"/>
+                    </a:lnB>
+                    <a:lnTlToBr>
+                      <a:noFill/>
+                    </a:lnTlToBr>
+                    <a:lnBlToTr>
+                      <a:noFill/>
+                    </a:lnBlToTr>
+                    <a:solidFill>
+                      <a:srgbClr val="BDD6EE"/>
+                    </a:solidFill>
+                  </a:tcPr>
+                </a:tc>
+                <a:tc>
+                  <a:txBody>
+                    <a:bodyPr/>
+                    <a:p>
+                      <a:pPr indent="0" algn="ctr">
+                        <a:buNone/>
+                      </a:pPr>
+                      <a:r>
+                        <a:rPr lang="en-US" sz="1600" b="1">
+                          <a:latin typeface="宋体" panose="02010600030101010101" pitchFamily="2" charset="-122"/>
+                          <a:ea typeface="宋体" panose="02010600030101010101" pitchFamily="2" charset="-122"/>
+                          <a:cs typeface="宋体" panose="02010600030101010101" pitchFamily="2" charset="-122"/>
+                        </a:rPr>
+                        <a:t>用户建议</a:t>
+                      </a:r>
+                      <a:endParaRPr lang="en-US" altLang="en-US" sz="1600" b="1">
+                        <a:latin typeface="宋体" panose="02010600030101010101" pitchFamily="2" charset="-122"/>
+                        <a:ea typeface="宋体" panose="02010600030101010101" pitchFamily="2" charset="-122"/>
+                        <a:cs typeface="宋体" panose="02010600030101010101" pitchFamily="2" charset="-122"/>
+                      </a:endParaRPr>
+                    </a:p>
+                  </a:txBody>
+                  <a:tcPr marL="68580" marR="68580" marT="0" marB="0" vert="horz" anchor="ctr">
+                    <a:lnL w="12700" cap="flat" cmpd="sng">
+                      <a:solidFill>
+                        <a:srgbClr val="080000"/>
+                      </a:solidFill>
+                      <a:prstDash val="solid"/>
+                      <a:headEnd type="none" w="med" len="med"/>
+                      <a:tailEnd type="none" w="med" len="med"/>
+                    </a:lnL>
+                    <a:lnR w="12700" cap="flat" cmpd="sng">
+                      <a:solidFill>
+                        <a:srgbClr val="080000"/>
+                      </a:solidFill>
+                      <a:prstDash val="solid"/>
+                      <a:headEnd type="none" w="med" len="med"/>
+                      <a:tailEnd type="none" w="med" len="med"/>
+                    </a:lnR>
+                    <a:lnT w="12700" cap="flat" cmpd="sng">
+                      <a:solidFill>
+                        <a:srgbClr val="080000"/>
+                      </a:solidFill>
+                      <a:prstDash val="solid"/>
+                      <a:headEnd type="none" w="med" len="med"/>
+                      <a:tailEnd type="none" w="med" len="med"/>
+                    </a:lnT>
+                    <a:lnB w="12700" cap="flat" cmpd="sng">
+                      <a:solidFill>
+                        <a:srgbClr val="080000"/>
+                      </a:solidFill>
+                      <a:prstDash val="solid"/>
+                      <a:headEnd type="none" w="med" len="med"/>
+                      <a:tailEnd type="none" w="med" len="med"/>
+                    </a:lnB>
+                    <a:lnTlToBr>
+                      <a:noFill/>
+                    </a:lnTlToBr>
+                    <a:lnBlToTr>
+                      <a:noFill/>
+                    </a:lnBlToTr>
+                    <a:solidFill>
+                      <a:srgbClr val="BDD6EE"/>
+                    </a:solidFill>
+                  </a:tcPr>
+                </a:tc>
+                <a:tc>
+                  <a:txBody>
+                    <a:bodyPr/>
+                    <a:p>
+                      <a:pPr indent="0" algn="ctr">
+                        <a:buNone/>
+                      </a:pPr>
+                      <a:r>
+                        <a:rPr lang="en-US" sz="1600" b="1">
+                          <a:latin typeface="宋体" panose="02010600030101010101" pitchFamily="2" charset="-122"/>
+                          <a:ea typeface="宋体" panose="02010600030101010101" pitchFamily="2" charset="-122"/>
+                          <a:cs typeface="宋体" panose="02010600030101010101" pitchFamily="2" charset="-122"/>
+                        </a:rPr>
+                        <a:t>评价</a:t>
+                      </a:r>
+                      <a:endParaRPr lang="en-US" altLang="en-US" sz="1600" b="1">
+                        <a:latin typeface="宋体" panose="02010600030101010101" pitchFamily="2" charset="-122"/>
+                        <a:ea typeface="宋体" panose="02010600030101010101" pitchFamily="2" charset="-122"/>
+                        <a:cs typeface="宋体" panose="02010600030101010101" pitchFamily="2" charset="-122"/>
+                      </a:endParaRPr>
+                    </a:p>
+                  </a:txBody>
+                  <a:tcPr marL="68580" marR="68580" marT="0" marB="0" vert="horz" anchor="ctr">
+                    <a:lnL w="12700" cap="flat" cmpd="sng">
+                      <a:solidFill>
+                        <a:srgbClr val="080000"/>
+                      </a:solidFill>
+                      <a:prstDash val="solid"/>
+                      <a:headEnd type="none" w="med" len="med"/>
+                      <a:tailEnd type="none" w="med" len="med"/>
+                    </a:lnL>
+                    <a:lnR w="12700" cap="flat" cmpd="sng">
+                      <a:solidFill>
+                        <a:srgbClr val="080000"/>
+                      </a:solidFill>
+                      <a:prstDash val="solid"/>
+                      <a:headEnd type="none" w="med" len="med"/>
+                      <a:tailEnd type="none" w="med" len="med"/>
+                    </a:lnR>
+                    <a:lnT w="12700" cap="flat" cmpd="sng">
+                      <a:solidFill>
+                        <a:srgbClr val="080000"/>
+                      </a:solidFill>
+                      <a:prstDash val="solid"/>
+                      <a:headEnd type="none" w="med" len="med"/>
+                      <a:tailEnd type="none" w="med" len="med"/>
+                    </a:lnT>
+                    <a:lnB w="12700" cap="flat" cmpd="sng">
+                      <a:solidFill>
+                        <a:srgbClr val="080000"/>
+                      </a:solidFill>
+                      <a:prstDash val="solid"/>
+                      <a:headEnd type="none" w="med" len="med"/>
+                      <a:tailEnd type="none" w="med" len="med"/>
+                    </a:lnB>
+                    <a:lnTlToBr>
+                      <a:noFill/>
+                    </a:lnTlToBr>
+                    <a:lnBlToTr>
+                      <a:noFill/>
+                    </a:lnBlToTr>
+                    <a:solidFill>
+                      <a:srgbClr val="BDD6EE"/>
+                    </a:solidFill>
+                  </a:tcPr>
+                </a:tc>
+                <a:tc>
+                  <a:txBody>
+                    <a:bodyPr/>
+                    <a:p>
+                      <a:pPr indent="0" algn="ctr">
+                        <a:buNone/>
+                      </a:pPr>
+                      <a:r>
+                        <a:rPr lang="en-US" sz="1600" b="1">
+                          <a:latin typeface="宋体" panose="02010600030101010101" pitchFamily="2" charset="-122"/>
+                          <a:ea typeface="宋体" panose="02010600030101010101" pitchFamily="2" charset="-122"/>
+                          <a:cs typeface="宋体" panose="02010600030101010101" pitchFamily="2" charset="-122"/>
+                        </a:rPr>
+                        <a:t>采纳</a:t>
+                      </a:r>
+                      <a:endParaRPr lang="en-US" altLang="en-US" sz="1600" b="1">
+                        <a:latin typeface="宋体" panose="02010600030101010101" pitchFamily="2" charset="-122"/>
+                        <a:ea typeface="宋体" panose="02010600030101010101" pitchFamily="2" charset="-122"/>
+                        <a:cs typeface="宋体" panose="02010600030101010101" pitchFamily="2" charset="-122"/>
+                      </a:endParaRPr>
+                    </a:p>
+                  </a:txBody>
+                  <a:tcPr marL="68580" marR="68580" marT="0" marB="0" vert="horz" anchor="ctr">
+                    <a:lnL w="12700" cap="flat" cmpd="sng">
+                      <a:solidFill>
+                        <a:srgbClr val="080000"/>
+                      </a:solidFill>
+                      <a:prstDash val="solid"/>
+                      <a:headEnd type="none" w="med" len="med"/>
+                      <a:tailEnd type="none" w="med" len="med"/>
+                    </a:lnL>
+                    <a:lnR w="12700" cap="flat" cmpd="sng">
+                      <a:solidFill>
+                        <a:srgbClr val="080000"/>
+                      </a:solidFill>
+                      <a:prstDash val="solid"/>
+                      <a:headEnd type="none" w="med" len="med"/>
+                      <a:tailEnd type="none" w="med" len="med"/>
+                    </a:lnR>
+                    <a:lnT w="12700" cap="flat" cmpd="sng">
+                      <a:solidFill>
+                        <a:srgbClr val="080000"/>
+                      </a:solidFill>
+                      <a:prstDash val="solid"/>
+                      <a:headEnd type="none" w="med" len="med"/>
+                      <a:tailEnd type="none" w="med" len="med"/>
+                    </a:lnT>
+                    <a:lnB w="12700" cap="flat" cmpd="sng">
+                      <a:solidFill>
+                        <a:srgbClr val="080000"/>
+                      </a:solidFill>
+                      <a:prstDash val="solid"/>
+                      <a:headEnd type="none" w="med" len="med"/>
+                      <a:tailEnd type="none" w="med" len="med"/>
+                    </a:lnB>
+                    <a:lnTlToBr>
+                      <a:noFill/>
+                    </a:lnTlToBr>
+                    <a:lnBlToTr>
+                      <a:noFill/>
+                    </a:lnBlToTr>
+                    <a:solidFill>
+                      <a:srgbClr val="BDD6EE"/>
+                    </a:solidFill>
+                  </a:tcPr>
+                </a:tc>
+              </a:tr>
+              <a:tr h="1748155">
+                <a:tc>
+                  <a:txBody>
+                    <a:bodyPr/>
+                    <a:p>
+                      <a:pPr indent="0" algn="ctr">
+                        <a:buNone/>
+                      </a:pPr>
+                      <a:r>
+                        <a:rPr lang="en-US" sz="1400" b="0">
+                          <a:latin typeface="宋体" panose="02010600030101010101" pitchFamily="2" charset="-122"/>
+                          <a:ea typeface="宋体" panose="02010600030101010101" pitchFamily="2" charset="-122"/>
+                          <a:cs typeface="宋体" panose="02010600030101010101" pitchFamily="2" charset="-122"/>
+                        </a:rPr>
+                        <a:t>杨枨</a:t>
+                      </a:r>
+                      <a:endParaRPr lang="en-US" altLang="en-US" sz="1400" b="0">
+                        <a:latin typeface="宋体" panose="02010600030101010101" pitchFamily="2" charset="-122"/>
+                        <a:ea typeface="宋体" panose="02010600030101010101" pitchFamily="2" charset="-122"/>
+                        <a:cs typeface="宋体" panose="02010600030101010101" pitchFamily="2" charset="-122"/>
+                      </a:endParaRPr>
+                    </a:p>
+                  </a:txBody>
+                  <a:tcPr marL="68580" marR="68580" marT="0" marB="0" vert="horz" anchor="ctr">
+                    <a:lnL w="12700" cap="flat" cmpd="sng">
+                      <a:solidFill>
+                        <a:srgbClr val="080000"/>
+                      </a:solidFill>
+                      <a:prstDash val="solid"/>
+                      <a:headEnd type="none" w="med" len="med"/>
+                      <a:tailEnd type="none" w="med" len="med"/>
+                    </a:lnL>
+                    <a:lnR w="12700" cap="flat" cmpd="sng">
+                      <a:solidFill>
+                        <a:srgbClr val="080000"/>
+                      </a:solidFill>
+                      <a:prstDash val="solid"/>
+                      <a:headEnd type="none" w="med" len="med"/>
+                      <a:tailEnd type="none" w="med" len="med"/>
+                    </a:lnR>
+                    <a:lnT w="12700" cap="flat" cmpd="sng">
+                      <a:solidFill>
+                        <a:srgbClr val="080000"/>
+                      </a:solidFill>
+                      <a:prstDash val="solid"/>
+                      <a:headEnd type="none" w="med" len="med"/>
+                      <a:tailEnd type="none" w="med" len="med"/>
+                    </a:lnT>
+                    <a:lnB w="12700" cap="flat" cmpd="sng">
+                      <a:solidFill>
+                        <a:srgbClr val="080000"/>
+                      </a:solidFill>
+                      <a:prstDash val="solid"/>
+                      <a:headEnd type="none" w="med" len="med"/>
+                      <a:tailEnd type="none" w="med" len="med"/>
+                    </a:lnB>
+                    <a:lnTlToBr>
+                      <a:noFill/>
+                    </a:lnTlToBr>
+                    <a:lnBlToTr>
+                      <a:noFill/>
+                    </a:lnBlToTr>
+                    <a:noFill/>
+                  </a:tcPr>
+                </a:tc>
+                <a:tc>
+                  <a:txBody>
+                    <a:bodyPr/>
+                    <a:p>
+                      <a:pPr indent="0" algn="ctr">
+                        <a:buNone/>
+                      </a:pPr>
+                      <a:r>
+                        <a:rPr lang="en-US" sz="1400" b="0">
+                          <a:latin typeface="宋体" panose="02010600030101010101" pitchFamily="2" charset="-122"/>
+                          <a:ea typeface="宋体" panose="02010600030101010101" pitchFamily="2" charset="-122"/>
+                          <a:cs typeface="宋体" panose="02010600030101010101" pitchFamily="2" charset="-122"/>
+                        </a:rPr>
+                        <a:t>软件工程课程主要教学人，对学生高度负责，专业素养较高，对软件工程有着深刻的认识</a:t>
+                      </a:r>
+                      <a:endParaRPr lang="en-US" altLang="en-US" sz="1400" b="0">
+                        <a:latin typeface="宋体" panose="02010600030101010101" pitchFamily="2" charset="-122"/>
+                        <a:ea typeface="宋体" panose="02010600030101010101" pitchFamily="2" charset="-122"/>
+                        <a:cs typeface="宋体" panose="02010600030101010101" pitchFamily="2" charset="-122"/>
+                      </a:endParaRPr>
+                    </a:p>
+                  </a:txBody>
+                  <a:tcPr marL="68580" marR="68580" marT="0" marB="0" vert="horz" anchor="ctr">
+                    <a:lnL w="12700" cap="flat" cmpd="sng">
+                      <a:solidFill>
+                        <a:srgbClr val="080000"/>
+                      </a:solidFill>
+                      <a:prstDash val="solid"/>
+                      <a:headEnd type="none" w="med" len="med"/>
+                      <a:tailEnd type="none" w="med" len="med"/>
+                    </a:lnL>
+                    <a:lnR w="12700" cap="flat" cmpd="sng">
+                      <a:solidFill>
+                        <a:srgbClr val="080000"/>
+                      </a:solidFill>
+                      <a:prstDash val="solid"/>
+                      <a:headEnd type="none" w="med" len="med"/>
+                      <a:tailEnd type="none" w="med" len="med"/>
+                    </a:lnR>
+                    <a:lnT w="12700" cap="flat" cmpd="sng">
+                      <a:solidFill>
+                        <a:srgbClr val="080000"/>
+                      </a:solidFill>
+                      <a:prstDash val="solid"/>
+                      <a:headEnd type="none" w="med" len="med"/>
+                      <a:tailEnd type="none" w="med" len="med"/>
+                    </a:lnT>
+                    <a:lnB w="12700" cap="flat" cmpd="sng">
+                      <a:solidFill>
+                        <a:srgbClr val="080000"/>
+                      </a:solidFill>
+                      <a:prstDash val="solid"/>
+                      <a:headEnd type="none" w="med" len="med"/>
+                      <a:tailEnd type="none" w="med" len="med"/>
+                    </a:lnB>
+                    <a:lnTlToBr>
+                      <a:noFill/>
+                    </a:lnTlToBr>
+                    <a:lnBlToTr>
+                      <a:noFill/>
+                    </a:lnBlToTr>
+                    <a:noFill/>
+                  </a:tcPr>
+                </a:tc>
+                <a:tc>
+                  <a:txBody>
+                    <a:bodyPr/>
+                    <a:p>
+                      <a:pPr indent="0" algn="ctr">
+                        <a:buNone/>
+                      </a:pPr>
+                      <a:r>
+                        <a:rPr lang="en-US" sz="1400" b="0">
+                          <a:latin typeface="宋体" panose="02010600030101010101" pitchFamily="2" charset="-122"/>
+                          <a:ea typeface="宋体" panose="02010600030101010101" pitchFamily="2" charset="-122"/>
+                          <a:cs typeface="宋体" panose="02010600030101010101" pitchFamily="2" charset="-122"/>
+                        </a:rPr>
+                        <a:t>微信：HolleyYang</a:t>
+                      </a:r>
+                      <a:endParaRPr lang="en-US" altLang="en-US" sz="1400" b="0">
+                        <a:latin typeface="宋体" panose="02010600030101010101" pitchFamily="2" charset="-122"/>
+                        <a:ea typeface="宋体" panose="02010600030101010101" pitchFamily="2" charset="-122"/>
+                        <a:cs typeface="宋体" panose="02010600030101010101" pitchFamily="2" charset="-122"/>
+                      </a:endParaRPr>
+                    </a:p>
+                  </a:txBody>
+                  <a:tcPr marL="68580" marR="68580" marT="0" marB="0" vert="horz" anchor="ctr">
+                    <a:lnL w="12700" cap="flat" cmpd="sng">
+                      <a:solidFill>
+                        <a:srgbClr val="080000"/>
+                      </a:solidFill>
+                      <a:prstDash val="solid"/>
+                      <a:headEnd type="none" w="med" len="med"/>
+                      <a:tailEnd type="none" w="med" len="med"/>
+                    </a:lnL>
+                    <a:lnR w="12700" cap="flat" cmpd="sng">
+                      <a:solidFill>
+                        <a:srgbClr val="080000"/>
+                      </a:solidFill>
+                      <a:prstDash val="solid"/>
+                      <a:headEnd type="none" w="med" len="med"/>
+                      <a:tailEnd type="none" w="med" len="med"/>
+                    </a:lnR>
+                    <a:lnT w="12700" cap="flat" cmpd="sng">
+                      <a:solidFill>
+                        <a:srgbClr val="080000"/>
+                      </a:solidFill>
+                      <a:prstDash val="solid"/>
+                      <a:headEnd type="none" w="med" len="med"/>
+                      <a:tailEnd type="none" w="med" len="med"/>
+                    </a:lnT>
+                    <a:lnB w="12700" cap="flat" cmpd="sng">
+                      <a:solidFill>
+                        <a:srgbClr val="080000"/>
+                      </a:solidFill>
+                      <a:prstDash val="solid"/>
+                      <a:headEnd type="none" w="med" len="med"/>
+                      <a:tailEnd type="none" w="med" len="med"/>
+                    </a:lnB>
+                    <a:lnTlToBr>
+                      <a:noFill/>
+                    </a:lnTlToBr>
+                    <a:lnBlToTr>
+                      <a:noFill/>
+                    </a:lnBlToTr>
+                    <a:noFill/>
+                  </a:tcPr>
+                </a:tc>
+                <a:tc>
+                  <a:txBody>
+                    <a:bodyPr/>
+                    <a:p>
+                      <a:pPr indent="0" algn="ctr">
+                        <a:buNone/>
+                      </a:pPr>
+                      <a:r>
+                        <a:rPr lang="en-US" sz="1400" b="0">
+                          <a:latin typeface="宋体" panose="02010600030101010101" pitchFamily="2" charset="-122"/>
+                          <a:ea typeface="宋体" panose="02010600030101010101" pitchFamily="2" charset="-122"/>
+                          <a:cs typeface="宋体" panose="02010600030101010101" pitchFamily="2" charset="-122"/>
+                        </a:rPr>
+                        <a:t>建议有图像历史识别的功能，并且能更具最近搜索记录推荐用户喜好相关的酒</a:t>
+                      </a:r>
+                      <a:endParaRPr lang="en-US" altLang="en-US" sz="1400" b="0">
+                        <a:latin typeface="宋体" panose="02010600030101010101" pitchFamily="2" charset="-122"/>
+                        <a:ea typeface="宋体" panose="02010600030101010101" pitchFamily="2" charset="-122"/>
+                        <a:cs typeface="宋体" panose="02010600030101010101" pitchFamily="2" charset="-122"/>
+                      </a:endParaRPr>
+                    </a:p>
+                  </a:txBody>
+                  <a:tcPr marL="68580" marR="68580" marT="0" marB="0" vert="horz" anchor="ctr">
+                    <a:lnL w="12700" cap="flat" cmpd="sng">
+                      <a:solidFill>
+                        <a:srgbClr val="080000"/>
+                      </a:solidFill>
+                      <a:prstDash val="solid"/>
+                      <a:headEnd type="none" w="med" len="med"/>
+                      <a:tailEnd type="none" w="med" len="med"/>
+                    </a:lnL>
+                    <a:lnR w="12700" cap="flat" cmpd="sng">
+                      <a:solidFill>
+                        <a:srgbClr val="080000"/>
+                      </a:solidFill>
+                      <a:prstDash val="solid"/>
+                      <a:headEnd type="none" w="med" len="med"/>
+                      <a:tailEnd type="none" w="med" len="med"/>
+                    </a:lnR>
+                    <a:lnT w="12700" cap="flat" cmpd="sng">
+                      <a:solidFill>
+                        <a:srgbClr val="080000"/>
+                      </a:solidFill>
+                      <a:prstDash val="solid"/>
+                      <a:headEnd type="none" w="med" len="med"/>
+                      <a:tailEnd type="none" w="med" len="med"/>
+                    </a:lnT>
+                    <a:lnB w="12700" cap="flat" cmpd="sng">
+                      <a:solidFill>
+                        <a:srgbClr val="080000"/>
+                      </a:solidFill>
+                      <a:prstDash val="solid"/>
+                      <a:headEnd type="none" w="med" len="med"/>
+                      <a:tailEnd type="none" w="med" len="med"/>
+                    </a:lnB>
+                    <a:lnTlToBr>
+                      <a:noFill/>
+                    </a:lnTlToBr>
+                    <a:lnBlToTr>
+                      <a:noFill/>
+                    </a:lnBlToTr>
+                    <a:noFill/>
+                  </a:tcPr>
+                </a:tc>
+                <a:tc>
+                  <a:txBody>
+                    <a:bodyPr/>
+                    <a:p>
+                      <a:pPr indent="0" algn="ctr">
+                        <a:buNone/>
+                      </a:pPr>
+                      <a:r>
+                        <a:rPr lang="en-US" sz="1400" b="0">
+                          <a:latin typeface="宋体" panose="02010600030101010101" pitchFamily="2" charset="-122"/>
+                          <a:ea typeface="宋体" panose="02010600030101010101" pitchFamily="2" charset="-122"/>
+                          <a:cs typeface="宋体" panose="02010600030101010101" pitchFamily="2" charset="-122"/>
+                        </a:rPr>
+                        <a:t>图像李是识别功能的使用性确实不错，需要做的工作量也适中，而后一个功能老师淘宝购物可能较为复杂。由于该客户为项目提出者，是我项目组最重要的一个客户代表，所以我项目组会尽力做到</a:t>
+                      </a:r>
+                      <a:endParaRPr lang="en-US" altLang="en-US" sz="1400" b="0">
+                        <a:latin typeface="宋体" panose="02010600030101010101" pitchFamily="2" charset="-122"/>
+                        <a:ea typeface="宋体" panose="02010600030101010101" pitchFamily="2" charset="-122"/>
+                        <a:cs typeface="宋体" panose="02010600030101010101" pitchFamily="2" charset="-122"/>
+                      </a:endParaRPr>
+                    </a:p>
+                  </a:txBody>
+                  <a:tcPr marL="68580" marR="68580" marT="0" marB="0" vert="horz" anchor="ctr">
+                    <a:lnL w="12700" cap="flat" cmpd="sng">
+                      <a:solidFill>
+                        <a:srgbClr val="080000"/>
+                      </a:solidFill>
+                      <a:prstDash val="solid"/>
+                      <a:headEnd type="none" w="med" len="med"/>
+                      <a:tailEnd type="none" w="med" len="med"/>
+                    </a:lnL>
+                    <a:lnR w="12700" cap="flat" cmpd="sng">
+                      <a:solidFill>
+                        <a:srgbClr val="080000"/>
+                      </a:solidFill>
+                      <a:prstDash val="solid"/>
+                      <a:headEnd type="none" w="med" len="med"/>
+                      <a:tailEnd type="none" w="med" len="med"/>
+                    </a:lnR>
+                    <a:lnT w="12700" cap="flat" cmpd="sng">
+                      <a:solidFill>
+                        <a:srgbClr val="080000"/>
+                      </a:solidFill>
+                      <a:prstDash val="solid"/>
+                      <a:headEnd type="none" w="med" len="med"/>
+                      <a:tailEnd type="none" w="med" len="med"/>
+                    </a:lnT>
+                    <a:lnB w="12700" cap="flat" cmpd="sng">
+                      <a:solidFill>
+                        <a:srgbClr val="080000"/>
+                      </a:solidFill>
+                      <a:prstDash val="solid"/>
+                      <a:headEnd type="none" w="med" len="med"/>
+                      <a:tailEnd type="none" w="med" len="med"/>
+                    </a:lnB>
+                    <a:lnTlToBr>
+                      <a:noFill/>
+                    </a:lnTlToBr>
+                    <a:lnBlToTr>
+                      <a:noFill/>
+                    </a:lnBlToTr>
+                    <a:noFill/>
+                  </a:tcPr>
+                </a:tc>
+                <a:tc>
+                  <a:txBody>
+                    <a:bodyPr/>
+                    <a:p>
+                      <a:pPr indent="0" algn="ctr">
+                        <a:buNone/>
+                      </a:pPr>
+                      <a:r>
+                        <a:rPr lang="en-US" sz="1400" b="0">
+                          <a:latin typeface="宋体" panose="02010600030101010101" pitchFamily="2" charset="-122"/>
+                          <a:ea typeface="宋体" panose="02010600030101010101" pitchFamily="2" charset="-122"/>
+                          <a:cs typeface="宋体" panose="02010600030101010101" pitchFamily="2" charset="-122"/>
+                        </a:rPr>
+                        <a:t>是</a:t>
+                      </a:r>
+                      <a:endParaRPr lang="en-US" altLang="en-US" sz="1400" b="0">
+                        <a:latin typeface="宋体" panose="02010600030101010101" pitchFamily="2" charset="-122"/>
+                        <a:ea typeface="宋体" panose="02010600030101010101" pitchFamily="2" charset="-122"/>
+                        <a:cs typeface="宋体" panose="02010600030101010101" pitchFamily="2" charset="-122"/>
+                      </a:endParaRPr>
+                    </a:p>
+                  </a:txBody>
+                  <a:tcPr marL="68580" marR="68580" marT="0" marB="0" vert="horz" anchor="ctr">
+                    <a:lnL w="12700" cap="flat" cmpd="sng">
+                      <a:solidFill>
+                        <a:srgbClr val="080000"/>
+                      </a:solidFill>
+                      <a:prstDash val="solid"/>
+                      <a:headEnd type="none" w="med" len="med"/>
+                      <a:tailEnd type="none" w="med" len="med"/>
+                    </a:lnL>
+                    <a:lnR w="12700" cap="flat" cmpd="sng">
+                      <a:solidFill>
+                        <a:srgbClr val="080000"/>
+                      </a:solidFill>
+                      <a:prstDash val="solid"/>
+                      <a:headEnd type="none" w="med" len="med"/>
+                      <a:tailEnd type="none" w="med" len="med"/>
+                    </a:lnR>
+                    <a:lnT w="12700" cap="flat" cmpd="sng">
+                      <a:solidFill>
+                        <a:srgbClr val="080000"/>
+                      </a:solidFill>
+                      <a:prstDash val="solid"/>
+                      <a:headEnd type="none" w="med" len="med"/>
+                      <a:tailEnd type="none" w="med" len="med"/>
+                    </a:lnT>
+                    <a:lnB w="12700" cap="flat" cmpd="sng">
+                      <a:solidFill>
+                        <a:srgbClr val="080000"/>
+                      </a:solidFill>
+                      <a:prstDash val="solid"/>
+                      <a:headEnd type="none" w="med" len="med"/>
+                      <a:tailEnd type="none" w="med" len="med"/>
+                    </a:lnB>
+                    <a:lnTlToBr>
+                      <a:noFill/>
+                    </a:lnTlToBr>
+                    <a:lnBlToTr>
+                      <a:noFill/>
+                    </a:lnBlToTr>
+                    <a:noFill/>
+                  </a:tcPr>
+                </a:tc>
+              </a:tr>
+              <a:tr h="931545">
+                <a:tc>
+                  <a:txBody>
+                    <a:bodyPr/>
+                    <a:p>
+                      <a:pPr indent="0">
+                        <a:buNone/>
+                      </a:pPr>
+                      <a:r>
+                        <a:rPr lang="en-US" sz="1400" b="0">
+                          <a:latin typeface="宋体" panose="02010600030101010101" pitchFamily="2" charset="-122"/>
+                          <a:ea typeface="宋体" panose="02010600030101010101" pitchFamily="2" charset="-122"/>
+                          <a:cs typeface="宋体" panose="02010600030101010101" pitchFamily="2" charset="-122"/>
+                        </a:rPr>
+                        <a:t>陈禹翰</a:t>
+                      </a:r>
+                      <a:endParaRPr lang="en-US" altLang="en-US" sz="1400" b="0">
+                        <a:latin typeface="宋体" panose="02010600030101010101" pitchFamily="2" charset="-122"/>
+                        <a:ea typeface="宋体" panose="02010600030101010101" pitchFamily="2" charset="-122"/>
+                        <a:cs typeface="宋体" panose="02010600030101010101" pitchFamily="2" charset="-122"/>
+                      </a:endParaRPr>
+                    </a:p>
+                  </a:txBody>
+                  <a:tcPr marL="68580" marR="68580" marT="0" marB="0" vert="horz" anchor="t">
+                    <a:lnL w="12700" cap="flat" cmpd="sng">
+                      <a:solidFill>
+                        <a:srgbClr val="080000"/>
+                      </a:solidFill>
+                      <a:prstDash val="solid"/>
+                      <a:headEnd type="none" w="med" len="med"/>
+                      <a:tailEnd type="none" w="med" len="med"/>
+                    </a:lnL>
+                    <a:lnR w="12700" cap="flat" cmpd="sng">
+                      <a:solidFill>
+                        <a:srgbClr val="080000"/>
+                      </a:solidFill>
+                      <a:prstDash val="solid"/>
+                      <a:headEnd type="none" w="med" len="med"/>
+                      <a:tailEnd type="none" w="med" len="med"/>
+                    </a:lnR>
+                    <a:lnT w="12700" cap="flat" cmpd="sng">
+                      <a:solidFill>
+                        <a:srgbClr val="080000"/>
+                      </a:solidFill>
+                      <a:prstDash val="solid"/>
+                      <a:headEnd type="none" w="med" len="med"/>
+                      <a:tailEnd type="none" w="med" len="med"/>
+                    </a:lnT>
+                    <a:lnB w="12700" cap="flat" cmpd="sng">
+                      <a:solidFill>
+                        <a:srgbClr val="080000"/>
+                      </a:solidFill>
+                      <a:prstDash val="solid"/>
+                      <a:headEnd type="none" w="med" len="med"/>
+                      <a:tailEnd type="none" w="med" len="med"/>
+                    </a:lnB>
+                    <a:lnTlToBr>
+                      <a:noFill/>
+                    </a:lnTlToBr>
+                    <a:lnBlToTr>
+                      <a:noFill/>
+                    </a:lnBlToTr>
+                    <a:noFill/>
+                  </a:tcPr>
+                </a:tc>
+                <a:tc>
+                  <a:txBody>
+                    <a:bodyPr/>
+                    <a:p>
+                      <a:pPr indent="0">
+                        <a:buNone/>
+                      </a:pPr>
+                      <a:r>
+                        <a:rPr lang="en-US" sz="1400" b="0">
+                          <a:latin typeface="宋体" panose="02010600030101010101" pitchFamily="2" charset="-122"/>
+                          <a:ea typeface="宋体" panose="02010600030101010101" pitchFamily="2" charset="-122"/>
+                          <a:cs typeface="宋体" panose="02010600030101010101" pitchFamily="2" charset="-122"/>
+                        </a:rPr>
+                        <a:t>高校计算机网络专业学生，对APP的交互有一定的理解</a:t>
+                      </a:r>
+                      <a:endParaRPr lang="en-US" altLang="en-US" sz="1400" b="0">
+                        <a:latin typeface="宋体" panose="02010600030101010101" pitchFamily="2" charset="-122"/>
+                        <a:ea typeface="宋体" panose="02010600030101010101" pitchFamily="2" charset="-122"/>
+                        <a:cs typeface="宋体" panose="02010600030101010101" pitchFamily="2" charset="-122"/>
+                      </a:endParaRPr>
+                    </a:p>
+                  </a:txBody>
+                  <a:tcPr marL="68580" marR="68580" marT="0" marB="0" vert="horz" anchor="t">
+                    <a:lnL w="12700" cap="flat" cmpd="sng">
+                      <a:solidFill>
+                        <a:srgbClr val="080000"/>
+                      </a:solidFill>
+                      <a:prstDash val="solid"/>
+                      <a:headEnd type="none" w="med" len="med"/>
+                      <a:tailEnd type="none" w="med" len="med"/>
+                    </a:lnL>
+                    <a:lnR w="12700" cap="flat" cmpd="sng">
+                      <a:solidFill>
+                        <a:srgbClr val="080000"/>
+                      </a:solidFill>
+                      <a:prstDash val="solid"/>
+                      <a:headEnd type="none" w="med" len="med"/>
+                      <a:tailEnd type="none" w="med" len="med"/>
+                    </a:lnR>
+                    <a:lnT w="12700" cap="flat" cmpd="sng">
+                      <a:solidFill>
+                        <a:srgbClr val="080000"/>
+                      </a:solidFill>
+                      <a:prstDash val="solid"/>
+                      <a:headEnd type="none" w="med" len="med"/>
+                      <a:tailEnd type="none" w="med" len="med"/>
+                    </a:lnT>
+                    <a:lnB w="12700" cap="flat" cmpd="sng">
+                      <a:solidFill>
+                        <a:srgbClr val="080000"/>
+                      </a:solidFill>
+                      <a:prstDash val="solid"/>
+                      <a:headEnd type="none" w="med" len="med"/>
+                      <a:tailEnd type="none" w="med" len="med"/>
+                    </a:lnB>
+                    <a:lnTlToBr>
+                      <a:noFill/>
+                    </a:lnTlToBr>
+                    <a:lnBlToTr>
+                      <a:noFill/>
+                    </a:lnBlToTr>
+                    <a:noFill/>
+                  </a:tcPr>
+                </a:tc>
+                <a:tc>
+                  <a:txBody>
+                    <a:bodyPr/>
+                    <a:p>
+                      <a:pPr indent="0">
+                        <a:buNone/>
+                      </a:pPr>
+                      <a:r>
+                        <a:rPr lang="en-US" sz="1400" b="0">
+                          <a:latin typeface="宋体" panose="02010600030101010101" pitchFamily="2" charset="-122"/>
+                          <a:ea typeface="宋体" panose="02010600030101010101" pitchFamily="2" charset="-122"/>
+                          <a:cs typeface="宋体" panose="02010600030101010101" pitchFamily="2" charset="-122"/>
+                        </a:rPr>
+                        <a:t>17605094491</a:t>
+                      </a:r>
+                      <a:endParaRPr lang="en-US" altLang="en-US" sz="1400" b="0">
+                        <a:latin typeface="宋体" panose="02010600030101010101" pitchFamily="2" charset="-122"/>
+                        <a:ea typeface="宋体" panose="02010600030101010101" pitchFamily="2" charset="-122"/>
+                        <a:cs typeface="宋体" panose="02010600030101010101" pitchFamily="2" charset="-122"/>
+                      </a:endParaRPr>
+                    </a:p>
+                  </a:txBody>
+                  <a:tcPr marL="68580" marR="68580" marT="0" marB="0" vert="horz" anchor="t">
+                    <a:lnL w="12700" cap="flat" cmpd="sng">
+                      <a:solidFill>
+                        <a:srgbClr val="080000"/>
+                      </a:solidFill>
+                      <a:prstDash val="solid"/>
+                      <a:headEnd type="none" w="med" len="med"/>
+                      <a:tailEnd type="none" w="med" len="med"/>
+                    </a:lnL>
+                    <a:lnR w="12700" cap="flat" cmpd="sng">
+                      <a:solidFill>
+                        <a:srgbClr val="080000"/>
+                      </a:solidFill>
+                      <a:prstDash val="solid"/>
+                      <a:headEnd type="none" w="med" len="med"/>
+                      <a:tailEnd type="none" w="med" len="med"/>
+                    </a:lnR>
+                    <a:lnT w="12700" cap="flat" cmpd="sng">
+                      <a:solidFill>
+                        <a:srgbClr val="080000"/>
+                      </a:solidFill>
+                      <a:prstDash val="solid"/>
+                      <a:headEnd type="none" w="med" len="med"/>
+                      <a:tailEnd type="none" w="med" len="med"/>
+                    </a:lnT>
+                    <a:lnB w="12700" cap="flat" cmpd="sng">
+                      <a:solidFill>
+                        <a:srgbClr val="080000"/>
+                      </a:solidFill>
+                      <a:prstDash val="solid"/>
+                      <a:headEnd type="none" w="med" len="med"/>
+                      <a:tailEnd type="none" w="med" len="med"/>
+                    </a:lnB>
+                    <a:lnTlToBr>
+                      <a:noFill/>
+                    </a:lnTlToBr>
+                    <a:lnBlToTr>
+                      <a:noFill/>
+                    </a:lnBlToTr>
+                    <a:noFill/>
+                  </a:tcPr>
+                </a:tc>
+                <a:tc>
+                  <a:txBody>
+                    <a:bodyPr/>
+                    <a:p>
+                      <a:pPr indent="0">
+                        <a:buNone/>
+                      </a:pPr>
+                      <a:r>
+                        <a:rPr lang="en-US" sz="1400" b="0">
+                          <a:latin typeface="宋体" panose="02010600030101010101" pitchFamily="2" charset="-122"/>
+                          <a:ea typeface="宋体" panose="02010600030101010101" pitchFamily="2" charset="-122"/>
+                          <a:cs typeface="宋体" panose="02010600030101010101" pitchFamily="2" charset="-122"/>
+                        </a:rPr>
+                        <a:t>建议能够通过关键字或价格区间或口感对酒类进行一个大类的筛选</a:t>
+                      </a:r>
+                      <a:endParaRPr lang="en-US" altLang="en-US" sz="1400" b="0">
+                        <a:latin typeface="宋体" panose="02010600030101010101" pitchFamily="2" charset="-122"/>
+                        <a:ea typeface="宋体" panose="02010600030101010101" pitchFamily="2" charset="-122"/>
+                        <a:cs typeface="宋体" panose="02010600030101010101" pitchFamily="2" charset="-122"/>
+                      </a:endParaRPr>
+                    </a:p>
+                  </a:txBody>
+                  <a:tcPr marL="68580" marR="68580" marT="0" marB="0" vert="horz" anchor="t">
+                    <a:lnL w="12700" cap="flat" cmpd="sng">
+                      <a:solidFill>
+                        <a:srgbClr val="080000"/>
+                      </a:solidFill>
+                      <a:prstDash val="solid"/>
+                      <a:headEnd type="none" w="med" len="med"/>
+                      <a:tailEnd type="none" w="med" len="med"/>
+                    </a:lnL>
+                    <a:lnR w="12700" cap="flat" cmpd="sng">
+                      <a:solidFill>
+                        <a:srgbClr val="080000"/>
+                      </a:solidFill>
+                      <a:prstDash val="solid"/>
+                      <a:headEnd type="none" w="med" len="med"/>
+                      <a:tailEnd type="none" w="med" len="med"/>
+                    </a:lnR>
+                    <a:lnT w="12700" cap="flat" cmpd="sng">
+                      <a:solidFill>
+                        <a:srgbClr val="080000"/>
+                      </a:solidFill>
+                      <a:prstDash val="solid"/>
+                      <a:headEnd type="none" w="med" len="med"/>
+                      <a:tailEnd type="none" w="med" len="med"/>
+                    </a:lnT>
+                    <a:lnB w="12700" cap="flat" cmpd="sng">
+                      <a:solidFill>
+                        <a:srgbClr val="080000"/>
+                      </a:solidFill>
+                      <a:prstDash val="solid"/>
+                      <a:headEnd type="none" w="med" len="med"/>
+                      <a:tailEnd type="none" w="med" len="med"/>
+                    </a:lnB>
+                    <a:lnTlToBr>
+                      <a:noFill/>
+                    </a:lnTlToBr>
+                    <a:lnBlToTr>
+                      <a:noFill/>
+                    </a:lnBlToTr>
+                    <a:noFill/>
+                  </a:tcPr>
+                </a:tc>
+                <a:tc>
+                  <a:txBody>
+                    <a:bodyPr/>
+                    <a:p>
+                      <a:pPr indent="0">
+                        <a:buNone/>
+                      </a:pPr>
+                      <a:r>
+                        <a:rPr lang="en-US" sz="1400" b="0">
+                          <a:latin typeface="宋体" panose="02010600030101010101" pitchFamily="2" charset="-122"/>
+                          <a:ea typeface="宋体" panose="02010600030101010101" pitchFamily="2" charset="-122"/>
+                          <a:cs typeface="宋体" panose="02010600030101010101" pitchFamily="2" charset="-122"/>
+                        </a:rPr>
+                        <a:t>因为此软件主要为了学习图像识别相关技术添加此功能增加了太多工作量可能导致项目周期超出限制时间</a:t>
+                      </a:r>
+                      <a:endParaRPr lang="en-US" altLang="en-US" sz="1400" b="0">
+                        <a:latin typeface="宋体" panose="02010600030101010101" pitchFamily="2" charset="-122"/>
+                        <a:ea typeface="宋体" panose="02010600030101010101" pitchFamily="2" charset="-122"/>
+                        <a:cs typeface="宋体" panose="02010600030101010101" pitchFamily="2" charset="-122"/>
+                      </a:endParaRPr>
+                    </a:p>
+                  </a:txBody>
+                  <a:tcPr marL="68580" marR="68580" marT="0" marB="0" vert="horz" anchor="t">
+                    <a:lnL w="12700" cap="flat" cmpd="sng">
+                      <a:solidFill>
+                        <a:srgbClr val="080000"/>
+                      </a:solidFill>
+                      <a:prstDash val="solid"/>
+                      <a:headEnd type="none" w="med" len="med"/>
+                      <a:tailEnd type="none" w="med" len="med"/>
+                    </a:lnL>
+                    <a:lnR w="12700" cap="flat" cmpd="sng">
+                      <a:solidFill>
+                        <a:srgbClr val="080000"/>
+                      </a:solidFill>
+                      <a:prstDash val="solid"/>
+                      <a:headEnd type="none" w="med" len="med"/>
+                      <a:tailEnd type="none" w="med" len="med"/>
+                    </a:lnR>
+                    <a:lnT w="12700" cap="flat" cmpd="sng">
+                      <a:solidFill>
+                        <a:srgbClr val="080000"/>
+                      </a:solidFill>
+                      <a:prstDash val="solid"/>
+                      <a:headEnd type="none" w="med" len="med"/>
+                      <a:tailEnd type="none" w="med" len="med"/>
+                    </a:lnT>
+                    <a:lnB w="12700" cap="flat" cmpd="sng">
+                      <a:solidFill>
+                        <a:srgbClr val="080000"/>
+                      </a:solidFill>
+                      <a:prstDash val="solid"/>
+                      <a:headEnd type="none" w="med" len="med"/>
+                      <a:tailEnd type="none" w="med" len="med"/>
+                    </a:lnB>
+                    <a:lnTlToBr>
+                      <a:noFill/>
+                    </a:lnTlToBr>
+                    <a:lnBlToTr>
+                      <a:noFill/>
+                    </a:lnBlToTr>
+                    <a:noFill/>
+                  </a:tcPr>
+                </a:tc>
+                <a:tc>
+                  <a:txBody>
+                    <a:bodyPr/>
+                    <a:p>
+                      <a:pPr indent="0">
+                        <a:buNone/>
+                      </a:pPr>
+                      <a:r>
+                        <a:rPr lang="en-US" sz="1400" b="0">
+                          <a:latin typeface="宋体" panose="02010600030101010101" pitchFamily="2" charset="-122"/>
+                          <a:ea typeface="宋体" panose="02010600030101010101" pitchFamily="2" charset="-122"/>
+                          <a:cs typeface="宋体" panose="02010600030101010101" pitchFamily="2" charset="-122"/>
+                        </a:rPr>
+                        <a:t>否</a:t>
+                      </a:r>
+                      <a:endParaRPr lang="en-US" altLang="en-US" sz="1400" b="0">
+                        <a:latin typeface="宋体" panose="02010600030101010101" pitchFamily="2" charset="-122"/>
+                        <a:ea typeface="宋体" panose="02010600030101010101" pitchFamily="2" charset="-122"/>
+                        <a:cs typeface="宋体" panose="02010600030101010101" pitchFamily="2" charset="-122"/>
+                      </a:endParaRPr>
+                    </a:p>
+                  </a:txBody>
+                  <a:tcPr marL="68580" marR="68580" marT="0" marB="0" vert="horz" anchor="t">
+                    <a:lnL w="12700" cap="flat" cmpd="sng">
+                      <a:solidFill>
+                        <a:srgbClr val="080000"/>
+                      </a:solidFill>
+                      <a:prstDash val="solid"/>
+                      <a:headEnd type="none" w="med" len="med"/>
+                      <a:tailEnd type="none" w="med" len="med"/>
+                    </a:lnL>
+                    <a:lnR w="12700" cap="flat" cmpd="sng">
+                      <a:solidFill>
+                        <a:srgbClr val="080000"/>
+                      </a:solidFill>
+                      <a:prstDash val="solid"/>
+                      <a:headEnd type="none" w="med" len="med"/>
+                      <a:tailEnd type="none" w="med" len="med"/>
+                    </a:lnR>
+                    <a:lnT w="12700" cap="flat" cmpd="sng">
+                      <a:solidFill>
+                        <a:srgbClr val="080000"/>
+                      </a:solidFill>
+                      <a:prstDash val="solid"/>
+                      <a:headEnd type="none" w="med" len="med"/>
+                      <a:tailEnd type="none" w="med" len="med"/>
+                    </a:lnT>
+                    <a:lnB w="12700" cap="flat" cmpd="sng">
+                      <a:solidFill>
+                        <a:srgbClr val="080000"/>
+                      </a:solidFill>
+                      <a:prstDash val="solid"/>
+                      <a:headEnd type="none" w="med" len="med"/>
+                      <a:tailEnd type="none" w="med" len="med"/>
+                    </a:lnB>
+                    <a:lnTlToBr>
+                      <a:noFill/>
+                    </a:lnTlToBr>
+                    <a:lnBlToTr>
+                      <a:noFill/>
+                    </a:lnBlToTr>
+                    <a:noFill/>
+                  </a:tcPr>
+                </a:tc>
+              </a:tr>
+              <a:tr h="466090">
+                <a:tc>
+                  <a:txBody>
+                    <a:bodyPr/>
+                    <a:p>
+                      <a:pPr indent="0">
+                        <a:buNone/>
+                      </a:pPr>
+                      <a:r>
+                        <a:rPr lang="en-US" sz="1400" b="0">
+                          <a:latin typeface="宋体" panose="02010600030101010101" pitchFamily="2" charset="-122"/>
+                          <a:ea typeface="宋体" panose="02010600030101010101" pitchFamily="2" charset="-122"/>
+                          <a:cs typeface="宋体" panose="02010600030101010101" pitchFamily="2" charset="-122"/>
+                        </a:rPr>
+                        <a:t>洋溢</a:t>
+                      </a:r>
+                      <a:endParaRPr lang="en-US" altLang="en-US" sz="1400" b="0">
+                        <a:latin typeface="宋体" panose="02010600030101010101" pitchFamily="2" charset="-122"/>
+                        <a:ea typeface="宋体" panose="02010600030101010101" pitchFamily="2" charset="-122"/>
+                        <a:cs typeface="宋体" panose="02010600030101010101" pitchFamily="2" charset="-122"/>
+                      </a:endParaRPr>
+                    </a:p>
+                  </a:txBody>
+                  <a:tcPr marL="68580" marR="68580" marT="0" marB="0" vert="horz" anchor="t">
+                    <a:lnL w="12700" cap="flat" cmpd="sng">
+                      <a:solidFill>
+                        <a:srgbClr val="080000"/>
+                      </a:solidFill>
+                      <a:prstDash val="solid"/>
+                      <a:headEnd type="none" w="med" len="med"/>
+                      <a:tailEnd type="none" w="med" len="med"/>
+                    </a:lnL>
+                    <a:lnR w="12700" cap="flat" cmpd="sng">
+                      <a:solidFill>
+                        <a:srgbClr val="080000"/>
+                      </a:solidFill>
+                      <a:prstDash val="solid"/>
+                      <a:headEnd type="none" w="med" len="med"/>
+                      <a:tailEnd type="none" w="med" len="med"/>
+                    </a:lnR>
+                    <a:lnT w="12700" cap="flat" cmpd="sng">
+                      <a:solidFill>
+                        <a:srgbClr val="080000"/>
+                      </a:solidFill>
+                      <a:prstDash val="solid"/>
+                      <a:headEnd type="none" w="med" len="med"/>
+                      <a:tailEnd type="none" w="med" len="med"/>
+                    </a:lnT>
+                    <a:lnB w="12700" cap="flat" cmpd="sng">
+                      <a:solidFill>
+                        <a:srgbClr val="080000"/>
+                      </a:solidFill>
+                      <a:prstDash val="solid"/>
+                      <a:headEnd type="none" w="med" len="med"/>
+                      <a:tailEnd type="none" w="med" len="med"/>
+                    </a:lnB>
+                    <a:lnTlToBr>
+                      <a:noFill/>
+                    </a:lnTlToBr>
+                    <a:lnBlToTr>
+                      <a:noFill/>
+                    </a:lnBlToTr>
+                    <a:noFill/>
+                  </a:tcPr>
+                </a:tc>
+                <a:tc>
+                  <a:txBody>
+                    <a:bodyPr/>
+                    <a:p>
+                      <a:pPr indent="0">
+                        <a:buNone/>
+                      </a:pPr>
+                      <a:r>
+                        <a:rPr lang="en-US" sz="1400" b="0">
+                          <a:latin typeface="宋体" panose="02010600030101010101" pitchFamily="2" charset="-122"/>
+                          <a:ea typeface="宋体" panose="02010600030101010101" pitchFamily="2" charset="-122"/>
+                          <a:cs typeface="宋体" panose="02010600030101010101" pitchFamily="2" charset="-122"/>
+                        </a:rPr>
+                        <a:t>软件工程专业学生对软件有一定的了解</a:t>
+                      </a:r>
+                      <a:endParaRPr lang="en-US" altLang="en-US" sz="1400" b="0">
+                        <a:latin typeface="宋体" panose="02010600030101010101" pitchFamily="2" charset="-122"/>
+                        <a:ea typeface="宋体" panose="02010600030101010101" pitchFamily="2" charset="-122"/>
+                        <a:cs typeface="宋体" panose="02010600030101010101" pitchFamily="2" charset="-122"/>
+                      </a:endParaRPr>
+                    </a:p>
+                  </a:txBody>
+                  <a:tcPr marL="68580" marR="68580" marT="0" marB="0" vert="horz" anchor="t">
+                    <a:lnL w="12700" cap="flat" cmpd="sng">
+                      <a:solidFill>
+                        <a:srgbClr val="080000"/>
+                      </a:solidFill>
+                      <a:prstDash val="solid"/>
+                      <a:headEnd type="none" w="med" len="med"/>
+                      <a:tailEnd type="none" w="med" len="med"/>
+                    </a:lnL>
+                    <a:lnR w="12700" cap="flat" cmpd="sng">
+                      <a:solidFill>
+                        <a:srgbClr val="080000"/>
+                      </a:solidFill>
+                      <a:prstDash val="solid"/>
+                      <a:headEnd type="none" w="med" len="med"/>
+                      <a:tailEnd type="none" w="med" len="med"/>
+                    </a:lnR>
+                    <a:lnT w="12700" cap="flat" cmpd="sng">
+                      <a:solidFill>
+                        <a:srgbClr val="080000"/>
+                      </a:solidFill>
+                      <a:prstDash val="solid"/>
+                      <a:headEnd type="none" w="med" len="med"/>
+                      <a:tailEnd type="none" w="med" len="med"/>
+                    </a:lnT>
+                    <a:lnB w="12700" cap="flat" cmpd="sng">
+                      <a:solidFill>
+                        <a:srgbClr val="080000"/>
+                      </a:solidFill>
+                      <a:prstDash val="solid"/>
+                      <a:headEnd type="none" w="med" len="med"/>
+                      <a:tailEnd type="none" w="med" len="med"/>
+                    </a:lnB>
+                    <a:lnTlToBr>
+                      <a:noFill/>
+                    </a:lnTlToBr>
+                    <a:lnBlToTr>
+                      <a:noFill/>
+                    </a:lnBlToTr>
+                    <a:noFill/>
+                  </a:tcPr>
+                </a:tc>
+                <a:tc>
+                  <a:txBody>
+                    <a:bodyPr/>
+                    <a:p>
+                      <a:pPr indent="0">
+                        <a:buNone/>
+                      </a:pPr>
+                      <a:r>
+                        <a:rPr lang="en-US" sz="1400" b="0">
+                          <a:latin typeface="宋体" panose="02010600030101010101" pitchFamily="2" charset="-122"/>
+                          <a:ea typeface="宋体" panose="02010600030101010101" pitchFamily="2" charset="-122"/>
+                          <a:cs typeface="宋体" panose="02010600030101010101" pitchFamily="2" charset="-122"/>
+                        </a:rPr>
+                        <a:t>13588743323</a:t>
+                      </a:r>
+                      <a:endParaRPr lang="en-US" altLang="en-US" sz="1400" b="0">
+                        <a:latin typeface="宋体" panose="02010600030101010101" pitchFamily="2" charset="-122"/>
+                        <a:ea typeface="宋体" panose="02010600030101010101" pitchFamily="2" charset="-122"/>
+                        <a:cs typeface="宋体" panose="02010600030101010101" pitchFamily="2" charset="-122"/>
+                      </a:endParaRPr>
+                    </a:p>
+                  </a:txBody>
+                  <a:tcPr marL="68580" marR="68580" marT="0" marB="0" vert="horz" anchor="t">
+                    <a:lnL w="12700" cap="flat" cmpd="sng">
+                      <a:solidFill>
+                        <a:srgbClr val="080000"/>
+                      </a:solidFill>
+                      <a:prstDash val="solid"/>
+                      <a:headEnd type="none" w="med" len="med"/>
+                      <a:tailEnd type="none" w="med" len="med"/>
+                    </a:lnL>
+                    <a:lnR w="12700" cap="flat" cmpd="sng">
+                      <a:solidFill>
+                        <a:srgbClr val="080000"/>
+                      </a:solidFill>
+                      <a:prstDash val="solid"/>
+                      <a:headEnd type="none" w="med" len="med"/>
+                      <a:tailEnd type="none" w="med" len="med"/>
+                    </a:lnR>
+                    <a:lnT w="12700" cap="flat" cmpd="sng">
+                      <a:solidFill>
+                        <a:srgbClr val="080000"/>
+                      </a:solidFill>
+                      <a:prstDash val="solid"/>
+                      <a:headEnd type="none" w="med" len="med"/>
+                      <a:tailEnd type="none" w="med" len="med"/>
+                    </a:lnT>
+                    <a:lnB w="12700" cap="flat" cmpd="sng">
+                      <a:solidFill>
+                        <a:srgbClr val="080000"/>
+                      </a:solidFill>
+                      <a:prstDash val="solid"/>
+                      <a:headEnd type="none" w="med" len="med"/>
+                      <a:tailEnd type="none" w="med" len="med"/>
+                    </a:lnB>
+                    <a:lnTlToBr>
+                      <a:noFill/>
+                    </a:lnTlToBr>
+                    <a:lnBlToTr>
+                      <a:noFill/>
+                    </a:lnBlToTr>
+                    <a:noFill/>
+                  </a:tcPr>
+                </a:tc>
+                <a:tc>
+                  <a:txBody>
+                    <a:bodyPr/>
+                    <a:p>
+                      <a:pPr indent="0">
+                        <a:buNone/>
+                      </a:pPr>
+                      <a:r>
+                        <a:rPr lang="en-US" sz="1400" b="0">
+                          <a:latin typeface="宋体" panose="02010600030101010101" pitchFamily="2" charset="-122"/>
+                          <a:ea typeface="宋体" panose="02010600030101010101" pitchFamily="2" charset="-122"/>
+                          <a:cs typeface="宋体" panose="02010600030101010101" pitchFamily="2" charset="-122"/>
+                        </a:rPr>
+                        <a:t>建议能够有板块能够进行交流评价等</a:t>
+                      </a:r>
+                      <a:endParaRPr lang="en-US" altLang="en-US" sz="1400" b="0">
+                        <a:latin typeface="宋体" panose="02010600030101010101" pitchFamily="2" charset="-122"/>
+                        <a:ea typeface="宋体" panose="02010600030101010101" pitchFamily="2" charset="-122"/>
+                        <a:cs typeface="宋体" panose="02010600030101010101" pitchFamily="2" charset="-122"/>
+                      </a:endParaRPr>
+                    </a:p>
+                  </a:txBody>
+                  <a:tcPr marL="68580" marR="68580" marT="0" marB="0" vert="horz" anchor="t">
+                    <a:lnL w="12700" cap="flat" cmpd="sng">
+                      <a:solidFill>
+                        <a:srgbClr val="080000"/>
+                      </a:solidFill>
+                      <a:prstDash val="solid"/>
+                      <a:headEnd type="none" w="med" len="med"/>
+                      <a:tailEnd type="none" w="med" len="med"/>
+                    </a:lnL>
+                    <a:lnR w="12700" cap="flat" cmpd="sng">
+                      <a:solidFill>
+                        <a:srgbClr val="080000"/>
+                      </a:solidFill>
+                      <a:prstDash val="solid"/>
+                      <a:headEnd type="none" w="med" len="med"/>
+                      <a:tailEnd type="none" w="med" len="med"/>
+                    </a:lnR>
+                    <a:lnT w="12700" cap="flat" cmpd="sng">
+                      <a:solidFill>
+                        <a:srgbClr val="080000"/>
+                      </a:solidFill>
+                      <a:prstDash val="solid"/>
+                      <a:headEnd type="none" w="med" len="med"/>
+                      <a:tailEnd type="none" w="med" len="med"/>
+                    </a:lnT>
+                    <a:lnB w="12700" cap="flat" cmpd="sng">
+                      <a:solidFill>
+                        <a:srgbClr val="080000"/>
+                      </a:solidFill>
+                      <a:prstDash val="solid"/>
+                      <a:headEnd type="none" w="med" len="med"/>
+                      <a:tailEnd type="none" w="med" len="med"/>
+                    </a:lnB>
+                    <a:lnTlToBr>
+                      <a:noFill/>
+                    </a:lnTlToBr>
+                    <a:lnBlToTr>
+                      <a:noFill/>
+                    </a:lnBlToTr>
+                    <a:noFill/>
+                  </a:tcPr>
+                </a:tc>
+                <a:tc>
+                  <a:txBody>
+                    <a:bodyPr/>
+                    <a:p>
+                      <a:pPr indent="0">
+                        <a:buNone/>
+                      </a:pPr>
+                      <a:r>
+                        <a:rPr lang="en-US" sz="1400" b="0">
+                          <a:latin typeface="宋体" panose="02010600030101010101" pitchFamily="2" charset="-122"/>
+                          <a:ea typeface="宋体" panose="02010600030101010101" pitchFamily="2" charset="-122"/>
+                          <a:cs typeface="宋体" panose="02010600030101010101" pitchFamily="2" charset="-122"/>
+                        </a:rPr>
+                        <a:t>因为初步学习app制作，所以可能在时间上会有所限制</a:t>
+                      </a:r>
+                      <a:r>
+                        <a:rPr lang="en-US" sz="1400" b="0">
+                          <a:latin typeface="Calibri" panose="020F0502020204030204" pitchFamily="34" charset="0"/>
+                          <a:cs typeface="Calibri" panose="020F0502020204030204" pitchFamily="34" charset="0"/>
+                        </a:rPr>
+                        <a:t> </a:t>
+                      </a:r>
+                      <a:endParaRPr lang="en-US" altLang="en-US" sz="1400" b="0">
+                        <a:latin typeface="宋体" panose="02010600030101010101" pitchFamily="2" charset="-122"/>
+                        <a:ea typeface="宋体" panose="02010600030101010101" pitchFamily="2" charset="-122"/>
+                        <a:cs typeface="宋体" panose="02010600030101010101" pitchFamily="2" charset="-122"/>
+                      </a:endParaRPr>
+                    </a:p>
+                  </a:txBody>
+                  <a:tcPr marL="68580" marR="68580" marT="0" marB="0" vert="horz" anchor="t">
+                    <a:lnL w="12700" cap="flat" cmpd="sng">
+                      <a:solidFill>
+                        <a:srgbClr val="080000"/>
+                      </a:solidFill>
+                      <a:prstDash val="solid"/>
+                      <a:headEnd type="none" w="med" len="med"/>
+                      <a:tailEnd type="none" w="med" len="med"/>
+                    </a:lnL>
+                    <a:lnR w="12700" cap="flat" cmpd="sng">
+                      <a:solidFill>
+                        <a:srgbClr val="080000"/>
+                      </a:solidFill>
+                      <a:prstDash val="solid"/>
+                      <a:headEnd type="none" w="med" len="med"/>
+                      <a:tailEnd type="none" w="med" len="med"/>
+                    </a:lnR>
+                    <a:lnT w="12700" cap="flat" cmpd="sng">
+                      <a:solidFill>
+                        <a:srgbClr val="080000"/>
+                      </a:solidFill>
+                      <a:prstDash val="solid"/>
+                      <a:headEnd type="none" w="med" len="med"/>
+                      <a:tailEnd type="none" w="med" len="med"/>
+                    </a:lnT>
+                    <a:lnB w="12700" cap="flat" cmpd="sng">
+                      <a:solidFill>
+                        <a:srgbClr val="080000"/>
+                      </a:solidFill>
+                      <a:prstDash val="solid"/>
+                      <a:headEnd type="none" w="med" len="med"/>
+                      <a:tailEnd type="none" w="med" len="med"/>
+                    </a:lnB>
+                    <a:lnTlToBr>
+                      <a:noFill/>
+                    </a:lnTlToBr>
+                    <a:lnBlToTr>
+                      <a:noFill/>
+                    </a:lnBlToTr>
+                    <a:noFill/>
+                  </a:tcPr>
+                </a:tc>
+                <a:tc>
+                  <a:txBody>
+                    <a:bodyPr/>
+                    <a:p>
+                      <a:pPr indent="0">
+                        <a:buNone/>
+                      </a:pPr>
+                      <a:r>
+                        <a:rPr lang="en-US" sz="1400" b="0">
+                          <a:latin typeface="宋体" panose="02010600030101010101" pitchFamily="2" charset="-122"/>
+                          <a:ea typeface="宋体" panose="02010600030101010101" pitchFamily="2" charset="-122"/>
+                          <a:cs typeface="宋体" panose="02010600030101010101" pitchFamily="2" charset="-122"/>
+                        </a:rPr>
+                        <a:t>否</a:t>
+                      </a:r>
+                      <a:r>
+                        <a:rPr lang="en-US" sz="1400" b="0">
+                          <a:latin typeface="Calibri" panose="020F0502020204030204" pitchFamily="34" charset="0"/>
+                          <a:cs typeface="Calibri" panose="020F0502020204030204" pitchFamily="34" charset="0"/>
+                        </a:rPr>
+                        <a:t> </a:t>
+                      </a:r>
+                      <a:endParaRPr lang="en-US" altLang="en-US" sz="1400" b="0">
+                        <a:latin typeface="宋体" panose="02010600030101010101" pitchFamily="2" charset="-122"/>
+                        <a:ea typeface="宋体" panose="02010600030101010101" pitchFamily="2" charset="-122"/>
+                        <a:cs typeface="宋体" panose="02010600030101010101" pitchFamily="2" charset="-122"/>
+                      </a:endParaRPr>
+                    </a:p>
+                  </a:txBody>
+                  <a:tcPr marL="68580" marR="68580" marT="0" marB="0" vert="horz" anchor="t">
+                    <a:lnL w="12700" cap="flat" cmpd="sng">
+                      <a:solidFill>
+                        <a:srgbClr val="080000"/>
+                      </a:solidFill>
+                      <a:prstDash val="solid"/>
+                      <a:headEnd type="none" w="med" len="med"/>
+                      <a:tailEnd type="none" w="med" len="med"/>
+                    </a:lnL>
+                    <a:lnR w="12700" cap="flat" cmpd="sng">
+                      <a:solidFill>
+                        <a:srgbClr val="080000"/>
+                      </a:solidFill>
+                      <a:prstDash val="solid"/>
+                      <a:headEnd type="none" w="med" len="med"/>
+                      <a:tailEnd type="none" w="med" len="med"/>
+                    </a:lnR>
+                    <a:lnT w="12700" cap="flat" cmpd="sng">
+                      <a:solidFill>
+                        <a:srgbClr val="080000"/>
+                      </a:solidFill>
+                      <a:prstDash val="solid"/>
+                      <a:headEnd type="none" w="med" len="med"/>
+                      <a:tailEnd type="none" w="med" len="med"/>
+                    </a:lnT>
+                    <a:lnB w="12700" cap="flat" cmpd="sng">
+                      <a:solidFill>
+                        <a:srgbClr val="080000"/>
+                      </a:solidFill>
+                      <a:prstDash val="solid"/>
+                      <a:headEnd type="none" w="med" len="med"/>
+                      <a:tailEnd type="none" w="med" len="med"/>
+                    </a:lnB>
+                    <a:lnTlToBr>
+                      <a:noFill/>
+                    </a:lnTlToBr>
+                    <a:lnBlToTr>
+                      <a:noFill/>
+                    </a:lnBlToTr>
+                    <a:noFill/>
+                  </a:tcPr>
+                </a:tc>
+              </a:tr>
+              <a:tr h="466090">
+                <a:tc>
+                  <a:txBody>
+                    <a:bodyPr/>
+                    <a:p>
+                      <a:pPr indent="0">
+                        <a:buNone/>
+                      </a:pPr>
+                      <a:r>
+                        <a:rPr lang="en-US" sz="1400" b="0">
+                          <a:latin typeface="宋体" panose="02010600030101010101" pitchFamily="2" charset="-122"/>
+                          <a:ea typeface="宋体" panose="02010600030101010101" pitchFamily="2" charset="-122"/>
+                          <a:cs typeface="宋体" panose="02010600030101010101" pitchFamily="2" charset="-122"/>
+                        </a:rPr>
+                        <a:t>邓晰</a:t>
+                      </a:r>
+                      <a:endParaRPr lang="en-US" altLang="en-US" sz="1400" b="0">
+                        <a:latin typeface="宋体" panose="02010600030101010101" pitchFamily="2" charset="-122"/>
+                        <a:ea typeface="宋体" panose="02010600030101010101" pitchFamily="2" charset="-122"/>
+                        <a:cs typeface="宋体" panose="02010600030101010101" pitchFamily="2" charset="-122"/>
+                      </a:endParaRPr>
+                    </a:p>
+                  </a:txBody>
+                  <a:tcPr marL="68580" marR="68580" marT="0" marB="0" vert="horz" anchor="t">
+                    <a:lnL w="12700" cap="flat" cmpd="sng">
+                      <a:solidFill>
+                        <a:srgbClr val="080000"/>
+                      </a:solidFill>
+                      <a:prstDash val="solid"/>
+                      <a:headEnd type="none" w="med" len="med"/>
+                      <a:tailEnd type="none" w="med" len="med"/>
+                    </a:lnL>
+                    <a:lnR w="12700" cap="flat" cmpd="sng">
+                      <a:solidFill>
+                        <a:srgbClr val="080000"/>
+                      </a:solidFill>
+                      <a:prstDash val="solid"/>
+                      <a:headEnd type="none" w="med" len="med"/>
+                      <a:tailEnd type="none" w="med" len="med"/>
+                    </a:lnR>
+                    <a:lnT w="12700" cap="flat" cmpd="sng">
+                      <a:solidFill>
+                        <a:srgbClr val="080000"/>
+                      </a:solidFill>
+                      <a:prstDash val="solid"/>
+                      <a:headEnd type="none" w="med" len="med"/>
+                      <a:tailEnd type="none" w="med" len="med"/>
+                    </a:lnT>
+                    <a:lnB w="12700" cap="flat" cmpd="sng">
+                      <a:solidFill>
+                        <a:srgbClr val="080000"/>
+                      </a:solidFill>
+                      <a:prstDash val="solid"/>
+                      <a:headEnd type="none" w="med" len="med"/>
+                      <a:tailEnd type="none" w="med" len="med"/>
+                    </a:lnB>
+                    <a:lnTlToBr>
+                      <a:noFill/>
+                    </a:lnTlToBr>
+                    <a:lnBlToTr>
+                      <a:noFill/>
+                    </a:lnBlToTr>
+                    <a:noFill/>
+                  </a:tcPr>
+                </a:tc>
+                <a:tc>
+                  <a:txBody>
+                    <a:bodyPr/>
+                    <a:p>
+                      <a:pPr indent="0">
+                        <a:buNone/>
+                      </a:pPr>
+                      <a:r>
+                        <a:rPr lang="en-US" sz="1400" b="0">
+                          <a:latin typeface="宋体" panose="02010600030101010101" pitchFamily="2" charset="-122"/>
+                          <a:ea typeface="宋体" panose="02010600030101010101" pitchFamily="2" charset="-122"/>
+                          <a:cs typeface="宋体" panose="02010600030101010101" pitchFamily="2" charset="-122"/>
+                        </a:rPr>
+                        <a:t>软件工程专业学生</a:t>
+                      </a:r>
+                      <a:endParaRPr lang="en-US" altLang="en-US" sz="1400" b="0">
+                        <a:latin typeface="宋体" panose="02010600030101010101" pitchFamily="2" charset="-122"/>
+                        <a:ea typeface="宋体" panose="02010600030101010101" pitchFamily="2" charset="-122"/>
+                        <a:cs typeface="宋体" panose="02010600030101010101" pitchFamily="2" charset="-122"/>
+                      </a:endParaRPr>
+                    </a:p>
+                  </a:txBody>
+                  <a:tcPr marL="68580" marR="68580" marT="0" marB="0" vert="horz" anchor="t">
+                    <a:lnL w="12700" cap="flat" cmpd="sng">
+                      <a:solidFill>
+                        <a:srgbClr val="080000"/>
+                      </a:solidFill>
+                      <a:prstDash val="solid"/>
+                      <a:headEnd type="none" w="med" len="med"/>
+                      <a:tailEnd type="none" w="med" len="med"/>
+                    </a:lnL>
+                    <a:lnR w="12700" cap="flat" cmpd="sng">
+                      <a:solidFill>
+                        <a:srgbClr val="080000"/>
+                      </a:solidFill>
+                      <a:prstDash val="solid"/>
+                      <a:headEnd type="none" w="med" len="med"/>
+                      <a:tailEnd type="none" w="med" len="med"/>
+                    </a:lnR>
+                    <a:lnT w="12700" cap="flat" cmpd="sng">
+                      <a:solidFill>
+                        <a:srgbClr val="080000"/>
+                      </a:solidFill>
+                      <a:prstDash val="solid"/>
+                      <a:headEnd type="none" w="med" len="med"/>
+                      <a:tailEnd type="none" w="med" len="med"/>
+                    </a:lnT>
+                    <a:lnB w="12700" cap="flat" cmpd="sng">
+                      <a:solidFill>
+                        <a:srgbClr val="080000"/>
+                      </a:solidFill>
+                      <a:prstDash val="solid"/>
+                      <a:headEnd type="none" w="med" len="med"/>
+                      <a:tailEnd type="none" w="med" len="med"/>
+                    </a:lnB>
+                    <a:lnTlToBr>
+                      <a:noFill/>
+                    </a:lnTlToBr>
+                    <a:lnBlToTr>
+                      <a:noFill/>
+                    </a:lnBlToTr>
+                    <a:noFill/>
+                  </a:tcPr>
+                </a:tc>
+                <a:tc>
+                  <a:txBody>
+                    <a:bodyPr/>
+                    <a:p>
+                      <a:pPr indent="0">
+                        <a:buNone/>
+                      </a:pPr>
+                      <a:r>
+                        <a:rPr lang="en-US" sz="1400" b="0">
+                          <a:latin typeface="宋体" panose="02010600030101010101" pitchFamily="2" charset="-122"/>
+                          <a:ea typeface="宋体" panose="02010600030101010101" pitchFamily="2" charset="-122"/>
+                          <a:cs typeface="宋体" panose="02010600030101010101" pitchFamily="2" charset="-122"/>
+                        </a:rPr>
+                        <a:t>173 6707 3790‬</a:t>
+                      </a:r>
+                      <a:endParaRPr lang="en-US" altLang="en-US" sz="1400" b="0">
+                        <a:latin typeface="宋体" panose="02010600030101010101" pitchFamily="2" charset="-122"/>
+                        <a:ea typeface="宋体" panose="02010600030101010101" pitchFamily="2" charset="-122"/>
+                        <a:cs typeface="宋体" panose="02010600030101010101" pitchFamily="2" charset="-122"/>
+                      </a:endParaRPr>
+                    </a:p>
+                  </a:txBody>
+                  <a:tcPr marL="68580" marR="68580" marT="0" marB="0" vert="horz" anchor="t">
+                    <a:lnL w="12700" cap="flat" cmpd="sng">
+                      <a:solidFill>
+                        <a:srgbClr val="080000"/>
+                      </a:solidFill>
+                      <a:prstDash val="solid"/>
+                      <a:headEnd type="none" w="med" len="med"/>
+                      <a:tailEnd type="none" w="med" len="med"/>
+                    </a:lnL>
+                    <a:lnR w="12700" cap="flat" cmpd="sng">
+                      <a:solidFill>
+                        <a:srgbClr val="080000"/>
+                      </a:solidFill>
+                      <a:prstDash val="solid"/>
+                      <a:headEnd type="none" w="med" len="med"/>
+                      <a:tailEnd type="none" w="med" len="med"/>
+                    </a:lnR>
+                    <a:lnT w="12700" cap="flat" cmpd="sng">
+                      <a:solidFill>
+                        <a:srgbClr val="080000"/>
+                      </a:solidFill>
+                      <a:prstDash val="solid"/>
+                      <a:headEnd type="none" w="med" len="med"/>
+                      <a:tailEnd type="none" w="med" len="med"/>
+                    </a:lnT>
+                    <a:lnB w="12700" cap="flat" cmpd="sng">
+                      <a:solidFill>
+                        <a:srgbClr val="080000"/>
+                      </a:solidFill>
+                      <a:prstDash val="solid"/>
+                      <a:headEnd type="none" w="med" len="med"/>
+                      <a:tailEnd type="none" w="med" len="med"/>
+                    </a:lnB>
+                    <a:lnTlToBr>
+                      <a:noFill/>
+                    </a:lnTlToBr>
+                    <a:lnBlToTr>
+                      <a:noFill/>
+                    </a:lnBlToTr>
+                    <a:noFill/>
+                  </a:tcPr>
+                </a:tc>
+                <a:tc>
+                  <a:txBody>
+                    <a:bodyPr/>
+                    <a:p>
+                      <a:pPr indent="0">
+                        <a:buNone/>
+                      </a:pPr>
+                      <a:r>
+                        <a:rPr lang="en-US" sz="1400" b="0">
+                          <a:latin typeface="宋体" panose="02010600030101010101" pitchFamily="2" charset="-122"/>
+                          <a:ea typeface="宋体" panose="02010600030101010101" pitchFamily="2" charset="-122"/>
+                          <a:cs typeface="宋体" panose="02010600030101010101" pitchFamily="2" charset="-122"/>
+                        </a:rPr>
+                        <a:t>app希望界面简洁</a:t>
+                      </a:r>
+                      <a:endParaRPr lang="en-US" altLang="en-US" sz="1400" b="0">
+                        <a:latin typeface="宋体" panose="02010600030101010101" pitchFamily="2" charset="-122"/>
+                        <a:ea typeface="宋体" panose="02010600030101010101" pitchFamily="2" charset="-122"/>
+                        <a:cs typeface="宋体" panose="02010600030101010101" pitchFamily="2" charset="-122"/>
+                      </a:endParaRPr>
+                    </a:p>
+                  </a:txBody>
+                  <a:tcPr marL="68580" marR="68580" marT="0" marB="0" vert="horz" anchor="t">
+                    <a:lnL w="12700" cap="flat" cmpd="sng">
+                      <a:solidFill>
+                        <a:srgbClr val="080000"/>
+                      </a:solidFill>
+                      <a:prstDash val="solid"/>
+                      <a:headEnd type="none" w="med" len="med"/>
+                      <a:tailEnd type="none" w="med" len="med"/>
+                    </a:lnL>
+                    <a:lnR w="12700" cap="flat" cmpd="sng">
+                      <a:solidFill>
+                        <a:srgbClr val="080000"/>
+                      </a:solidFill>
+                      <a:prstDash val="solid"/>
+                      <a:headEnd type="none" w="med" len="med"/>
+                      <a:tailEnd type="none" w="med" len="med"/>
+                    </a:lnR>
+                    <a:lnT w="12700" cap="flat" cmpd="sng">
+                      <a:solidFill>
+                        <a:srgbClr val="080000"/>
+                      </a:solidFill>
+                      <a:prstDash val="solid"/>
+                      <a:headEnd type="none" w="med" len="med"/>
+                      <a:tailEnd type="none" w="med" len="med"/>
+                    </a:lnT>
+                    <a:lnB w="12700" cap="flat" cmpd="sng">
+                      <a:solidFill>
+                        <a:srgbClr val="080000"/>
+                      </a:solidFill>
+                      <a:prstDash val="solid"/>
+                      <a:headEnd type="none" w="med" len="med"/>
+                      <a:tailEnd type="none" w="med" len="med"/>
+                    </a:lnB>
+                    <a:lnTlToBr>
+                      <a:noFill/>
+                    </a:lnTlToBr>
+                    <a:lnBlToTr>
+                      <a:noFill/>
+                    </a:lnBlToTr>
+                    <a:noFill/>
+                  </a:tcPr>
+                </a:tc>
+                <a:tc>
+                  <a:txBody>
+                    <a:bodyPr/>
+                    <a:p>
+                      <a:pPr indent="0">
+                        <a:buNone/>
+                      </a:pPr>
+                      <a:r>
+                        <a:rPr lang="en-US" sz="1400" b="0">
+                          <a:latin typeface="宋体" panose="02010600030101010101" pitchFamily="2" charset="-122"/>
+                          <a:ea typeface="宋体" panose="02010600030101010101" pitchFamily="2" charset="-122"/>
+                          <a:cs typeface="宋体" panose="02010600030101010101" pitchFamily="2" charset="-122"/>
+                        </a:rPr>
+                        <a:t>初步想法一样，简洁的界面能让用户更快的进行图像识别</a:t>
+                      </a:r>
+                      <a:r>
+                        <a:rPr lang="en-US" sz="1400" b="0">
+                          <a:latin typeface="Calibri" panose="020F0502020204030204" pitchFamily="34" charset="0"/>
+                          <a:cs typeface="Calibri" panose="020F0502020204030204" pitchFamily="34" charset="0"/>
+                        </a:rPr>
+                        <a:t> </a:t>
+                      </a:r>
+                      <a:endParaRPr lang="en-US" altLang="en-US" sz="1400" b="0">
+                        <a:latin typeface="宋体" panose="02010600030101010101" pitchFamily="2" charset="-122"/>
+                        <a:ea typeface="宋体" panose="02010600030101010101" pitchFamily="2" charset="-122"/>
+                        <a:cs typeface="宋体" panose="02010600030101010101" pitchFamily="2" charset="-122"/>
+                      </a:endParaRPr>
+                    </a:p>
+                  </a:txBody>
+                  <a:tcPr marL="68580" marR="68580" marT="0" marB="0" vert="horz" anchor="t">
+                    <a:lnL w="12700" cap="flat" cmpd="sng">
+                      <a:solidFill>
+                        <a:srgbClr val="080000"/>
+                      </a:solidFill>
+                      <a:prstDash val="solid"/>
+                      <a:headEnd type="none" w="med" len="med"/>
+                      <a:tailEnd type="none" w="med" len="med"/>
+                    </a:lnL>
+                    <a:lnR w="12700" cap="flat" cmpd="sng">
+                      <a:solidFill>
+                        <a:srgbClr val="080000"/>
+                      </a:solidFill>
+                      <a:prstDash val="solid"/>
+                      <a:headEnd type="none" w="med" len="med"/>
+                      <a:tailEnd type="none" w="med" len="med"/>
+                    </a:lnR>
+                    <a:lnT w="12700" cap="flat" cmpd="sng">
+                      <a:solidFill>
+                        <a:srgbClr val="080000"/>
+                      </a:solidFill>
+                      <a:prstDash val="solid"/>
+                      <a:headEnd type="none" w="med" len="med"/>
+                      <a:tailEnd type="none" w="med" len="med"/>
+                    </a:lnT>
+                    <a:lnB w="12700" cap="flat" cmpd="sng">
+                      <a:solidFill>
+                        <a:srgbClr val="080000"/>
+                      </a:solidFill>
+                      <a:prstDash val="solid"/>
+                      <a:headEnd type="none" w="med" len="med"/>
+                      <a:tailEnd type="none" w="med" len="med"/>
+                    </a:lnB>
+                    <a:lnTlToBr>
+                      <a:noFill/>
+                    </a:lnTlToBr>
+                    <a:lnBlToTr>
+                      <a:noFill/>
+                    </a:lnBlToTr>
+                    <a:noFill/>
+                  </a:tcPr>
+                </a:tc>
+                <a:tc>
+                  <a:txBody>
+                    <a:bodyPr/>
+                    <a:p>
+                      <a:pPr indent="0">
+                        <a:buNone/>
+                      </a:pPr>
+                      <a:r>
+                        <a:rPr lang="en-US" sz="1400" b="0">
+                          <a:latin typeface="宋体" panose="02010600030101010101" pitchFamily="2" charset="-122"/>
+                          <a:ea typeface="宋体" panose="02010600030101010101" pitchFamily="2" charset="-122"/>
+                          <a:cs typeface="宋体" panose="02010600030101010101" pitchFamily="2" charset="-122"/>
+                        </a:rPr>
+                        <a:t>是</a:t>
+                      </a:r>
+                      <a:r>
+                        <a:rPr lang="en-US" sz="1400" b="0">
+                          <a:latin typeface="Calibri" panose="020F0502020204030204" pitchFamily="34" charset="0"/>
+                          <a:cs typeface="Calibri" panose="020F0502020204030204" pitchFamily="34" charset="0"/>
+                        </a:rPr>
+                        <a:t> </a:t>
+                      </a:r>
+                      <a:endParaRPr lang="en-US" altLang="en-US" sz="1400" b="0">
+                        <a:latin typeface="宋体" panose="02010600030101010101" pitchFamily="2" charset="-122"/>
+                        <a:ea typeface="宋体" panose="02010600030101010101" pitchFamily="2" charset="-122"/>
+                        <a:cs typeface="宋体" panose="02010600030101010101" pitchFamily="2" charset="-122"/>
+                      </a:endParaRPr>
+                    </a:p>
+                  </a:txBody>
+                  <a:tcPr marL="68580" marR="68580" marT="0" marB="0" vert="horz" anchor="t">
+                    <a:lnL w="12700" cap="flat" cmpd="sng">
+                      <a:solidFill>
+                        <a:srgbClr val="080000"/>
+                      </a:solidFill>
+                      <a:prstDash val="solid"/>
+                      <a:headEnd type="none" w="med" len="med"/>
+                      <a:tailEnd type="none" w="med" len="med"/>
+                    </a:lnL>
+                    <a:lnR w="12700" cap="flat" cmpd="sng">
+                      <a:solidFill>
+                        <a:srgbClr val="080000"/>
+                      </a:solidFill>
+                      <a:prstDash val="solid"/>
+                      <a:headEnd type="none" w="med" len="med"/>
+                      <a:tailEnd type="none" w="med" len="med"/>
+                    </a:lnR>
+                    <a:lnT w="12700" cap="flat" cmpd="sng">
+                      <a:solidFill>
+                        <a:srgbClr val="080000"/>
+                      </a:solidFill>
+                      <a:prstDash val="solid"/>
+                      <a:headEnd type="none" w="med" len="med"/>
+                      <a:tailEnd type="none" w="med" len="med"/>
+                    </a:lnT>
+                    <a:lnB w="12700" cap="flat" cmpd="sng">
+                      <a:solidFill>
+                        <a:srgbClr val="080000"/>
+                      </a:solidFill>
+                      <a:prstDash val="solid"/>
+                      <a:headEnd type="none" w="med" len="med"/>
+                      <a:tailEnd type="none" w="med" len="med"/>
+                    </a:lnB>
+                    <a:lnTlToBr>
+                      <a:noFill/>
+                    </a:lnTlToBr>
+                    <a:lnBlToTr>
+                      <a:noFill/>
+                    </a:lnBlToTr>
+                    <a:noFill/>
+                  </a:tcPr>
+                </a:tc>
+              </a:tr>
+              <a:tr h="931545">
+                <a:tc>
+                  <a:txBody>
+                    <a:bodyPr/>
+                    <a:p>
+                      <a:pPr indent="0">
+                        <a:buNone/>
+                      </a:pPr>
+                      <a:r>
+                        <a:rPr lang="en-US" sz="1400" b="0">
+                          <a:latin typeface="宋体" panose="02010600030101010101" pitchFamily="2" charset="-122"/>
+                          <a:ea typeface="宋体" panose="02010600030101010101" pitchFamily="2" charset="-122"/>
+                          <a:cs typeface="宋体" panose="02010600030101010101" pitchFamily="2" charset="-122"/>
+                        </a:rPr>
+                        <a:t>万希超</a:t>
+                      </a:r>
+                      <a:endParaRPr lang="en-US" altLang="en-US" sz="1400" b="0">
+                        <a:latin typeface="宋体" panose="02010600030101010101" pitchFamily="2" charset="-122"/>
+                        <a:ea typeface="宋体" panose="02010600030101010101" pitchFamily="2" charset="-122"/>
+                        <a:cs typeface="宋体" panose="02010600030101010101" pitchFamily="2" charset="-122"/>
+                      </a:endParaRPr>
+                    </a:p>
+                  </a:txBody>
+                  <a:tcPr marL="68580" marR="68580" marT="0" marB="0" vert="horz" anchor="t">
+                    <a:lnL w="12700" cap="flat" cmpd="sng">
+                      <a:solidFill>
+                        <a:srgbClr val="080000"/>
+                      </a:solidFill>
+                      <a:prstDash val="solid"/>
+                      <a:headEnd type="none" w="med" len="med"/>
+                      <a:tailEnd type="none" w="med" len="med"/>
+                    </a:lnL>
+                    <a:lnR w="12700" cap="flat" cmpd="sng">
+                      <a:solidFill>
+                        <a:srgbClr val="080000"/>
+                      </a:solidFill>
+                      <a:prstDash val="solid"/>
+                      <a:headEnd type="none" w="med" len="med"/>
+                      <a:tailEnd type="none" w="med" len="med"/>
+                    </a:lnR>
+                    <a:lnT w="12700" cap="flat" cmpd="sng">
+                      <a:solidFill>
+                        <a:srgbClr val="080000"/>
+                      </a:solidFill>
+                      <a:prstDash val="solid"/>
+                      <a:headEnd type="none" w="med" len="med"/>
+                      <a:tailEnd type="none" w="med" len="med"/>
+                    </a:lnT>
+                    <a:lnB w="12700" cap="flat" cmpd="sng">
+                      <a:solidFill>
+                        <a:srgbClr val="080000"/>
+                      </a:solidFill>
+                      <a:prstDash val="solid"/>
+                      <a:headEnd type="none" w="med" len="med"/>
+                      <a:tailEnd type="none" w="med" len="med"/>
+                    </a:lnB>
+                    <a:lnTlToBr>
+                      <a:noFill/>
+                    </a:lnTlToBr>
+                    <a:lnBlToTr>
+                      <a:noFill/>
+                    </a:lnBlToTr>
+                    <a:noFill/>
+                  </a:tcPr>
+                </a:tc>
+                <a:tc>
+                  <a:txBody>
+                    <a:bodyPr/>
+                    <a:p>
+                      <a:pPr indent="0">
+                        <a:buNone/>
+                      </a:pPr>
+                      <a:r>
+                        <a:rPr lang="en-US" sz="1400" b="0">
+                          <a:latin typeface="宋体" panose="02010600030101010101" pitchFamily="2" charset="-122"/>
+                          <a:ea typeface="宋体" panose="02010600030101010101" pitchFamily="2" charset="-122"/>
+                          <a:cs typeface="宋体" panose="02010600030101010101" pitchFamily="2" charset="-122"/>
+                        </a:rPr>
+                        <a:t>常州大学安全工程专业大三在读</a:t>
+                      </a:r>
+                      <a:endParaRPr lang="en-US" altLang="en-US" sz="1400" b="0">
+                        <a:latin typeface="宋体" panose="02010600030101010101" pitchFamily="2" charset="-122"/>
+                        <a:ea typeface="宋体" panose="02010600030101010101" pitchFamily="2" charset="-122"/>
+                        <a:cs typeface="宋体" panose="02010600030101010101" pitchFamily="2" charset="-122"/>
+                      </a:endParaRPr>
+                    </a:p>
+                  </a:txBody>
+                  <a:tcPr marL="68580" marR="68580" marT="0" marB="0" vert="horz" anchor="t">
+                    <a:lnL w="12700" cap="flat" cmpd="sng">
+                      <a:solidFill>
+                        <a:srgbClr val="080000"/>
+                      </a:solidFill>
+                      <a:prstDash val="solid"/>
+                      <a:headEnd type="none" w="med" len="med"/>
+                      <a:tailEnd type="none" w="med" len="med"/>
+                    </a:lnL>
+                    <a:lnR w="12700" cap="flat" cmpd="sng">
+                      <a:solidFill>
+                        <a:srgbClr val="080000"/>
+                      </a:solidFill>
+                      <a:prstDash val="solid"/>
+                      <a:headEnd type="none" w="med" len="med"/>
+                      <a:tailEnd type="none" w="med" len="med"/>
+                    </a:lnR>
+                    <a:lnT w="12700" cap="flat" cmpd="sng">
+                      <a:solidFill>
+                        <a:srgbClr val="080000"/>
+                      </a:solidFill>
+                      <a:prstDash val="solid"/>
+                      <a:headEnd type="none" w="med" len="med"/>
+                      <a:tailEnd type="none" w="med" len="med"/>
+                    </a:lnT>
+                    <a:lnB w="12700" cap="flat" cmpd="sng">
+                      <a:solidFill>
+                        <a:srgbClr val="080000"/>
+                      </a:solidFill>
+                      <a:prstDash val="solid"/>
+                      <a:headEnd type="none" w="med" len="med"/>
+                      <a:tailEnd type="none" w="med" len="med"/>
+                    </a:lnB>
+                    <a:lnTlToBr>
+                      <a:noFill/>
+                    </a:lnTlToBr>
+                    <a:lnBlToTr>
+                      <a:noFill/>
+                    </a:lnBlToTr>
+                    <a:noFill/>
+                  </a:tcPr>
+                </a:tc>
+                <a:tc>
+                  <a:txBody>
+                    <a:bodyPr/>
+                    <a:p>
+                      <a:pPr indent="0">
+                        <a:buNone/>
+                      </a:pPr>
+                      <a:r>
+                        <a:rPr lang="en-US" sz="1400" b="0">
+                          <a:latin typeface="宋体" panose="02010600030101010101" pitchFamily="2" charset="-122"/>
+                          <a:ea typeface="宋体" panose="02010600030101010101" pitchFamily="2" charset="-122"/>
+                          <a:cs typeface="宋体" panose="02010600030101010101" pitchFamily="2" charset="-122"/>
+                        </a:rPr>
+                        <a:t>15851996677</a:t>
+                      </a:r>
+                      <a:endParaRPr lang="en-US" altLang="en-US" sz="1400" b="0">
+                        <a:latin typeface="宋体" panose="02010600030101010101" pitchFamily="2" charset="-122"/>
+                        <a:ea typeface="宋体" panose="02010600030101010101" pitchFamily="2" charset="-122"/>
+                        <a:cs typeface="宋体" panose="02010600030101010101" pitchFamily="2" charset="-122"/>
+                      </a:endParaRPr>
+                    </a:p>
+                  </a:txBody>
+                  <a:tcPr marL="68580" marR="68580" marT="0" marB="0" vert="horz" anchor="t">
+                    <a:lnL w="12700" cap="flat" cmpd="sng">
+                      <a:solidFill>
+                        <a:srgbClr val="080000"/>
+                      </a:solidFill>
+                      <a:prstDash val="solid"/>
+                      <a:headEnd type="none" w="med" len="med"/>
+                      <a:tailEnd type="none" w="med" len="med"/>
+                    </a:lnL>
+                    <a:lnR w="12700" cap="flat" cmpd="sng">
+                      <a:solidFill>
+                        <a:srgbClr val="080000"/>
+                      </a:solidFill>
+                      <a:prstDash val="solid"/>
+                      <a:headEnd type="none" w="med" len="med"/>
+                      <a:tailEnd type="none" w="med" len="med"/>
+                    </a:lnR>
+                    <a:lnT w="12700" cap="flat" cmpd="sng">
+                      <a:solidFill>
+                        <a:srgbClr val="080000"/>
+                      </a:solidFill>
+                      <a:prstDash val="solid"/>
+                      <a:headEnd type="none" w="med" len="med"/>
+                      <a:tailEnd type="none" w="med" len="med"/>
+                    </a:lnT>
+                    <a:lnB w="12700" cap="flat" cmpd="sng">
+                      <a:solidFill>
+                        <a:srgbClr val="080000"/>
+                      </a:solidFill>
+                      <a:prstDash val="solid"/>
+                      <a:headEnd type="none" w="med" len="med"/>
+                      <a:tailEnd type="none" w="med" len="med"/>
+                    </a:lnB>
+                    <a:lnTlToBr>
+                      <a:noFill/>
+                    </a:lnTlToBr>
+                    <a:lnBlToTr>
+                      <a:noFill/>
+                    </a:lnBlToTr>
+                    <a:noFill/>
+                  </a:tcPr>
+                </a:tc>
+                <a:tc>
+                  <a:txBody>
+                    <a:bodyPr/>
+                    <a:p>
+                      <a:pPr indent="0">
+                        <a:buNone/>
+                      </a:pPr>
+                      <a:r>
+                        <a:rPr lang="en-US" sz="1400" b="0">
+                          <a:latin typeface="宋体" panose="02010600030101010101" pitchFamily="2" charset="-122"/>
+                          <a:ea typeface="宋体" panose="02010600030101010101" pitchFamily="2" charset="-122"/>
+                          <a:cs typeface="宋体" panose="02010600030101010101" pitchFamily="2" charset="-122"/>
+                        </a:rPr>
+                        <a:t>希望能够在识别出酒类信息的基础上得到酒类评价</a:t>
+                      </a:r>
+                      <a:endParaRPr lang="en-US" altLang="en-US" sz="1400" b="0">
+                        <a:latin typeface="宋体" panose="02010600030101010101" pitchFamily="2" charset="-122"/>
+                        <a:ea typeface="宋体" panose="02010600030101010101" pitchFamily="2" charset="-122"/>
+                        <a:cs typeface="宋体" panose="02010600030101010101" pitchFamily="2" charset="-122"/>
+                      </a:endParaRPr>
+                    </a:p>
+                  </a:txBody>
+                  <a:tcPr marL="68580" marR="68580" marT="0" marB="0" vert="horz" anchor="t">
+                    <a:lnL w="12700" cap="flat" cmpd="sng">
+                      <a:solidFill>
+                        <a:srgbClr val="080000"/>
+                      </a:solidFill>
+                      <a:prstDash val="solid"/>
+                      <a:headEnd type="none" w="med" len="med"/>
+                      <a:tailEnd type="none" w="med" len="med"/>
+                    </a:lnL>
+                    <a:lnR w="12700" cap="flat" cmpd="sng">
+                      <a:solidFill>
+                        <a:srgbClr val="080000"/>
+                      </a:solidFill>
+                      <a:prstDash val="solid"/>
+                      <a:headEnd type="none" w="med" len="med"/>
+                      <a:tailEnd type="none" w="med" len="med"/>
+                    </a:lnR>
+                    <a:lnT w="12700" cap="flat" cmpd="sng">
+                      <a:solidFill>
+                        <a:srgbClr val="080000"/>
+                      </a:solidFill>
+                      <a:prstDash val="solid"/>
+                      <a:headEnd type="none" w="med" len="med"/>
+                      <a:tailEnd type="none" w="med" len="med"/>
+                    </a:lnT>
+                    <a:lnB w="12700" cap="flat" cmpd="sng">
+                      <a:solidFill>
+                        <a:srgbClr val="080000"/>
+                      </a:solidFill>
+                      <a:prstDash val="solid"/>
+                      <a:headEnd type="none" w="med" len="med"/>
+                      <a:tailEnd type="none" w="med" len="med"/>
+                    </a:lnB>
+                    <a:lnTlToBr>
+                      <a:noFill/>
+                    </a:lnTlToBr>
+                    <a:lnBlToTr>
+                      <a:noFill/>
+                    </a:lnBlToTr>
+                    <a:noFill/>
+                  </a:tcPr>
+                </a:tc>
+                <a:tc>
+                  <a:txBody>
+                    <a:bodyPr/>
+                    <a:p>
+                      <a:pPr indent="0">
+                        <a:buNone/>
+                      </a:pPr>
+                      <a:r>
+                        <a:rPr lang="en-US" sz="1400" b="0">
+                          <a:latin typeface="宋体" panose="02010600030101010101" pitchFamily="2" charset="-122"/>
+                          <a:ea typeface="宋体" panose="02010600030101010101" pitchFamily="2" charset="-122"/>
+                          <a:cs typeface="宋体" panose="02010600030101010101" pitchFamily="2" charset="-122"/>
+                        </a:rPr>
+                        <a:t>因为此软件主要为了学习图像识别相关技术添加此功能增加了太多工作量可能导致项目周期超出限制时间</a:t>
+                      </a:r>
+                      <a:endParaRPr lang="en-US" altLang="en-US" sz="1400" b="0">
+                        <a:latin typeface="宋体" panose="02010600030101010101" pitchFamily="2" charset="-122"/>
+                        <a:ea typeface="宋体" panose="02010600030101010101" pitchFamily="2" charset="-122"/>
+                        <a:cs typeface="宋体" panose="02010600030101010101" pitchFamily="2" charset="-122"/>
+                      </a:endParaRPr>
+                    </a:p>
+                  </a:txBody>
+                  <a:tcPr marL="68580" marR="68580" marT="0" marB="0" vert="horz" anchor="t">
+                    <a:lnL w="12700" cap="flat" cmpd="sng">
+                      <a:solidFill>
+                        <a:srgbClr val="080000"/>
+                      </a:solidFill>
+                      <a:prstDash val="solid"/>
+                      <a:headEnd type="none" w="med" len="med"/>
+                      <a:tailEnd type="none" w="med" len="med"/>
+                    </a:lnL>
+                    <a:lnR w="12700" cap="flat" cmpd="sng">
+                      <a:solidFill>
+                        <a:srgbClr val="080000"/>
+                      </a:solidFill>
+                      <a:prstDash val="solid"/>
+                      <a:headEnd type="none" w="med" len="med"/>
+                      <a:tailEnd type="none" w="med" len="med"/>
+                    </a:lnR>
+                    <a:lnT w="12700" cap="flat" cmpd="sng">
+                      <a:solidFill>
+                        <a:srgbClr val="080000"/>
+                      </a:solidFill>
+                      <a:prstDash val="solid"/>
+                      <a:headEnd type="none" w="med" len="med"/>
+                      <a:tailEnd type="none" w="med" len="med"/>
+                    </a:lnT>
+                    <a:lnB w="12700" cap="flat" cmpd="sng">
+                      <a:solidFill>
+                        <a:srgbClr val="080000"/>
+                      </a:solidFill>
+                      <a:prstDash val="solid"/>
+                      <a:headEnd type="none" w="med" len="med"/>
+                      <a:tailEnd type="none" w="med" len="med"/>
+                    </a:lnB>
+                    <a:lnTlToBr>
+                      <a:noFill/>
+                    </a:lnTlToBr>
+                    <a:lnBlToTr>
+                      <a:noFill/>
+                    </a:lnBlToTr>
+                    <a:noFill/>
+                  </a:tcPr>
+                </a:tc>
+                <a:tc>
+                  <a:txBody>
+                    <a:bodyPr/>
+                    <a:p>
+                      <a:pPr indent="0">
+                        <a:buNone/>
+                      </a:pPr>
+                      <a:r>
+                        <a:rPr lang="en-US" sz="1400" b="0">
+                          <a:latin typeface="宋体" panose="02010600030101010101" pitchFamily="2" charset="-122"/>
+                          <a:ea typeface="宋体" panose="02010600030101010101" pitchFamily="2" charset="-122"/>
+                          <a:cs typeface="宋体" panose="02010600030101010101" pitchFamily="2" charset="-122"/>
+                        </a:rPr>
+                        <a:t>否</a:t>
+                      </a:r>
+                      <a:endParaRPr lang="en-US" altLang="en-US" sz="1400" b="0">
+                        <a:latin typeface="宋体" panose="02010600030101010101" pitchFamily="2" charset="-122"/>
+                        <a:ea typeface="宋体" panose="02010600030101010101" pitchFamily="2" charset="-122"/>
+                        <a:cs typeface="宋体" panose="02010600030101010101" pitchFamily="2" charset="-122"/>
+                      </a:endParaRPr>
+                    </a:p>
+                  </a:txBody>
+                  <a:tcPr marL="68580" marR="68580" marT="0" marB="0" vert="horz" anchor="t">
+                    <a:lnL w="12700" cap="flat" cmpd="sng">
+                      <a:solidFill>
+                        <a:srgbClr val="080000"/>
+                      </a:solidFill>
+                      <a:prstDash val="solid"/>
+                      <a:headEnd type="none" w="med" len="med"/>
+                      <a:tailEnd type="none" w="med" len="med"/>
+                    </a:lnL>
+                    <a:lnR w="12700" cap="flat" cmpd="sng">
+                      <a:solidFill>
+                        <a:srgbClr val="080000"/>
+                      </a:solidFill>
+                      <a:prstDash val="solid"/>
+                      <a:headEnd type="none" w="med" len="med"/>
+                      <a:tailEnd type="none" w="med" len="med"/>
+                    </a:lnR>
+                    <a:lnT w="12700" cap="flat" cmpd="sng">
+                      <a:solidFill>
+                        <a:srgbClr val="080000"/>
+                      </a:solidFill>
+                      <a:prstDash val="solid"/>
+                      <a:headEnd type="none" w="med" len="med"/>
+                      <a:tailEnd type="none" w="med" len="med"/>
+                    </a:lnT>
+                    <a:lnB w="12700" cap="flat" cmpd="sng">
+                      <a:solidFill>
+                        <a:srgbClr val="080000"/>
+                      </a:solidFill>
+                      <a:prstDash val="solid"/>
+                      <a:headEnd type="none" w="med" len="med"/>
+                      <a:tailEnd type="none" w="med" len="med"/>
+                    </a:lnB>
+                    <a:lnTlToBr>
+                      <a:noFill/>
+                    </a:lnTlToBr>
+                    <a:lnBlToTr>
+                      <a:noFill/>
+                    </a:lnBlToTr>
+                    <a:noFill/>
+                  </a:tcPr>
+                </a:tc>
+              </a:tr>
+              <a:tr h="815340">
+                <a:tc>
+                  <a:txBody>
+                    <a:bodyPr/>
+                    <a:p>
+                      <a:pPr indent="0">
+                        <a:buNone/>
+                      </a:pPr>
+                      <a:r>
+                        <a:rPr lang="en-US" sz="1400" b="0">
+                          <a:latin typeface="宋体" panose="02010600030101010101" pitchFamily="2" charset="-122"/>
+                          <a:ea typeface="宋体" panose="02010600030101010101" pitchFamily="2" charset="-122"/>
+                          <a:cs typeface="宋体" panose="02010600030101010101" pitchFamily="2" charset="-122"/>
+                        </a:rPr>
+                        <a:t>徐义</a:t>
+                      </a:r>
+                      <a:endParaRPr lang="en-US" altLang="en-US" sz="1400" b="0">
+                        <a:latin typeface="宋体" panose="02010600030101010101" pitchFamily="2" charset="-122"/>
+                        <a:ea typeface="宋体" panose="02010600030101010101" pitchFamily="2" charset="-122"/>
+                        <a:cs typeface="宋体" panose="02010600030101010101" pitchFamily="2" charset="-122"/>
+                      </a:endParaRPr>
+                    </a:p>
+                  </a:txBody>
+                  <a:tcPr marL="68580" marR="68580" marT="0" marB="0" vert="horz" anchor="t">
+                    <a:lnL w="12700" cap="flat" cmpd="sng">
+                      <a:solidFill>
+                        <a:srgbClr val="080000"/>
+                      </a:solidFill>
+                      <a:prstDash val="solid"/>
+                      <a:headEnd type="none" w="med" len="med"/>
+                      <a:tailEnd type="none" w="med" len="med"/>
+                    </a:lnL>
+                    <a:lnR w="12700" cap="flat" cmpd="sng">
+                      <a:solidFill>
+                        <a:srgbClr val="080000"/>
+                      </a:solidFill>
+                      <a:prstDash val="solid"/>
+                      <a:headEnd type="none" w="med" len="med"/>
+                      <a:tailEnd type="none" w="med" len="med"/>
+                    </a:lnR>
+                    <a:lnT w="12700" cap="flat" cmpd="sng">
+                      <a:solidFill>
+                        <a:srgbClr val="080000"/>
+                      </a:solidFill>
+                      <a:prstDash val="solid"/>
+                      <a:headEnd type="none" w="med" len="med"/>
+                      <a:tailEnd type="none" w="med" len="med"/>
+                    </a:lnT>
+                    <a:lnB w="12700" cap="flat" cmpd="sng">
+                      <a:solidFill>
+                        <a:srgbClr val="080000"/>
+                      </a:solidFill>
+                      <a:prstDash val="solid"/>
+                      <a:headEnd type="none" w="med" len="med"/>
+                      <a:tailEnd type="none" w="med" len="med"/>
+                    </a:lnB>
+                    <a:lnTlToBr>
+                      <a:noFill/>
+                    </a:lnTlToBr>
+                    <a:lnBlToTr>
+                      <a:noFill/>
+                    </a:lnBlToTr>
+                    <a:noFill/>
+                  </a:tcPr>
+                </a:tc>
+                <a:tc>
+                  <a:txBody>
+                    <a:bodyPr/>
+                    <a:p>
+                      <a:pPr indent="0">
+                        <a:buNone/>
+                      </a:pPr>
+                      <a:r>
+                        <a:rPr lang="en-US" sz="1400" b="0">
+                          <a:latin typeface="宋体" panose="02010600030101010101" pitchFamily="2" charset="-122"/>
+                          <a:ea typeface="宋体" panose="02010600030101010101" pitchFamily="2" charset="-122"/>
+                          <a:cs typeface="宋体" panose="02010600030101010101" pitchFamily="2" charset="-122"/>
+                        </a:rPr>
+                        <a:t>南京航空航天大学电气工程专业大三在读</a:t>
+                      </a:r>
+                      <a:endParaRPr lang="en-US" altLang="en-US" sz="1400" b="0">
+                        <a:latin typeface="宋体" panose="02010600030101010101" pitchFamily="2" charset="-122"/>
+                        <a:ea typeface="宋体" panose="02010600030101010101" pitchFamily="2" charset="-122"/>
+                        <a:cs typeface="宋体" panose="02010600030101010101" pitchFamily="2" charset="-122"/>
+                      </a:endParaRPr>
+                    </a:p>
+                  </a:txBody>
+                  <a:tcPr marL="68580" marR="68580" marT="0" marB="0" vert="horz" anchor="t">
+                    <a:lnL w="12700" cap="flat" cmpd="sng">
+                      <a:solidFill>
+                        <a:srgbClr val="080000"/>
+                      </a:solidFill>
+                      <a:prstDash val="solid"/>
+                      <a:headEnd type="none" w="med" len="med"/>
+                      <a:tailEnd type="none" w="med" len="med"/>
+                    </a:lnL>
+                    <a:lnR w="12700" cap="flat" cmpd="sng">
+                      <a:solidFill>
+                        <a:srgbClr val="080000"/>
+                      </a:solidFill>
+                      <a:prstDash val="solid"/>
+                      <a:headEnd type="none" w="med" len="med"/>
+                      <a:tailEnd type="none" w="med" len="med"/>
+                    </a:lnR>
+                    <a:lnT w="12700" cap="flat" cmpd="sng">
+                      <a:solidFill>
+                        <a:srgbClr val="080000"/>
+                      </a:solidFill>
+                      <a:prstDash val="solid"/>
+                      <a:headEnd type="none" w="med" len="med"/>
+                      <a:tailEnd type="none" w="med" len="med"/>
+                    </a:lnT>
+                    <a:lnB w="12700" cap="flat" cmpd="sng">
+                      <a:solidFill>
+                        <a:srgbClr val="080000"/>
+                      </a:solidFill>
+                      <a:prstDash val="solid"/>
+                      <a:headEnd type="none" w="med" len="med"/>
+                      <a:tailEnd type="none" w="med" len="med"/>
+                    </a:lnB>
+                    <a:lnTlToBr>
+                      <a:noFill/>
+                    </a:lnTlToBr>
+                    <a:lnBlToTr>
+                      <a:noFill/>
+                    </a:lnBlToTr>
+                    <a:noFill/>
+                  </a:tcPr>
+                </a:tc>
+                <a:tc>
+                  <a:txBody>
+                    <a:bodyPr/>
+                    <a:p>
+                      <a:pPr indent="0">
+                        <a:buNone/>
+                      </a:pPr>
+                      <a:r>
+                        <a:rPr lang="en-US" sz="1400" b="0">
+                          <a:latin typeface="宋体" panose="02010600030101010101" pitchFamily="2" charset="-122"/>
+                          <a:ea typeface="宋体" panose="02010600030101010101" pitchFamily="2" charset="-122"/>
+                          <a:cs typeface="宋体" panose="02010600030101010101" pitchFamily="2" charset="-122"/>
+                        </a:rPr>
+                        <a:t>13506141623</a:t>
+                      </a:r>
+                      <a:endParaRPr lang="en-US" altLang="en-US" sz="1400" b="0">
+                        <a:latin typeface="宋体" panose="02010600030101010101" pitchFamily="2" charset="-122"/>
+                        <a:ea typeface="宋体" panose="02010600030101010101" pitchFamily="2" charset="-122"/>
+                        <a:cs typeface="宋体" panose="02010600030101010101" pitchFamily="2" charset="-122"/>
+                      </a:endParaRPr>
+                    </a:p>
+                  </a:txBody>
+                  <a:tcPr marL="68580" marR="68580" marT="0" marB="0" vert="horz" anchor="t">
+                    <a:lnL w="12700" cap="flat" cmpd="sng">
+                      <a:solidFill>
+                        <a:srgbClr val="080000"/>
+                      </a:solidFill>
+                      <a:prstDash val="solid"/>
+                      <a:headEnd type="none" w="med" len="med"/>
+                      <a:tailEnd type="none" w="med" len="med"/>
+                    </a:lnL>
+                    <a:lnR w="12700" cap="flat" cmpd="sng">
+                      <a:solidFill>
+                        <a:srgbClr val="080000"/>
+                      </a:solidFill>
+                      <a:prstDash val="solid"/>
+                      <a:headEnd type="none" w="med" len="med"/>
+                      <a:tailEnd type="none" w="med" len="med"/>
+                    </a:lnR>
+                    <a:lnT w="12700" cap="flat" cmpd="sng">
+                      <a:solidFill>
+                        <a:srgbClr val="080000"/>
+                      </a:solidFill>
+                      <a:prstDash val="solid"/>
+                      <a:headEnd type="none" w="med" len="med"/>
+                      <a:tailEnd type="none" w="med" len="med"/>
+                    </a:lnT>
+                    <a:lnB w="12700" cap="flat" cmpd="sng">
+                      <a:solidFill>
+                        <a:srgbClr val="080000"/>
+                      </a:solidFill>
+                      <a:prstDash val="solid"/>
+                      <a:headEnd type="none" w="med" len="med"/>
+                      <a:tailEnd type="none" w="med" len="med"/>
+                    </a:lnB>
+                    <a:lnTlToBr>
+                      <a:noFill/>
+                    </a:lnTlToBr>
+                    <a:lnBlToTr>
+                      <a:noFill/>
+                    </a:lnBlToTr>
+                    <a:noFill/>
+                  </a:tcPr>
+                </a:tc>
+                <a:tc>
+                  <a:txBody>
+                    <a:bodyPr/>
+                    <a:p>
+                      <a:pPr indent="0">
+                        <a:buNone/>
+                      </a:pPr>
+                      <a:r>
+                        <a:rPr lang="en-US" sz="1400" b="0">
+                          <a:latin typeface="宋体" panose="02010600030101010101" pitchFamily="2" charset="-122"/>
+                          <a:ea typeface="宋体" panose="02010600030101010101" pitchFamily="2" charset="-122"/>
+                          <a:cs typeface="宋体" panose="02010600030101010101" pitchFamily="2" charset="-122"/>
+                        </a:rPr>
+                        <a:t>希望我们的访谈对象不局限于大学生，可以拓展到超市老板等更广大的受众</a:t>
+                      </a:r>
+                      <a:endParaRPr lang="en-US" altLang="en-US" sz="1400" b="0">
+                        <a:latin typeface="宋体" panose="02010600030101010101" pitchFamily="2" charset="-122"/>
+                        <a:ea typeface="宋体" panose="02010600030101010101" pitchFamily="2" charset="-122"/>
+                        <a:cs typeface="宋体" panose="02010600030101010101" pitchFamily="2" charset="-122"/>
+                      </a:endParaRPr>
+                    </a:p>
+                  </a:txBody>
+                  <a:tcPr marL="68580" marR="68580" marT="0" marB="0" vert="horz" anchor="t">
+                    <a:lnL w="12700" cap="flat" cmpd="sng">
+                      <a:solidFill>
+                        <a:srgbClr val="080000"/>
+                      </a:solidFill>
+                      <a:prstDash val="solid"/>
+                      <a:headEnd type="none" w="med" len="med"/>
+                      <a:tailEnd type="none" w="med" len="med"/>
+                    </a:lnL>
+                    <a:lnR w="12700" cap="flat" cmpd="sng">
+                      <a:solidFill>
+                        <a:srgbClr val="080000"/>
+                      </a:solidFill>
+                      <a:prstDash val="solid"/>
+                      <a:headEnd type="none" w="med" len="med"/>
+                      <a:tailEnd type="none" w="med" len="med"/>
+                    </a:lnR>
+                    <a:lnT w="12700" cap="flat" cmpd="sng">
+                      <a:solidFill>
+                        <a:srgbClr val="080000"/>
+                      </a:solidFill>
+                      <a:prstDash val="solid"/>
+                      <a:headEnd type="none" w="med" len="med"/>
+                      <a:tailEnd type="none" w="med" len="med"/>
+                    </a:lnT>
+                    <a:lnB w="12700" cap="flat" cmpd="sng">
+                      <a:solidFill>
+                        <a:srgbClr val="080000"/>
+                      </a:solidFill>
+                      <a:prstDash val="solid"/>
+                      <a:headEnd type="none" w="med" len="med"/>
+                      <a:tailEnd type="none" w="med" len="med"/>
+                    </a:lnB>
+                    <a:lnTlToBr>
+                      <a:noFill/>
+                    </a:lnTlToBr>
+                    <a:lnBlToTr>
+                      <a:noFill/>
+                    </a:lnBlToTr>
+                    <a:noFill/>
+                  </a:tcPr>
+                </a:tc>
+                <a:tc>
+                  <a:txBody>
+                    <a:bodyPr/>
+                    <a:p>
+                      <a:pPr indent="0">
+                        <a:buNone/>
+                      </a:pPr>
+                      <a:r>
+                        <a:rPr lang="en-US" sz="1400" b="0">
+                          <a:latin typeface="宋体" panose="02010600030101010101" pitchFamily="2" charset="-122"/>
+                          <a:ea typeface="宋体" panose="02010600030101010101" pitchFamily="2" charset="-122"/>
+                          <a:cs typeface="宋体" panose="02010600030101010101" pitchFamily="2" charset="-122"/>
+                        </a:rPr>
+                        <a:t>很中肯的建议，我们的确之前只访谈了学生群体</a:t>
+                      </a:r>
+                      <a:endParaRPr lang="en-US" altLang="en-US" sz="1400" b="0">
+                        <a:latin typeface="宋体" panose="02010600030101010101" pitchFamily="2" charset="-122"/>
+                        <a:ea typeface="宋体" panose="02010600030101010101" pitchFamily="2" charset="-122"/>
+                        <a:cs typeface="宋体" panose="02010600030101010101" pitchFamily="2" charset="-122"/>
+                      </a:endParaRPr>
+                    </a:p>
+                  </a:txBody>
+                  <a:tcPr marL="68580" marR="68580" marT="0" marB="0" vert="horz" anchor="t">
+                    <a:lnL w="12700" cap="flat" cmpd="sng">
+                      <a:solidFill>
+                        <a:srgbClr val="080000"/>
+                      </a:solidFill>
+                      <a:prstDash val="solid"/>
+                      <a:headEnd type="none" w="med" len="med"/>
+                      <a:tailEnd type="none" w="med" len="med"/>
+                    </a:lnL>
+                    <a:lnR w="12700" cap="flat" cmpd="sng">
+                      <a:solidFill>
+                        <a:srgbClr val="080000"/>
+                      </a:solidFill>
+                      <a:prstDash val="solid"/>
+                      <a:headEnd type="none" w="med" len="med"/>
+                      <a:tailEnd type="none" w="med" len="med"/>
+                    </a:lnR>
+                    <a:lnT w="12700" cap="flat" cmpd="sng">
+                      <a:solidFill>
+                        <a:srgbClr val="080000"/>
+                      </a:solidFill>
+                      <a:prstDash val="solid"/>
+                      <a:headEnd type="none" w="med" len="med"/>
+                      <a:tailEnd type="none" w="med" len="med"/>
+                    </a:lnT>
+                    <a:lnB w="12700" cap="flat" cmpd="sng">
+                      <a:solidFill>
+                        <a:srgbClr val="080000"/>
+                      </a:solidFill>
+                      <a:prstDash val="solid"/>
+                      <a:headEnd type="none" w="med" len="med"/>
+                      <a:tailEnd type="none" w="med" len="med"/>
+                    </a:lnB>
+                    <a:lnTlToBr>
+                      <a:noFill/>
+                    </a:lnTlToBr>
+                    <a:lnBlToTr>
+                      <a:noFill/>
+                    </a:lnBlToTr>
+                    <a:noFill/>
+                  </a:tcPr>
+                </a:tc>
+                <a:tc>
+                  <a:txBody>
+                    <a:bodyPr/>
+                    <a:p>
+                      <a:pPr indent="0">
+                        <a:buNone/>
+                      </a:pPr>
+                      <a:r>
+                        <a:rPr lang="en-US" sz="1400" b="0">
+                          <a:latin typeface="宋体" panose="02010600030101010101" pitchFamily="2" charset="-122"/>
+                          <a:ea typeface="宋体" panose="02010600030101010101" pitchFamily="2" charset="-122"/>
+                          <a:cs typeface="宋体" panose="02010600030101010101" pitchFamily="2" charset="-122"/>
+                        </a:rPr>
+                        <a:t>是</a:t>
+                      </a:r>
+                      <a:endParaRPr lang="en-US" altLang="en-US" sz="1400" b="0">
+                        <a:latin typeface="宋体" panose="02010600030101010101" pitchFamily="2" charset="-122"/>
+                        <a:ea typeface="宋体" panose="02010600030101010101" pitchFamily="2" charset="-122"/>
+                        <a:cs typeface="宋体" panose="02010600030101010101" pitchFamily="2" charset="-122"/>
+                      </a:endParaRPr>
+                    </a:p>
+                  </a:txBody>
+                  <a:tcPr marL="68580" marR="68580" marT="0" marB="0" vert="horz" anchor="t">
+                    <a:lnL w="12700" cap="flat" cmpd="sng">
+                      <a:solidFill>
+                        <a:srgbClr val="080000"/>
+                      </a:solidFill>
+                      <a:prstDash val="solid"/>
+                      <a:headEnd type="none" w="med" len="med"/>
+                      <a:tailEnd type="none" w="med" len="med"/>
+                    </a:lnL>
+                    <a:lnR w="12700" cap="flat" cmpd="sng">
+                      <a:solidFill>
+                        <a:srgbClr val="080000"/>
+                      </a:solidFill>
+                      <a:prstDash val="solid"/>
+                      <a:headEnd type="none" w="med" len="med"/>
+                      <a:tailEnd type="none" w="med" len="med"/>
+                    </a:lnR>
+                    <a:lnT w="12700" cap="flat" cmpd="sng">
+                      <a:solidFill>
+                        <a:srgbClr val="080000"/>
+                      </a:solidFill>
+                      <a:prstDash val="solid"/>
+                      <a:headEnd type="none" w="med" len="med"/>
+                      <a:tailEnd type="none" w="med" len="med"/>
+                    </a:lnT>
+                    <a:lnB w="12700" cap="flat" cmpd="sng">
+                      <a:solidFill>
+                        <a:srgbClr val="080000"/>
+                      </a:solidFill>
+                      <a:prstDash val="solid"/>
+                      <a:headEnd type="none" w="med" len="med"/>
+                      <a:tailEnd type="none" w="med" len="med"/>
+                    </a:lnB>
+                    <a:lnTlToBr>
+                      <a:noFill/>
+                    </a:lnTlToBr>
+                    <a:lnBlToTr>
+                      <a:noFill/>
+                    </a:lnBlToTr>
+                    <a:noFill/>
+                  </a:tcPr>
+                </a:tc>
+              </a:tr>
+            </a:tbl>
+          </a:graphicData>
+        </a:graphic>
+      </p:graphicFrame>
     </p:spTree>
   </p:cSld>
   <p:clrMapOvr>

--- a/SE2018春-G17-需求分析PPT.pptx
+++ b/SE2018春-G17-需求分析PPT.pptx
@@ -8,7 +8,7 @@
     <p:notesMasterId r:id="rId4"/>
   </p:notesMasterIdLst>
   <p:handoutMasterIdLst>
-    <p:handoutMasterId r:id="rId32"/>
+    <p:handoutMasterId r:id="rId33"/>
   </p:handoutMasterIdLst>
   <p:sldIdLst>
     <p:sldId id="370" r:id="rId3"/>
@@ -16,29 +16,30 @@
     <p:sldId id="405" r:id="rId6"/>
     <p:sldId id="439" r:id="rId7"/>
     <p:sldId id="450" r:id="rId8"/>
-    <p:sldId id="437" r:id="rId9"/>
-    <p:sldId id="463" r:id="rId10"/>
-    <p:sldId id="456" r:id="rId11"/>
-    <p:sldId id="457" r:id="rId12"/>
-    <p:sldId id="458" r:id="rId13"/>
-    <p:sldId id="459" r:id="rId14"/>
-    <p:sldId id="460" r:id="rId15"/>
-    <p:sldId id="461" r:id="rId16"/>
-    <p:sldId id="488" r:id="rId17"/>
-    <p:sldId id="486" r:id="rId18"/>
-    <p:sldId id="412" r:id="rId19"/>
-    <p:sldId id="487" r:id="rId20"/>
-    <p:sldId id="464" r:id="rId21"/>
-    <p:sldId id="465" r:id="rId22"/>
-    <p:sldId id="489" r:id="rId23"/>
-    <p:sldId id="408" r:id="rId24"/>
-    <p:sldId id="466" r:id="rId25"/>
-    <p:sldId id="467" r:id="rId26"/>
-    <p:sldId id="407" r:id="rId27"/>
-    <p:sldId id="481" r:id="rId28"/>
-    <p:sldId id="455" r:id="rId29"/>
-    <p:sldId id="451" r:id="rId30"/>
-    <p:sldId id="436" r:id="rId31"/>
+    <p:sldId id="512" r:id="rId9"/>
+    <p:sldId id="437" r:id="rId10"/>
+    <p:sldId id="463" r:id="rId11"/>
+    <p:sldId id="456" r:id="rId12"/>
+    <p:sldId id="457" r:id="rId13"/>
+    <p:sldId id="458" r:id="rId14"/>
+    <p:sldId id="459" r:id="rId15"/>
+    <p:sldId id="460" r:id="rId16"/>
+    <p:sldId id="461" r:id="rId17"/>
+    <p:sldId id="488" r:id="rId18"/>
+    <p:sldId id="486" r:id="rId19"/>
+    <p:sldId id="412" r:id="rId20"/>
+    <p:sldId id="487" r:id="rId21"/>
+    <p:sldId id="464" r:id="rId22"/>
+    <p:sldId id="465" r:id="rId23"/>
+    <p:sldId id="489" r:id="rId24"/>
+    <p:sldId id="408" r:id="rId25"/>
+    <p:sldId id="466" r:id="rId26"/>
+    <p:sldId id="467" r:id="rId27"/>
+    <p:sldId id="407" r:id="rId28"/>
+    <p:sldId id="481" r:id="rId29"/>
+    <p:sldId id="455" r:id="rId30"/>
+    <p:sldId id="451" r:id="rId31"/>
+    <p:sldId id="436" r:id="rId32"/>
   </p:sldIdLst>
   <p:sldSz cx="12190095" cy="6859270"/>
   <p:notesSz cx="6858000" cy="9144000"/>
@@ -4632,6 +4633,244 @@
         </p:nvSpPr>
         <p:spPr>
           <a:xfrm>
+            <a:off x="8037539" y="5734050"/>
+            <a:ext cx="6052718" cy="501650"/>
+          </a:xfrm>
+          <a:prstGeom prst="rect">
+            <a:avLst/>
+          </a:prstGeom>
+          <a:noFill/>
+        </p:spPr>
+        <p:txBody>
+          <a:bodyPr wrap="square" rtlCol="0">
+            <a:spAutoFit/>
+          </a:bodyPr>
+          <a:lstStyle/>
+          <a:p>
+            <a:r>
+              <a:rPr lang="en-US" altLang="en-US" sz="2665" dirty="0">
+                <a:solidFill>
+                  <a:srgbClr val="183A5D"/>
+                </a:solidFill>
+                <a:latin typeface="微软雅黑" panose="020B0503020204020204" pitchFamily="34" charset="-122"/>
+                <a:ea typeface="微软雅黑" panose="020B0503020204020204" pitchFamily="34" charset="-122"/>
+              </a:rPr>
+              <a:t>详见界面原型—识别结果</a:t>
+            </a:r>
+            <a:endParaRPr lang="zh-CN" sz="2665" dirty="0">
+              <a:solidFill>
+                <a:srgbClr val="183A5D"/>
+              </a:solidFill>
+              <a:latin typeface="微软雅黑" panose="020B0503020204020204" pitchFamily="34" charset="-122"/>
+              <a:ea typeface="微软雅黑" panose="020B0503020204020204" pitchFamily="34" charset="-122"/>
+            </a:endParaRPr>
+          </a:p>
+        </p:txBody>
+      </p:sp>
+      <p:pic>
+        <p:nvPicPr>
+          <p:cNvPr id="6" name="图片 5"/>
+          <p:cNvPicPr>
+            <a:picLocks noChangeAspect="1"/>
+          </p:cNvPicPr>
+          <p:nvPr/>
+        </p:nvPicPr>
+        <p:blipFill>
+          <a:blip r:embed="rId1">
+            <a:extLst>
+              <a:ext uri="{28A0092B-C50C-407E-A947-70E740481C1C}">
+                <a14:useLocalDpi xmlns:a14="http://schemas.microsoft.com/office/drawing/2010/main" val="0"/>
+              </a:ext>
+            </a:extLst>
+          </a:blip>
+          <a:stretch>
+            <a:fillRect/>
+          </a:stretch>
+        </p:blipFill>
+        <p:spPr>
+          <a:xfrm>
+            <a:off x="4152874" y="0"/>
+            <a:ext cx="3884665" cy="6859588"/>
+          </a:xfrm>
+          <a:prstGeom prst="rect">
+            <a:avLst/>
+          </a:prstGeom>
+        </p:spPr>
+      </p:pic>
+    </p:spTree>
+  </p:cSld>
+  <p:clrMapOvr>
+    <a:masterClrMapping/>
+  </p:clrMapOvr>
+  <p:transition spd="slow" advClick="0" advTm="0">
+    <p:wipe/>
+  </p:transition>
+</p:sld>
+</file>
+
+<file path=ppt/slides/slide11.xml><?xml version="1.0" encoding="utf-8"?>
+<p:sld xmlns:a="http://schemas.openxmlformats.org/drawingml/2006/main" xmlns:r="http://schemas.openxmlformats.org/officeDocument/2006/relationships" xmlns:p="http://schemas.openxmlformats.org/presentationml/2006/main">
+  <p:cSld>
+    <p:spTree>
+      <p:nvGrpSpPr>
+        <p:cNvPr id="1" name=""/>
+        <p:cNvGrpSpPr/>
+        <p:nvPr/>
+      </p:nvGrpSpPr>
+      <p:grpSpPr>
+        <a:xfrm>
+          <a:off x="0" y="0"/>
+          <a:ext cx="0" cy="0"/>
+          <a:chOff x="0" y="0"/>
+          <a:chExt cx="0" cy="0"/>
+        </a:xfrm>
+      </p:grpSpPr>
+      <p:sp>
+        <p:nvSpPr>
+          <p:cNvPr id="2" name="矩形 1"/>
+          <p:cNvSpPr/>
+          <p:nvPr/>
+        </p:nvSpPr>
+        <p:spPr>
+          <a:xfrm>
+            <a:off x="237030" y="1171"/>
+            <a:ext cx="1608415" cy="135446"/>
+          </a:xfrm>
+          <a:prstGeom prst="rect">
+            <a:avLst/>
+          </a:prstGeom>
+          <a:solidFill>
+            <a:srgbClr val="183A5D"/>
+          </a:solidFill>
+          <a:ln>
+            <a:noFill/>
+          </a:ln>
+        </p:spPr>
+        <p:style>
+          <a:lnRef idx="2">
+            <a:schemeClr val="accent1">
+              <a:shade val="50000"/>
+            </a:schemeClr>
+          </a:lnRef>
+          <a:fillRef idx="1">
+            <a:schemeClr val="accent1"/>
+          </a:fillRef>
+          <a:effectRef idx="0">
+            <a:schemeClr val="accent1"/>
+          </a:effectRef>
+          <a:fontRef idx="minor">
+            <a:schemeClr val="lt1"/>
+          </a:fontRef>
+        </p:style>
+        <p:txBody>
+          <a:bodyPr rtlCol="0" anchor="ctr"/>
+          <a:lstStyle/>
+          <a:p>
+            <a:pPr algn="ctr"/>
+            <a:endParaRPr lang="zh-CN" altLang="en-US" sz="2800"/>
+          </a:p>
+        </p:txBody>
+      </p:sp>
+      <p:sp>
+        <p:nvSpPr>
+          <p:cNvPr id="3" name="矩形 2"/>
+          <p:cNvSpPr/>
+          <p:nvPr/>
+        </p:nvSpPr>
+        <p:spPr>
+          <a:xfrm>
+            <a:off x="237030" y="255131"/>
+            <a:ext cx="1608415" cy="406336"/>
+          </a:xfrm>
+          <a:prstGeom prst="rect">
+            <a:avLst/>
+          </a:prstGeom>
+          <a:solidFill>
+            <a:srgbClr val="183A5D"/>
+          </a:solidFill>
+          <a:ln>
+            <a:noFill/>
+          </a:ln>
+        </p:spPr>
+        <p:style>
+          <a:lnRef idx="2">
+            <a:schemeClr val="accent1">
+              <a:shade val="50000"/>
+            </a:schemeClr>
+          </a:lnRef>
+          <a:fillRef idx="1">
+            <a:schemeClr val="accent1"/>
+          </a:fillRef>
+          <a:effectRef idx="0">
+            <a:schemeClr val="accent1"/>
+          </a:effectRef>
+          <a:fontRef idx="minor">
+            <a:schemeClr val="lt1"/>
+          </a:fontRef>
+        </p:style>
+        <p:txBody>
+          <a:bodyPr rtlCol="0" anchor="ctr"/>
+          <a:lstStyle/>
+          <a:p>
+            <a:pPr algn="ctr"/>
+            <a:r>
+              <a:rPr lang="en-US" sz="2400" dirty="0"/>
+              <a:t>3</a:t>
+            </a:r>
+            <a:endParaRPr lang="en-US" sz="2400" dirty="0"/>
+          </a:p>
+        </p:txBody>
+      </p:sp>
+      <p:sp>
+        <p:nvSpPr>
+          <p:cNvPr id="4" name="文本框 3"/>
+          <p:cNvSpPr txBox="1"/>
+          <p:nvPr/>
+        </p:nvSpPr>
+        <p:spPr>
+          <a:xfrm>
+            <a:off x="2206068" y="159851"/>
+            <a:ext cx="6052718" cy="501650"/>
+          </a:xfrm>
+          <a:prstGeom prst="rect">
+            <a:avLst/>
+          </a:prstGeom>
+          <a:noFill/>
+        </p:spPr>
+        <p:txBody>
+          <a:bodyPr wrap="square" rtlCol="0">
+            <a:spAutoFit/>
+          </a:bodyPr>
+          <a:lstStyle/>
+          <a:p>
+            <a:r>
+              <a:rPr lang="en-US" altLang="en-US" sz="2665" dirty="0">
+                <a:solidFill>
+                  <a:srgbClr val="183A5D"/>
+                </a:solidFill>
+                <a:latin typeface="微软雅黑" panose="020B0503020204020204" pitchFamily="34" charset="-122"/>
+                <a:ea typeface="微软雅黑" panose="020B0503020204020204" pitchFamily="34" charset="-122"/>
+              </a:rPr>
+              <a:t>界面原型</a:t>
+            </a:r>
+            <a:endParaRPr lang="zh-CN" sz="2665" dirty="0">
+              <a:solidFill>
+                <a:srgbClr val="183A5D"/>
+              </a:solidFill>
+              <a:latin typeface="微软雅黑" panose="020B0503020204020204" pitchFamily="34" charset="-122"/>
+              <a:ea typeface="微软雅黑" panose="020B0503020204020204" pitchFamily="34" charset="-122"/>
+            </a:endParaRPr>
+          </a:p>
+        </p:txBody>
+      </p:sp>
+      <p:sp>
+        <p:nvSpPr>
+          <p:cNvPr id="8" name="文本框 7"/>
+          <p:cNvSpPr txBox="1"/>
+          <p:nvPr/>
+        </p:nvSpPr>
+        <p:spPr>
+          <a:xfrm>
             <a:off x="7318609" y="5806058"/>
             <a:ext cx="6052718" cy="501650"/>
           </a:xfrm>
@@ -4707,7 +4946,7 @@
 </p:sld>
 </file>
 
-<file path=ppt/slides/slide11.xml><?xml version="1.0" encoding="utf-8"?>
+<file path=ppt/slides/slide12.xml><?xml version="1.0" encoding="utf-8"?>
 <p:sld xmlns:a="http://schemas.openxmlformats.org/drawingml/2006/main" xmlns:r="http://schemas.openxmlformats.org/officeDocument/2006/relationships" xmlns:p="http://schemas.openxmlformats.org/presentationml/2006/main">
   <p:cSld>
     <p:spTree>
@@ -4945,7 +5184,7 @@
 </p:sld>
 </file>
 
-<file path=ppt/slides/slide12.xml><?xml version="1.0" encoding="utf-8"?>
+<file path=ppt/slides/slide13.xml><?xml version="1.0" encoding="utf-8"?>
 <p:sld xmlns:a="http://schemas.openxmlformats.org/drawingml/2006/main" xmlns:r="http://schemas.openxmlformats.org/officeDocument/2006/relationships" xmlns:p="http://schemas.openxmlformats.org/presentationml/2006/main">
   <p:cSld>
     <p:spTree>
@@ -5183,7 +5422,7 @@
 </p:sld>
 </file>
 
-<file path=ppt/slides/slide13.xml><?xml version="1.0" encoding="utf-8"?>
+<file path=ppt/slides/slide14.xml><?xml version="1.0" encoding="utf-8"?>
 <p:sld xmlns:a="http://schemas.openxmlformats.org/drawingml/2006/main" xmlns:r="http://schemas.openxmlformats.org/officeDocument/2006/relationships" xmlns:p="http://schemas.openxmlformats.org/presentationml/2006/main">
   <p:cSld>
     <p:spTree>
@@ -5421,7 +5660,7 @@
 </p:sld>
 </file>
 
-<file path=ppt/slides/slide14.xml><?xml version="1.0" encoding="utf-8"?>
+<file path=ppt/slides/slide15.xml><?xml version="1.0" encoding="utf-8"?>
 <p:sld xmlns:a="http://schemas.openxmlformats.org/drawingml/2006/main" xmlns:r="http://schemas.openxmlformats.org/officeDocument/2006/relationships" xmlns:p="http://schemas.openxmlformats.org/presentationml/2006/main">
   <p:cSld>
     <p:spTree>
@@ -5630,7 +5869,7 @@
       </p:sp>
       <p:graphicFrame>
         <p:nvGraphicFramePr>
-          <p:cNvPr id="-2147482620" name="对象 -2147482621"/>
+          <p:cNvPr id="5" name="对象 -2147482621"/>
           <p:cNvGraphicFramePr/>
           <p:nvPr/>
         </p:nvGraphicFramePr>
@@ -5684,7 +5923,7 @@
       </p:graphicFrame>
       <p:sp>
         <p:nvSpPr>
-          <p:cNvPr id="5" name="文本框 4"/>
+          <p:cNvPr id="6" name="文本框 5"/>
           <p:cNvSpPr txBox="1"/>
           <p:nvPr/>
         </p:nvSpPr>
@@ -5734,7 +5973,7 @@
 </p:sld>
 </file>
 
-<file path=ppt/slides/slide15.xml><?xml version="1.0" encoding="utf-8"?>
+<file path=ppt/slides/slide16.xml><?xml version="1.0" encoding="utf-8"?>
 <p:sld xmlns:a="http://schemas.openxmlformats.org/drawingml/2006/main" xmlns:r="http://schemas.openxmlformats.org/officeDocument/2006/relationships" xmlns:p="http://schemas.openxmlformats.org/presentationml/2006/main">
   <p:cSld>
     <p:spTree>
@@ -5943,7 +6182,7 @@
       </p:sp>
       <p:graphicFrame>
         <p:nvGraphicFramePr>
-          <p:cNvPr id="-2147482622" name="对象 -2147482623"/>
+          <p:cNvPr id="5" name="对象 -2147482623"/>
           <p:cNvGraphicFramePr/>
           <p:nvPr/>
         </p:nvGraphicFramePr>
@@ -5997,7 +6236,7 @@
       </p:graphicFrame>
       <p:sp>
         <p:nvSpPr>
-          <p:cNvPr id="5" name="文本框 4"/>
+          <p:cNvPr id="6" name="文本框 5"/>
           <p:cNvSpPr txBox="1"/>
           <p:nvPr/>
         </p:nvSpPr>
@@ -6047,7 +6286,7 @@
 </p:sld>
 </file>
 
-<file path=ppt/slides/slide16.xml><?xml version="1.0" encoding="utf-8"?>
+<file path=ppt/slides/slide17.xml><?xml version="1.0" encoding="utf-8"?>
 <p:sld xmlns:a="http://schemas.openxmlformats.org/drawingml/2006/main" xmlns:r="http://schemas.openxmlformats.org/officeDocument/2006/relationships" xmlns:p="http://schemas.openxmlformats.org/presentationml/2006/main">
   <p:cSld>
     <p:spTree>
@@ -6258,7 +6497,7 @@
       </p:sp>
       <p:graphicFrame>
         <p:nvGraphicFramePr>
-          <p:cNvPr id="-2147482621" name="对象 -2147482622"/>
+          <p:cNvPr id="5" name="对象 -2147482622"/>
           <p:cNvGraphicFramePr/>
           <p:nvPr/>
         </p:nvGraphicFramePr>
@@ -6312,7 +6551,7 @@
       </p:graphicFrame>
       <p:sp>
         <p:nvSpPr>
-          <p:cNvPr id="5" name="文本框 4"/>
+          <p:cNvPr id="6" name="文本框 5"/>
           <p:cNvSpPr txBox="1"/>
           <p:nvPr/>
         </p:nvSpPr>
@@ -6362,7 +6601,7 @@
 </p:sld>
 </file>
 
-<file path=ppt/slides/slide17.xml><?xml version="1.0" encoding="utf-8"?>
+<file path=ppt/slides/slide18.xml><?xml version="1.0" encoding="utf-8"?>
 <p:sld xmlns:a="http://schemas.openxmlformats.org/drawingml/2006/main" xmlns:r="http://schemas.openxmlformats.org/officeDocument/2006/relationships" xmlns:p="http://schemas.openxmlformats.org/presentationml/2006/main">
   <p:cSld>
     <p:spTree>
@@ -6603,7 +6842,7 @@
 </p:sld>
 </file>
 
-<file path=ppt/slides/slide18.xml><?xml version="1.0" encoding="utf-8"?>
+<file path=ppt/slides/slide19.xml><?xml version="1.0" encoding="utf-8"?>
 <p:sld xmlns:a="http://schemas.openxmlformats.org/drawingml/2006/main" xmlns:r="http://schemas.openxmlformats.org/officeDocument/2006/relationships" xmlns:p="http://schemas.openxmlformats.org/presentationml/2006/main">
   <p:cSld>
     <p:spTree>
@@ -6828,301 +7067,6 @@
           </a:prstGeom>
         </p:spPr>
       </p:pic>
-    </p:spTree>
-  </p:cSld>
-  <p:clrMapOvr>
-    <a:masterClrMapping/>
-  </p:clrMapOvr>
-  <p:transition spd="slow" advClick="0" advTm="0">
-    <p:wipe/>
-  </p:transition>
-</p:sld>
-</file>
-
-<file path=ppt/slides/slide19.xml><?xml version="1.0" encoding="utf-8"?>
-<p:sld xmlns:a="http://schemas.openxmlformats.org/drawingml/2006/main" xmlns:r="http://schemas.openxmlformats.org/officeDocument/2006/relationships" xmlns:p="http://schemas.openxmlformats.org/presentationml/2006/main">
-  <p:cSld>
-    <p:spTree>
-      <p:nvGrpSpPr>
-        <p:cNvPr id="1" name=""/>
-        <p:cNvGrpSpPr/>
-        <p:nvPr/>
-      </p:nvGrpSpPr>
-      <p:grpSpPr>
-        <a:xfrm>
-          <a:off x="0" y="0"/>
-          <a:ext cx="0" cy="0"/>
-          <a:chOff x="0" y="0"/>
-          <a:chExt cx="0" cy="0"/>
-        </a:xfrm>
-      </p:grpSpPr>
-      <p:sp>
-        <p:nvSpPr>
-          <p:cNvPr id="2" name="矩形 1"/>
-          <p:cNvSpPr/>
-          <p:nvPr/>
-        </p:nvSpPr>
-        <p:spPr>
-          <a:xfrm>
-            <a:off x="237030" y="1171"/>
-            <a:ext cx="1608415" cy="135446"/>
-          </a:xfrm>
-          <a:prstGeom prst="rect">
-            <a:avLst/>
-          </a:prstGeom>
-          <a:solidFill>
-            <a:srgbClr val="183A5D"/>
-          </a:solidFill>
-          <a:ln>
-            <a:noFill/>
-          </a:ln>
-        </p:spPr>
-        <p:style>
-          <a:lnRef idx="2">
-            <a:schemeClr val="accent1">
-              <a:shade val="50000"/>
-            </a:schemeClr>
-          </a:lnRef>
-          <a:fillRef idx="1">
-            <a:schemeClr val="accent1"/>
-          </a:fillRef>
-          <a:effectRef idx="0">
-            <a:schemeClr val="accent1"/>
-          </a:effectRef>
-          <a:fontRef idx="minor">
-            <a:schemeClr val="lt1"/>
-          </a:fontRef>
-        </p:style>
-        <p:txBody>
-          <a:bodyPr rtlCol="0" anchor="ctr"/>
-          <a:lstStyle/>
-          <a:p>
-            <a:pPr algn="ctr"/>
-            <a:endParaRPr lang="zh-CN" altLang="en-US" sz="2800"/>
-          </a:p>
-        </p:txBody>
-      </p:sp>
-      <p:sp>
-        <p:nvSpPr>
-          <p:cNvPr id="3" name="矩形 2"/>
-          <p:cNvSpPr/>
-          <p:nvPr/>
-        </p:nvSpPr>
-        <p:spPr>
-          <a:xfrm>
-            <a:off x="237030" y="255131"/>
-            <a:ext cx="1608415" cy="406336"/>
-          </a:xfrm>
-          <a:prstGeom prst="rect">
-            <a:avLst/>
-          </a:prstGeom>
-          <a:solidFill>
-            <a:srgbClr val="183A5D"/>
-          </a:solidFill>
-          <a:ln>
-            <a:noFill/>
-          </a:ln>
-        </p:spPr>
-        <p:style>
-          <a:lnRef idx="2">
-            <a:schemeClr val="accent1">
-              <a:shade val="50000"/>
-            </a:schemeClr>
-          </a:lnRef>
-          <a:fillRef idx="1">
-            <a:schemeClr val="accent1"/>
-          </a:fillRef>
-          <a:effectRef idx="0">
-            <a:schemeClr val="accent1"/>
-          </a:effectRef>
-          <a:fontRef idx="minor">
-            <a:schemeClr val="lt1"/>
-          </a:fontRef>
-        </p:style>
-        <p:txBody>
-          <a:bodyPr rtlCol="0" anchor="ctr"/>
-          <a:lstStyle/>
-          <a:p>
-            <a:pPr algn="ctr"/>
-            <a:r>
-              <a:rPr lang="en-US" altLang="en-US" sz="2400" dirty="0"/>
-              <a:t>4</a:t>
-            </a:r>
-            <a:endParaRPr lang="en-US" sz="2400" dirty="0"/>
-          </a:p>
-        </p:txBody>
-      </p:sp>
-      <p:sp>
-        <p:nvSpPr>
-          <p:cNvPr id="4" name="文本框 3"/>
-          <p:cNvSpPr txBox="1"/>
-          <p:nvPr/>
-        </p:nvSpPr>
-        <p:spPr>
-          <a:xfrm>
-            <a:off x="2226388" y="191601"/>
-            <a:ext cx="6052718" cy="501650"/>
-          </a:xfrm>
-          <a:prstGeom prst="rect">
-            <a:avLst/>
-          </a:prstGeom>
-          <a:noFill/>
-        </p:spPr>
-        <p:txBody>
-          <a:bodyPr wrap="square" rtlCol="0">
-            <a:spAutoFit/>
-          </a:bodyPr>
-          <a:lstStyle/>
-          <a:p>
-            <a:r>
-              <a:rPr lang="en-US" altLang="en-US" sz="2665" dirty="0">
-                <a:solidFill>
-                  <a:srgbClr val="183A5D"/>
-                </a:solidFill>
-                <a:latin typeface="微软雅黑" panose="020B0503020204020204" pitchFamily="34" charset="-122"/>
-                <a:ea typeface="微软雅黑" panose="020B0503020204020204" pitchFamily="34" charset="-122"/>
-              </a:rPr>
-              <a:t>需求用例</a:t>
-            </a:r>
-            <a:endParaRPr lang="zh-CN" sz="2665" dirty="0">
-              <a:solidFill>
-                <a:srgbClr val="183A5D"/>
-              </a:solidFill>
-              <a:latin typeface="微软雅黑" panose="020B0503020204020204" pitchFamily="34" charset="-122"/>
-              <a:ea typeface="微软雅黑" panose="020B0503020204020204" pitchFamily="34" charset="-122"/>
-            </a:endParaRPr>
-          </a:p>
-        </p:txBody>
-      </p:sp>
-      <p:sp>
-        <p:nvSpPr>
-          <p:cNvPr id="11" name="文本框 10"/>
-          <p:cNvSpPr txBox="1"/>
-          <p:nvPr/>
-        </p:nvSpPr>
-        <p:spPr>
-          <a:xfrm>
-            <a:off x="9623598" y="3645818"/>
-            <a:ext cx="2566815" cy="912558"/>
-          </a:xfrm>
-          <a:prstGeom prst="rect">
-            <a:avLst/>
-          </a:prstGeom>
-          <a:noFill/>
-        </p:spPr>
-        <p:txBody>
-          <a:bodyPr wrap="square" rtlCol="0">
-            <a:spAutoFit/>
-          </a:bodyPr>
-          <a:lstStyle/>
-          <a:p>
-            <a:r>
-              <a:rPr lang="en-US" altLang="en-US" sz="2665" dirty="0">
-                <a:solidFill>
-                  <a:srgbClr val="183A5D"/>
-                </a:solidFill>
-                <a:latin typeface="微软雅黑" panose="020B0503020204020204" pitchFamily="34" charset="-122"/>
-                <a:ea typeface="微软雅黑" panose="020B0503020204020204" pitchFamily="34" charset="-122"/>
-              </a:rPr>
-              <a:t>详情请见用例图—用户</a:t>
-            </a:r>
-            <a:endParaRPr lang="zh-CN" sz="2665" dirty="0">
-              <a:solidFill>
-                <a:srgbClr val="183A5D"/>
-              </a:solidFill>
-              <a:latin typeface="微软雅黑" panose="020B0503020204020204" pitchFamily="34" charset="-122"/>
-              <a:ea typeface="微软雅黑" panose="020B0503020204020204" pitchFamily="34" charset="-122"/>
-            </a:endParaRPr>
-          </a:p>
-        </p:txBody>
-      </p:sp>
-      <p:pic>
-        <p:nvPicPr>
-          <p:cNvPr id="7" name="图片 6"/>
-          <p:cNvPicPr/>
-          <p:nvPr/>
-        </p:nvPicPr>
-        <p:blipFill>
-          <a:blip r:embed="rId1">
-            <a:extLst>
-              <a:ext uri="{28A0092B-C50C-407E-A947-70E740481C1C}">
-                <a14:useLocalDpi xmlns:a14="http://schemas.microsoft.com/office/drawing/2010/main" val="0"/>
-              </a:ext>
-            </a:extLst>
-          </a:blip>
-          <a:srcRect/>
-          <a:stretch>
-            <a:fillRect/>
-          </a:stretch>
-        </p:blipFill>
-        <p:spPr>
-          <a:xfrm>
-            <a:off x="2422798" y="1053530"/>
-            <a:ext cx="7200800" cy="5328592"/>
-          </a:xfrm>
-          <a:prstGeom prst="rect">
-            <a:avLst/>
-          </a:prstGeom>
-          <a:noFill/>
-          <a:ln>
-            <a:noFill/>
-          </a:ln>
-        </p:spPr>
-      </p:pic>
-      <p:graphicFrame>
-        <p:nvGraphicFramePr>
-          <p:cNvPr id="-2147482618" name="对象 -2147482619"/>
-          <p:cNvGraphicFramePr/>
-          <p:nvPr/>
-        </p:nvGraphicFramePr>
-        <p:xfrm>
-          <a:off x="3461703" y="2306003"/>
-          <a:ext cx="5266690" cy="2247265"/>
-        </p:xfrm>
-        <a:graphic>
-          <a:graphicData uri="http://schemas.openxmlformats.org/presentationml/2006/ole">
-            <mc:AlternateContent xmlns:mc="http://schemas.openxmlformats.org/markup-compatibility/2006">
-              <mc:Choice xmlns:v="urn:schemas-microsoft-com:vml" Requires="v">
-                <p:oleObj spid="_x0000_s3076" name="" r:id="rId2" imgW="6851650" imgH="2950845" progId="Visio.Drawing.15">
-                  <p:embed/>
-                </p:oleObj>
-              </mc:Choice>
-              <mc:Fallback>
-                <p:oleObj name="" r:id="rId2" imgW="6851650" imgH="2950845" progId="Visio.Drawing.15">
-                  <p:embed/>
-                  <p:pic>
-                    <p:nvPicPr>
-                      <p:cNvPr id="0" name="图片 3075"/>
-                      <p:cNvPicPr/>
-                      <p:nvPr/>
-                    </p:nvPicPr>
-                    <p:blipFill>
-                      <a:blip r:embed="rId3"/>
-                      <a:stretch>
-                        <a:fillRect/>
-                      </a:stretch>
-                    </p:blipFill>
-                    <p:spPr>
-                      <a:xfrm>
-                        <a:off x="3461703" y="2306003"/>
-                        <a:ext cx="5266690" cy="2247265"/>
-                      </a:xfrm>
-                      <a:prstGeom prst="rect">
-                        <a:avLst/>
-                      </a:prstGeom>
-                      <a:noFill/>
-                      <a:ln w="38100">
-                        <a:noFill/>
-                        <a:miter/>
-                      </a:ln>
-                    </p:spPr>
-                  </p:pic>
-                </p:oleObj>
-              </mc:Fallback>
-            </mc:AlternateContent>
-          </a:graphicData>
-        </a:graphic>
-      </p:graphicFrame>
     </p:spTree>
   </p:cSld>
   <p:clrMapOvr>
@@ -8341,6 +8285,301 @@
         </p:nvSpPr>
         <p:spPr>
           <a:xfrm>
+            <a:off x="9623598" y="3645818"/>
+            <a:ext cx="2566815" cy="912558"/>
+          </a:xfrm>
+          <a:prstGeom prst="rect">
+            <a:avLst/>
+          </a:prstGeom>
+          <a:noFill/>
+        </p:spPr>
+        <p:txBody>
+          <a:bodyPr wrap="square" rtlCol="0">
+            <a:spAutoFit/>
+          </a:bodyPr>
+          <a:lstStyle/>
+          <a:p>
+            <a:r>
+              <a:rPr lang="en-US" altLang="en-US" sz="2665" dirty="0">
+                <a:solidFill>
+                  <a:srgbClr val="183A5D"/>
+                </a:solidFill>
+                <a:latin typeface="微软雅黑" panose="020B0503020204020204" pitchFamily="34" charset="-122"/>
+                <a:ea typeface="微软雅黑" panose="020B0503020204020204" pitchFamily="34" charset="-122"/>
+              </a:rPr>
+              <a:t>详情请见用例图—用户</a:t>
+            </a:r>
+            <a:endParaRPr lang="zh-CN" sz="2665" dirty="0">
+              <a:solidFill>
+                <a:srgbClr val="183A5D"/>
+              </a:solidFill>
+              <a:latin typeface="微软雅黑" panose="020B0503020204020204" pitchFamily="34" charset="-122"/>
+              <a:ea typeface="微软雅黑" panose="020B0503020204020204" pitchFamily="34" charset="-122"/>
+            </a:endParaRPr>
+          </a:p>
+        </p:txBody>
+      </p:sp>
+      <p:pic>
+        <p:nvPicPr>
+          <p:cNvPr id="7" name="图片 6"/>
+          <p:cNvPicPr/>
+          <p:nvPr/>
+        </p:nvPicPr>
+        <p:blipFill>
+          <a:blip r:embed="rId1">
+            <a:extLst>
+              <a:ext uri="{28A0092B-C50C-407E-A947-70E740481C1C}">
+                <a14:useLocalDpi xmlns:a14="http://schemas.microsoft.com/office/drawing/2010/main" val="0"/>
+              </a:ext>
+            </a:extLst>
+          </a:blip>
+          <a:srcRect/>
+          <a:stretch>
+            <a:fillRect/>
+          </a:stretch>
+        </p:blipFill>
+        <p:spPr>
+          <a:xfrm>
+            <a:off x="2422798" y="1053530"/>
+            <a:ext cx="7200800" cy="5328592"/>
+          </a:xfrm>
+          <a:prstGeom prst="rect">
+            <a:avLst/>
+          </a:prstGeom>
+          <a:noFill/>
+          <a:ln>
+            <a:noFill/>
+          </a:ln>
+        </p:spPr>
+      </p:pic>
+      <p:graphicFrame>
+        <p:nvGraphicFramePr>
+          <p:cNvPr id="5" name="对象 -2147482619"/>
+          <p:cNvGraphicFramePr/>
+          <p:nvPr/>
+        </p:nvGraphicFramePr>
+        <p:xfrm>
+          <a:off x="3461703" y="2306003"/>
+          <a:ext cx="5266690" cy="2247265"/>
+        </p:xfrm>
+        <a:graphic>
+          <a:graphicData uri="http://schemas.openxmlformats.org/presentationml/2006/ole">
+            <mc:AlternateContent xmlns:mc="http://schemas.openxmlformats.org/markup-compatibility/2006">
+              <mc:Choice xmlns:v="urn:schemas-microsoft-com:vml" Requires="v">
+                <p:oleObj spid="_x0000_s3076" name="" r:id="rId2" imgW="6851650" imgH="2950845" progId="Visio.Drawing.15">
+                  <p:embed/>
+                </p:oleObj>
+              </mc:Choice>
+              <mc:Fallback>
+                <p:oleObj name="" r:id="rId2" imgW="6851650" imgH="2950845" progId="Visio.Drawing.15">
+                  <p:embed/>
+                  <p:pic>
+                    <p:nvPicPr>
+                      <p:cNvPr id="0" name="图片 3075"/>
+                      <p:cNvPicPr/>
+                      <p:nvPr/>
+                    </p:nvPicPr>
+                    <p:blipFill>
+                      <a:blip r:embed="rId3"/>
+                      <a:stretch>
+                        <a:fillRect/>
+                      </a:stretch>
+                    </p:blipFill>
+                    <p:spPr>
+                      <a:xfrm>
+                        <a:off x="3461703" y="2306003"/>
+                        <a:ext cx="5266690" cy="2247265"/>
+                      </a:xfrm>
+                      <a:prstGeom prst="rect">
+                        <a:avLst/>
+                      </a:prstGeom>
+                      <a:noFill/>
+                      <a:ln w="38100">
+                        <a:noFill/>
+                        <a:miter/>
+                      </a:ln>
+                    </p:spPr>
+                  </p:pic>
+                </p:oleObj>
+              </mc:Fallback>
+            </mc:AlternateContent>
+          </a:graphicData>
+        </a:graphic>
+      </p:graphicFrame>
+    </p:spTree>
+  </p:cSld>
+  <p:clrMapOvr>
+    <a:masterClrMapping/>
+  </p:clrMapOvr>
+  <p:transition spd="slow" advClick="0" advTm="0">
+    <p:wipe/>
+  </p:transition>
+</p:sld>
+</file>
+
+<file path=ppt/slides/slide21.xml><?xml version="1.0" encoding="utf-8"?>
+<p:sld xmlns:a="http://schemas.openxmlformats.org/drawingml/2006/main" xmlns:r="http://schemas.openxmlformats.org/officeDocument/2006/relationships" xmlns:p="http://schemas.openxmlformats.org/presentationml/2006/main">
+  <p:cSld>
+    <p:spTree>
+      <p:nvGrpSpPr>
+        <p:cNvPr id="1" name=""/>
+        <p:cNvGrpSpPr/>
+        <p:nvPr/>
+      </p:nvGrpSpPr>
+      <p:grpSpPr>
+        <a:xfrm>
+          <a:off x="0" y="0"/>
+          <a:ext cx="0" cy="0"/>
+          <a:chOff x="0" y="0"/>
+          <a:chExt cx="0" cy="0"/>
+        </a:xfrm>
+      </p:grpSpPr>
+      <p:sp>
+        <p:nvSpPr>
+          <p:cNvPr id="2" name="矩形 1"/>
+          <p:cNvSpPr/>
+          <p:nvPr/>
+        </p:nvSpPr>
+        <p:spPr>
+          <a:xfrm>
+            <a:off x="237030" y="1171"/>
+            <a:ext cx="1608415" cy="135446"/>
+          </a:xfrm>
+          <a:prstGeom prst="rect">
+            <a:avLst/>
+          </a:prstGeom>
+          <a:solidFill>
+            <a:srgbClr val="183A5D"/>
+          </a:solidFill>
+          <a:ln>
+            <a:noFill/>
+          </a:ln>
+        </p:spPr>
+        <p:style>
+          <a:lnRef idx="2">
+            <a:schemeClr val="accent1">
+              <a:shade val="50000"/>
+            </a:schemeClr>
+          </a:lnRef>
+          <a:fillRef idx="1">
+            <a:schemeClr val="accent1"/>
+          </a:fillRef>
+          <a:effectRef idx="0">
+            <a:schemeClr val="accent1"/>
+          </a:effectRef>
+          <a:fontRef idx="minor">
+            <a:schemeClr val="lt1"/>
+          </a:fontRef>
+        </p:style>
+        <p:txBody>
+          <a:bodyPr rtlCol="0" anchor="ctr"/>
+          <a:lstStyle/>
+          <a:p>
+            <a:pPr algn="ctr"/>
+            <a:endParaRPr lang="zh-CN" altLang="en-US" sz="2800"/>
+          </a:p>
+        </p:txBody>
+      </p:sp>
+      <p:sp>
+        <p:nvSpPr>
+          <p:cNvPr id="3" name="矩形 2"/>
+          <p:cNvSpPr/>
+          <p:nvPr/>
+        </p:nvSpPr>
+        <p:spPr>
+          <a:xfrm>
+            <a:off x="237030" y="255131"/>
+            <a:ext cx="1608415" cy="406336"/>
+          </a:xfrm>
+          <a:prstGeom prst="rect">
+            <a:avLst/>
+          </a:prstGeom>
+          <a:solidFill>
+            <a:srgbClr val="183A5D"/>
+          </a:solidFill>
+          <a:ln>
+            <a:noFill/>
+          </a:ln>
+        </p:spPr>
+        <p:style>
+          <a:lnRef idx="2">
+            <a:schemeClr val="accent1">
+              <a:shade val="50000"/>
+            </a:schemeClr>
+          </a:lnRef>
+          <a:fillRef idx="1">
+            <a:schemeClr val="accent1"/>
+          </a:fillRef>
+          <a:effectRef idx="0">
+            <a:schemeClr val="accent1"/>
+          </a:effectRef>
+          <a:fontRef idx="minor">
+            <a:schemeClr val="lt1"/>
+          </a:fontRef>
+        </p:style>
+        <p:txBody>
+          <a:bodyPr rtlCol="0" anchor="ctr"/>
+          <a:lstStyle/>
+          <a:p>
+            <a:pPr algn="ctr"/>
+            <a:r>
+              <a:rPr lang="en-US" altLang="en-US" sz="2400" dirty="0"/>
+              <a:t>4</a:t>
+            </a:r>
+            <a:endParaRPr lang="en-US" sz="2400" dirty="0"/>
+          </a:p>
+        </p:txBody>
+      </p:sp>
+      <p:sp>
+        <p:nvSpPr>
+          <p:cNvPr id="4" name="文本框 3"/>
+          <p:cNvSpPr txBox="1"/>
+          <p:nvPr/>
+        </p:nvSpPr>
+        <p:spPr>
+          <a:xfrm>
+            <a:off x="2226388" y="191601"/>
+            <a:ext cx="6052718" cy="501650"/>
+          </a:xfrm>
+          <a:prstGeom prst="rect">
+            <a:avLst/>
+          </a:prstGeom>
+          <a:noFill/>
+        </p:spPr>
+        <p:txBody>
+          <a:bodyPr wrap="square" rtlCol="0">
+            <a:spAutoFit/>
+          </a:bodyPr>
+          <a:lstStyle/>
+          <a:p>
+            <a:r>
+              <a:rPr lang="en-US" altLang="en-US" sz="2665" dirty="0">
+                <a:solidFill>
+                  <a:srgbClr val="183A5D"/>
+                </a:solidFill>
+                <a:latin typeface="微软雅黑" panose="020B0503020204020204" pitchFamily="34" charset="-122"/>
+                <a:ea typeface="微软雅黑" panose="020B0503020204020204" pitchFamily="34" charset="-122"/>
+              </a:rPr>
+              <a:t>需求用例</a:t>
+            </a:r>
+            <a:endParaRPr lang="zh-CN" sz="2665" dirty="0">
+              <a:solidFill>
+                <a:srgbClr val="183A5D"/>
+              </a:solidFill>
+              <a:latin typeface="微软雅黑" panose="020B0503020204020204" pitchFamily="34" charset="-122"/>
+              <a:ea typeface="微软雅黑" panose="020B0503020204020204" pitchFamily="34" charset="-122"/>
+            </a:endParaRPr>
+          </a:p>
+        </p:txBody>
+      </p:sp>
+      <p:sp>
+        <p:nvSpPr>
+          <p:cNvPr id="11" name="文本框 10"/>
+          <p:cNvSpPr txBox="1"/>
+          <p:nvPr/>
+        </p:nvSpPr>
+        <p:spPr>
+          <a:xfrm>
             <a:off x="4367703" y="207928"/>
             <a:ext cx="2566815" cy="501650"/>
           </a:xfrm>
@@ -8440,7 +8679,7 @@
 </p:sld>
 </file>
 
-<file path=ppt/slides/slide21.xml><?xml version="1.0" encoding="utf-8"?>
+<file path=ppt/slides/slide22.xml><?xml version="1.0" encoding="utf-8"?>
 <p:sld xmlns:a="http://schemas.openxmlformats.org/drawingml/2006/main" xmlns:r="http://schemas.openxmlformats.org/officeDocument/2006/relationships" xmlns:p="http://schemas.openxmlformats.org/presentationml/2006/main">
   <p:cSld>
     <p:spTree>
@@ -8996,7 +9235,7 @@
 </p:sld>
 </file>
 
-<file path=ppt/slides/slide22.xml><?xml version="1.0" encoding="utf-8"?>
+<file path=ppt/slides/slide23.xml><?xml version="1.0" encoding="utf-8"?>
 <p:sld xmlns:a="http://schemas.openxmlformats.org/drawingml/2006/main" xmlns:r="http://schemas.openxmlformats.org/officeDocument/2006/relationships" xmlns:p="http://schemas.openxmlformats.org/presentationml/2006/main">
   <p:cSld>
     <p:spTree>
@@ -9540,7 +9779,7 @@
 </p:sld>
 </file>
 
-<file path=ppt/slides/slide23.xml><?xml version="1.0" encoding="utf-8"?>
+<file path=ppt/slides/slide24.xml><?xml version="1.0" encoding="utf-8"?>
 <p:sld xmlns:a="http://schemas.openxmlformats.org/drawingml/2006/main" xmlns:r="http://schemas.openxmlformats.org/officeDocument/2006/relationships" xmlns:p="http://schemas.openxmlformats.org/presentationml/2006/main">
   <p:cSld>
     <p:spTree>
@@ -10212,7 +10451,7 @@
 </p:sld>
 </file>
 
-<file path=ppt/slides/slide24.xml><?xml version="1.0" encoding="utf-8"?>
+<file path=ppt/slides/slide25.xml><?xml version="1.0" encoding="utf-8"?>
 <p:sld xmlns:a="http://schemas.openxmlformats.org/drawingml/2006/main" xmlns:r="http://schemas.openxmlformats.org/officeDocument/2006/relationships" xmlns:p="http://schemas.openxmlformats.org/presentationml/2006/main">
   <p:cSld>
     <p:spTree>
@@ -10852,7 +11091,7 @@
 </p:sld>
 </file>
 
-<file path=ppt/slides/slide25.xml><?xml version="1.0" encoding="utf-8"?>
+<file path=ppt/slides/slide26.xml><?xml version="1.0" encoding="utf-8"?>
 <p:sld xmlns:a="http://schemas.openxmlformats.org/drawingml/2006/main" xmlns:r="http://schemas.openxmlformats.org/officeDocument/2006/relationships" xmlns:p="http://schemas.openxmlformats.org/presentationml/2006/main">
   <p:cSld>
     <p:spTree>
@@ -11282,7 +11521,7 @@
 </p:sld>
 </file>
 
-<file path=ppt/slides/slide26.xml><?xml version="1.0" encoding="utf-8"?>
+<file path=ppt/slides/slide27.xml><?xml version="1.0" encoding="utf-8"?>
 <p:sld xmlns:a="http://schemas.openxmlformats.org/drawingml/2006/main" xmlns:r="http://schemas.openxmlformats.org/officeDocument/2006/relationships" xmlns:p="http://schemas.openxmlformats.org/presentationml/2006/main">
   <p:cSld>
     <p:spTree>
@@ -12060,7 +12299,7 @@
 </p:sld>
 </file>
 
-<file path=ppt/slides/slide27.xml><?xml version="1.0" encoding="utf-8"?>
+<file path=ppt/slides/slide28.xml><?xml version="1.0" encoding="utf-8"?>
 <p:sld xmlns:a="http://schemas.openxmlformats.org/drawingml/2006/main" xmlns:r="http://schemas.openxmlformats.org/officeDocument/2006/relationships" xmlns:p="http://schemas.openxmlformats.org/presentationml/2006/main">
   <p:cSld>
     <p:spTree>
@@ -13365,7 +13604,7 @@
 </p:sld>
 </file>
 
-<file path=ppt/slides/slide28.xml><?xml version="1.0" encoding="utf-8"?>
+<file path=ppt/slides/slide29.xml><?xml version="1.0" encoding="utf-8"?>
 <p:sld xmlns:a="http://schemas.openxmlformats.org/drawingml/2006/main" xmlns:r="http://schemas.openxmlformats.org/officeDocument/2006/relationships" xmlns:p="http://schemas.openxmlformats.org/presentationml/2006/main">
   <p:cSld>
     <p:spTree>
@@ -20107,6 +20346,173 @@
           </a:p>
         </p:txBody>
       </p:sp>
+      <p:sp>
+        <p:nvSpPr>
+          <p:cNvPr id="100" name="文本框 99"/>
+          <p:cNvSpPr txBox="1"/>
+          <p:nvPr/>
+        </p:nvSpPr>
+        <p:spPr>
+          <a:xfrm>
+            <a:off x="3832542" y="2661602"/>
+            <a:ext cx="5080000" cy="2837815"/>
+          </a:xfrm>
+          <a:prstGeom prst="rect">
+            <a:avLst/>
+          </a:prstGeom>
+          <a:noFill/>
+          <a:ln w="9525">
+            <a:noFill/>
+          </a:ln>
+        </p:spPr>
+        <p:txBody>
+          <a:bodyPr>
+            <a:spAutoFit/>
+          </a:bodyPr>
+          <a:p>
+            <a:pPr marL="457200" indent="-457200"/>
+            <a:r>
+              <a:rPr lang="en-US" sz="1400" b="1">
+                <a:latin typeface="宋体" panose="02010600030101010101" pitchFamily="2" charset="-122"/>
+                <a:ea typeface="宋体" panose="02010600030101010101" pitchFamily="2" charset="-122"/>
+              </a:rPr>
+              <a:t>1.1.1 </a:t>
+            </a:r>
+            <a:r>
+              <a:rPr lang="zh-CN" sz="1400" b="1">
+                <a:latin typeface="Calibri" panose="020F0502020204030204" pitchFamily="34" charset="0"/>
+                <a:ea typeface="宋体" panose="02010600030101010101" pitchFamily="2" charset="-122"/>
+                <a:cs typeface="Times New Roman" panose="02020603050405020304" pitchFamily="18" charset="0"/>
+              </a:rPr>
+              <a:t>“识别图像”</a:t>
+            </a:r>
+            <a:r>
+              <a:rPr lang="en-US" sz="1400" b="1">
+                <a:latin typeface="Calibri" panose="020F0502020204030204" pitchFamily="34" charset="0"/>
+                <a:ea typeface="宋体" panose="02010600030101010101" pitchFamily="2" charset="-122"/>
+              </a:rPr>
+              <a:t>IPO</a:t>
+            </a:r>
+            <a:r>
+              <a:rPr lang="zh-CN" sz="1400" b="1">
+                <a:latin typeface="Calibri" panose="020F0502020204030204" pitchFamily="34" charset="0"/>
+                <a:ea typeface="宋体" panose="02010600030101010101" pitchFamily="2" charset="-122"/>
+              </a:rPr>
+              <a:t>表</a:t>
+            </a:r>
+            <a:r>
+              <a:rPr lang="zh-CN" sz="1050" b="0">
+                <a:latin typeface="Calibri" panose="020F0502020204030204" pitchFamily="34" charset="0"/>
+                <a:ea typeface="宋体" panose="02010600030101010101" pitchFamily="2" charset="-122"/>
+              </a:rPr>
+              <a:t>+系统名：识别图像+输入：拍照或者从图库中选中的图片+输出：对应识别结果以及相关信息+处理内容：如果识别失败，则显示识别失败</a:t>
+            </a:r>
+            <a:r>
+              <a:rPr lang="en-US" sz="1050" b="0">
+                <a:latin typeface="Calibri" panose="020F0502020204030204" pitchFamily="34" charset="0"/>
+                <a:ea typeface="宋体" panose="02010600030101010101" pitchFamily="2" charset="-122"/>
+                <a:cs typeface="Times New Roman" panose="02020603050405020304" pitchFamily="18" charset="0"/>
+              </a:rPr>
+              <a:t>+  </a:t>
+            </a:r>
+            <a:r>
+              <a:rPr lang="zh-CN" sz="1050" b="0">
+                <a:latin typeface="Calibri" panose="020F0502020204030204" pitchFamily="34" charset="0"/>
+                <a:ea typeface="宋体" panose="02010600030101010101" pitchFamily="2" charset="-122"/>
+              </a:rPr>
+              <a:t>如果识别成功，调用出相关列表以及相关信息</a:t>
+            </a:r>
+            <a:r>
+              <a:rPr lang="en-US" sz="1400" b="1">
+                <a:latin typeface="宋体" panose="02010600030101010101" pitchFamily="2" charset="-122"/>
+                <a:ea typeface="宋体" panose="02010600030101010101" pitchFamily="2" charset="-122"/>
+              </a:rPr>
+              <a:t>+1.1.2 </a:t>
+            </a:r>
+            <a:r>
+              <a:rPr lang="zh-CN" sz="1400" b="1">
+                <a:latin typeface="Calibri" panose="020F0502020204030204" pitchFamily="34" charset="0"/>
+                <a:ea typeface="宋体" panose="02010600030101010101" pitchFamily="2" charset="-122"/>
+                <a:cs typeface="Times New Roman" panose="02020603050405020304" pitchFamily="18" charset="0"/>
+              </a:rPr>
+              <a:t>“识别图像历史记录”</a:t>
+            </a:r>
+            <a:r>
+              <a:rPr lang="en-US" sz="1400" b="1">
+                <a:latin typeface="Calibri" panose="020F0502020204030204" pitchFamily="34" charset="0"/>
+                <a:ea typeface="宋体" panose="02010600030101010101" pitchFamily="2" charset="-122"/>
+              </a:rPr>
+              <a:t>IPO</a:t>
+            </a:r>
+            <a:r>
+              <a:rPr lang="zh-CN" sz="1400" b="1">
+                <a:latin typeface="Calibri" panose="020F0502020204030204" pitchFamily="34" charset="0"/>
+                <a:ea typeface="宋体" panose="02010600030101010101" pitchFamily="2" charset="-122"/>
+              </a:rPr>
+              <a:t>表</a:t>
+            </a:r>
+            <a:r>
+              <a:rPr lang="zh-CN" sz="1050" b="0">
+                <a:latin typeface="Calibri" panose="020F0502020204030204" pitchFamily="34" charset="0"/>
+                <a:ea typeface="宋体" panose="02010600030101010101" pitchFamily="2" charset="-122"/>
+              </a:rPr>
+              <a:t>+系统名：历史记录+输入：点击模块+输出：相应的历史记录+处理内容：调出历史记录</a:t>
+            </a:r>
+            <a:r>
+              <a:rPr lang="en-US" sz="1400" b="1">
+                <a:latin typeface="宋体" panose="02010600030101010101" pitchFamily="2" charset="-122"/>
+                <a:ea typeface="宋体" panose="02010600030101010101" pitchFamily="2" charset="-122"/>
+              </a:rPr>
+              <a:t>+1.1.3 </a:t>
+            </a:r>
+            <a:r>
+              <a:rPr lang="zh-CN" sz="1400" b="1">
+                <a:latin typeface="Calibri" panose="020F0502020204030204" pitchFamily="34" charset="0"/>
+                <a:ea typeface="宋体" panose="02010600030101010101" pitchFamily="2" charset="-122"/>
+                <a:cs typeface="Times New Roman" panose="02020603050405020304" pitchFamily="18" charset="0"/>
+              </a:rPr>
+              <a:t>“识别图像历史记录”</a:t>
+            </a:r>
+            <a:r>
+              <a:rPr lang="en-US" sz="1400" b="1">
+                <a:latin typeface="Calibri" panose="020F0502020204030204" pitchFamily="34" charset="0"/>
+                <a:ea typeface="宋体" panose="02010600030101010101" pitchFamily="2" charset="-122"/>
+              </a:rPr>
+              <a:t>IPO</a:t>
+            </a:r>
+            <a:r>
+              <a:rPr lang="zh-CN" sz="1400" b="1">
+                <a:latin typeface="Calibri" panose="020F0502020204030204" pitchFamily="34" charset="0"/>
+                <a:ea typeface="宋体" panose="02010600030101010101" pitchFamily="2" charset="-122"/>
+              </a:rPr>
+              <a:t>表</a:t>
+            </a:r>
+            <a:r>
+              <a:rPr lang="zh-CN" sz="1050" b="0">
+                <a:latin typeface="Calibri" panose="020F0502020204030204" pitchFamily="34" charset="0"/>
+                <a:ea typeface="宋体" panose="02010600030101010101" pitchFamily="2" charset="-122"/>
+              </a:rPr>
+              <a:t>+系统名：历史记录+输入：点击模块+输出：相应的历史记录+处理内容：调出历史记录</a:t>
+            </a:r>
+            <a:endParaRPr lang="zh-CN" altLang="en-US"/>
+          </a:p>
+        </p:txBody>
+      </p:sp>
     </p:spTree>
   </p:cSld>
   <p:clrMapOvr>
@@ -25144,6 +25550,330 @@
             <a:pPr algn="ctr"/>
             <a:r>
               <a:rPr lang="en-US" sz="2400" dirty="0"/>
+              <a:t>2</a:t>
+            </a:r>
+            <a:endParaRPr lang="en-US" sz="2400" dirty="0"/>
+          </a:p>
+        </p:txBody>
+      </p:sp>
+      <p:sp>
+        <p:nvSpPr>
+          <p:cNvPr id="4" name="文本框 3"/>
+          <p:cNvSpPr txBox="1"/>
+          <p:nvPr/>
+        </p:nvSpPr>
+        <p:spPr>
+          <a:xfrm>
+            <a:off x="2206068" y="159851"/>
+            <a:ext cx="6052718" cy="501650"/>
+          </a:xfrm>
+          <a:prstGeom prst="rect">
+            <a:avLst/>
+          </a:prstGeom>
+          <a:noFill/>
+        </p:spPr>
+        <p:txBody>
+          <a:bodyPr wrap="square" rtlCol="0">
+            <a:spAutoFit/>
+          </a:bodyPr>
+          <a:lstStyle/>
+          <a:p>
+            <a:r>
+              <a:rPr lang="en-US" altLang="en-US" sz="2665" dirty="0">
+                <a:solidFill>
+                  <a:srgbClr val="183A5D"/>
+                </a:solidFill>
+                <a:latin typeface="微软雅黑" panose="020B0503020204020204" pitchFamily="34" charset="-122"/>
+                <a:ea typeface="微软雅黑" panose="020B0503020204020204" pitchFamily="34" charset="-122"/>
+              </a:rPr>
+              <a:t>需求获取及确认</a:t>
+            </a:r>
+            <a:endParaRPr lang="zh-CN" sz="2665" dirty="0">
+              <a:solidFill>
+                <a:srgbClr val="183A5D"/>
+              </a:solidFill>
+              <a:latin typeface="微软雅黑" panose="020B0503020204020204" pitchFamily="34" charset="-122"/>
+              <a:ea typeface="微软雅黑" panose="020B0503020204020204" pitchFamily="34" charset="-122"/>
+            </a:endParaRPr>
+          </a:p>
+        </p:txBody>
+      </p:sp>
+      <p:sp>
+        <p:nvSpPr>
+          <p:cNvPr id="100" name="文本框 99"/>
+          <p:cNvSpPr txBox="1"/>
+          <p:nvPr/>
+        </p:nvSpPr>
+        <p:spPr>
+          <a:xfrm>
+            <a:off x="1319530" y="1054735"/>
+            <a:ext cx="9742805" cy="5015865"/>
+          </a:xfrm>
+          <a:prstGeom prst="rect">
+            <a:avLst/>
+          </a:prstGeom>
+          <a:noFill/>
+          <a:ln w="9525">
+            <a:noFill/>
+          </a:ln>
+        </p:spPr>
+        <p:txBody>
+          <a:bodyPr wrap="square">
+            <a:spAutoFit/>
+          </a:bodyPr>
+          <a:p>
+            <a:pPr marL="457200" indent="-457200"/>
+            <a:r>
+              <a:rPr lang="zh-CN" sz="2000" b="1">
+                <a:latin typeface="Calibri" panose="020F0502020204030204" pitchFamily="34" charset="0"/>
+                <a:ea typeface="宋体" panose="02010600030101010101" pitchFamily="2" charset="-122"/>
+                <a:cs typeface="Times New Roman" panose="02020603050405020304" pitchFamily="18" charset="0"/>
+              </a:rPr>
+              <a:t>“识别图像”</a:t>
+            </a:r>
+            <a:r>
+              <a:rPr lang="en-US" sz="2000" b="1">
+                <a:latin typeface="Calibri" panose="020F0502020204030204" pitchFamily="34" charset="0"/>
+                <a:ea typeface="宋体" panose="02010600030101010101" pitchFamily="2" charset="-122"/>
+              </a:rPr>
+              <a:t>IPO</a:t>
+            </a:r>
+            <a:r>
+              <a:rPr lang="zh-CN" sz="2000" b="1">
+                <a:latin typeface="Calibri" panose="020F0502020204030204" pitchFamily="34" charset="0"/>
+                <a:ea typeface="宋体" panose="02010600030101010101" pitchFamily="2" charset="-122"/>
+              </a:rPr>
+              <a:t>表</a:t>
+            </a:r>
+            <a:r>
+              <a:rPr lang="zh-CN" sz="2000" b="0">
+                <a:latin typeface="Calibri" panose="020F0502020204030204" pitchFamily="34" charset="0"/>
+                <a:ea typeface="宋体" panose="02010600030101010101" pitchFamily="2" charset="-122"/>
+              </a:rPr>
+              <a:t>+系统名：识别图像+输入：拍照或者从图库中选中的图片+输出：对应识别结果以及相关信息+处理内容：如果识别失败，则显示识别失败</a:t>
+            </a:r>
+            <a:r>
+              <a:rPr lang="en-US" sz="2000" b="0">
+                <a:latin typeface="Calibri" panose="020F0502020204030204" pitchFamily="34" charset="0"/>
+                <a:ea typeface="宋体" panose="02010600030101010101" pitchFamily="2" charset="-122"/>
+                <a:cs typeface="Times New Roman" panose="02020603050405020304" pitchFamily="18" charset="0"/>
+              </a:rPr>
+              <a:t>+  </a:t>
+            </a:r>
+            <a:r>
+              <a:rPr lang="zh-CN" sz="2000" b="0">
+                <a:latin typeface="Calibri" panose="020F0502020204030204" pitchFamily="34" charset="0"/>
+                <a:ea typeface="宋体" panose="02010600030101010101" pitchFamily="2" charset="-122"/>
+              </a:rPr>
+              <a:t>如果识别成功，调用出相关列表以及相关信息</a:t>
+            </a:r>
+            <a:endParaRPr lang="zh-CN" sz="2000" b="0">
+              <a:latin typeface="Calibri" panose="020F0502020204030204" pitchFamily="34" charset="0"/>
+              <a:ea typeface="宋体" panose="02010600030101010101" pitchFamily="2" charset="-122"/>
+            </a:endParaRPr>
+          </a:p>
+          <a:p>
+            <a:pPr marL="457200" indent="-457200"/>
+            <a:r>
+              <a:rPr lang="zh-CN" sz="2000" b="1">
+                <a:latin typeface="Calibri" panose="020F0502020204030204" pitchFamily="34" charset="0"/>
+                <a:ea typeface="宋体" panose="02010600030101010101" pitchFamily="2" charset="-122"/>
+                <a:cs typeface="Times New Roman" panose="02020603050405020304" pitchFamily="18" charset="0"/>
+              </a:rPr>
+              <a:t>“识别图像历史记录”</a:t>
+            </a:r>
+            <a:r>
+              <a:rPr lang="en-US" sz="2000" b="1">
+                <a:latin typeface="Calibri" panose="020F0502020204030204" pitchFamily="34" charset="0"/>
+                <a:ea typeface="宋体" panose="02010600030101010101" pitchFamily="2" charset="-122"/>
+              </a:rPr>
+              <a:t>IPO</a:t>
+            </a:r>
+            <a:r>
+              <a:rPr lang="zh-CN" sz="2000" b="1">
+                <a:latin typeface="Calibri" panose="020F0502020204030204" pitchFamily="34" charset="0"/>
+                <a:ea typeface="宋体" panose="02010600030101010101" pitchFamily="2" charset="-122"/>
+              </a:rPr>
+              <a:t>表</a:t>
+            </a:r>
+            <a:r>
+              <a:rPr lang="zh-CN" sz="2000" b="0">
+                <a:latin typeface="Calibri" panose="020F0502020204030204" pitchFamily="34" charset="0"/>
+                <a:ea typeface="宋体" panose="02010600030101010101" pitchFamily="2" charset="-122"/>
+              </a:rPr>
+              <a:t>+系统名：历史记录+输入：点击模块+输出：相应的历史记录+处理内容：调出历史记录</a:t>
+            </a:r>
+            <a:endParaRPr lang="zh-CN" sz="2000" b="0">
+              <a:latin typeface="Calibri" panose="020F0502020204030204" pitchFamily="34" charset="0"/>
+              <a:ea typeface="宋体" panose="02010600030101010101" pitchFamily="2" charset="-122"/>
+            </a:endParaRPr>
+          </a:p>
+          <a:p>
+            <a:pPr marL="457200" indent="-457200"/>
+            <a:r>
+              <a:rPr lang="zh-CN" sz="2000" b="1">
+                <a:latin typeface="Calibri" panose="020F0502020204030204" pitchFamily="34" charset="0"/>
+                <a:ea typeface="宋体" panose="02010600030101010101" pitchFamily="2" charset="-122"/>
+                <a:cs typeface="Times New Roman" panose="02020603050405020304" pitchFamily="18" charset="0"/>
+              </a:rPr>
+              <a:t>“识别图像历史记录”</a:t>
+            </a:r>
+            <a:r>
+              <a:rPr lang="en-US" sz="2000" b="1">
+                <a:latin typeface="Calibri" panose="020F0502020204030204" pitchFamily="34" charset="0"/>
+                <a:ea typeface="宋体" panose="02010600030101010101" pitchFamily="2" charset="-122"/>
+              </a:rPr>
+              <a:t>IPO</a:t>
+            </a:r>
+            <a:r>
+              <a:rPr lang="zh-CN" sz="2000" b="1">
+                <a:latin typeface="Calibri" panose="020F0502020204030204" pitchFamily="34" charset="0"/>
+                <a:ea typeface="宋体" panose="02010600030101010101" pitchFamily="2" charset="-122"/>
+              </a:rPr>
+              <a:t>表</a:t>
+            </a:r>
+            <a:r>
+              <a:rPr lang="zh-CN" sz="2000" b="0">
+                <a:latin typeface="Calibri" panose="020F0502020204030204" pitchFamily="34" charset="0"/>
+                <a:ea typeface="宋体" panose="02010600030101010101" pitchFamily="2" charset="-122"/>
+              </a:rPr>
+              <a:t>+系统名：历史记录+输入：点击模块+输出：相应的历史记录+处理内容：调出历史记录</a:t>
+            </a:r>
+            <a:endParaRPr lang="zh-CN" altLang="en-US" sz="2000"/>
+          </a:p>
+        </p:txBody>
+      </p:sp>
+    </p:spTree>
+  </p:cSld>
+  <p:clrMapOvr>
+    <a:masterClrMapping/>
+  </p:clrMapOvr>
+  <p:transition spd="slow" advClick="0" advTm="0">
+    <p:wipe/>
+  </p:transition>
+</p:sld>
+</file>
+
+<file path=ppt/slides/slide7.xml><?xml version="1.0" encoding="utf-8"?>
+<p:sld xmlns:a="http://schemas.openxmlformats.org/drawingml/2006/main" xmlns:r="http://schemas.openxmlformats.org/officeDocument/2006/relationships" xmlns:p="http://schemas.openxmlformats.org/presentationml/2006/main">
+  <p:cSld>
+    <p:spTree>
+      <p:nvGrpSpPr>
+        <p:cNvPr id="1" name=""/>
+        <p:cNvGrpSpPr/>
+        <p:nvPr/>
+      </p:nvGrpSpPr>
+      <p:grpSpPr>
+        <a:xfrm>
+          <a:off x="0" y="0"/>
+          <a:ext cx="0" cy="0"/>
+          <a:chOff x="0" y="0"/>
+          <a:chExt cx="0" cy="0"/>
+        </a:xfrm>
+      </p:grpSpPr>
+      <p:sp>
+        <p:nvSpPr>
+          <p:cNvPr id="2" name="矩形 1"/>
+          <p:cNvSpPr/>
+          <p:nvPr/>
+        </p:nvSpPr>
+        <p:spPr>
+          <a:xfrm>
+            <a:off x="237030" y="1171"/>
+            <a:ext cx="1608415" cy="135446"/>
+          </a:xfrm>
+          <a:prstGeom prst="rect">
+            <a:avLst/>
+          </a:prstGeom>
+          <a:solidFill>
+            <a:srgbClr val="183A5D"/>
+          </a:solidFill>
+          <a:ln>
+            <a:noFill/>
+          </a:ln>
+        </p:spPr>
+        <p:style>
+          <a:lnRef idx="2">
+            <a:schemeClr val="accent1">
+              <a:shade val="50000"/>
+            </a:schemeClr>
+          </a:lnRef>
+          <a:fillRef idx="1">
+            <a:schemeClr val="accent1"/>
+          </a:fillRef>
+          <a:effectRef idx="0">
+            <a:schemeClr val="accent1"/>
+          </a:effectRef>
+          <a:fontRef idx="minor">
+            <a:schemeClr val="lt1"/>
+          </a:fontRef>
+        </p:style>
+        <p:txBody>
+          <a:bodyPr rtlCol="0" anchor="ctr"/>
+          <a:lstStyle/>
+          <a:p>
+            <a:pPr algn="ctr"/>
+            <a:endParaRPr lang="zh-CN" altLang="en-US" sz="2800"/>
+          </a:p>
+        </p:txBody>
+      </p:sp>
+      <p:sp>
+        <p:nvSpPr>
+          <p:cNvPr id="3" name="矩形 2"/>
+          <p:cNvSpPr/>
+          <p:nvPr/>
+        </p:nvSpPr>
+        <p:spPr>
+          <a:xfrm>
+            <a:off x="237030" y="255131"/>
+            <a:ext cx="1608415" cy="406336"/>
+          </a:xfrm>
+          <a:prstGeom prst="rect">
+            <a:avLst/>
+          </a:prstGeom>
+          <a:solidFill>
+            <a:srgbClr val="183A5D"/>
+          </a:solidFill>
+          <a:ln>
+            <a:noFill/>
+          </a:ln>
+        </p:spPr>
+        <p:style>
+          <a:lnRef idx="2">
+            <a:schemeClr val="accent1">
+              <a:shade val="50000"/>
+            </a:schemeClr>
+          </a:lnRef>
+          <a:fillRef idx="1">
+            <a:schemeClr val="accent1"/>
+          </a:fillRef>
+          <a:effectRef idx="0">
+            <a:schemeClr val="accent1"/>
+          </a:effectRef>
+          <a:fontRef idx="minor">
+            <a:schemeClr val="lt1"/>
+          </a:fontRef>
+        </p:style>
+        <p:txBody>
+          <a:bodyPr rtlCol="0" anchor="ctr"/>
+          <a:lstStyle/>
+          <a:p>
+            <a:pPr algn="ctr"/>
+            <a:r>
+              <a:rPr lang="en-US" sz="2400" dirty="0"/>
               <a:t>3</a:t>
             </a:r>
             <a:endParaRPr lang="en-US" sz="2400" dirty="0"/>
@@ -25275,7 +26005,7 @@
 </p:sld>
 </file>
 
-<file path=ppt/slides/slide7.xml><?xml version="1.0" encoding="utf-8"?>
+<file path=ppt/slides/slide8.xml><?xml version="1.0" encoding="utf-8"?>
 <p:sld xmlns:a="http://schemas.openxmlformats.org/drawingml/2006/main" xmlns:r="http://schemas.openxmlformats.org/officeDocument/2006/relationships" xmlns:p="http://schemas.openxmlformats.org/presentationml/2006/main">
   <p:cSld>
     <p:spTree>
@@ -25513,7 +26243,7 @@
 </p:sld>
 </file>
 
-<file path=ppt/slides/slide8.xml><?xml version="1.0" encoding="utf-8"?>
+<file path=ppt/slides/slide9.xml><?xml version="1.0" encoding="utf-8"?>
 <p:sld xmlns:a="http://schemas.openxmlformats.org/drawingml/2006/main" xmlns:r="http://schemas.openxmlformats.org/officeDocument/2006/relationships" xmlns:p="http://schemas.openxmlformats.org/presentationml/2006/main">
   <p:cSld>
     <p:spTree>
@@ -25734,244 +26464,6 @@
           <a:xfrm>
             <a:off x="4253541" y="0"/>
             <a:ext cx="3683331" cy="6859588"/>
-          </a:xfrm>
-          <a:prstGeom prst="rect">
-            <a:avLst/>
-          </a:prstGeom>
-        </p:spPr>
-      </p:pic>
-    </p:spTree>
-  </p:cSld>
-  <p:clrMapOvr>
-    <a:masterClrMapping/>
-  </p:clrMapOvr>
-  <p:transition spd="slow" advClick="0" advTm="0">
-    <p:wipe/>
-  </p:transition>
-</p:sld>
-</file>
-
-<file path=ppt/slides/slide9.xml><?xml version="1.0" encoding="utf-8"?>
-<p:sld xmlns:a="http://schemas.openxmlformats.org/drawingml/2006/main" xmlns:r="http://schemas.openxmlformats.org/officeDocument/2006/relationships" xmlns:p="http://schemas.openxmlformats.org/presentationml/2006/main">
-  <p:cSld>
-    <p:spTree>
-      <p:nvGrpSpPr>
-        <p:cNvPr id="1" name=""/>
-        <p:cNvGrpSpPr/>
-        <p:nvPr/>
-      </p:nvGrpSpPr>
-      <p:grpSpPr>
-        <a:xfrm>
-          <a:off x="0" y="0"/>
-          <a:ext cx="0" cy="0"/>
-          <a:chOff x="0" y="0"/>
-          <a:chExt cx="0" cy="0"/>
-        </a:xfrm>
-      </p:grpSpPr>
-      <p:sp>
-        <p:nvSpPr>
-          <p:cNvPr id="2" name="矩形 1"/>
-          <p:cNvSpPr/>
-          <p:nvPr/>
-        </p:nvSpPr>
-        <p:spPr>
-          <a:xfrm>
-            <a:off x="237030" y="1171"/>
-            <a:ext cx="1608415" cy="135446"/>
-          </a:xfrm>
-          <a:prstGeom prst="rect">
-            <a:avLst/>
-          </a:prstGeom>
-          <a:solidFill>
-            <a:srgbClr val="183A5D"/>
-          </a:solidFill>
-          <a:ln>
-            <a:noFill/>
-          </a:ln>
-        </p:spPr>
-        <p:style>
-          <a:lnRef idx="2">
-            <a:schemeClr val="accent1">
-              <a:shade val="50000"/>
-            </a:schemeClr>
-          </a:lnRef>
-          <a:fillRef idx="1">
-            <a:schemeClr val="accent1"/>
-          </a:fillRef>
-          <a:effectRef idx="0">
-            <a:schemeClr val="accent1"/>
-          </a:effectRef>
-          <a:fontRef idx="minor">
-            <a:schemeClr val="lt1"/>
-          </a:fontRef>
-        </p:style>
-        <p:txBody>
-          <a:bodyPr rtlCol="0" anchor="ctr"/>
-          <a:lstStyle/>
-          <a:p>
-            <a:pPr algn="ctr"/>
-            <a:endParaRPr lang="zh-CN" altLang="en-US" sz="2800"/>
-          </a:p>
-        </p:txBody>
-      </p:sp>
-      <p:sp>
-        <p:nvSpPr>
-          <p:cNvPr id="3" name="矩形 2"/>
-          <p:cNvSpPr/>
-          <p:nvPr/>
-        </p:nvSpPr>
-        <p:spPr>
-          <a:xfrm>
-            <a:off x="237030" y="255131"/>
-            <a:ext cx="1608415" cy="406336"/>
-          </a:xfrm>
-          <a:prstGeom prst="rect">
-            <a:avLst/>
-          </a:prstGeom>
-          <a:solidFill>
-            <a:srgbClr val="183A5D"/>
-          </a:solidFill>
-          <a:ln>
-            <a:noFill/>
-          </a:ln>
-        </p:spPr>
-        <p:style>
-          <a:lnRef idx="2">
-            <a:schemeClr val="accent1">
-              <a:shade val="50000"/>
-            </a:schemeClr>
-          </a:lnRef>
-          <a:fillRef idx="1">
-            <a:schemeClr val="accent1"/>
-          </a:fillRef>
-          <a:effectRef idx="0">
-            <a:schemeClr val="accent1"/>
-          </a:effectRef>
-          <a:fontRef idx="minor">
-            <a:schemeClr val="lt1"/>
-          </a:fontRef>
-        </p:style>
-        <p:txBody>
-          <a:bodyPr rtlCol="0" anchor="ctr"/>
-          <a:lstStyle/>
-          <a:p>
-            <a:pPr algn="ctr"/>
-            <a:r>
-              <a:rPr lang="en-US" sz="2400" dirty="0"/>
-              <a:t>3</a:t>
-            </a:r>
-            <a:endParaRPr lang="en-US" sz="2400" dirty="0"/>
-          </a:p>
-        </p:txBody>
-      </p:sp>
-      <p:sp>
-        <p:nvSpPr>
-          <p:cNvPr id="4" name="文本框 3"/>
-          <p:cNvSpPr txBox="1"/>
-          <p:nvPr/>
-        </p:nvSpPr>
-        <p:spPr>
-          <a:xfrm>
-            <a:off x="2206068" y="159851"/>
-            <a:ext cx="6052718" cy="501650"/>
-          </a:xfrm>
-          <a:prstGeom prst="rect">
-            <a:avLst/>
-          </a:prstGeom>
-          <a:noFill/>
-        </p:spPr>
-        <p:txBody>
-          <a:bodyPr wrap="square" rtlCol="0">
-            <a:spAutoFit/>
-          </a:bodyPr>
-          <a:lstStyle/>
-          <a:p>
-            <a:r>
-              <a:rPr lang="en-US" altLang="en-US" sz="2665" dirty="0">
-                <a:solidFill>
-                  <a:srgbClr val="183A5D"/>
-                </a:solidFill>
-                <a:latin typeface="微软雅黑" panose="020B0503020204020204" pitchFamily="34" charset="-122"/>
-                <a:ea typeface="微软雅黑" panose="020B0503020204020204" pitchFamily="34" charset="-122"/>
-              </a:rPr>
-              <a:t>界面原型</a:t>
-            </a:r>
-            <a:endParaRPr lang="zh-CN" sz="2665" dirty="0">
-              <a:solidFill>
-                <a:srgbClr val="183A5D"/>
-              </a:solidFill>
-              <a:latin typeface="微软雅黑" panose="020B0503020204020204" pitchFamily="34" charset="-122"/>
-              <a:ea typeface="微软雅黑" panose="020B0503020204020204" pitchFamily="34" charset="-122"/>
-            </a:endParaRPr>
-          </a:p>
-        </p:txBody>
-      </p:sp>
-      <p:sp>
-        <p:nvSpPr>
-          <p:cNvPr id="8" name="文本框 7"/>
-          <p:cNvSpPr txBox="1"/>
-          <p:nvPr/>
-        </p:nvSpPr>
-        <p:spPr>
-          <a:xfrm>
-            <a:off x="8037539" y="5734050"/>
-            <a:ext cx="6052718" cy="501650"/>
-          </a:xfrm>
-          <a:prstGeom prst="rect">
-            <a:avLst/>
-          </a:prstGeom>
-          <a:noFill/>
-        </p:spPr>
-        <p:txBody>
-          <a:bodyPr wrap="square" rtlCol="0">
-            <a:spAutoFit/>
-          </a:bodyPr>
-          <a:lstStyle/>
-          <a:p>
-            <a:r>
-              <a:rPr lang="en-US" altLang="en-US" sz="2665" dirty="0">
-                <a:solidFill>
-                  <a:srgbClr val="183A5D"/>
-                </a:solidFill>
-                <a:latin typeface="微软雅黑" panose="020B0503020204020204" pitchFamily="34" charset="-122"/>
-                <a:ea typeface="微软雅黑" panose="020B0503020204020204" pitchFamily="34" charset="-122"/>
-              </a:rPr>
-              <a:t>详见界面原型—识别结果</a:t>
-            </a:r>
-            <a:endParaRPr lang="zh-CN" sz="2665" dirty="0">
-              <a:solidFill>
-                <a:srgbClr val="183A5D"/>
-              </a:solidFill>
-              <a:latin typeface="微软雅黑" panose="020B0503020204020204" pitchFamily="34" charset="-122"/>
-              <a:ea typeface="微软雅黑" panose="020B0503020204020204" pitchFamily="34" charset="-122"/>
-            </a:endParaRPr>
-          </a:p>
-        </p:txBody>
-      </p:sp>
-      <p:pic>
-        <p:nvPicPr>
-          <p:cNvPr id="6" name="图片 5"/>
-          <p:cNvPicPr>
-            <a:picLocks noChangeAspect="1"/>
-          </p:cNvPicPr>
-          <p:nvPr/>
-        </p:nvPicPr>
-        <p:blipFill>
-          <a:blip r:embed="rId1">
-            <a:extLst>
-              <a:ext uri="{28A0092B-C50C-407E-A947-70E740481C1C}">
-                <a14:useLocalDpi xmlns:a14="http://schemas.microsoft.com/office/drawing/2010/main" val="0"/>
-              </a:ext>
-            </a:extLst>
-          </a:blip>
-          <a:stretch>
-            <a:fillRect/>
-          </a:stretch>
-        </p:blipFill>
-        <p:spPr>
-          <a:xfrm>
-            <a:off x="4152874" y="0"/>
-            <a:ext cx="3884665" cy="6859588"/>
           </a:xfrm>
           <a:prstGeom prst="rect">
             <a:avLst/>
